--- a/Challenge1_GDACapstone_CyclistBikeshare_202209.pptx
+++ b/Challenge1_GDACapstone_CyclistBikeshare_202209.pptx
@@ -1,49 +1,50 @@
 
 <file path=ppt/presentation.xml><?xml version="1.0" encoding="utf-8"?>
-<p:presentation xmlns:a="http://schemas.openxmlformats.org/drawingml/2006/main" xmlns:r="http://schemas.openxmlformats.org/officeDocument/2006/relationships" xmlns:mc="http://schemas.openxmlformats.org/markup-compatibility/2006" xmlns:mv="urn:schemas-microsoft-com:mac:vml" xmlns:p="http://schemas.openxmlformats.org/presentationml/2006/main" xmlns:c="http://schemas.openxmlformats.org/drawingml/2006/chart" xmlns:dgm="http://schemas.openxmlformats.org/drawingml/2006/diagram" xmlns:o="urn:schemas-microsoft-com:office:office" xmlns:v="urn:schemas-microsoft-com:vml" xmlns:pvml="urn:schemas-microsoft-com:office:powerpoint" xmlns:com="http://schemas.openxmlformats.org/drawingml/2006/compatibility" xmlns:p14="http://schemas.microsoft.com/office/powerpoint/2010/main" xmlns:p15="http://schemas.microsoft.com/office/powerpoint/2012/main" xmlns:ahyp="http://schemas.microsoft.com/office/drawing/2018/hyperlinkcolor" autoCompressPictures="0" embedTrueTypeFonts="1" strictFirstAndLastChars="0" saveSubsetFonts="1">
+<p:presentation xmlns:a="http://schemas.openxmlformats.org/drawingml/2006/main" xmlns:r="http://schemas.openxmlformats.org/officeDocument/2006/relationships" xmlns:p="http://schemas.openxmlformats.org/presentationml/2006/main" strictFirstAndLastChars="0" embedTrueTypeFonts="1" saveSubsetFonts="1" autoCompressPictures="0">
   <p:sldMasterIdLst>
-    <p:sldMasterId id="2147483659" r:id="rId4"/>
+    <p:sldMasterId id="2147483659" r:id="rId1"/>
   </p:sldMasterIdLst>
   <p:notesMasterIdLst>
-    <p:notesMasterId r:id="rId5"/>
+    <p:notesMasterId r:id="rId18"/>
   </p:notesMasterIdLst>
   <p:sldIdLst>
-    <p:sldId id="256" r:id="rId6"/>
-    <p:sldId id="257" r:id="rId7"/>
-    <p:sldId id="258" r:id="rId8"/>
-    <p:sldId id="259" r:id="rId9"/>
-    <p:sldId id="260" r:id="rId10"/>
-    <p:sldId id="261" r:id="rId11"/>
-    <p:sldId id="262" r:id="rId12"/>
-    <p:sldId id="263" r:id="rId13"/>
-    <p:sldId id="264" r:id="rId14"/>
-    <p:sldId id="265" r:id="rId15"/>
-    <p:sldId id="266" r:id="rId16"/>
-    <p:sldId id="267" r:id="rId17"/>
-    <p:sldId id="268" r:id="rId18"/>
-    <p:sldId id="269" r:id="rId19"/>
-    <p:sldId id="270" r:id="rId20"/>
+    <p:sldId id="256" r:id="rId2"/>
+    <p:sldId id="271" r:id="rId3"/>
+    <p:sldId id="287" r:id="rId4"/>
+    <p:sldId id="272" r:id="rId5"/>
+    <p:sldId id="273" r:id="rId6"/>
+    <p:sldId id="274" r:id="rId7"/>
+    <p:sldId id="275" r:id="rId8"/>
+    <p:sldId id="276" r:id="rId9"/>
+    <p:sldId id="277" r:id="rId10"/>
+    <p:sldId id="278" r:id="rId11"/>
+    <p:sldId id="279" r:id="rId12"/>
+    <p:sldId id="280" r:id="rId13"/>
+    <p:sldId id="281" r:id="rId14"/>
+    <p:sldId id="282" r:id="rId15"/>
+    <p:sldId id="283" r:id="rId16"/>
+    <p:sldId id="270" r:id="rId17"/>
   </p:sldIdLst>
-  <p:sldSz cy="5143500" cx="9144000"/>
+  <p:sldSz cx="9144000" cy="5143500" type="screen16x9"/>
   <p:notesSz cx="6858000" cy="9144000"/>
   <p:embeddedFontLst>
     <p:embeddedFont>
-      <p:font typeface="Montserrat"/>
-      <p:regular r:id="rId21"/>
-      <p:bold r:id="rId22"/>
-      <p:italic r:id="rId23"/>
-      <p:boldItalic r:id="rId24"/>
+      <p:font typeface="Montserrat" panose="00000500000000000000" pitchFamily="2" charset="0"/>
+      <p:regular r:id="rId19"/>
+      <p:bold r:id="rId20"/>
+      <p:italic r:id="rId21"/>
+      <p:boldItalic r:id="rId22"/>
     </p:embeddedFont>
     <p:embeddedFont>
-      <p:font typeface="Open Sans"/>
-      <p:regular r:id="rId25"/>
-      <p:bold r:id="rId26"/>
-      <p:italic r:id="rId27"/>
-      <p:boldItalic r:id="rId28"/>
+      <p:font typeface="Open Sans" panose="020B0606030504020204" pitchFamily="34" charset="0"/>
+      <p:regular r:id="rId23"/>
+      <p:bold r:id="rId24"/>
+      <p:italic r:id="rId25"/>
+      <p:boldItalic r:id="rId26"/>
     </p:embeddedFont>
   </p:embeddedFontLst>
   <p:defaultTextStyle>
-    <a:defPPr lvl="0" marR="0" rtl="0" algn="l">
+    <a:defPPr marR="0" lvl="0" algn="l" rtl="0">
       <a:lnSpc>
         <a:spcPct val="100000"/>
       </a:lnSpc>
@@ -54,7 +55,7 @@
         <a:spcPts val="0"/>
       </a:spcAft>
     </a:defPPr>
-    <a:lvl1pPr lvl="0" marR="0" rtl="0" algn="l">
+    <a:lvl1pPr marR="0" lvl="0" algn="l" rtl="0">
       <a:lnSpc>
         <a:spcPct val="100000"/>
       </a:lnSpc>
@@ -68,7 +69,7 @@
         <a:srgbClr val="000000"/>
       </a:buClr>
       <a:buFont typeface="Arial"/>
-      <a:defRPr b="0" i="0" sz="1400" u="none" cap="none" strike="noStrike">
+      <a:defRPr sz="1400" b="0" i="0" u="none" strike="noStrike" cap="none">
         <a:solidFill>
           <a:srgbClr val="000000"/>
         </a:solidFill>
@@ -78,7 +79,7 @@
         <a:sym typeface="Arial"/>
       </a:defRPr>
     </a:lvl1pPr>
-    <a:lvl2pPr lvl="1" marR="0" rtl="0" algn="l">
+    <a:lvl2pPr marR="0" lvl="1" algn="l" rtl="0">
       <a:lnSpc>
         <a:spcPct val="100000"/>
       </a:lnSpc>
@@ -92,7 +93,7 @@
         <a:srgbClr val="000000"/>
       </a:buClr>
       <a:buFont typeface="Arial"/>
-      <a:defRPr b="0" i="0" sz="1400" u="none" cap="none" strike="noStrike">
+      <a:defRPr sz="1400" b="0" i="0" u="none" strike="noStrike" cap="none">
         <a:solidFill>
           <a:srgbClr val="000000"/>
         </a:solidFill>
@@ -102,7 +103,7 @@
         <a:sym typeface="Arial"/>
       </a:defRPr>
     </a:lvl2pPr>
-    <a:lvl3pPr lvl="2" marR="0" rtl="0" algn="l">
+    <a:lvl3pPr marR="0" lvl="2" algn="l" rtl="0">
       <a:lnSpc>
         <a:spcPct val="100000"/>
       </a:lnSpc>
@@ -116,7 +117,7 @@
         <a:srgbClr val="000000"/>
       </a:buClr>
       <a:buFont typeface="Arial"/>
-      <a:defRPr b="0" i="0" sz="1400" u="none" cap="none" strike="noStrike">
+      <a:defRPr sz="1400" b="0" i="0" u="none" strike="noStrike" cap="none">
         <a:solidFill>
           <a:srgbClr val="000000"/>
         </a:solidFill>
@@ -126,7 +127,7 @@
         <a:sym typeface="Arial"/>
       </a:defRPr>
     </a:lvl3pPr>
-    <a:lvl4pPr lvl="3" marR="0" rtl="0" algn="l">
+    <a:lvl4pPr marR="0" lvl="3" algn="l" rtl="0">
       <a:lnSpc>
         <a:spcPct val="100000"/>
       </a:lnSpc>
@@ -140,7 +141,7 @@
         <a:srgbClr val="000000"/>
       </a:buClr>
       <a:buFont typeface="Arial"/>
-      <a:defRPr b="0" i="0" sz="1400" u="none" cap="none" strike="noStrike">
+      <a:defRPr sz="1400" b="0" i="0" u="none" strike="noStrike" cap="none">
         <a:solidFill>
           <a:srgbClr val="000000"/>
         </a:solidFill>
@@ -150,7 +151,7 @@
         <a:sym typeface="Arial"/>
       </a:defRPr>
     </a:lvl4pPr>
-    <a:lvl5pPr lvl="4" marR="0" rtl="0" algn="l">
+    <a:lvl5pPr marR="0" lvl="4" algn="l" rtl="0">
       <a:lnSpc>
         <a:spcPct val="100000"/>
       </a:lnSpc>
@@ -164,7 +165,7 @@
         <a:srgbClr val="000000"/>
       </a:buClr>
       <a:buFont typeface="Arial"/>
-      <a:defRPr b="0" i="0" sz="1400" u="none" cap="none" strike="noStrike">
+      <a:defRPr sz="1400" b="0" i="0" u="none" strike="noStrike" cap="none">
         <a:solidFill>
           <a:srgbClr val="000000"/>
         </a:solidFill>
@@ -174,7 +175,7 @@
         <a:sym typeface="Arial"/>
       </a:defRPr>
     </a:lvl5pPr>
-    <a:lvl6pPr lvl="5" marR="0" rtl="0" algn="l">
+    <a:lvl6pPr marR="0" lvl="5" algn="l" rtl="0">
       <a:lnSpc>
         <a:spcPct val="100000"/>
       </a:lnSpc>
@@ -188,7 +189,7 @@
         <a:srgbClr val="000000"/>
       </a:buClr>
       <a:buFont typeface="Arial"/>
-      <a:defRPr b="0" i="0" sz="1400" u="none" cap="none" strike="noStrike">
+      <a:defRPr sz="1400" b="0" i="0" u="none" strike="noStrike" cap="none">
         <a:solidFill>
           <a:srgbClr val="000000"/>
         </a:solidFill>
@@ -198,7 +199,7 @@
         <a:sym typeface="Arial"/>
       </a:defRPr>
     </a:lvl6pPr>
-    <a:lvl7pPr lvl="6" marR="0" rtl="0" algn="l">
+    <a:lvl7pPr marR="0" lvl="6" algn="l" rtl="0">
       <a:lnSpc>
         <a:spcPct val="100000"/>
       </a:lnSpc>
@@ -212,7 +213,7 @@
         <a:srgbClr val="000000"/>
       </a:buClr>
       <a:buFont typeface="Arial"/>
-      <a:defRPr b="0" i="0" sz="1400" u="none" cap="none" strike="noStrike">
+      <a:defRPr sz="1400" b="0" i="0" u="none" strike="noStrike" cap="none">
         <a:solidFill>
           <a:srgbClr val="000000"/>
         </a:solidFill>
@@ -222,7 +223,7 @@
         <a:sym typeface="Arial"/>
       </a:defRPr>
     </a:lvl7pPr>
-    <a:lvl8pPr lvl="7" marR="0" rtl="0" algn="l">
+    <a:lvl8pPr marR="0" lvl="7" algn="l" rtl="0">
       <a:lnSpc>
         <a:spcPct val="100000"/>
       </a:lnSpc>
@@ -236,7 +237,7 @@
         <a:srgbClr val="000000"/>
       </a:buClr>
       <a:buFont typeface="Arial"/>
-      <a:defRPr b="0" i="0" sz="1400" u="none" cap="none" strike="noStrike">
+      <a:defRPr sz="1400" b="0" i="0" u="none" strike="noStrike" cap="none">
         <a:solidFill>
           <a:srgbClr val="000000"/>
         </a:solidFill>
@@ -246,7 +247,7 @@
         <a:sym typeface="Arial"/>
       </a:defRPr>
     </a:lvl8pPr>
-    <a:lvl9pPr lvl="8" marR="0" rtl="0" algn="l">
+    <a:lvl9pPr marR="0" lvl="8" algn="l" rtl="0">
       <a:lnSpc>
         <a:spcPct val="100000"/>
       </a:lnSpc>
@@ -260,7 +261,7 @@
         <a:srgbClr val="000000"/>
       </a:buClr>
       <a:buFont typeface="Arial"/>
-      <a:defRPr b="0" i="0" sz="1400" u="none" cap="none" strike="noStrike">
+      <a:defRPr sz="1400" b="0" i="0" u="none" strike="noStrike" cap="none">
         <a:solidFill>
           <a:srgbClr val="000000"/>
         </a:solidFill>
@@ -273,7 +274,7 @@
   </p:defaultTextStyle>
   <p:extLst>
     <p:ext uri="{EFAFB233-063F-42B5-8137-9DF3F51BA10A}">
-      <p15:sldGuideLst>
+      <p15:sldGuideLst xmlns:p15="http://schemas.microsoft.com/office/powerpoint/2012/main">
         <p15:guide id="1" orient="horz" pos="1620">
           <p15:clr>
             <a:srgbClr val="A4A3A4"/>
@@ -291,11 +292,16 @@
 </file>
 
 <file path=ppt/notesMasters/notesMaster1.xml><?xml version="1.0" encoding="utf-8"?>
-<p:notesMaster xmlns:a="http://schemas.openxmlformats.org/drawingml/2006/main" xmlns:r="http://schemas.openxmlformats.org/officeDocument/2006/relationships" xmlns:mc="http://schemas.openxmlformats.org/markup-compatibility/2006" xmlns:mv="urn:schemas-microsoft-com:mac:vml" xmlns:p="http://schemas.openxmlformats.org/presentationml/2006/main" xmlns:c="http://schemas.openxmlformats.org/drawingml/2006/chart" xmlns:dgm="http://schemas.openxmlformats.org/drawingml/2006/diagram" xmlns:o="urn:schemas-microsoft-com:office:office" xmlns:v="urn:schemas-microsoft-com:vml" xmlns:pvml="urn:schemas-microsoft-com:office:powerpoint" xmlns:com="http://schemas.openxmlformats.org/drawingml/2006/compatibility" xmlns:p14="http://schemas.microsoft.com/office/powerpoint/2010/main" xmlns:p15="http://schemas.microsoft.com/office/powerpoint/2012/main" xmlns:ahyp="http://schemas.microsoft.com/office/drawing/2018/hyperlinkcolor">
+<p:notesMaster xmlns:a="http://schemas.openxmlformats.org/drawingml/2006/main" xmlns:r="http://schemas.openxmlformats.org/officeDocument/2006/relationships" xmlns:p="http://schemas.openxmlformats.org/presentationml/2006/main">
   <p:cSld>
+    <p:bg>
+      <p:bgRef idx="1001">
+        <a:schemeClr val="bg1"/>
+      </p:bgRef>
+    </p:bg>
     <p:spTree>
       <p:nvGrpSpPr>
-        <p:cNvPr id="2" name="Shape 2"/>
+        <p:cNvPr id="1" name="Shape 2"/>
         <p:cNvGrpSpPr/>
         <p:nvPr/>
       </p:nvGrpSpPr>
@@ -310,9 +316,11 @@
       <p:sp>
         <p:nvSpPr>
           <p:cNvPr id="3" name="Google Shape;3;n"/>
-          <p:cNvSpPr/>
+          <p:cNvSpPr>
+            <a:spLocks noGrp="1" noRot="1" noChangeAspect="1"/>
+          </p:cNvSpPr>
           <p:nvPr>
-            <p:ph idx="2" type="sldImg"/>
+            <p:ph type="sldImg" idx="2"/>
           </p:nvPr>
         </p:nvSpPr>
         <p:spPr>
@@ -321,9 +329,13 @@
             <a:ext cx="6096075" cy="3429000"/>
           </a:xfrm>
           <a:custGeom>
-            <a:rect b="b" l="l" r="r" t="t"/>
+            <a:avLst/>
+            <a:gdLst/>
+            <a:ahLst/>
+            <a:cxnLst/>
+            <a:rect l="l" t="t" r="r" b="b"/>
             <a:pathLst>
-              <a:path extrusionOk="0" h="120000" w="120000">
+              <a:path w="120000" h="120000" extrusionOk="0">
                 <a:moveTo>
                   <a:pt x="0" y="0"/>
                 </a:moveTo>
@@ -341,23 +353,25 @@
             </a:pathLst>
           </a:custGeom>
           <a:noFill/>
-          <a:ln cap="flat" cmpd="sng" w="9525">
+          <a:ln w="9525" cap="flat" cmpd="sng">
             <a:solidFill>
               <a:srgbClr val="000000"/>
             </a:solidFill>
             <a:prstDash val="solid"/>
             <a:round/>
-            <a:headEnd len="sm" w="sm" type="none"/>
-            <a:tailEnd len="sm" w="sm" type="none"/>
+            <a:headEnd type="none" w="sm" len="sm"/>
+            <a:tailEnd type="none" w="sm" len="sm"/>
           </a:ln>
         </p:spPr>
       </p:sp>
       <p:sp>
         <p:nvSpPr>
           <p:cNvPr id="4" name="Google Shape;4;n"/>
-          <p:cNvSpPr txBox="1"/>
+          <p:cNvSpPr txBox="1">
+            <a:spLocks noGrp="1"/>
+          </p:cNvSpPr>
           <p:nvPr>
-            <p:ph idx="1" type="body"/>
+            <p:ph type="body" idx="1"/>
           </p:nvPr>
         </p:nvSpPr>
         <p:spPr>
@@ -374,11 +388,11 @@
           </a:ln>
         </p:spPr>
         <p:txBody>
-          <a:bodyPr anchorCtr="0" anchor="t" bIns="91425" lIns="91425" spcFirstLastPara="1" rIns="91425" wrap="square" tIns="91425">
+          <a:bodyPr spcFirstLastPara="1" wrap="square" lIns="91425" tIns="91425" rIns="91425" bIns="91425" anchor="t" anchorCtr="0">
             <a:noAutofit/>
           </a:bodyPr>
           <a:lstStyle>
-            <a:lvl1pPr indent="-298450" lvl="0" marL="457200">
+            <a:lvl1pPr marL="457200" lvl="0" indent="-298450">
               <a:spcBef>
                 <a:spcPts val="0"/>
               </a:spcBef>
@@ -389,7 +403,7 @@
               <a:buChar char="●"/>
               <a:defRPr sz="1100"/>
             </a:lvl1pPr>
-            <a:lvl2pPr indent="-298450" lvl="1" marL="914400">
+            <a:lvl2pPr marL="914400" lvl="1" indent="-298450">
               <a:spcBef>
                 <a:spcPts val="0"/>
               </a:spcBef>
@@ -400,7 +414,7 @@
               <a:buChar char="○"/>
               <a:defRPr sz="1100"/>
             </a:lvl2pPr>
-            <a:lvl3pPr indent="-298450" lvl="2" marL="1371600">
+            <a:lvl3pPr marL="1371600" lvl="2" indent="-298450">
               <a:spcBef>
                 <a:spcPts val="0"/>
               </a:spcBef>
@@ -411,7 +425,7 @@
               <a:buChar char="■"/>
               <a:defRPr sz="1100"/>
             </a:lvl3pPr>
-            <a:lvl4pPr indent="-298450" lvl="3" marL="1828800">
+            <a:lvl4pPr marL="1828800" lvl="3" indent="-298450">
               <a:spcBef>
                 <a:spcPts val="0"/>
               </a:spcBef>
@@ -422,7 +436,7 @@
               <a:buChar char="●"/>
               <a:defRPr sz="1100"/>
             </a:lvl4pPr>
-            <a:lvl5pPr indent="-298450" lvl="4" marL="2286000">
+            <a:lvl5pPr marL="2286000" lvl="4" indent="-298450">
               <a:spcBef>
                 <a:spcPts val="0"/>
               </a:spcBef>
@@ -433,7 +447,7 @@
               <a:buChar char="○"/>
               <a:defRPr sz="1100"/>
             </a:lvl5pPr>
-            <a:lvl6pPr indent="-298450" lvl="5" marL="2743200">
+            <a:lvl6pPr marL="2743200" lvl="5" indent="-298450">
               <a:spcBef>
                 <a:spcPts val="0"/>
               </a:spcBef>
@@ -444,7 +458,7 @@
               <a:buChar char="■"/>
               <a:defRPr sz="1100"/>
             </a:lvl6pPr>
-            <a:lvl7pPr indent="-298450" lvl="6" marL="3200400">
+            <a:lvl7pPr marL="3200400" lvl="6" indent="-298450">
               <a:spcBef>
                 <a:spcPts val="0"/>
               </a:spcBef>
@@ -455,7 +469,7 @@
               <a:buChar char="●"/>
               <a:defRPr sz="1100"/>
             </a:lvl7pPr>
-            <a:lvl8pPr indent="-298450" lvl="7" marL="3657600">
+            <a:lvl8pPr marL="3657600" lvl="7" indent="-298450">
               <a:spcBef>
                 <a:spcPts val="0"/>
               </a:spcBef>
@@ -466,7 +480,7 @@
               <a:buChar char="○"/>
               <a:defRPr sz="1100"/>
             </a:lvl8pPr>
-            <a:lvl9pPr indent="-298450" lvl="8" marL="4114800">
+            <a:lvl9pPr marL="4114800" lvl="8" indent="-298450">
               <a:spcBef>
                 <a:spcPts val="0"/>
               </a:spcBef>
@@ -478,14 +492,16 @@
               <a:defRPr sz="1100"/>
             </a:lvl9pPr>
           </a:lstStyle>
-          <a:p/>
+          <a:p>
+            <a:endParaRPr/>
+          </a:p>
         </p:txBody>
       </p:sp>
     </p:spTree>
   </p:cSld>
-  <p:clrMap accent1="accent1" accent2="accent2" accent3="accent3" accent4="accent4" accent5="accent5" accent6="accent6" bg1="lt1" bg2="dk2" tx1="dk1" tx2="lt2" folHlink="folHlink" hlink="hlink"/>
+  <p:clrMap bg1="lt1" tx1="dk1" bg2="dk2" tx2="lt2" accent1="accent1" accent2="accent2" accent3="accent3" accent4="accent4" accent5="accent5" accent6="accent6" hlink="hlink" folHlink="folHlink"/>
   <p:notesStyle>
-    <a:defPPr lvl="0" marR="0" rtl="0" algn="l">
+    <a:defPPr marR="0" lvl="0" algn="l" rtl="0">
       <a:lnSpc>
         <a:spcPct val="100000"/>
       </a:lnSpc>
@@ -496,7 +512,7 @@
         <a:spcPts val="0"/>
       </a:spcAft>
     </a:defPPr>
-    <a:lvl1pPr lvl="0" marR="0" rtl="0" algn="l">
+    <a:lvl1pPr marR="0" lvl="0" algn="l" rtl="0">
       <a:lnSpc>
         <a:spcPct val="100000"/>
       </a:lnSpc>
@@ -510,7 +526,7 @@
         <a:srgbClr val="000000"/>
       </a:buClr>
       <a:buFont typeface="Arial"/>
-      <a:defRPr b="0" i="0" sz="1400" u="none" cap="none" strike="noStrike">
+      <a:defRPr sz="1400" b="0" i="0" u="none" strike="noStrike" cap="none">
         <a:solidFill>
           <a:srgbClr val="000000"/>
         </a:solidFill>
@@ -520,7 +536,7 @@
         <a:sym typeface="Arial"/>
       </a:defRPr>
     </a:lvl1pPr>
-    <a:lvl2pPr lvl="1" marR="0" rtl="0" algn="l">
+    <a:lvl2pPr marR="0" lvl="1" algn="l" rtl="0">
       <a:lnSpc>
         <a:spcPct val="100000"/>
       </a:lnSpc>
@@ -534,7 +550,7 @@
         <a:srgbClr val="000000"/>
       </a:buClr>
       <a:buFont typeface="Arial"/>
-      <a:defRPr b="0" i="0" sz="1400" u="none" cap="none" strike="noStrike">
+      <a:defRPr sz="1400" b="0" i="0" u="none" strike="noStrike" cap="none">
         <a:solidFill>
           <a:srgbClr val="000000"/>
         </a:solidFill>
@@ -544,7 +560,7 @@
         <a:sym typeface="Arial"/>
       </a:defRPr>
     </a:lvl2pPr>
-    <a:lvl3pPr lvl="2" marR="0" rtl="0" algn="l">
+    <a:lvl3pPr marR="0" lvl="2" algn="l" rtl="0">
       <a:lnSpc>
         <a:spcPct val="100000"/>
       </a:lnSpc>
@@ -558,7 +574,7 @@
         <a:srgbClr val="000000"/>
       </a:buClr>
       <a:buFont typeface="Arial"/>
-      <a:defRPr b="0" i="0" sz="1400" u="none" cap="none" strike="noStrike">
+      <a:defRPr sz="1400" b="0" i="0" u="none" strike="noStrike" cap="none">
         <a:solidFill>
           <a:srgbClr val="000000"/>
         </a:solidFill>
@@ -568,7 +584,7 @@
         <a:sym typeface="Arial"/>
       </a:defRPr>
     </a:lvl3pPr>
-    <a:lvl4pPr lvl="3" marR="0" rtl="0" algn="l">
+    <a:lvl4pPr marR="0" lvl="3" algn="l" rtl="0">
       <a:lnSpc>
         <a:spcPct val="100000"/>
       </a:lnSpc>
@@ -582,7 +598,7 @@
         <a:srgbClr val="000000"/>
       </a:buClr>
       <a:buFont typeface="Arial"/>
-      <a:defRPr b="0" i="0" sz="1400" u="none" cap="none" strike="noStrike">
+      <a:defRPr sz="1400" b="0" i="0" u="none" strike="noStrike" cap="none">
         <a:solidFill>
           <a:srgbClr val="000000"/>
         </a:solidFill>
@@ -592,7 +608,7 @@
         <a:sym typeface="Arial"/>
       </a:defRPr>
     </a:lvl4pPr>
-    <a:lvl5pPr lvl="4" marR="0" rtl="0" algn="l">
+    <a:lvl5pPr marR="0" lvl="4" algn="l" rtl="0">
       <a:lnSpc>
         <a:spcPct val="100000"/>
       </a:lnSpc>
@@ -606,7 +622,7 @@
         <a:srgbClr val="000000"/>
       </a:buClr>
       <a:buFont typeface="Arial"/>
-      <a:defRPr b="0" i="0" sz="1400" u="none" cap="none" strike="noStrike">
+      <a:defRPr sz="1400" b="0" i="0" u="none" strike="noStrike" cap="none">
         <a:solidFill>
           <a:srgbClr val="000000"/>
         </a:solidFill>
@@ -616,7 +632,7 @@
         <a:sym typeface="Arial"/>
       </a:defRPr>
     </a:lvl5pPr>
-    <a:lvl6pPr lvl="5" marR="0" rtl="0" algn="l">
+    <a:lvl6pPr marR="0" lvl="5" algn="l" rtl="0">
       <a:lnSpc>
         <a:spcPct val="100000"/>
       </a:lnSpc>
@@ -630,7 +646,7 @@
         <a:srgbClr val="000000"/>
       </a:buClr>
       <a:buFont typeface="Arial"/>
-      <a:defRPr b="0" i="0" sz="1400" u="none" cap="none" strike="noStrike">
+      <a:defRPr sz="1400" b="0" i="0" u="none" strike="noStrike" cap="none">
         <a:solidFill>
           <a:srgbClr val="000000"/>
         </a:solidFill>
@@ -640,7 +656,7 @@
         <a:sym typeface="Arial"/>
       </a:defRPr>
     </a:lvl6pPr>
-    <a:lvl7pPr lvl="6" marR="0" rtl="0" algn="l">
+    <a:lvl7pPr marR="0" lvl="6" algn="l" rtl="0">
       <a:lnSpc>
         <a:spcPct val="100000"/>
       </a:lnSpc>
@@ -654,7 +670,7 @@
         <a:srgbClr val="000000"/>
       </a:buClr>
       <a:buFont typeface="Arial"/>
-      <a:defRPr b="0" i="0" sz="1400" u="none" cap="none" strike="noStrike">
+      <a:defRPr sz="1400" b="0" i="0" u="none" strike="noStrike" cap="none">
         <a:solidFill>
           <a:srgbClr val="000000"/>
         </a:solidFill>
@@ -664,7 +680,7 @@
         <a:sym typeface="Arial"/>
       </a:defRPr>
     </a:lvl7pPr>
-    <a:lvl8pPr lvl="7" marR="0" rtl="0" algn="l">
+    <a:lvl8pPr marR="0" lvl="7" algn="l" rtl="0">
       <a:lnSpc>
         <a:spcPct val="100000"/>
       </a:lnSpc>
@@ -678,7 +694,7 @@
         <a:srgbClr val="000000"/>
       </a:buClr>
       <a:buFont typeface="Arial"/>
-      <a:defRPr b="0" i="0" sz="1400" u="none" cap="none" strike="noStrike">
+      <a:defRPr sz="1400" b="0" i="0" u="none" strike="noStrike" cap="none">
         <a:solidFill>
           <a:srgbClr val="000000"/>
         </a:solidFill>
@@ -688,7 +704,7 @@
         <a:sym typeface="Arial"/>
       </a:defRPr>
     </a:lvl8pPr>
-    <a:lvl9pPr lvl="8" marR="0" rtl="0" algn="l">
+    <a:lvl9pPr marR="0" lvl="8" algn="l" rtl="0">
       <a:lnSpc>
         <a:spcPct val="100000"/>
       </a:lnSpc>
@@ -702,7 +718,7 @@
         <a:srgbClr val="000000"/>
       </a:buClr>
       <a:buFont typeface="Arial"/>
-      <a:defRPr b="0" i="0" sz="1400" u="none" cap="none" strike="noStrike">
+      <a:defRPr sz="1400" b="0" i="0" u="none" strike="noStrike" cap="none">
         <a:solidFill>
           <a:srgbClr val="000000"/>
         </a:solidFill>
@@ -717,11 +733,11 @@
 </file>
 
 <file path=ppt/notesSlides/notesSlide1.xml><?xml version="1.0" encoding="utf-8"?>
-<p:notes xmlns:a="http://schemas.openxmlformats.org/drawingml/2006/main" xmlns:r="http://schemas.openxmlformats.org/officeDocument/2006/relationships" xmlns:mc="http://schemas.openxmlformats.org/markup-compatibility/2006" xmlns:mv="urn:schemas-microsoft-com:mac:vml" xmlns:p="http://schemas.openxmlformats.org/presentationml/2006/main" xmlns:c="http://schemas.openxmlformats.org/drawingml/2006/chart" xmlns:dgm="http://schemas.openxmlformats.org/drawingml/2006/diagram" xmlns:o="urn:schemas-microsoft-com:office:office" xmlns:v="urn:schemas-microsoft-com:vml" xmlns:pvml="urn:schemas-microsoft-com:office:powerpoint" xmlns:com="http://schemas.openxmlformats.org/drawingml/2006/compatibility" xmlns:p14="http://schemas.microsoft.com/office/powerpoint/2010/main" xmlns:p15="http://schemas.microsoft.com/office/powerpoint/2012/main" xmlns:ahyp="http://schemas.microsoft.com/office/drawing/2018/hyperlinkcolor" showMasterPhAnim="0" showMasterSp="0">
+<p:notes xmlns:a="http://schemas.openxmlformats.org/drawingml/2006/main" xmlns:r="http://schemas.openxmlformats.org/officeDocument/2006/relationships" xmlns:p="http://schemas.openxmlformats.org/presentationml/2006/main" showMasterSp="0" showMasterPhAnim="0">
   <p:cSld>
     <p:spTree>
       <p:nvGrpSpPr>
-        <p:cNvPr id="50" name="Shape 50"/>
+        <p:cNvPr id="1" name="Shape 50"/>
         <p:cNvGrpSpPr/>
         <p:nvPr/>
       </p:nvGrpSpPr>
@@ -736,9 +752,11 @@
       <p:sp>
         <p:nvSpPr>
           <p:cNvPr id="51" name="Google Shape;51;p:notes"/>
-          <p:cNvSpPr/>
+          <p:cNvSpPr>
+            <a:spLocks noGrp="1" noRot="1" noChangeAspect="1"/>
+          </p:cNvSpPr>
           <p:nvPr>
-            <p:ph idx="2" type="sldImg"/>
+            <p:ph type="sldImg" idx="2"/>
           </p:nvPr>
         </p:nvSpPr>
         <p:spPr>
@@ -747,9 +765,13 @@
             <a:ext cx="6096075" cy="3429000"/>
           </a:xfrm>
           <a:custGeom>
-            <a:rect b="b" l="l" r="r" t="t"/>
+            <a:avLst/>
+            <a:gdLst/>
+            <a:ahLst/>
+            <a:cxnLst/>
+            <a:rect l="l" t="t" r="r" b="b"/>
             <a:pathLst>
-              <a:path extrusionOk="0" h="120000" w="120000">
+              <a:path w="120000" h="120000" extrusionOk="0">
                 <a:moveTo>
                   <a:pt x="0" y="0"/>
                 </a:moveTo>
@@ -771,9 +793,11 @@
       <p:sp>
         <p:nvSpPr>
           <p:cNvPr id="52" name="Google Shape;52;p:notes"/>
-          <p:cNvSpPr txBox="1"/>
+          <p:cNvSpPr txBox="1">
+            <a:spLocks noGrp="1"/>
+          </p:cNvSpPr>
           <p:nvPr>
-            <p:ph idx="1" type="body"/>
+            <p:ph type="body" idx="1"/>
           </p:nvPr>
         </p:nvSpPr>
         <p:spPr>
@@ -786,12 +810,12 @@
           </a:prstGeom>
         </p:spPr>
         <p:txBody>
-          <a:bodyPr anchorCtr="0" anchor="t" bIns="91425" lIns="91425" spcFirstLastPara="1" rIns="91425" wrap="square" tIns="91425">
+          <a:bodyPr spcFirstLastPara="1" wrap="square" lIns="91425" tIns="91425" rIns="91425" bIns="91425" anchor="t" anchorCtr="0">
             <a:noAutofit/>
           </a:bodyPr>
           <a:lstStyle/>
           <a:p>
-            <a:pPr indent="0" lvl="0" marL="0" rtl="0" algn="l">
+            <a:pPr marL="0" lvl="0" indent="0" algn="l" rtl="0">
               <a:spcBef>
                 <a:spcPts val="0"/>
               </a:spcBef>
@@ -800,9 +824,6 @@
               </a:spcAft>
               <a:buNone/>
             </a:pPr>
-            <a:r>
-              <a:t/>
-            </a:r>
             <a:endParaRPr/>
           </a:p>
         </p:txBody>
@@ -816,11 +837,11 @@
 </file>
 
 <file path=ppt/notesSlides/notesSlide10.xml><?xml version="1.0" encoding="utf-8"?>
-<p:notes xmlns:a="http://schemas.openxmlformats.org/drawingml/2006/main" xmlns:r="http://schemas.openxmlformats.org/officeDocument/2006/relationships" xmlns:mc="http://schemas.openxmlformats.org/markup-compatibility/2006" xmlns:mv="urn:schemas-microsoft-com:mac:vml" xmlns:p="http://schemas.openxmlformats.org/presentationml/2006/main" xmlns:c="http://schemas.openxmlformats.org/drawingml/2006/chart" xmlns:dgm="http://schemas.openxmlformats.org/drawingml/2006/diagram" xmlns:o="urn:schemas-microsoft-com:office:office" xmlns:v="urn:schemas-microsoft-com:vml" xmlns:pvml="urn:schemas-microsoft-com:office:powerpoint" xmlns:com="http://schemas.openxmlformats.org/drawingml/2006/compatibility" xmlns:p14="http://schemas.microsoft.com/office/powerpoint/2010/main" xmlns:p15="http://schemas.microsoft.com/office/powerpoint/2012/main" xmlns:ahyp="http://schemas.microsoft.com/office/drawing/2018/hyperlinkcolor" showMasterPhAnim="0" showMasterSp="0">
+<p:notes xmlns:a="http://schemas.openxmlformats.org/drawingml/2006/main" xmlns:r="http://schemas.openxmlformats.org/officeDocument/2006/relationships" xmlns:p="http://schemas.openxmlformats.org/presentationml/2006/main" showMasterSp="0" showMasterPhAnim="0">
   <p:cSld>
     <p:spTree>
       <p:nvGrpSpPr>
-        <p:cNvPr id="135" name="Shape 135"/>
+        <p:cNvPr id="1" name="Shape 126"/>
         <p:cNvGrpSpPr/>
         <p:nvPr/>
       </p:nvGrpSpPr>
@@ -834,10 +855,12 @@
       </p:grpSpPr>
       <p:sp>
         <p:nvSpPr>
-          <p:cNvPr id="136" name="Google Shape;136;g15414c2f9ae_0_123:notes"/>
-          <p:cNvSpPr/>
+          <p:cNvPr id="127" name="Google Shape;127;g15414c2f9ae_0_113:notes"/>
+          <p:cNvSpPr>
+            <a:spLocks noGrp="1" noRot="1" noChangeAspect="1"/>
+          </p:cNvSpPr>
           <p:nvPr>
-            <p:ph idx="2" type="sldImg"/>
+            <p:ph type="sldImg" idx="2"/>
           </p:nvPr>
         </p:nvSpPr>
         <p:spPr>
@@ -846,9 +869,13 @@
             <a:ext cx="6096000" cy="3429000"/>
           </a:xfrm>
           <a:custGeom>
-            <a:rect b="b" l="l" r="r" t="t"/>
+            <a:avLst/>
+            <a:gdLst/>
+            <a:ahLst/>
+            <a:cxnLst/>
+            <a:rect l="l" t="t" r="r" b="b"/>
             <a:pathLst>
-              <a:path extrusionOk="0" h="120000" w="120000">
+              <a:path w="120000" h="120000" extrusionOk="0">
                 <a:moveTo>
                   <a:pt x="0" y="0"/>
                 </a:moveTo>
@@ -869,10 +896,12 @@
       </p:sp>
       <p:sp>
         <p:nvSpPr>
-          <p:cNvPr id="137" name="Google Shape;137;g15414c2f9ae_0_123:notes"/>
-          <p:cNvSpPr txBox="1"/>
+          <p:cNvPr id="128" name="Google Shape;128;g15414c2f9ae_0_113:notes"/>
+          <p:cNvSpPr txBox="1">
+            <a:spLocks noGrp="1"/>
+          </p:cNvSpPr>
           <p:nvPr>
-            <p:ph idx="1" type="body"/>
+            <p:ph type="body" idx="1"/>
           </p:nvPr>
         </p:nvSpPr>
         <p:spPr>
@@ -885,12 +914,12 @@
           </a:prstGeom>
         </p:spPr>
         <p:txBody>
-          <a:bodyPr anchorCtr="0" anchor="t" bIns="91425" lIns="91425" spcFirstLastPara="1" rIns="91425" wrap="square" tIns="91425">
+          <a:bodyPr spcFirstLastPara="1" wrap="square" lIns="91425" tIns="91425" rIns="91425" bIns="91425" anchor="t" anchorCtr="0">
             <a:noAutofit/>
           </a:bodyPr>
           <a:lstStyle/>
           <a:p>
-            <a:pPr indent="0" lvl="0" marL="0" rtl="0" algn="l">
+            <a:pPr marL="0" lvl="0" indent="0" algn="l" rtl="0">
               <a:spcBef>
                 <a:spcPts val="0"/>
               </a:spcBef>
@@ -899,14 +928,16 @@
               </a:spcAft>
               <a:buNone/>
             </a:pPr>
-            <a:r>
-              <a:t/>
-            </a:r>
             <a:endParaRPr/>
           </a:p>
         </p:txBody>
       </p:sp>
     </p:spTree>
+    <p:extLst>
+      <p:ext uri="{BB962C8B-B14F-4D97-AF65-F5344CB8AC3E}">
+        <p14:creationId xmlns:p14="http://schemas.microsoft.com/office/powerpoint/2010/main" val="2073475518"/>
+      </p:ext>
+    </p:extLst>
   </p:cSld>
   <p:clrMapOvr>
     <a:masterClrMapping/>
@@ -915,11 +946,11 @@
 </file>
 
 <file path=ppt/notesSlides/notesSlide11.xml><?xml version="1.0" encoding="utf-8"?>
-<p:notes xmlns:a="http://schemas.openxmlformats.org/drawingml/2006/main" xmlns:r="http://schemas.openxmlformats.org/officeDocument/2006/relationships" xmlns:mc="http://schemas.openxmlformats.org/markup-compatibility/2006" xmlns:mv="urn:schemas-microsoft-com:mac:vml" xmlns:p="http://schemas.openxmlformats.org/presentationml/2006/main" xmlns:c="http://schemas.openxmlformats.org/drawingml/2006/chart" xmlns:dgm="http://schemas.openxmlformats.org/drawingml/2006/diagram" xmlns:o="urn:schemas-microsoft-com:office:office" xmlns:v="urn:schemas-microsoft-com:vml" xmlns:pvml="urn:schemas-microsoft-com:office:powerpoint" xmlns:com="http://schemas.openxmlformats.org/drawingml/2006/compatibility" xmlns:p14="http://schemas.microsoft.com/office/powerpoint/2010/main" xmlns:p15="http://schemas.microsoft.com/office/powerpoint/2012/main" xmlns:ahyp="http://schemas.microsoft.com/office/drawing/2018/hyperlinkcolor" showMasterPhAnim="0" showMasterSp="0">
+<p:notes xmlns:a="http://schemas.openxmlformats.org/drawingml/2006/main" xmlns:r="http://schemas.openxmlformats.org/officeDocument/2006/relationships" xmlns:p="http://schemas.openxmlformats.org/presentationml/2006/main" showMasterSp="0" showMasterPhAnim="0">
   <p:cSld>
     <p:spTree>
       <p:nvGrpSpPr>
-        <p:cNvPr id="143" name="Shape 143"/>
+        <p:cNvPr id="1" name="Shape 135"/>
         <p:cNvGrpSpPr/>
         <p:nvPr/>
       </p:nvGrpSpPr>
@@ -933,10 +964,12 @@
       </p:grpSpPr>
       <p:sp>
         <p:nvSpPr>
-          <p:cNvPr id="144" name="Google Shape;144;g15414c2f9ae_0_133:notes"/>
-          <p:cNvSpPr/>
+          <p:cNvPr id="136" name="Google Shape;136;g15414c2f9ae_0_123:notes"/>
+          <p:cNvSpPr>
+            <a:spLocks noGrp="1" noRot="1" noChangeAspect="1"/>
+          </p:cNvSpPr>
           <p:nvPr>
-            <p:ph idx="2" type="sldImg"/>
+            <p:ph type="sldImg" idx="2"/>
           </p:nvPr>
         </p:nvSpPr>
         <p:spPr>
@@ -945,9 +978,13 @@
             <a:ext cx="6096000" cy="3429000"/>
           </a:xfrm>
           <a:custGeom>
-            <a:rect b="b" l="l" r="r" t="t"/>
+            <a:avLst/>
+            <a:gdLst/>
+            <a:ahLst/>
+            <a:cxnLst/>
+            <a:rect l="l" t="t" r="r" b="b"/>
             <a:pathLst>
-              <a:path extrusionOk="0" h="120000" w="120000">
+              <a:path w="120000" h="120000" extrusionOk="0">
                 <a:moveTo>
                   <a:pt x="0" y="0"/>
                 </a:moveTo>
@@ -968,10 +1005,12 @@
       </p:sp>
       <p:sp>
         <p:nvSpPr>
-          <p:cNvPr id="145" name="Google Shape;145;g15414c2f9ae_0_133:notes"/>
-          <p:cNvSpPr txBox="1"/>
+          <p:cNvPr id="137" name="Google Shape;137;g15414c2f9ae_0_123:notes"/>
+          <p:cNvSpPr txBox="1">
+            <a:spLocks noGrp="1"/>
+          </p:cNvSpPr>
           <p:nvPr>
-            <p:ph idx="1" type="body"/>
+            <p:ph type="body" idx="1"/>
           </p:nvPr>
         </p:nvSpPr>
         <p:spPr>
@@ -984,12 +1023,12 @@
           </a:prstGeom>
         </p:spPr>
         <p:txBody>
-          <a:bodyPr anchorCtr="0" anchor="t" bIns="91425" lIns="91425" spcFirstLastPara="1" rIns="91425" wrap="square" tIns="91425">
+          <a:bodyPr spcFirstLastPara="1" wrap="square" lIns="91425" tIns="91425" rIns="91425" bIns="91425" anchor="t" anchorCtr="0">
             <a:noAutofit/>
           </a:bodyPr>
           <a:lstStyle/>
           <a:p>
-            <a:pPr indent="0" lvl="0" marL="0" rtl="0" algn="l">
+            <a:pPr marL="0" lvl="0" indent="0" algn="l" rtl="0">
               <a:spcBef>
                 <a:spcPts val="0"/>
               </a:spcBef>
@@ -998,14 +1037,16 @@
               </a:spcAft>
               <a:buNone/>
             </a:pPr>
-            <a:r>
-              <a:t/>
-            </a:r>
             <a:endParaRPr/>
           </a:p>
         </p:txBody>
       </p:sp>
     </p:spTree>
+    <p:extLst>
+      <p:ext uri="{BB962C8B-B14F-4D97-AF65-F5344CB8AC3E}">
+        <p14:creationId xmlns:p14="http://schemas.microsoft.com/office/powerpoint/2010/main" val="1462973009"/>
+      </p:ext>
+    </p:extLst>
   </p:cSld>
   <p:clrMapOvr>
     <a:masterClrMapping/>
@@ -1014,11 +1055,11 @@
 </file>
 
 <file path=ppt/notesSlides/notesSlide12.xml><?xml version="1.0" encoding="utf-8"?>
-<p:notes xmlns:a="http://schemas.openxmlformats.org/drawingml/2006/main" xmlns:r="http://schemas.openxmlformats.org/officeDocument/2006/relationships" xmlns:mc="http://schemas.openxmlformats.org/markup-compatibility/2006" xmlns:mv="urn:schemas-microsoft-com:mac:vml" xmlns:p="http://schemas.openxmlformats.org/presentationml/2006/main" xmlns:c="http://schemas.openxmlformats.org/drawingml/2006/chart" xmlns:dgm="http://schemas.openxmlformats.org/drawingml/2006/diagram" xmlns:o="urn:schemas-microsoft-com:office:office" xmlns:v="urn:schemas-microsoft-com:vml" xmlns:pvml="urn:schemas-microsoft-com:office:powerpoint" xmlns:com="http://schemas.openxmlformats.org/drawingml/2006/compatibility" xmlns:p14="http://schemas.microsoft.com/office/powerpoint/2010/main" xmlns:p15="http://schemas.microsoft.com/office/powerpoint/2012/main" xmlns:ahyp="http://schemas.microsoft.com/office/drawing/2018/hyperlinkcolor" showMasterPhAnim="0" showMasterSp="0">
+<p:notes xmlns:a="http://schemas.openxmlformats.org/drawingml/2006/main" xmlns:r="http://schemas.openxmlformats.org/officeDocument/2006/relationships" xmlns:p="http://schemas.openxmlformats.org/presentationml/2006/main" showMasterSp="0" showMasterPhAnim="0">
   <p:cSld>
     <p:spTree>
       <p:nvGrpSpPr>
-        <p:cNvPr id="150" name="Shape 150"/>
+        <p:cNvPr id="1" name="Shape 143"/>
         <p:cNvGrpSpPr/>
         <p:nvPr/>
       </p:nvGrpSpPr>
@@ -1032,21 +1073,27 @@
       </p:grpSpPr>
       <p:sp>
         <p:nvSpPr>
-          <p:cNvPr id="151" name="Google Shape;151;g15414c2f9ae_0_146:notes"/>
-          <p:cNvSpPr/>
+          <p:cNvPr id="144" name="Google Shape;144;g15414c2f9ae_0_133:notes"/>
+          <p:cNvSpPr>
+            <a:spLocks noGrp="1" noRot="1" noChangeAspect="1"/>
+          </p:cNvSpPr>
           <p:nvPr>
-            <p:ph idx="2" type="sldImg"/>
+            <p:ph type="sldImg" idx="2"/>
           </p:nvPr>
         </p:nvSpPr>
         <p:spPr>
           <a:xfrm>
-            <a:off x="381300" y="685800"/>
+            <a:off x="381000" y="685800"/>
             <a:ext cx="6096000" cy="3429000"/>
           </a:xfrm>
           <a:custGeom>
-            <a:rect b="b" l="l" r="r" t="t"/>
+            <a:avLst/>
+            <a:gdLst/>
+            <a:ahLst/>
+            <a:cxnLst/>
+            <a:rect l="l" t="t" r="r" b="b"/>
             <a:pathLst>
-              <a:path extrusionOk="0" h="120000" w="120000">
+              <a:path w="120000" h="120000" extrusionOk="0">
                 <a:moveTo>
                   <a:pt x="0" y="0"/>
                 </a:moveTo>
@@ -1067,10 +1114,12 @@
       </p:sp>
       <p:sp>
         <p:nvSpPr>
-          <p:cNvPr id="152" name="Google Shape;152;g15414c2f9ae_0_146:notes"/>
-          <p:cNvSpPr txBox="1"/>
+          <p:cNvPr id="145" name="Google Shape;145;g15414c2f9ae_0_133:notes"/>
+          <p:cNvSpPr txBox="1">
+            <a:spLocks noGrp="1"/>
+          </p:cNvSpPr>
           <p:nvPr>
-            <p:ph idx="1" type="body"/>
+            <p:ph type="body" idx="1"/>
           </p:nvPr>
         </p:nvSpPr>
         <p:spPr>
@@ -1083,12 +1132,12 @@
           </a:prstGeom>
         </p:spPr>
         <p:txBody>
-          <a:bodyPr anchorCtr="0" anchor="t" bIns="91425" lIns="91425" spcFirstLastPara="1" rIns="91425" wrap="square" tIns="91425">
+          <a:bodyPr spcFirstLastPara="1" wrap="square" lIns="91425" tIns="91425" rIns="91425" bIns="91425" anchor="t" anchorCtr="0">
             <a:noAutofit/>
           </a:bodyPr>
           <a:lstStyle/>
           <a:p>
-            <a:pPr indent="0" lvl="0" marL="0" rtl="0" algn="l">
+            <a:pPr marL="0" lvl="0" indent="0" algn="l" rtl="0">
               <a:spcBef>
                 <a:spcPts val="0"/>
               </a:spcBef>
@@ -1097,14 +1146,16 @@
               </a:spcAft>
               <a:buNone/>
             </a:pPr>
-            <a:r>
-              <a:t/>
-            </a:r>
             <a:endParaRPr/>
           </a:p>
         </p:txBody>
       </p:sp>
     </p:spTree>
+    <p:extLst>
+      <p:ext uri="{BB962C8B-B14F-4D97-AF65-F5344CB8AC3E}">
+        <p14:creationId xmlns:p14="http://schemas.microsoft.com/office/powerpoint/2010/main" val="3629400935"/>
+      </p:ext>
+    </p:extLst>
   </p:cSld>
   <p:clrMapOvr>
     <a:masterClrMapping/>
@@ -1113,11 +1164,11 @@
 </file>
 
 <file path=ppt/notesSlides/notesSlide13.xml><?xml version="1.0" encoding="utf-8"?>
-<p:notes xmlns:a="http://schemas.openxmlformats.org/drawingml/2006/main" xmlns:r="http://schemas.openxmlformats.org/officeDocument/2006/relationships" xmlns:mc="http://schemas.openxmlformats.org/markup-compatibility/2006" xmlns:mv="urn:schemas-microsoft-com:mac:vml" xmlns:p="http://schemas.openxmlformats.org/presentationml/2006/main" xmlns:c="http://schemas.openxmlformats.org/drawingml/2006/chart" xmlns:dgm="http://schemas.openxmlformats.org/drawingml/2006/diagram" xmlns:o="urn:schemas-microsoft-com:office:office" xmlns:v="urn:schemas-microsoft-com:vml" xmlns:pvml="urn:schemas-microsoft-com:office:powerpoint" xmlns:com="http://schemas.openxmlformats.org/drawingml/2006/compatibility" xmlns:p14="http://schemas.microsoft.com/office/powerpoint/2010/main" xmlns:p15="http://schemas.microsoft.com/office/powerpoint/2012/main" xmlns:ahyp="http://schemas.microsoft.com/office/drawing/2018/hyperlinkcolor" showMasterPhAnim="0" showMasterSp="0">
+<p:notes xmlns:a="http://schemas.openxmlformats.org/drawingml/2006/main" xmlns:r="http://schemas.openxmlformats.org/officeDocument/2006/relationships" xmlns:p="http://schemas.openxmlformats.org/presentationml/2006/main" showMasterSp="0" showMasterPhAnim="0">
   <p:cSld>
     <p:spTree>
       <p:nvGrpSpPr>
-        <p:cNvPr id="157" name="Shape 157"/>
+        <p:cNvPr id="1" name="Shape 150"/>
         <p:cNvGrpSpPr/>
         <p:nvPr/>
       </p:nvGrpSpPr>
@@ -1131,10 +1182,12 @@
       </p:grpSpPr>
       <p:sp>
         <p:nvSpPr>
-          <p:cNvPr id="158" name="Google Shape;158;g15414c2f9ae_0_152:notes"/>
-          <p:cNvSpPr/>
+          <p:cNvPr id="151" name="Google Shape;151;g15414c2f9ae_0_146:notes"/>
+          <p:cNvSpPr>
+            <a:spLocks noGrp="1" noRot="1" noChangeAspect="1"/>
+          </p:cNvSpPr>
           <p:nvPr>
-            <p:ph idx="2" type="sldImg"/>
+            <p:ph type="sldImg" idx="2"/>
           </p:nvPr>
         </p:nvSpPr>
         <p:spPr>
@@ -1143,9 +1196,13 @@
             <a:ext cx="6096000" cy="3429000"/>
           </a:xfrm>
           <a:custGeom>
-            <a:rect b="b" l="l" r="r" t="t"/>
+            <a:avLst/>
+            <a:gdLst/>
+            <a:ahLst/>
+            <a:cxnLst/>
+            <a:rect l="l" t="t" r="r" b="b"/>
             <a:pathLst>
-              <a:path extrusionOk="0" h="120000" w="120000">
+              <a:path w="120000" h="120000" extrusionOk="0">
                 <a:moveTo>
                   <a:pt x="0" y="0"/>
                 </a:moveTo>
@@ -1166,10 +1223,12 @@
       </p:sp>
       <p:sp>
         <p:nvSpPr>
-          <p:cNvPr id="159" name="Google Shape;159;g15414c2f9ae_0_152:notes"/>
-          <p:cNvSpPr txBox="1"/>
+          <p:cNvPr id="152" name="Google Shape;152;g15414c2f9ae_0_146:notes"/>
+          <p:cNvSpPr txBox="1">
+            <a:spLocks noGrp="1"/>
+          </p:cNvSpPr>
           <p:nvPr>
-            <p:ph idx="1" type="body"/>
+            <p:ph type="body" idx="1"/>
           </p:nvPr>
         </p:nvSpPr>
         <p:spPr>
@@ -1182,12 +1241,12 @@
           </a:prstGeom>
         </p:spPr>
         <p:txBody>
-          <a:bodyPr anchorCtr="0" anchor="t" bIns="91425" lIns="91425" spcFirstLastPara="1" rIns="91425" wrap="square" tIns="91425">
+          <a:bodyPr spcFirstLastPara="1" wrap="square" lIns="91425" tIns="91425" rIns="91425" bIns="91425" anchor="t" anchorCtr="0">
             <a:noAutofit/>
           </a:bodyPr>
           <a:lstStyle/>
           <a:p>
-            <a:pPr indent="0" lvl="0" marL="0" rtl="0" algn="l">
+            <a:pPr marL="0" lvl="0" indent="0" algn="l" rtl="0">
               <a:spcBef>
                 <a:spcPts val="0"/>
               </a:spcBef>
@@ -1196,14 +1255,16 @@
               </a:spcAft>
               <a:buNone/>
             </a:pPr>
-            <a:r>
-              <a:t/>
-            </a:r>
             <a:endParaRPr/>
           </a:p>
         </p:txBody>
       </p:sp>
     </p:spTree>
+    <p:extLst>
+      <p:ext uri="{BB962C8B-B14F-4D97-AF65-F5344CB8AC3E}">
+        <p14:creationId xmlns:p14="http://schemas.microsoft.com/office/powerpoint/2010/main" val="669984869"/>
+      </p:ext>
+    </p:extLst>
   </p:cSld>
   <p:clrMapOvr>
     <a:masterClrMapping/>
@@ -1212,11 +1273,11 @@
 </file>
 
 <file path=ppt/notesSlides/notesSlide14.xml><?xml version="1.0" encoding="utf-8"?>
-<p:notes xmlns:a="http://schemas.openxmlformats.org/drawingml/2006/main" xmlns:r="http://schemas.openxmlformats.org/officeDocument/2006/relationships" xmlns:mc="http://schemas.openxmlformats.org/markup-compatibility/2006" xmlns:mv="urn:schemas-microsoft-com:mac:vml" xmlns:p="http://schemas.openxmlformats.org/presentationml/2006/main" xmlns:c="http://schemas.openxmlformats.org/drawingml/2006/chart" xmlns:dgm="http://schemas.openxmlformats.org/drawingml/2006/diagram" xmlns:o="urn:schemas-microsoft-com:office:office" xmlns:v="urn:schemas-microsoft-com:vml" xmlns:pvml="urn:schemas-microsoft-com:office:powerpoint" xmlns:com="http://schemas.openxmlformats.org/drawingml/2006/compatibility" xmlns:p14="http://schemas.microsoft.com/office/powerpoint/2010/main" xmlns:p15="http://schemas.microsoft.com/office/powerpoint/2012/main" xmlns:ahyp="http://schemas.microsoft.com/office/drawing/2018/hyperlinkcolor" showMasterPhAnim="0" showMasterSp="0">
+<p:notes xmlns:a="http://schemas.openxmlformats.org/drawingml/2006/main" xmlns:r="http://schemas.openxmlformats.org/officeDocument/2006/relationships" xmlns:p="http://schemas.openxmlformats.org/presentationml/2006/main" showMasterSp="0" showMasterPhAnim="0">
   <p:cSld>
     <p:spTree>
       <p:nvGrpSpPr>
-        <p:cNvPr id="164" name="Shape 164"/>
+        <p:cNvPr id="1" name="Shape 157"/>
         <p:cNvGrpSpPr/>
         <p:nvPr/>
       </p:nvGrpSpPr>
@@ -1230,21 +1291,27 @@
       </p:grpSpPr>
       <p:sp>
         <p:nvSpPr>
-          <p:cNvPr id="165" name="Google Shape;165;g15414c2f9ae_0_158:notes"/>
-          <p:cNvSpPr/>
+          <p:cNvPr id="158" name="Google Shape;158;g15414c2f9ae_0_152:notes"/>
+          <p:cNvSpPr>
+            <a:spLocks noGrp="1" noRot="1" noChangeAspect="1"/>
+          </p:cNvSpPr>
           <p:nvPr>
-            <p:ph idx="2" type="sldImg"/>
+            <p:ph type="sldImg" idx="2"/>
           </p:nvPr>
         </p:nvSpPr>
         <p:spPr>
           <a:xfrm>
-            <a:off x="381300" y="685800"/>
+            <a:off x="381000" y="685800"/>
             <a:ext cx="6096000" cy="3429000"/>
           </a:xfrm>
           <a:custGeom>
-            <a:rect b="b" l="l" r="r" t="t"/>
+            <a:avLst/>
+            <a:gdLst/>
+            <a:ahLst/>
+            <a:cxnLst/>
+            <a:rect l="l" t="t" r="r" b="b"/>
             <a:pathLst>
-              <a:path extrusionOk="0" h="120000" w="120000">
+              <a:path w="120000" h="120000" extrusionOk="0">
                 <a:moveTo>
                   <a:pt x="0" y="0"/>
                 </a:moveTo>
@@ -1265,10 +1332,12 @@
       </p:sp>
       <p:sp>
         <p:nvSpPr>
-          <p:cNvPr id="166" name="Google Shape;166;g15414c2f9ae_0_158:notes"/>
-          <p:cNvSpPr txBox="1"/>
+          <p:cNvPr id="159" name="Google Shape;159;g15414c2f9ae_0_152:notes"/>
+          <p:cNvSpPr txBox="1">
+            <a:spLocks noGrp="1"/>
+          </p:cNvSpPr>
           <p:nvPr>
-            <p:ph idx="1" type="body"/>
+            <p:ph type="body" idx="1"/>
           </p:nvPr>
         </p:nvSpPr>
         <p:spPr>
@@ -1281,12 +1350,12 @@
           </a:prstGeom>
         </p:spPr>
         <p:txBody>
-          <a:bodyPr anchorCtr="0" anchor="t" bIns="91425" lIns="91425" spcFirstLastPara="1" rIns="91425" wrap="square" tIns="91425">
+          <a:bodyPr spcFirstLastPara="1" wrap="square" lIns="91425" tIns="91425" rIns="91425" bIns="91425" anchor="t" anchorCtr="0">
             <a:noAutofit/>
           </a:bodyPr>
           <a:lstStyle/>
           <a:p>
-            <a:pPr indent="0" lvl="0" marL="0" rtl="0" algn="l">
+            <a:pPr marL="0" lvl="0" indent="0" algn="l" rtl="0">
               <a:spcBef>
                 <a:spcPts val="0"/>
               </a:spcBef>
@@ -1295,14 +1364,16 @@
               </a:spcAft>
               <a:buNone/>
             </a:pPr>
-            <a:r>
-              <a:t/>
-            </a:r>
             <a:endParaRPr/>
           </a:p>
         </p:txBody>
       </p:sp>
     </p:spTree>
+    <p:extLst>
+      <p:ext uri="{BB962C8B-B14F-4D97-AF65-F5344CB8AC3E}">
+        <p14:creationId xmlns:p14="http://schemas.microsoft.com/office/powerpoint/2010/main" val="1278800205"/>
+      </p:ext>
+    </p:extLst>
   </p:cSld>
   <p:clrMapOvr>
     <a:masterClrMapping/>
@@ -1311,11 +1382,11 @@
 </file>
 
 <file path=ppt/notesSlides/notesSlide15.xml><?xml version="1.0" encoding="utf-8"?>
-<p:notes xmlns:a="http://schemas.openxmlformats.org/drawingml/2006/main" xmlns:r="http://schemas.openxmlformats.org/officeDocument/2006/relationships" xmlns:mc="http://schemas.openxmlformats.org/markup-compatibility/2006" xmlns:mv="urn:schemas-microsoft-com:mac:vml" xmlns:p="http://schemas.openxmlformats.org/presentationml/2006/main" xmlns:c="http://schemas.openxmlformats.org/drawingml/2006/chart" xmlns:dgm="http://schemas.openxmlformats.org/drawingml/2006/diagram" xmlns:o="urn:schemas-microsoft-com:office:office" xmlns:v="urn:schemas-microsoft-com:vml" xmlns:pvml="urn:schemas-microsoft-com:office:powerpoint" xmlns:com="http://schemas.openxmlformats.org/drawingml/2006/compatibility" xmlns:p14="http://schemas.microsoft.com/office/powerpoint/2010/main" xmlns:p15="http://schemas.microsoft.com/office/powerpoint/2012/main" xmlns:ahyp="http://schemas.microsoft.com/office/drawing/2018/hyperlinkcolor" showMasterPhAnim="0" showMasterSp="0">
+<p:notes xmlns:a="http://schemas.openxmlformats.org/drawingml/2006/main" xmlns:r="http://schemas.openxmlformats.org/officeDocument/2006/relationships" xmlns:p="http://schemas.openxmlformats.org/presentationml/2006/main" showMasterSp="0" showMasterPhAnim="0">
   <p:cSld>
     <p:spTree>
       <p:nvGrpSpPr>
-        <p:cNvPr id="171" name="Shape 171"/>
+        <p:cNvPr id="1" name="Shape 164"/>
         <p:cNvGrpSpPr/>
         <p:nvPr/>
       </p:nvGrpSpPr>
@@ -1329,10 +1400,12 @@
       </p:grpSpPr>
       <p:sp>
         <p:nvSpPr>
-          <p:cNvPr id="172" name="Google Shape;172;g15414c2f9ae_0_41:notes"/>
-          <p:cNvSpPr/>
+          <p:cNvPr id="165" name="Google Shape;165;g15414c2f9ae_0_158:notes"/>
+          <p:cNvSpPr>
+            <a:spLocks noGrp="1" noRot="1" noChangeAspect="1"/>
+          </p:cNvSpPr>
           <p:nvPr>
-            <p:ph idx="2" type="sldImg"/>
+            <p:ph type="sldImg" idx="2"/>
           </p:nvPr>
         </p:nvSpPr>
         <p:spPr>
@@ -1341,9 +1414,13 @@
             <a:ext cx="6096000" cy="3429000"/>
           </a:xfrm>
           <a:custGeom>
-            <a:rect b="b" l="l" r="r" t="t"/>
+            <a:avLst/>
+            <a:gdLst/>
+            <a:ahLst/>
+            <a:cxnLst/>
+            <a:rect l="l" t="t" r="r" b="b"/>
             <a:pathLst>
-              <a:path extrusionOk="0" h="120000" w="120000">
+              <a:path w="120000" h="120000" extrusionOk="0">
                 <a:moveTo>
                   <a:pt x="0" y="0"/>
                 </a:moveTo>
@@ -1364,10 +1441,12 @@
       </p:sp>
       <p:sp>
         <p:nvSpPr>
-          <p:cNvPr id="173" name="Google Shape;173;g15414c2f9ae_0_41:notes"/>
-          <p:cNvSpPr txBox="1"/>
+          <p:cNvPr id="166" name="Google Shape;166;g15414c2f9ae_0_158:notes"/>
+          <p:cNvSpPr txBox="1">
+            <a:spLocks noGrp="1"/>
+          </p:cNvSpPr>
           <p:nvPr>
-            <p:ph idx="1" type="body"/>
+            <p:ph type="body" idx="1"/>
           </p:nvPr>
         </p:nvSpPr>
         <p:spPr>
@@ -1380,12 +1459,12 @@
           </a:prstGeom>
         </p:spPr>
         <p:txBody>
-          <a:bodyPr anchorCtr="0" anchor="t" bIns="91425" lIns="91425" spcFirstLastPara="1" rIns="91425" wrap="square" tIns="91425">
+          <a:bodyPr spcFirstLastPara="1" wrap="square" lIns="91425" tIns="91425" rIns="91425" bIns="91425" anchor="t" anchorCtr="0">
             <a:noAutofit/>
           </a:bodyPr>
           <a:lstStyle/>
           <a:p>
-            <a:pPr indent="0" lvl="0" marL="0" rtl="0" algn="l">
+            <a:pPr marL="0" lvl="0" indent="0" algn="l" rtl="0">
               <a:spcBef>
                 <a:spcPts val="0"/>
               </a:spcBef>
@@ -1394,14 +1473,16 @@
               </a:spcAft>
               <a:buNone/>
             </a:pPr>
-            <a:r>
-              <a:t/>
-            </a:r>
             <a:endParaRPr/>
           </a:p>
         </p:txBody>
       </p:sp>
     </p:spTree>
+    <p:extLst>
+      <p:ext uri="{BB962C8B-B14F-4D97-AF65-F5344CB8AC3E}">
+        <p14:creationId xmlns:p14="http://schemas.microsoft.com/office/powerpoint/2010/main" val="2348748677"/>
+      </p:ext>
+    </p:extLst>
   </p:cSld>
   <p:clrMapOvr>
     <a:masterClrMapping/>
@@ -1409,12 +1490,12 @@
 </p:notes>
 </file>
 
-<file path=ppt/notesSlides/notesSlide2.xml><?xml version="1.0" encoding="utf-8"?>
-<p:notes xmlns:a="http://schemas.openxmlformats.org/drawingml/2006/main" xmlns:r="http://schemas.openxmlformats.org/officeDocument/2006/relationships" xmlns:mc="http://schemas.openxmlformats.org/markup-compatibility/2006" xmlns:mv="urn:schemas-microsoft-com:mac:vml" xmlns:p="http://schemas.openxmlformats.org/presentationml/2006/main" xmlns:c="http://schemas.openxmlformats.org/drawingml/2006/chart" xmlns:dgm="http://schemas.openxmlformats.org/drawingml/2006/diagram" xmlns:o="urn:schemas-microsoft-com:office:office" xmlns:v="urn:schemas-microsoft-com:vml" xmlns:pvml="urn:schemas-microsoft-com:office:powerpoint" xmlns:com="http://schemas.openxmlformats.org/drawingml/2006/compatibility" xmlns:p14="http://schemas.microsoft.com/office/powerpoint/2010/main" xmlns:p15="http://schemas.microsoft.com/office/powerpoint/2012/main" xmlns:ahyp="http://schemas.microsoft.com/office/drawing/2018/hyperlinkcolor" showMasterPhAnim="0" showMasterSp="0">
+<file path=ppt/notesSlides/notesSlide16.xml><?xml version="1.0" encoding="utf-8"?>
+<p:notes xmlns:a="http://schemas.openxmlformats.org/drawingml/2006/main" xmlns:r="http://schemas.openxmlformats.org/officeDocument/2006/relationships" xmlns:p="http://schemas.openxmlformats.org/presentationml/2006/main" showMasterSp="0" showMasterPhAnim="0">
   <p:cSld>
     <p:spTree>
       <p:nvGrpSpPr>
-        <p:cNvPr id="59" name="Shape 59"/>
+        <p:cNvPr id="1" name="Shape 171"/>
         <p:cNvGrpSpPr/>
         <p:nvPr/>
       </p:nvGrpSpPr>
@@ -1428,10 +1509,12 @@
       </p:grpSpPr>
       <p:sp>
         <p:nvSpPr>
-          <p:cNvPr id="60" name="Google Shape;60;g15414c2f9ae_0_6:notes"/>
-          <p:cNvSpPr/>
+          <p:cNvPr id="172" name="Google Shape;172;g15414c2f9ae_0_41:notes"/>
+          <p:cNvSpPr>
+            <a:spLocks noGrp="1" noRot="1" noChangeAspect="1"/>
+          </p:cNvSpPr>
           <p:nvPr>
-            <p:ph idx="2" type="sldImg"/>
+            <p:ph type="sldImg" idx="2"/>
           </p:nvPr>
         </p:nvSpPr>
         <p:spPr>
@@ -1440,9 +1523,13 @@
             <a:ext cx="6096000" cy="3429000"/>
           </a:xfrm>
           <a:custGeom>
-            <a:rect b="b" l="l" r="r" t="t"/>
+            <a:avLst/>
+            <a:gdLst/>
+            <a:ahLst/>
+            <a:cxnLst/>
+            <a:rect l="l" t="t" r="r" b="b"/>
             <a:pathLst>
-              <a:path extrusionOk="0" h="120000" w="120000">
+              <a:path w="120000" h="120000" extrusionOk="0">
                 <a:moveTo>
                   <a:pt x="0" y="0"/>
                 </a:moveTo>
@@ -1463,10 +1550,12 @@
       </p:sp>
       <p:sp>
         <p:nvSpPr>
-          <p:cNvPr id="61" name="Google Shape;61;g15414c2f9ae_0_6:notes"/>
-          <p:cNvSpPr txBox="1"/>
+          <p:cNvPr id="173" name="Google Shape;173;g15414c2f9ae_0_41:notes"/>
+          <p:cNvSpPr txBox="1">
+            <a:spLocks noGrp="1"/>
+          </p:cNvSpPr>
           <p:nvPr>
-            <p:ph idx="1" type="body"/>
+            <p:ph type="body" idx="1"/>
           </p:nvPr>
         </p:nvSpPr>
         <p:spPr>
@@ -1479,12 +1568,12 @@
           </a:prstGeom>
         </p:spPr>
         <p:txBody>
-          <a:bodyPr anchorCtr="0" anchor="t" bIns="91425" lIns="91425" spcFirstLastPara="1" rIns="91425" wrap="square" tIns="91425">
+          <a:bodyPr spcFirstLastPara="1" wrap="square" lIns="91425" tIns="91425" rIns="91425" bIns="91425" anchor="t" anchorCtr="0">
             <a:noAutofit/>
           </a:bodyPr>
           <a:lstStyle/>
           <a:p>
-            <a:pPr indent="0" lvl="0" marL="0" rtl="0" algn="l">
+            <a:pPr marL="0" lvl="0" indent="0" algn="l" rtl="0">
               <a:spcBef>
                 <a:spcPts val="0"/>
               </a:spcBef>
@@ -1493,9 +1582,6 @@
               </a:spcAft>
               <a:buNone/>
             </a:pPr>
-            <a:r>
-              <a:t/>
-            </a:r>
             <a:endParaRPr/>
           </a:p>
         </p:txBody>
@@ -1508,12 +1594,12 @@
 </p:notes>
 </file>
 
-<file path=ppt/notesSlides/notesSlide3.xml><?xml version="1.0" encoding="utf-8"?>
-<p:notes xmlns:a="http://schemas.openxmlformats.org/drawingml/2006/main" xmlns:r="http://schemas.openxmlformats.org/officeDocument/2006/relationships" xmlns:mc="http://schemas.openxmlformats.org/markup-compatibility/2006" xmlns:mv="urn:schemas-microsoft-com:mac:vml" xmlns:p="http://schemas.openxmlformats.org/presentationml/2006/main" xmlns:c="http://schemas.openxmlformats.org/drawingml/2006/chart" xmlns:dgm="http://schemas.openxmlformats.org/drawingml/2006/diagram" xmlns:o="urn:schemas-microsoft-com:office:office" xmlns:v="urn:schemas-microsoft-com:vml" xmlns:pvml="urn:schemas-microsoft-com:office:powerpoint" xmlns:com="http://schemas.openxmlformats.org/drawingml/2006/compatibility" xmlns:p14="http://schemas.microsoft.com/office/powerpoint/2010/main" xmlns:p15="http://schemas.microsoft.com/office/powerpoint/2012/main" xmlns:ahyp="http://schemas.microsoft.com/office/drawing/2018/hyperlinkcolor" showMasterPhAnim="0" showMasterSp="0">
+<file path=ppt/notesSlides/notesSlide2.xml><?xml version="1.0" encoding="utf-8"?>
+<p:notes xmlns:a="http://schemas.openxmlformats.org/drawingml/2006/main" xmlns:r="http://schemas.openxmlformats.org/officeDocument/2006/relationships" xmlns:p="http://schemas.openxmlformats.org/presentationml/2006/main" showMasterSp="0" showMasterPhAnim="0">
   <p:cSld>
     <p:spTree>
       <p:nvGrpSpPr>
-        <p:cNvPr id="73" name="Shape 73"/>
+        <p:cNvPr id="1" name="Shape 59"/>
         <p:cNvGrpSpPr/>
         <p:nvPr/>
       </p:nvGrpSpPr>
@@ -1527,21 +1613,27 @@
       </p:grpSpPr>
       <p:sp>
         <p:nvSpPr>
-          <p:cNvPr id="74" name="Google Shape;74;g15414c2f9ae_0_21:notes"/>
-          <p:cNvSpPr/>
+          <p:cNvPr id="60" name="Google Shape;60;g15414c2f9ae_0_6:notes"/>
+          <p:cNvSpPr>
+            <a:spLocks noGrp="1" noRot="1" noChangeAspect="1"/>
+          </p:cNvSpPr>
           <p:nvPr>
-            <p:ph idx="2" type="sldImg"/>
+            <p:ph type="sldImg" idx="2"/>
           </p:nvPr>
         </p:nvSpPr>
         <p:spPr>
           <a:xfrm>
-            <a:off x="381300" y="685800"/>
+            <a:off x="381000" y="685800"/>
             <a:ext cx="6096000" cy="3429000"/>
           </a:xfrm>
           <a:custGeom>
-            <a:rect b="b" l="l" r="r" t="t"/>
+            <a:avLst/>
+            <a:gdLst/>
+            <a:ahLst/>
+            <a:cxnLst/>
+            <a:rect l="l" t="t" r="r" b="b"/>
             <a:pathLst>
-              <a:path extrusionOk="0" h="120000" w="120000">
+              <a:path w="120000" h="120000" extrusionOk="0">
                 <a:moveTo>
                   <a:pt x="0" y="0"/>
                 </a:moveTo>
@@ -1562,10 +1654,12 @@
       </p:sp>
       <p:sp>
         <p:nvSpPr>
-          <p:cNvPr id="75" name="Google Shape;75;g15414c2f9ae_0_21:notes"/>
-          <p:cNvSpPr txBox="1"/>
+          <p:cNvPr id="61" name="Google Shape;61;g15414c2f9ae_0_6:notes"/>
+          <p:cNvSpPr txBox="1">
+            <a:spLocks noGrp="1"/>
+          </p:cNvSpPr>
           <p:nvPr>
-            <p:ph idx="1" type="body"/>
+            <p:ph type="body" idx="1"/>
           </p:nvPr>
         </p:nvSpPr>
         <p:spPr>
@@ -1578,12 +1672,12 @@
           </a:prstGeom>
         </p:spPr>
         <p:txBody>
-          <a:bodyPr anchorCtr="0" anchor="t" bIns="91425" lIns="91425" spcFirstLastPara="1" rIns="91425" wrap="square" tIns="91425">
+          <a:bodyPr spcFirstLastPara="1" wrap="square" lIns="91425" tIns="91425" rIns="91425" bIns="91425" anchor="t" anchorCtr="0">
             <a:noAutofit/>
           </a:bodyPr>
           <a:lstStyle/>
           <a:p>
-            <a:pPr indent="0" lvl="0" marL="0" rtl="0" algn="l">
+            <a:pPr marL="0" lvl="0" indent="0" algn="l" rtl="0">
               <a:spcBef>
                 <a:spcPts val="0"/>
               </a:spcBef>
@@ -1592,14 +1686,16 @@
               </a:spcAft>
               <a:buNone/>
             </a:pPr>
-            <a:r>
-              <a:t/>
-            </a:r>
             <a:endParaRPr/>
           </a:p>
         </p:txBody>
       </p:sp>
     </p:spTree>
+    <p:extLst>
+      <p:ext uri="{BB962C8B-B14F-4D97-AF65-F5344CB8AC3E}">
+        <p14:creationId xmlns:p14="http://schemas.microsoft.com/office/powerpoint/2010/main" val="1672669609"/>
+      </p:ext>
+    </p:extLst>
   </p:cSld>
   <p:clrMapOvr>
     <a:masterClrMapping/>
@@ -1607,12 +1703,12 @@
 </p:notes>
 </file>
 
-<file path=ppt/notesSlides/notesSlide4.xml><?xml version="1.0" encoding="utf-8"?>
-<p:notes xmlns:a="http://schemas.openxmlformats.org/drawingml/2006/main" xmlns:r="http://schemas.openxmlformats.org/officeDocument/2006/relationships" xmlns:mc="http://schemas.openxmlformats.org/markup-compatibility/2006" xmlns:mv="urn:schemas-microsoft-com:mac:vml" xmlns:p="http://schemas.openxmlformats.org/presentationml/2006/main" xmlns:c="http://schemas.openxmlformats.org/drawingml/2006/chart" xmlns:dgm="http://schemas.openxmlformats.org/drawingml/2006/diagram" xmlns:o="urn:schemas-microsoft-com:office:office" xmlns:v="urn:schemas-microsoft-com:vml" xmlns:pvml="urn:schemas-microsoft-com:office:powerpoint" xmlns:com="http://schemas.openxmlformats.org/drawingml/2006/compatibility" xmlns:p14="http://schemas.microsoft.com/office/powerpoint/2010/main" xmlns:p15="http://schemas.microsoft.com/office/powerpoint/2012/main" xmlns:ahyp="http://schemas.microsoft.com/office/drawing/2018/hyperlinkcolor" showMasterPhAnim="0" showMasterSp="0">
+<file path=ppt/notesSlides/notesSlide3.xml><?xml version="1.0" encoding="utf-8"?>
+<p:notes xmlns:a="http://schemas.openxmlformats.org/drawingml/2006/main" xmlns:r="http://schemas.openxmlformats.org/officeDocument/2006/relationships" xmlns:p="http://schemas.openxmlformats.org/presentationml/2006/main" showMasterSp="0" showMasterPhAnim="0">
   <p:cSld>
     <p:spTree>
       <p:nvGrpSpPr>
-        <p:cNvPr id="80" name="Shape 80"/>
+        <p:cNvPr id="1" name="Shape 98"/>
         <p:cNvGrpSpPr/>
         <p:nvPr/>
       </p:nvGrpSpPr>
@@ -1626,21 +1722,27 @@
       </p:grpSpPr>
       <p:sp>
         <p:nvSpPr>
-          <p:cNvPr id="81" name="Google Shape;81;g15414c2f9ae_0_54:notes"/>
-          <p:cNvSpPr/>
+          <p:cNvPr id="99" name="Google Shape;99;g15414c2f9ae_0_82:notes"/>
+          <p:cNvSpPr>
+            <a:spLocks noGrp="1" noRot="1" noChangeAspect="1"/>
+          </p:cNvSpPr>
           <p:nvPr>
-            <p:ph idx="2" type="sldImg"/>
+            <p:ph type="sldImg" idx="2"/>
           </p:nvPr>
         </p:nvSpPr>
         <p:spPr>
           <a:xfrm>
-            <a:off x="381300" y="685800"/>
+            <a:off x="381000" y="685800"/>
             <a:ext cx="6096000" cy="3429000"/>
           </a:xfrm>
           <a:custGeom>
-            <a:rect b="b" l="l" r="r" t="t"/>
+            <a:avLst/>
+            <a:gdLst/>
+            <a:ahLst/>
+            <a:cxnLst/>
+            <a:rect l="l" t="t" r="r" b="b"/>
             <a:pathLst>
-              <a:path extrusionOk="0" h="120000" w="120000">
+              <a:path w="120000" h="120000" extrusionOk="0">
                 <a:moveTo>
                   <a:pt x="0" y="0"/>
                 </a:moveTo>
@@ -1661,10 +1763,12 @@
       </p:sp>
       <p:sp>
         <p:nvSpPr>
-          <p:cNvPr id="82" name="Google Shape;82;g15414c2f9ae_0_54:notes"/>
-          <p:cNvSpPr txBox="1"/>
+          <p:cNvPr id="100" name="Google Shape;100;g15414c2f9ae_0_82:notes"/>
+          <p:cNvSpPr txBox="1">
+            <a:spLocks noGrp="1"/>
+          </p:cNvSpPr>
           <p:nvPr>
-            <p:ph idx="1" type="body"/>
+            <p:ph type="body" idx="1"/>
           </p:nvPr>
         </p:nvSpPr>
         <p:spPr>
@@ -1677,12 +1781,12 @@
           </a:prstGeom>
         </p:spPr>
         <p:txBody>
-          <a:bodyPr anchorCtr="0" anchor="t" bIns="91425" lIns="91425" spcFirstLastPara="1" rIns="91425" wrap="square" tIns="91425">
+          <a:bodyPr spcFirstLastPara="1" wrap="square" lIns="91425" tIns="91425" rIns="91425" bIns="91425" anchor="t" anchorCtr="0">
             <a:noAutofit/>
           </a:bodyPr>
           <a:lstStyle/>
           <a:p>
-            <a:pPr indent="0" lvl="0" marL="0" rtl="0" algn="l">
+            <a:pPr marL="0" lvl="0" indent="0" algn="l" rtl="0">
               <a:spcBef>
                 <a:spcPts val="0"/>
               </a:spcBef>
@@ -1691,14 +1795,16 @@
               </a:spcAft>
               <a:buNone/>
             </a:pPr>
-            <a:r>
-              <a:t/>
-            </a:r>
             <a:endParaRPr/>
           </a:p>
         </p:txBody>
       </p:sp>
     </p:spTree>
+    <p:extLst>
+      <p:ext uri="{BB962C8B-B14F-4D97-AF65-F5344CB8AC3E}">
+        <p14:creationId xmlns:p14="http://schemas.microsoft.com/office/powerpoint/2010/main" val="2106408089"/>
+      </p:ext>
+    </p:extLst>
   </p:cSld>
   <p:clrMapOvr>
     <a:masterClrMapping/>
@@ -1706,12 +1812,12 @@
 </p:notes>
 </file>
 
-<file path=ppt/notesSlides/notesSlide5.xml><?xml version="1.0" encoding="utf-8"?>
-<p:notes xmlns:a="http://schemas.openxmlformats.org/drawingml/2006/main" xmlns:r="http://schemas.openxmlformats.org/officeDocument/2006/relationships" xmlns:mc="http://schemas.openxmlformats.org/markup-compatibility/2006" xmlns:mv="urn:schemas-microsoft-com:mac:vml" xmlns:p="http://schemas.openxmlformats.org/presentationml/2006/main" xmlns:c="http://schemas.openxmlformats.org/drawingml/2006/chart" xmlns:dgm="http://schemas.openxmlformats.org/drawingml/2006/diagram" xmlns:o="urn:schemas-microsoft-com:office:office" xmlns:v="urn:schemas-microsoft-com:vml" xmlns:pvml="urn:schemas-microsoft-com:office:powerpoint" xmlns:com="http://schemas.openxmlformats.org/drawingml/2006/compatibility" xmlns:p14="http://schemas.microsoft.com/office/powerpoint/2010/main" xmlns:p15="http://schemas.microsoft.com/office/powerpoint/2012/main" xmlns:ahyp="http://schemas.microsoft.com/office/drawing/2018/hyperlinkcolor" showMasterPhAnim="0" showMasterSp="0">
+<file path=ppt/notesSlides/notesSlide4.xml><?xml version="1.0" encoding="utf-8"?>
+<p:notes xmlns:a="http://schemas.openxmlformats.org/drawingml/2006/main" xmlns:r="http://schemas.openxmlformats.org/officeDocument/2006/relationships" xmlns:p="http://schemas.openxmlformats.org/presentationml/2006/main" showMasterSp="0" showMasterPhAnim="0">
   <p:cSld>
     <p:spTree>
       <p:nvGrpSpPr>
-        <p:cNvPr id="91" name="Shape 91"/>
+        <p:cNvPr id="1" name="Shape 73"/>
         <p:cNvGrpSpPr/>
         <p:nvPr/>
       </p:nvGrpSpPr>
@@ -1725,21 +1831,27 @@
       </p:grpSpPr>
       <p:sp>
         <p:nvSpPr>
-          <p:cNvPr id="92" name="Google Shape;92;g15414c2f9ae_0_66:notes"/>
-          <p:cNvSpPr/>
+          <p:cNvPr id="74" name="Google Shape;74;g15414c2f9ae_0_21:notes"/>
+          <p:cNvSpPr>
+            <a:spLocks noGrp="1" noRot="1" noChangeAspect="1"/>
+          </p:cNvSpPr>
           <p:nvPr>
-            <p:ph idx="2" type="sldImg"/>
+            <p:ph type="sldImg" idx="2"/>
           </p:nvPr>
         </p:nvSpPr>
         <p:spPr>
           <a:xfrm>
-            <a:off x="381300" y="685800"/>
+            <a:off x="381000" y="685800"/>
             <a:ext cx="6096000" cy="3429000"/>
           </a:xfrm>
           <a:custGeom>
-            <a:rect b="b" l="l" r="r" t="t"/>
+            <a:avLst/>
+            <a:gdLst/>
+            <a:ahLst/>
+            <a:cxnLst/>
+            <a:rect l="l" t="t" r="r" b="b"/>
             <a:pathLst>
-              <a:path extrusionOk="0" h="120000" w="120000">
+              <a:path w="120000" h="120000" extrusionOk="0">
                 <a:moveTo>
                   <a:pt x="0" y="0"/>
                 </a:moveTo>
@@ -1760,10 +1872,12 @@
       </p:sp>
       <p:sp>
         <p:nvSpPr>
-          <p:cNvPr id="93" name="Google Shape;93;g15414c2f9ae_0_66:notes"/>
-          <p:cNvSpPr txBox="1"/>
+          <p:cNvPr id="75" name="Google Shape;75;g15414c2f9ae_0_21:notes"/>
+          <p:cNvSpPr txBox="1">
+            <a:spLocks noGrp="1"/>
+          </p:cNvSpPr>
           <p:nvPr>
-            <p:ph idx="1" type="body"/>
+            <p:ph type="body" idx="1"/>
           </p:nvPr>
         </p:nvSpPr>
         <p:spPr>
@@ -1776,12 +1890,12 @@
           </a:prstGeom>
         </p:spPr>
         <p:txBody>
-          <a:bodyPr anchorCtr="0" anchor="t" bIns="91425" lIns="91425" spcFirstLastPara="1" rIns="91425" wrap="square" tIns="91425">
+          <a:bodyPr spcFirstLastPara="1" wrap="square" lIns="91425" tIns="91425" rIns="91425" bIns="91425" anchor="t" anchorCtr="0">
             <a:noAutofit/>
           </a:bodyPr>
           <a:lstStyle/>
           <a:p>
-            <a:pPr indent="0" lvl="0" marL="0" rtl="0" algn="l">
+            <a:pPr marL="0" lvl="0" indent="0" algn="l" rtl="0">
               <a:spcBef>
                 <a:spcPts val="0"/>
               </a:spcBef>
@@ -1790,14 +1904,16 @@
               </a:spcAft>
               <a:buNone/>
             </a:pPr>
-            <a:r>
-              <a:t/>
-            </a:r>
             <a:endParaRPr/>
           </a:p>
         </p:txBody>
       </p:sp>
     </p:spTree>
+    <p:extLst>
+      <p:ext uri="{BB962C8B-B14F-4D97-AF65-F5344CB8AC3E}">
+        <p14:creationId xmlns:p14="http://schemas.microsoft.com/office/powerpoint/2010/main" val="726713624"/>
+      </p:ext>
+    </p:extLst>
   </p:cSld>
   <p:clrMapOvr>
     <a:masterClrMapping/>
@@ -1805,12 +1921,12 @@
 </p:notes>
 </file>
 
-<file path=ppt/notesSlides/notesSlide6.xml><?xml version="1.0" encoding="utf-8"?>
-<p:notes xmlns:a="http://schemas.openxmlformats.org/drawingml/2006/main" xmlns:r="http://schemas.openxmlformats.org/officeDocument/2006/relationships" xmlns:mc="http://schemas.openxmlformats.org/markup-compatibility/2006" xmlns:mv="urn:schemas-microsoft-com:mac:vml" xmlns:p="http://schemas.openxmlformats.org/presentationml/2006/main" xmlns:c="http://schemas.openxmlformats.org/drawingml/2006/chart" xmlns:dgm="http://schemas.openxmlformats.org/drawingml/2006/diagram" xmlns:o="urn:schemas-microsoft-com:office:office" xmlns:v="urn:schemas-microsoft-com:vml" xmlns:pvml="urn:schemas-microsoft-com:office:powerpoint" xmlns:com="http://schemas.openxmlformats.org/drawingml/2006/compatibility" xmlns:p14="http://schemas.microsoft.com/office/powerpoint/2010/main" xmlns:p15="http://schemas.microsoft.com/office/powerpoint/2012/main" xmlns:ahyp="http://schemas.microsoft.com/office/drawing/2018/hyperlinkcolor" showMasterPhAnim="0" showMasterSp="0">
+<file path=ppt/notesSlides/notesSlide5.xml><?xml version="1.0" encoding="utf-8"?>
+<p:notes xmlns:a="http://schemas.openxmlformats.org/drawingml/2006/main" xmlns:r="http://schemas.openxmlformats.org/officeDocument/2006/relationships" xmlns:p="http://schemas.openxmlformats.org/presentationml/2006/main" showMasterSp="0" showMasterPhAnim="0">
   <p:cSld>
     <p:spTree>
       <p:nvGrpSpPr>
-        <p:cNvPr id="98" name="Shape 98"/>
+        <p:cNvPr id="1" name="Shape 80"/>
         <p:cNvGrpSpPr/>
         <p:nvPr/>
       </p:nvGrpSpPr>
@@ -1824,10 +1940,12 @@
       </p:grpSpPr>
       <p:sp>
         <p:nvSpPr>
-          <p:cNvPr id="99" name="Google Shape;99;g15414c2f9ae_0_82:notes"/>
-          <p:cNvSpPr/>
+          <p:cNvPr id="81" name="Google Shape;81;g15414c2f9ae_0_54:notes"/>
+          <p:cNvSpPr>
+            <a:spLocks noGrp="1" noRot="1" noChangeAspect="1"/>
+          </p:cNvSpPr>
           <p:nvPr>
-            <p:ph idx="2" type="sldImg"/>
+            <p:ph type="sldImg" idx="2"/>
           </p:nvPr>
         </p:nvSpPr>
         <p:spPr>
@@ -1836,9 +1954,13 @@
             <a:ext cx="6096000" cy="3429000"/>
           </a:xfrm>
           <a:custGeom>
-            <a:rect b="b" l="l" r="r" t="t"/>
+            <a:avLst/>
+            <a:gdLst/>
+            <a:ahLst/>
+            <a:cxnLst/>
+            <a:rect l="l" t="t" r="r" b="b"/>
             <a:pathLst>
-              <a:path extrusionOk="0" h="120000" w="120000">
+              <a:path w="120000" h="120000" extrusionOk="0">
                 <a:moveTo>
                   <a:pt x="0" y="0"/>
                 </a:moveTo>
@@ -1859,10 +1981,12 @@
       </p:sp>
       <p:sp>
         <p:nvSpPr>
-          <p:cNvPr id="100" name="Google Shape;100;g15414c2f9ae_0_82:notes"/>
-          <p:cNvSpPr txBox="1"/>
+          <p:cNvPr id="82" name="Google Shape;82;g15414c2f9ae_0_54:notes"/>
+          <p:cNvSpPr txBox="1">
+            <a:spLocks noGrp="1"/>
+          </p:cNvSpPr>
           <p:nvPr>
-            <p:ph idx="1" type="body"/>
+            <p:ph type="body" idx="1"/>
           </p:nvPr>
         </p:nvSpPr>
         <p:spPr>
@@ -1875,12 +1999,12 @@
           </a:prstGeom>
         </p:spPr>
         <p:txBody>
-          <a:bodyPr anchorCtr="0" anchor="t" bIns="91425" lIns="91425" spcFirstLastPara="1" rIns="91425" wrap="square" tIns="91425">
+          <a:bodyPr spcFirstLastPara="1" wrap="square" lIns="91425" tIns="91425" rIns="91425" bIns="91425" anchor="t" anchorCtr="0">
             <a:noAutofit/>
           </a:bodyPr>
           <a:lstStyle/>
           <a:p>
-            <a:pPr indent="0" lvl="0" marL="0" rtl="0" algn="l">
+            <a:pPr marL="0" lvl="0" indent="0" algn="l" rtl="0">
               <a:spcBef>
                 <a:spcPts val="0"/>
               </a:spcBef>
@@ -1889,14 +2013,16 @@
               </a:spcAft>
               <a:buNone/>
             </a:pPr>
-            <a:r>
-              <a:t/>
-            </a:r>
             <a:endParaRPr/>
           </a:p>
         </p:txBody>
       </p:sp>
     </p:spTree>
+    <p:extLst>
+      <p:ext uri="{BB962C8B-B14F-4D97-AF65-F5344CB8AC3E}">
+        <p14:creationId xmlns:p14="http://schemas.microsoft.com/office/powerpoint/2010/main" val="1913969757"/>
+      </p:ext>
+    </p:extLst>
   </p:cSld>
   <p:clrMapOvr>
     <a:masterClrMapping/>
@@ -1904,12 +2030,12 @@
 </p:notes>
 </file>
 
-<file path=ppt/notesSlides/notesSlide7.xml><?xml version="1.0" encoding="utf-8"?>
-<p:notes xmlns:a="http://schemas.openxmlformats.org/drawingml/2006/main" xmlns:r="http://schemas.openxmlformats.org/officeDocument/2006/relationships" xmlns:mc="http://schemas.openxmlformats.org/markup-compatibility/2006" xmlns:mv="urn:schemas-microsoft-com:mac:vml" xmlns:p="http://schemas.openxmlformats.org/presentationml/2006/main" xmlns:c="http://schemas.openxmlformats.org/drawingml/2006/chart" xmlns:dgm="http://schemas.openxmlformats.org/drawingml/2006/diagram" xmlns:o="urn:schemas-microsoft-com:office:office" xmlns:v="urn:schemas-microsoft-com:vml" xmlns:pvml="urn:schemas-microsoft-com:office:powerpoint" xmlns:com="http://schemas.openxmlformats.org/drawingml/2006/compatibility" xmlns:p14="http://schemas.microsoft.com/office/powerpoint/2010/main" xmlns:p15="http://schemas.microsoft.com/office/powerpoint/2012/main" xmlns:ahyp="http://schemas.microsoft.com/office/drawing/2018/hyperlinkcolor" showMasterPhAnim="0" showMasterSp="0">
+<file path=ppt/notesSlides/notesSlide6.xml><?xml version="1.0" encoding="utf-8"?>
+<p:notes xmlns:a="http://schemas.openxmlformats.org/drawingml/2006/main" xmlns:r="http://schemas.openxmlformats.org/officeDocument/2006/relationships" xmlns:p="http://schemas.openxmlformats.org/presentationml/2006/main" showMasterSp="0" showMasterPhAnim="0">
   <p:cSld>
     <p:spTree>
       <p:nvGrpSpPr>
-        <p:cNvPr id="107" name="Shape 107"/>
+        <p:cNvPr id="1" name="Shape 91"/>
         <p:cNvGrpSpPr/>
         <p:nvPr/>
       </p:nvGrpSpPr>
@@ -1923,21 +2049,27 @@
       </p:grpSpPr>
       <p:sp>
         <p:nvSpPr>
-          <p:cNvPr id="108" name="Google Shape;108;g15414c2f9ae_0_91:notes"/>
-          <p:cNvSpPr/>
+          <p:cNvPr id="92" name="Google Shape;92;g15414c2f9ae_0_66:notes"/>
+          <p:cNvSpPr>
+            <a:spLocks noGrp="1" noRot="1" noChangeAspect="1"/>
+          </p:cNvSpPr>
           <p:nvPr>
-            <p:ph idx="2" type="sldImg"/>
+            <p:ph type="sldImg" idx="2"/>
           </p:nvPr>
         </p:nvSpPr>
         <p:spPr>
           <a:xfrm>
-            <a:off x="381300" y="685800"/>
+            <a:off x="381000" y="685800"/>
             <a:ext cx="6096000" cy="3429000"/>
           </a:xfrm>
           <a:custGeom>
-            <a:rect b="b" l="l" r="r" t="t"/>
+            <a:avLst/>
+            <a:gdLst/>
+            <a:ahLst/>
+            <a:cxnLst/>
+            <a:rect l="l" t="t" r="r" b="b"/>
             <a:pathLst>
-              <a:path extrusionOk="0" h="120000" w="120000">
+              <a:path w="120000" h="120000" extrusionOk="0">
                 <a:moveTo>
                   <a:pt x="0" y="0"/>
                 </a:moveTo>
@@ -1958,10 +2090,12 @@
       </p:sp>
       <p:sp>
         <p:nvSpPr>
-          <p:cNvPr id="109" name="Google Shape;109;g15414c2f9ae_0_91:notes"/>
-          <p:cNvSpPr txBox="1"/>
+          <p:cNvPr id="93" name="Google Shape;93;g15414c2f9ae_0_66:notes"/>
+          <p:cNvSpPr txBox="1">
+            <a:spLocks noGrp="1"/>
+          </p:cNvSpPr>
           <p:nvPr>
-            <p:ph idx="1" type="body"/>
+            <p:ph type="body" idx="1"/>
           </p:nvPr>
         </p:nvSpPr>
         <p:spPr>
@@ -1974,12 +2108,12 @@
           </a:prstGeom>
         </p:spPr>
         <p:txBody>
-          <a:bodyPr anchorCtr="0" anchor="t" bIns="91425" lIns="91425" spcFirstLastPara="1" rIns="91425" wrap="square" tIns="91425">
+          <a:bodyPr spcFirstLastPara="1" wrap="square" lIns="91425" tIns="91425" rIns="91425" bIns="91425" anchor="t" anchorCtr="0">
             <a:noAutofit/>
           </a:bodyPr>
           <a:lstStyle/>
           <a:p>
-            <a:pPr indent="0" lvl="0" marL="0" rtl="0" algn="l">
+            <a:pPr marL="0" lvl="0" indent="0" algn="l" rtl="0">
               <a:spcBef>
                 <a:spcPts val="0"/>
               </a:spcBef>
@@ -1988,14 +2122,16 @@
               </a:spcAft>
               <a:buNone/>
             </a:pPr>
-            <a:r>
-              <a:t/>
-            </a:r>
             <a:endParaRPr/>
           </a:p>
         </p:txBody>
       </p:sp>
     </p:spTree>
+    <p:extLst>
+      <p:ext uri="{BB962C8B-B14F-4D97-AF65-F5344CB8AC3E}">
+        <p14:creationId xmlns:p14="http://schemas.microsoft.com/office/powerpoint/2010/main" val="2162275241"/>
+      </p:ext>
+    </p:extLst>
   </p:cSld>
   <p:clrMapOvr>
     <a:masterClrMapping/>
@@ -2003,12 +2139,12 @@
 </p:notes>
 </file>
 
-<file path=ppt/notesSlides/notesSlide8.xml><?xml version="1.0" encoding="utf-8"?>
-<p:notes xmlns:a="http://schemas.openxmlformats.org/drawingml/2006/main" xmlns:r="http://schemas.openxmlformats.org/officeDocument/2006/relationships" xmlns:mc="http://schemas.openxmlformats.org/markup-compatibility/2006" xmlns:mv="urn:schemas-microsoft-com:mac:vml" xmlns:p="http://schemas.openxmlformats.org/presentationml/2006/main" xmlns:c="http://schemas.openxmlformats.org/drawingml/2006/chart" xmlns:dgm="http://schemas.openxmlformats.org/drawingml/2006/diagram" xmlns:o="urn:schemas-microsoft-com:office:office" xmlns:v="urn:schemas-microsoft-com:vml" xmlns:pvml="urn:schemas-microsoft-com:office:powerpoint" xmlns:com="http://schemas.openxmlformats.org/drawingml/2006/compatibility" xmlns:p14="http://schemas.microsoft.com/office/powerpoint/2010/main" xmlns:p15="http://schemas.microsoft.com/office/powerpoint/2012/main" xmlns:ahyp="http://schemas.microsoft.com/office/drawing/2018/hyperlinkcolor" showMasterPhAnim="0" showMasterSp="0">
+<file path=ppt/notesSlides/notesSlide7.xml><?xml version="1.0" encoding="utf-8"?>
+<p:notes xmlns:a="http://schemas.openxmlformats.org/drawingml/2006/main" xmlns:r="http://schemas.openxmlformats.org/officeDocument/2006/relationships" xmlns:p="http://schemas.openxmlformats.org/presentationml/2006/main" showMasterSp="0" showMasterPhAnim="0">
   <p:cSld>
     <p:spTree>
       <p:nvGrpSpPr>
-        <p:cNvPr id="117" name="Shape 117"/>
+        <p:cNvPr id="1" name="Shape 98"/>
         <p:cNvGrpSpPr/>
         <p:nvPr/>
       </p:nvGrpSpPr>
@@ -2022,10 +2158,12 @@
       </p:grpSpPr>
       <p:sp>
         <p:nvSpPr>
-          <p:cNvPr id="118" name="Google Shape;118;g15414c2f9ae_0_103:notes"/>
-          <p:cNvSpPr/>
+          <p:cNvPr id="99" name="Google Shape;99;g15414c2f9ae_0_82:notes"/>
+          <p:cNvSpPr>
+            <a:spLocks noGrp="1" noRot="1" noChangeAspect="1"/>
+          </p:cNvSpPr>
           <p:nvPr>
-            <p:ph idx="2" type="sldImg"/>
+            <p:ph type="sldImg" idx="2"/>
           </p:nvPr>
         </p:nvSpPr>
         <p:spPr>
@@ -2034,9 +2172,13 @@
             <a:ext cx="6096000" cy="3429000"/>
           </a:xfrm>
           <a:custGeom>
-            <a:rect b="b" l="l" r="r" t="t"/>
+            <a:avLst/>
+            <a:gdLst/>
+            <a:ahLst/>
+            <a:cxnLst/>
+            <a:rect l="l" t="t" r="r" b="b"/>
             <a:pathLst>
-              <a:path extrusionOk="0" h="120000" w="120000">
+              <a:path w="120000" h="120000" extrusionOk="0">
                 <a:moveTo>
                   <a:pt x="0" y="0"/>
                 </a:moveTo>
@@ -2057,10 +2199,12 @@
       </p:sp>
       <p:sp>
         <p:nvSpPr>
-          <p:cNvPr id="119" name="Google Shape;119;g15414c2f9ae_0_103:notes"/>
-          <p:cNvSpPr txBox="1"/>
+          <p:cNvPr id="100" name="Google Shape;100;g15414c2f9ae_0_82:notes"/>
+          <p:cNvSpPr txBox="1">
+            <a:spLocks noGrp="1"/>
+          </p:cNvSpPr>
           <p:nvPr>
-            <p:ph idx="1" type="body"/>
+            <p:ph type="body" idx="1"/>
           </p:nvPr>
         </p:nvSpPr>
         <p:spPr>
@@ -2073,12 +2217,12 @@
           </a:prstGeom>
         </p:spPr>
         <p:txBody>
-          <a:bodyPr anchorCtr="0" anchor="t" bIns="91425" lIns="91425" spcFirstLastPara="1" rIns="91425" wrap="square" tIns="91425">
+          <a:bodyPr spcFirstLastPara="1" wrap="square" lIns="91425" tIns="91425" rIns="91425" bIns="91425" anchor="t" anchorCtr="0">
             <a:noAutofit/>
           </a:bodyPr>
           <a:lstStyle/>
           <a:p>
-            <a:pPr indent="0" lvl="0" marL="0" rtl="0" algn="l">
+            <a:pPr marL="0" lvl="0" indent="0" algn="l" rtl="0">
               <a:spcBef>
                 <a:spcPts val="0"/>
               </a:spcBef>
@@ -2087,14 +2231,16 @@
               </a:spcAft>
               <a:buNone/>
             </a:pPr>
-            <a:r>
-              <a:t/>
-            </a:r>
             <a:endParaRPr/>
           </a:p>
         </p:txBody>
       </p:sp>
     </p:spTree>
+    <p:extLst>
+      <p:ext uri="{BB962C8B-B14F-4D97-AF65-F5344CB8AC3E}">
+        <p14:creationId xmlns:p14="http://schemas.microsoft.com/office/powerpoint/2010/main" val="3145507802"/>
+      </p:ext>
+    </p:extLst>
   </p:cSld>
   <p:clrMapOvr>
     <a:masterClrMapping/>
@@ -2102,12 +2248,12 @@
 </p:notes>
 </file>
 
-<file path=ppt/notesSlides/notesSlide9.xml><?xml version="1.0" encoding="utf-8"?>
-<p:notes xmlns:a="http://schemas.openxmlformats.org/drawingml/2006/main" xmlns:r="http://schemas.openxmlformats.org/officeDocument/2006/relationships" xmlns:mc="http://schemas.openxmlformats.org/markup-compatibility/2006" xmlns:mv="urn:schemas-microsoft-com:mac:vml" xmlns:p="http://schemas.openxmlformats.org/presentationml/2006/main" xmlns:c="http://schemas.openxmlformats.org/drawingml/2006/chart" xmlns:dgm="http://schemas.openxmlformats.org/drawingml/2006/diagram" xmlns:o="urn:schemas-microsoft-com:office:office" xmlns:v="urn:schemas-microsoft-com:vml" xmlns:pvml="urn:schemas-microsoft-com:office:powerpoint" xmlns:com="http://schemas.openxmlformats.org/drawingml/2006/compatibility" xmlns:p14="http://schemas.microsoft.com/office/powerpoint/2010/main" xmlns:p15="http://schemas.microsoft.com/office/powerpoint/2012/main" xmlns:ahyp="http://schemas.microsoft.com/office/drawing/2018/hyperlinkcolor" showMasterPhAnim="0" showMasterSp="0">
+<file path=ppt/notesSlides/notesSlide8.xml><?xml version="1.0" encoding="utf-8"?>
+<p:notes xmlns:a="http://schemas.openxmlformats.org/drawingml/2006/main" xmlns:r="http://schemas.openxmlformats.org/officeDocument/2006/relationships" xmlns:p="http://schemas.openxmlformats.org/presentationml/2006/main" showMasterSp="0" showMasterPhAnim="0">
   <p:cSld>
     <p:spTree>
       <p:nvGrpSpPr>
-        <p:cNvPr id="126" name="Shape 126"/>
+        <p:cNvPr id="1" name="Shape 107"/>
         <p:cNvGrpSpPr/>
         <p:nvPr/>
       </p:nvGrpSpPr>
@@ -2121,10 +2267,12 @@
       </p:grpSpPr>
       <p:sp>
         <p:nvSpPr>
-          <p:cNvPr id="127" name="Google Shape;127;g15414c2f9ae_0_113:notes"/>
-          <p:cNvSpPr/>
+          <p:cNvPr id="108" name="Google Shape;108;g15414c2f9ae_0_91:notes"/>
+          <p:cNvSpPr>
+            <a:spLocks noGrp="1" noRot="1" noChangeAspect="1"/>
+          </p:cNvSpPr>
           <p:nvPr>
-            <p:ph idx="2" type="sldImg"/>
+            <p:ph type="sldImg" idx="2"/>
           </p:nvPr>
         </p:nvSpPr>
         <p:spPr>
@@ -2133,9 +2281,13 @@
             <a:ext cx="6096000" cy="3429000"/>
           </a:xfrm>
           <a:custGeom>
-            <a:rect b="b" l="l" r="r" t="t"/>
+            <a:avLst/>
+            <a:gdLst/>
+            <a:ahLst/>
+            <a:cxnLst/>
+            <a:rect l="l" t="t" r="r" b="b"/>
             <a:pathLst>
-              <a:path extrusionOk="0" h="120000" w="120000">
+              <a:path w="120000" h="120000" extrusionOk="0">
                 <a:moveTo>
                   <a:pt x="0" y="0"/>
                 </a:moveTo>
@@ -2156,10 +2308,12 @@
       </p:sp>
       <p:sp>
         <p:nvSpPr>
-          <p:cNvPr id="128" name="Google Shape;128;g15414c2f9ae_0_113:notes"/>
-          <p:cNvSpPr txBox="1"/>
+          <p:cNvPr id="109" name="Google Shape;109;g15414c2f9ae_0_91:notes"/>
+          <p:cNvSpPr txBox="1">
+            <a:spLocks noGrp="1"/>
+          </p:cNvSpPr>
           <p:nvPr>
-            <p:ph idx="1" type="body"/>
+            <p:ph type="body" idx="1"/>
           </p:nvPr>
         </p:nvSpPr>
         <p:spPr>
@@ -2172,12 +2326,12 @@
           </a:prstGeom>
         </p:spPr>
         <p:txBody>
-          <a:bodyPr anchorCtr="0" anchor="t" bIns="91425" lIns="91425" spcFirstLastPara="1" rIns="91425" wrap="square" tIns="91425">
+          <a:bodyPr spcFirstLastPara="1" wrap="square" lIns="91425" tIns="91425" rIns="91425" bIns="91425" anchor="t" anchorCtr="0">
             <a:noAutofit/>
           </a:bodyPr>
           <a:lstStyle/>
           <a:p>
-            <a:pPr indent="0" lvl="0" marL="0" rtl="0" algn="l">
+            <a:pPr marL="0" lvl="0" indent="0" algn="l" rtl="0">
               <a:spcBef>
                 <a:spcPts val="0"/>
               </a:spcBef>
@@ -2186,14 +2340,125 @@
               </a:spcAft>
               <a:buNone/>
             </a:pPr>
-            <a:r>
-              <a:t/>
-            </a:r>
             <a:endParaRPr/>
           </a:p>
         </p:txBody>
       </p:sp>
     </p:spTree>
+    <p:extLst>
+      <p:ext uri="{BB962C8B-B14F-4D97-AF65-F5344CB8AC3E}">
+        <p14:creationId xmlns:p14="http://schemas.microsoft.com/office/powerpoint/2010/main" val="1747363720"/>
+      </p:ext>
+    </p:extLst>
+  </p:cSld>
+  <p:clrMapOvr>
+    <a:masterClrMapping/>
+  </p:clrMapOvr>
+</p:notes>
+</file>
+
+<file path=ppt/notesSlides/notesSlide9.xml><?xml version="1.0" encoding="utf-8"?>
+<p:notes xmlns:a="http://schemas.openxmlformats.org/drawingml/2006/main" xmlns:r="http://schemas.openxmlformats.org/officeDocument/2006/relationships" xmlns:p="http://schemas.openxmlformats.org/presentationml/2006/main" showMasterSp="0" showMasterPhAnim="0">
+  <p:cSld>
+    <p:spTree>
+      <p:nvGrpSpPr>
+        <p:cNvPr id="1" name="Shape 117"/>
+        <p:cNvGrpSpPr/>
+        <p:nvPr/>
+      </p:nvGrpSpPr>
+      <p:grpSpPr>
+        <a:xfrm>
+          <a:off x="0" y="0"/>
+          <a:ext cx="0" cy="0"/>
+          <a:chOff x="0" y="0"/>
+          <a:chExt cx="0" cy="0"/>
+        </a:xfrm>
+      </p:grpSpPr>
+      <p:sp>
+        <p:nvSpPr>
+          <p:cNvPr id="118" name="Google Shape;118;g15414c2f9ae_0_103:notes"/>
+          <p:cNvSpPr>
+            <a:spLocks noGrp="1" noRot="1" noChangeAspect="1"/>
+          </p:cNvSpPr>
+          <p:nvPr>
+            <p:ph type="sldImg" idx="2"/>
+          </p:nvPr>
+        </p:nvSpPr>
+        <p:spPr>
+          <a:xfrm>
+            <a:off x="381300" y="685800"/>
+            <a:ext cx="6096000" cy="3429000"/>
+          </a:xfrm>
+          <a:custGeom>
+            <a:avLst/>
+            <a:gdLst/>
+            <a:ahLst/>
+            <a:cxnLst/>
+            <a:rect l="l" t="t" r="r" b="b"/>
+            <a:pathLst>
+              <a:path w="120000" h="120000" extrusionOk="0">
+                <a:moveTo>
+                  <a:pt x="0" y="0"/>
+                </a:moveTo>
+                <a:lnTo>
+                  <a:pt x="120000" y="0"/>
+                </a:lnTo>
+                <a:lnTo>
+                  <a:pt x="120000" y="120000"/>
+                </a:lnTo>
+                <a:lnTo>
+                  <a:pt x="0" y="120000"/>
+                </a:lnTo>
+                <a:close/>
+              </a:path>
+            </a:pathLst>
+          </a:custGeom>
+        </p:spPr>
+      </p:sp>
+      <p:sp>
+        <p:nvSpPr>
+          <p:cNvPr id="119" name="Google Shape;119;g15414c2f9ae_0_103:notes"/>
+          <p:cNvSpPr txBox="1">
+            <a:spLocks noGrp="1"/>
+          </p:cNvSpPr>
+          <p:nvPr>
+            <p:ph type="body" idx="1"/>
+          </p:nvPr>
+        </p:nvSpPr>
+        <p:spPr>
+          <a:xfrm>
+            <a:off x="685800" y="4343400"/>
+            <a:ext cx="5486400" cy="4114800"/>
+          </a:xfrm>
+          <a:prstGeom prst="rect">
+            <a:avLst/>
+          </a:prstGeom>
+        </p:spPr>
+        <p:txBody>
+          <a:bodyPr spcFirstLastPara="1" wrap="square" lIns="91425" tIns="91425" rIns="91425" bIns="91425" anchor="t" anchorCtr="0">
+            <a:noAutofit/>
+          </a:bodyPr>
+          <a:lstStyle/>
+          <a:p>
+            <a:pPr marL="0" lvl="0" indent="0" algn="l" rtl="0">
+              <a:spcBef>
+                <a:spcPts val="0"/>
+              </a:spcBef>
+              <a:spcAft>
+                <a:spcPts val="0"/>
+              </a:spcAft>
+              <a:buNone/>
+            </a:pPr>
+            <a:endParaRPr/>
+          </a:p>
+        </p:txBody>
+      </p:sp>
+    </p:spTree>
+    <p:extLst>
+      <p:ext uri="{BB962C8B-B14F-4D97-AF65-F5344CB8AC3E}">
+        <p14:creationId xmlns:p14="http://schemas.microsoft.com/office/powerpoint/2010/main" val="1680410686"/>
+      </p:ext>
+    </p:extLst>
   </p:cSld>
   <p:clrMapOvr>
     <a:masterClrMapping/>
@@ -2202,11 +2467,11 @@
 </file>
 
 <file path=ppt/slideLayouts/slideLayout1.xml><?xml version="1.0" encoding="utf-8"?>
-<p:sldLayout xmlns:a="http://schemas.openxmlformats.org/drawingml/2006/main" xmlns:r="http://schemas.openxmlformats.org/officeDocument/2006/relationships" xmlns:mc="http://schemas.openxmlformats.org/markup-compatibility/2006" xmlns:mv="urn:schemas-microsoft-com:mac:vml" xmlns:p="http://schemas.openxmlformats.org/presentationml/2006/main" xmlns:c="http://schemas.openxmlformats.org/drawingml/2006/chart" xmlns:dgm="http://schemas.openxmlformats.org/drawingml/2006/diagram" xmlns:o="urn:schemas-microsoft-com:office:office" xmlns:v="urn:schemas-microsoft-com:vml" xmlns:pvml="urn:schemas-microsoft-com:office:powerpoint" xmlns:com="http://schemas.openxmlformats.org/drawingml/2006/compatibility" xmlns:p14="http://schemas.microsoft.com/office/powerpoint/2010/main" xmlns:p15="http://schemas.microsoft.com/office/powerpoint/2012/main" xmlns:ahyp="http://schemas.microsoft.com/office/drawing/2018/hyperlinkcolor" matchingName="Title slide" type="title">
+<p:sldLayout xmlns:a="http://schemas.openxmlformats.org/drawingml/2006/main" xmlns:r="http://schemas.openxmlformats.org/officeDocument/2006/relationships" xmlns:p="http://schemas.openxmlformats.org/presentationml/2006/main" matchingName="Title slide" type="title">
   <p:cSld name="TITLE">
     <p:spTree>
       <p:nvGrpSpPr>
-        <p:cNvPr id="9" name="Shape 9"/>
+        <p:cNvPr id="1" name="Shape 9"/>
         <p:cNvGrpSpPr/>
         <p:nvPr/>
       </p:nvGrpSpPr>
@@ -2221,7 +2486,9 @@
       <p:sp>
         <p:nvSpPr>
           <p:cNvPr id="10" name="Google Shape;10;p2"/>
-          <p:cNvSpPr txBox="1"/>
+          <p:cNvSpPr txBox="1">
+            <a:spLocks noGrp="1"/>
+          </p:cNvSpPr>
           <p:nvPr>
             <p:ph type="ctrTitle"/>
           </p:nvPr>
@@ -2236,7 +2503,7 @@
           </a:prstGeom>
         </p:spPr>
         <p:txBody>
-          <a:bodyPr anchorCtr="0" anchor="b" bIns="91425" lIns="91425" spcFirstLastPara="1" rIns="91425" wrap="square" tIns="91425">
+          <a:bodyPr spcFirstLastPara="1" wrap="square" lIns="91425" tIns="91425" rIns="91425" bIns="91425" anchor="b" anchorCtr="0">
             <a:normAutofit/>
           </a:bodyPr>
           <a:lstStyle>
@@ -2340,15 +2607,19 @@
               <a:defRPr sz="5200"/>
             </a:lvl9pPr>
           </a:lstStyle>
-          <a:p/>
+          <a:p>
+            <a:endParaRPr/>
+          </a:p>
         </p:txBody>
       </p:sp>
       <p:sp>
         <p:nvSpPr>
           <p:cNvPr id="11" name="Google Shape;11;p2"/>
-          <p:cNvSpPr txBox="1"/>
+          <p:cNvSpPr txBox="1">
+            <a:spLocks noGrp="1"/>
+          </p:cNvSpPr>
           <p:nvPr>
-            <p:ph idx="1" type="subTitle"/>
+            <p:ph type="subTitle" idx="1"/>
           </p:nvPr>
         </p:nvSpPr>
         <p:spPr>
@@ -2361,7 +2632,7 @@
           </a:prstGeom>
         </p:spPr>
         <p:txBody>
-          <a:bodyPr anchorCtr="0" anchor="t" bIns="91425" lIns="91425" spcFirstLastPara="1" rIns="91425" wrap="square" tIns="91425">
+          <a:bodyPr spcFirstLastPara="1" wrap="square" lIns="91425" tIns="91425" rIns="91425" bIns="91425" anchor="t" anchorCtr="0">
             <a:normAutofit/>
           </a:bodyPr>
           <a:lstStyle>
@@ -2492,15 +2763,19 @@
               <a:defRPr sz="2800"/>
             </a:lvl9pPr>
           </a:lstStyle>
-          <a:p/>
+          <a:p>
+            <a:endParaRPr/>
+          </a:p>
         </p:txBody>
       </p:sp>
       <p:sp>
         <p:nvSpPr>
           <p:cNvPr id="12" name="Google Shape;12;p2"/>
-          <p:cNvSpPr txBox="1"/>
+          <p:cNvSpPr txBox="1">
+            <a:spLocks noGrp="1"/>
+          </p:cNvSpPr>
           <p:nvPr>
-            <p:ph idx="12" type="sldNum"/>
+            <p:ph type="sldNum" idx="12"/>
           </p:nvPr>
         </p:nvSpPr>
         <p:spPr>
@@ -2513,7 +2788,7 @@
           </a:prstGeom>
         </p:spPr>
         <p:txBody>
-          <a:bodyPr anchorCtr="0" anchor="ctr" bIns="91425" lIns="91425" spcFirstLastPara="1" rIns="91425" wrap="square" tIns="91425">
+          <a:bodyPr spcFirstLastPara="1" wrap="square" lIns="91425" tIns="91425" rIns="91425" bIns="91425" anchor="ctr" anchorCtr="0">
             <a:normAutofit/>
           </a:bodyPr>
           <a:lstStyle>
@@ -2555,7 +2830,7 @@
             </a:lvl9pPr>
           </a:lstStyle>
           <a:p>
-            <a:pPr indent="0" lvl="0" marL="0" rtl="0" algn="r">
+            <a:pPr marL="0" lvl="0" indent="0" algn="r" rtl="0">
               <a:spcBef>
                 <a:spcPts val="0"/>
               </a:spcBef>
@@ -2581,11 +2856,11 @@
 </file>
 
 <file path=ppt/slideLayouts/slideLayout10.xml><?xml version="1.0" encoding="utf-8"?>
-<p:sldLayout xmlns:a="http://schemas.openxmlformats.org/drawingml/2006/main" xmlns:r="http://schemas.openxmlformats.org/officeDocument/2006/relationships" xmlns:mc="http://schemas.openxmlformats.org/markup-compatibility/2006" xmlns:mv="urn:schemas-microsoft-com:mac:vml" xmlns:p="http://schemas.openxmlformats.org/presentationml/2006/main" xmlns:c="http://schemas.openxmlformats.org/drawingml/2006/chart" xmlns:dgm="http://schemas.openxmlformats.org/drawingml/2006/diagram" xmlns:o="urn:schemas-microsoft-com:office:office" xmlns:v="urn:schemas-microsoft-com:vml" xmlns:pvml="urn:schemas-microsoft-com:office:powerpoint" xmlns:com="http://schemas.openxmlformats.org/drawingml/2006/compatibility" xmlns:p14="http://schemas.microsoft.com/office/powerpoint/2010/main" xmlns:p15="http://schemas.microsoft.com/office/powerpoint/2012/main" xmlns:ahyp="http://schemas.microsoft.com/office/drawing/2018/hyperlinkcolor" matchingName="Big number">
+<p:sldLayout xmlns:a="http://schemas.openxmlformats.org/drawingml/2006/main" xmlns:r="http://schemas.openxmlformats.org/officeDocument/2006/relationships" xmlns:p="http://schemas.openxmlformats.org/presentationml/2006/main" matchingName="Big number">
   <p:cSld name="BIG_NUMBER">
     <p:spTree>
       <p:nvGrpSpPr>
-        <p:cNvPr id="44" name="Shape 44"/>
+        <p:cNvPr id="1" name="Shape 44"/>
         <p:cNvGrpSpPr/>
         <p:nvPr/>
       </p:nvGrpSpPr>
@@ -2600,9 +2875,11 @@
       <p:sp>
         <p:nvSpPr>
           <p:cNvPr id="45" name="Google Shape;45;p11"/>
-          <p:cNvSpPr txBox="1"/>
+          <p:cNvSpPr txBox="1">
+            <a:spLocks noGrp="1"/>
+          </p:cNvSpPr>
           <p:nvPr>
-            <p:ph hasCustomPrompt="1" type="title"/>
+            <p:ph type="title" hasCustomPrompt="1"/>
           </p:nvPr>
         </p:nvSpPr>
         <p:spPr>
@@ -2615,7 +2892,7 @@
           </a:prstGeom>
         </p:spPr>
         <p:txBody>
-          <a:bodyPr anchorCtr="0" anchor="b" bIns="91425" lIns="91425" spcFirstLastPara="1" rIns="91425" wrap="square" tIns="91425">
+          <a:bodyPr spcFirstLastPara="1" wrap="square" lIns="91425" tIns="91425" rIns="91425" bIns="91425" anchor="b" anchorCtr="0">
             <a:normAutofit/>
           </a:bodyPr>
           <a:lstStyle>
@@ -2729,9 +3006,11 @@
       <p:sp>
         <p:nvSpPr>
           <p:cNvPr id="46" name="Google Shape;46;p11"/>
-          <p:cNvSpPr txBox="1"/>
+          <p:cNvSpPr txBox="1">
+            <a:spLocks noGrp="1"/>
+          </p:cNvSpPr>
           <p:nvPr>
-            <p:ph idx="1" type="body"/>
+            <p:ph type="body" idx="1"/>
           </p:nvPr>
         </p:nvSpPr>
         <p:spPr>
@@ -2744,11 +3023,11 @@
           </a:prstGeom>
         </p:spPr>
         <p:txBody>
-          <a:bodyPr anchorCtr="0" anchor="t" bIns="91425" lIns="91425" spcFirstLastPara="1" rIns="91425" wrap="square" tIns="91425">
+          <a:bodyPr spcFirstLastPara="1" wrap="square" lIns="91425" tIns="91425" rIns="91425" bIns="91425" anchor="t" anchorCtr="0">
             <a:normAutofit/>
           </a:bodyPr>
           <a:lstStyle>
-            <a:lvl1pPr indent="-342900" lvl="0" marL="457200" algn="ctr">
+            <a:lvl1pPr marL="457200" lvl="0" indent="-342900" algn="ctr">
               <a:spcBef>
                 <a:spcPts val="0"/>
               </a:spcBef>
@@ -2759,7 +3038,7 @@
               <a:buChar char="●"/>
               <a:defRPr/>
             </a:lvl1pPr>
-            <a:lvl2pPr indent="-317500" lvl="1" marL="914400" algn="ctr">
+            <a:lvl2pPr marL="914400" lvl="1" indent="-317500" algn="ctr">
               <a:spcBef>
                 <a:spcPts val="0"/>
               </a:spcBef>
@@ -2770,7 +3049,7 @@
               <a:buChar char="○"/>
               <a:defRPr/>
             </a:lvl2pPr>
-            <a:lvl3pPr indent="-317500" lvl="2" marL="1371600" algn="ctr">
+            <a:lvl3pPr marL="1371600" lvl="2" indent="-317500" algn="ctr">
               <a:spcBef>
                 <a:spcPts val="0"/>
               </a:spcBef>
@@ -2781,7 +3060,7 @@
               <a:buChar char="■"/>
               <a:defRPr/>
             </a:lvl3pPr>
-            <a:lvl4pPr indent="-317500" lvl="3" marL="1828800" algn="ctr">
+            <a:lvl4pPr marL="1828800" lvl="3" indent="-317500" algn="ctr">
               <a:spcBef>
                 <a:spcPts val="0"/>
               </a:spcBef>
@@ -2792,7 +3071,7 @@
               <a:buChar char="●"/>
               <a:defRPr/>
             </a:lvl4pPr>
-            <a:lvl5pPr indent="-317500" lvl="4" marL="2286000" algn="ctr">
+            <a:lvl5pPr marL="2286000" lvl="4" indent="-317500" algn="ctr">
               <a:spcBef>
                 <a:spcPts val="0"/>
               </a:spcBef>
@@ -2803,7 +3082,7 @@
               <a:buChar char="○"/>
               <a:defRPr/>
             </a:lvl5pPr>
-            <a:lvl6pPr indent="-317500" lvl="5" marL="2743200" algn="ctr">
+            <a:lvl6pPr marL="2743200" lvl="5" indent="-317500" algn="ctr">
               <a:spcBef>
                 <a:spcPts val="0"/>
               </a:spcBef>
@@ -2814,7 +3093,7 @@
               <a:buChar char="■"/>
               <a:defRPr/>
             </a:lvl6pPr>
-            <a:lvl7pPr indent="-317500" lvl="6" marL="3200400" algn="ctr">
+            <a:lvl7pPr marL="3200400" lvl="6" indent="-317500" algn="ctr">
               <a:spcBef>
                 <a:spcPts val="0"/>
               </a:spcBef>
@@ -2825,7 +3104,7 @@
               <a:buChar char="●"/>
               <a:defRPr/>
             </a:lvl7pPr>
-            <a:lvl8pPr indent="-317500" lvl="7" marL="3657600" algn="ctr">
+            <a:lvl8pPr marL="3657600" lvl="7" indent="-317500" algn="ctr">
               <a:spcBef>
                 <a:spcPts val="0"/>
               </a:spcBef>
@@ -2836,7 +3115,7 @@
               <a:buChar char="○"/>
               <a:defRPr/>
             </a:lvl8pPr>
-            <a:lvl9pPr indent="-317500" lvl="8" marL="4114800" algn="ctr">
+            <a:lvl9pPr marL="4114800" lvl="8" indent="-317500" algn="ctr">
               <a:spcBef>
                 <a:spcPts val="0"/>
               </a:spcBef>
@@ -2848,15 +3127,19 @@
               <a:defRPr/>
             </a:lvl9pPr>
           </a:lstStyle>
-          <a:p/>
+          <a:p>
+            <a:endParaRPr/>
+          </a:p>
         </p:txBody>
       </p:sp>
       <p:sp>
         <p:nvSpPr>
           <p:cNvPr id="47" name="Google Shape;47;p11"/>
-          <p:cNvSpPr txBox="1"/>
+          <p:cNvSpPr txBox="1">
+            <a:spLocks noGrp="1"/>
+          </p:cNvSpPr>
           <p:nvPr>
-            <p:ph idx="12" type="sldNum"/>
+            <p:ph type="sldNum" idx="12"/>
           </p:nvPr>
         </p:nvSpPr>
         <p:spPr>
@@ -2869,7 +3152,7 @@
           </a:prstGeom>
         </p:spPr>
         <p:txBody>
-          <a:bodyPr anchorCtr="0" anchor="ctr" bIns="91425" lIns="91425" spcFirstLastPara="1" rIns="91425" wrap="square" tIns="91425">
+          <a:bodyPr spcFirstLastPara="1" wrap="square" lIns="91425" tIns="91425" rIns="91425" bIns="91425" anchor="ctr" anchorCtr="0">
             <a:normAutofit/>
           </a:bodyPr>
           <a:lstStyle>
@@ -2911,7 +3194,7 @@
             </a:lvl9pPr>
           </a:lstStyle>
           <a:p>
-            <a:pPr indent="0" lvl="0" marL="0" rtl="0" algn="r">
+            <a:pPr marL="0" lvl="0" indent="0" algn="r" rtl="0">
               <a:spcBef>
                 <a:spcPts val="0"/>
               </a:spcBef>
@@ -2937,11 +3220,11 @@
 </file>
 
 <file path=ppt/slideLayouts/slideLayout11.xml><?xml version="1.0" encoding="utf-8"?>
-<p:sldLayout xmlns:a="http://schemas.openxmlformats.org/drawingml/2006/main" xmlns:r="http://schemas.openxmlformats.org/officeDocument/2006/relationships" xmlns:mc="http://schemas.openxmlformats.org/markup-compatibility/2006" xmlns:mv="urn:schemas-microsoft-com:mac:vml" xmlns:p="http://schemas.openxmlformats.org/presentationml/2006/main" xmlns:c="http://schemas.openxmlformats.org/drawingml/2006/chart" xmlns:dgm="http://schemas.openxmlformats.org/drawingml/2006/diagram" xmlns:o="urn:schemas-microsoft-com:office:office" xmlns:v="urn:schemas-microsoft-com:vml" xmlns:pvml="urn:schemas-microsoft-com:office:powerpoint" xmlns:com="http://schemas.openxmlformats.org/drawingml/2006/compatibility" xmlns:p14="http://schemas.microsoft.com/office/powerpoint/2010/main" xmlns:p15="http://schemas.microsoft.com/office/powerpoint/2012/main" xmlns:ahyp="http://schemas.microsoft.com/office/drawing/2018/hyperlinkcolor" matchingName="Blank" type="blank">
+<p:sldLayout xmlns:a="http://schemas.openxmlformats.org/drawingml/2006/main" xmlns:r="http://schemas.openxmlformats.org/officeDocument/2006/relationships" xmlns:p="http://schemas.openxmlformats.org/presentationml/2006/main" matchingName="Blank" type="blank">
   <p:cSld name="BLANK">
     <p:spTree>
       <p:nvGrpSpPr>
-        <p:cNvPr id="48" name="Shape 48"/>
+        <p:cNvPr id="1" name="Shape 48"/>
         <p:cNvGrpSpPr/>
         <p:nvPr/>
       </p:nvGrpSpPr>
@@ -2956,9 +3239,11 @@
       <p:sp>
         <p:nvSpPr>
           <p:cNvPr id="49" name="Google Shape;49;p12"/>
-          <p:cNvSpPr txBox="1"/>
+          <p:cNvSpPr txBox="1">
+            <a:spLocks noGrp="1"/>
+          </p:cNvSpPr>
           <p:nvPr>
-            <p:ph idx="12" type="sldNum"/>
+            <p:ph type="sldNum" idx="12"/>
           </p:nvPr>
         </p:nvSpPr>
         <p:spPr>
@@ -2971,7 +3256,7 @@
           </a:prstGeom>
         </p:spPr>
         <p:txBody>
-          <a:bodyPr anchorCtr="0" anchor="ctr" bIns="91425" lIns="91425" spcFirstLastPara="1" rIns="91425" wrap="square" tIns="91425">
+          <a:bodyPr spcFirstLastPara="1" wrap="square" lIns="91425" tIns="91425" rIns="91425" bIns="91425" anchor="ctr" anchorCtr="0">
             <a:normAutofit/>
           </a:bodyPr>
           <a:lstStyle>
@@ -3013,7 +3298,7 @@
             </a:lvl9pPr>
           </a:lstStyle>
           <a:p>
-            <a:pPr indent="0" lvl="0" marL="0" rtl="0" algn="r">
+            <a:pPr marL="0" lvl="0" indent="0" algn="r" rtl="0">
               <a:spcBef>
                 <a:spcPts val="0"/>
               </a:spcBef>
@@ -3039,11 +3324,11 @@
 </file>
 
 <file path=ppt/slideLayouts/slideLayout2.xml><?xml version="1.0" encoding="utf-8"?>
-<p:sldLayout xmlns:a="http://schemas.openxmlformats.org/drawingml/2006/main" xmlns:r="http://schemas.openxmlformats.org/officeDocument/2006/relationships" xmlns:mc="http://schemas.openxmlformats.org/markup-compatibility/2006" xmlns:mv="urn:schemas-microsoft-com:mac:vml" xmlns:p="http://schemas.openxmlformats.org/presentationml/2006/main" xmlns:c="http://schemas.openxmlformats.org/drawingml/2006/chart" xmlns:dgm="http://schemas.openxmlformats.org/drawingml/2006/diagram" xmlns:o="urn:schemas-microsoft-com:office:office" xmlns:v="urn:schemas-microsoft-com:vml" xmlns:pvml="urn:schemas-microsoft-com:office:powerpoint" xmlns:com="http://schemas.openxmlformats.org/drawingml/2006/compatibility" xmlns:p14="http://schemas.microsoft.com/office/powerpoint/2010/main" xmlns:p15="http://schemas.microsoft.com/office/powerpoint/2012/main" xmlns:ahyp="http://schemas.microsoft.com/office/drawing/2018/hyperlinkcolor" matchingName="Section header" type="secHead">
+<p:sldLayout xmlns:a="http://schemas.openxmlformats.org/drawingml/2006/main" xmlns:r="http://schemas.openxmlformats.org/officeDocument/2006/relationships" xmlns:p="http://schemas.openxmlformats.org/presentationml/2006/main" matchingName="Section header" type="secHead">
   <p:cSld name="SECTION_HEADER">
     <p:spTree>
       <p:nvGrpSpPr>
-        <p:cNvPr id="13" name="Shape 13"/>
+        <p:cNvPr id="1" name="Shape 13"/>
         <p:cNvGrpSpPr/>
         <p:nvPr/>
       </p:nvGrpSpPr>
@@ -3058,7 +3343,9 @@
       <p:sp>
         <p:nvSpPr>
           <p:cNvPr id="14" name="Google Shape;14;p3"/>
-          <p:cNvSpPr txBox="1"/>
+          <p:cNvSpPr txBox="1">
+            <a:spLocks noGrp="1"/>
+          </p:cNvSpPr>
           <p:nvPr>
             <p:ph type="title"/>
           </p:nvPr>
@@ -3073,7 +3360,7 @@
           </a:prstGeom>
         </p:spPr>
         <p:txBody>
-          <a:bodyPr anchorCtr="0" anchor="ctr" bIns="91425" lIns="91425" spcFirstLastPara="1" rIns="91425" wrap="square" tIns="91425">
+          <a:bodyPr spcFirstLastPara="1" wrap="square" lIns="91425" tIns="91425" rIns="91425" bIns="91425" anchor="ctr" anchorCtr="0">
             <a:normAutofit/>
           </a:bodyPr>
           <a:lstStyle>
@@ -3177,15 +3464,19 @@
               <a:defRPr sz="3600"/>
             </a:lvl9pPr>
           </a:lstStyle>
-          <a:p/>
+          <a:p>
+            <a:endParaRPr/>
+          </a:p>
         </p:txBody>
       </p:sp>
       <p:sp>
         <p:nvSpPr>
           <p:cNvPr id="15" name="Google Shape;15;p3"/>
-          <p:cNvSpPr txBox="1"/>
+          <p:cNvSpPr txBox="1">
+            <a:spLocks noGrp="1"/>
+          </p:cNvSpPr>
           <p:nvPr>
-            <p:ph idx="12" type="sldNum"/>
+            <p:ph type="sldNum" idx="12"/>
           </p:nvPr>
         </p:nvSpPr>
         <p:spPr>
@@ -3198,7 +3489,7 @@
           </a:prstGeom>
         </p:spPr>
         <p:txBody>
-          <a:bodyPr anchorCtr="0" anchor="ctr" bIns="91425" lIns="91425" spcFirstLastPara="1" rIns="91425" wrap="square" tIns="91425">
+          <a:bodyPr spcFirstLastPara="1" wrap="square" lIns="91425" tIns="91425" rIns="91425" bIns="91425" anchor="ctr" anchorCtr="0">
             <a:normAutofit/>
           </a:bodyPr>
           <a:lstStyle>
@@ -3240,7 +3531,7 @@
             </a:lvl9pPr>
           </a:lstStyle>
           <a:p>
-            <a:pPr indent="0" lvl="0" marL="0" rtl="0" algn="r">
+            <a:pPr marL="0" lvl="0" indent="0" algn="r" rtl="0">
               <a:spcBef>
                 <a:spcPts val="0"/>
               </a:spcBef>
@@ -3266,11 +3557,11 @@
 </file>
 
 <file path=ppt/slideLayouts/slideLayout3.xml><?xml version="1.0" encoding="utf-8"?>
-<p:sldLayout xmlns:a="http://schemas.openxmlformats.org/drawingml/2006/main" xmlns:r="http://schemas.openxmlformats.org/officeDocument/2006/relationships" xmlns:mc="http://schemas.openxmlformats.org/markup-compatibility/2006" xmlns:mv="urn:schemas-microsoft-com:mac:vml" xmlns:p="http://schemas.openxmlformats.org/presentationml/2006/main" xmlns:c="http://schemas.openxmlformats.org/drawingml/2006/chart" xmlns:dgm="http://schemas.openxmlformats.org/drawingml/2006/diagram" xmlns:o="urn:schemas-microsoft-com:office:office" xmlns:v="urn:schemas-microsoft-com:vml" xmlns:pvml="urn:schemas-microsoft-com:office:powerpoint" xmlns:com="http://schemas.openxmlformats.org/drawingml/2006/compatibility" xmlns:p14="http://schemas.microsoft.com/office/powerpoint/2010/main" xmlns:p15="http://schemas.microsoft.com/office/powerpoint/2012/main" xmlns:ahyp="http://schemas.microsoft.com/office/drawing/2018/hyperlinkcolor" matchingName="Title and body" type="tx">
+<p:sldLayout xmlns:a="http://schemas.openxmlformats.org/drawingml/2006/main" xmlns:r="http://schemas.openxmlformats.org/officeDocument/2006/relationships" xmlns:p="http://schemas.openxmlformats.org/presentationml/2006/main" matchingName="Title and body" type="tx">
   <p:cSld name="TITLE_AND_BODY">
     <p:spTree>
       <p:nvGrpSpPr>
-        <p:cNvPr id="16" name="Shape 16"/>
+        <p:cNvPr id="1" name="Shape 16"/>
         <p:cNvGrpSpPr/>
         <p:nvPr/>
       </p:nvGrpSpPr>
@@ -3285,7 +3576,9 @@
       <p:sp>
         <p:nvSpPr>
           <p:cNvPr id="17" name="Google Shape;17;p4"/>
-          <p:cNvSpPr txBox="1"/>
+          <p:cNvSpPr txBox="1">
+            <a:spLocks noGrp="1"/>
+          </p:cNvSpPr>
           <p:nvPr>
             <p:ph type="title"/>
           </p:nvPr>
@@ -3300,7 +3593,7 @@
           </a:prstGeom>
         </p:spPr>
         <p:txBody>
-          <a:bodyPr anchorCtr="0" anchor="t" bIns="91425" lIns="91425" spcFirstLastPara="1" rIns="91425" wrap="square" tIns="91425">
+          <a:bodyPr spcFirstLastPara="1" wrap="square" lIns="91425" tIns="91425" rIns="91425" bIns="91425" anchor="t" anchorCtr="0">
             <a:normAutofit/>
           </a:bodyPr>
           <a:lstStyle>
@@ -3404,15 +3697,19 @@
               <a:defRPr/>
             </a:lvl9pPr>
           </a:lstStyle>
-          <a:p/>
+          <a:p>
+            <a:endParaRPr/>
+          </a:p>
         </p:txBody>
       </p:sp>
       <p:sp>
         <p:nvSpPr>
           <p:cNvPr id="18" name="Google Shape;18;p4"/>
-          <p:cNvSpPr txBox="1"/>
+          <p:cNvSpPr txBox="1">
+            <a:spLocks noGrp="1"/>
+          </p:cNvSpPr>
           <p:nvPr>
-            <p:ph idx="1" type="body"/>
+            <p:ph type="body" idx="1"/>
           </p:nvPr>
         </p:nvSpPr>
         <p:spPr>
@@ -3425,11 +3722,11 @@
           </a:prstGeom>
         </p:spPr>
         <p:txBody>
-          <a:bodyPr anchorCtr="0" anchor="t" bIns="91425" lIns="91425" spcFirstLastPara="1" rIns="91425" wrap="square" tIns="91425">
+          <a:bodyPr spcFirstLastPara="1" wrap="square" lIns="91425" tIns="91425" rIns="91425" bIns="91425" anchor="t" anchorCtr="0">
             <a:normAutofit/>
           </a:bodyPr>
           <a:lstStyle>
-            <a:lvl1pPr indent="-342900" lvl="0" marL="457200">
+            <a:lvl1pPr marL="457200" lvl="0" indent="-342900">
               <a:spcBef>
                 <a:spcPts val="0"/>
               </a:spcBef>
@@ -3440,7 +3737,7 @@
               <a:buChar char="●"/>
               <a:defRPr/>
             </a:lvl1pPr>
-            <a:lvl2pPr indent="-317500" lvl="1" marL="914400">
+            <a:lvl2pPr marL="914400" lvl="1" indent="-317500">
               <a:spcBef>
                 <a:spcPts val="0"/>
               </a:spcBef>
@@ -3451,7 +3748,7 @@
               <a:buChar char="○"/>
               <a:defRPr/>
             </a:lvl2pPr>
-            <a:lvl3pPr indent="-317500" lvl="2" marL="1371600">
+            <a:lvl3pPr marL="1371600" lvl="2" indent="-317500">
               <a:spcBef>
                 <a:spcPts val="0"/>
               </a:spcBef>
@@ -3462,7 +3759,7 @@
               <a:buChar char="■"/>
               <a:defRPr/>
             </a:lvl3pPr>
-            <a:lvl4pPr indent="-317500" lvl="3" marL="1828800">
+            <a:lvl4pPr marL="1828800" lvl="3" indent="-317500">
               <a:spcBef>
                 <a:spcPts val="0"/>
               </a:spcBef>
@@ -3473,7 +3770,7 @@
               <a:buChar char="●"/>
               <a:defRPr/>
             </a:lvl4pPr>
-            <a:lvl5pPr indent="-317500" lvl="4" marL="2286000">
+            <a:lvl5pPr marL="2286000" lvl="4" indent="-317500">
               <a:spcBef>
                 <a:spcPts val="0"/>
               </a:spcBef>
@@ -3484,7 +3781,7 @@
               <a:buChar char="○"/>
               <a:defRPr/>
             </a:lvl5pPr>
-            <a:lvl6pPr indent="-317500" lvl="5" marL="2743200">
+            <a:lvl6pPr marL="2743200" lvl="5" indent="-317500">
               <a:spcBef>
                 <a:spcPts val="0"/>
               </a:spcBef>
@@ -3495,7 +3792,7 @@
               <a:buChar char="■"/>
               <a:defRPr/>
             </a:lvl6pPr>
-            <a:lvl7pPr indent="-317500" lvl="6" marL="3200400">
+            <a:lvl7pPr marL="3200400" lvl="6" indent="-317500">
               <a:spcBef>
                 <a:spcPts val="0"/>
               </a:spcBef>
@@ -3506,7 +3803,7 @@
               <a:buChar char="●"/>
               <a:defRPr/>
             </a:lvl7pPr>
-            <a:lvl8pPr indent="-317500" lvl="7" marL="3657600">
+            <a:lvl8pPr marL="3657600" lvl="7" indent="-317500">
               <a:spcBef>
                 <a:spcPts val="0"/>
               </a:spcBef>
@@ -3517,7 +3814,7 @@
               <a:buChar char="○"/>
               <a:defRPr/>
             </a:lvl8pPr>
-            <a:lvl9pPr indent="-317500" lvl="8" marL="4114800">
+            <a:lvl9pPr marL="4114800" lvl="8" indent="-317500">
               <a:spcBef>
                 <a:spcPts val="0"/>
               </a:spcBef>
@@ -3529,15 +3826,19 @@
               <a:defRPr/>
             </a:lvl9pPr>
           </a:lstStyle>
-          <a:p/>
+          <a:p>
+            <a:endParaRPr/>
+          </a:p>
         </p:txBody>
       </p:sp>
       <p:sp>
         <p:nvSpPr>
           <p:cNvPr id="19" name="Google Shape;19;p4"/>
-          <p:cNvSpPr txBox="1"/>
+          <p:cNvSpPr txBox="1">
+            <a:spLocks noGrp="1"/>
+          </p:cNvSpPr>
           <p:nvPr>
-            <p:ph idx="12" type="sldNum"/>
+            <p:ph type="sldNum" idx="12"/>
           </p:nvPr>
         </p:nvSpPr>
         <p:spPr>
@@ -3550,7 +3851,7 @@
           </a:prstGeom>
         </p:spPr>
         <p:txBody>
-          <a:bodyPr anchorCtr="0" anchor="ctr" bIns="91425" lIns="91425" spcFirstLastPara="1" rIns="91425" wrap="square" tIns="91425">
+          <a:bodyPr spcFirstLastPara="1" wrap="square" lIns="91425" tIns="91425" rIns="91425" bIns="91425" anchor="ctr" anchorCtr="0">
             <a:normAutofit/>
           </a:bodyPr>
           <a:lstStyle>
@@ -3592,7 +3893,7 @@
             </a:lvl9pPr>
           </a:lstStyle>
           <a:p>
-            <a:pPr indent="0" lvl="0" marL="0" rtl="0" algn="r">
+            <a:pPr marL="0" lvl="0" indent="0" algn="r" rtl="0">
               <a:spcBef>
                 <a:spcPts val="0"/>
               </a:spcBef>
@@ -3618,11 +3919,11 @@
 </file>
 
 <file path=ppt/slideLayouts/slideLayout4.xml><?xml version="1.0" encoding="utf-8"?>
-<p:sldLayout xmlns:a="http://schemas.openxmlformats.org/drawingml/2006/main" xmlns:r="http://schemas.openxmlformats.org/officeDocument/2006/relationships" xmlns:mc="http://schemas.openxmlformats.org/markup-compatibility/2006" xmlns:mv="urn:schemas-microsoft-com:mac:vml" xmlns:p="http://schemas.openxmlformats.org/presentationml/2006/main" xmlns:c="http://schemas.openxmlformats.org/drawingml/2006/chart" xmlns:dgm="http://schemas.openxmlformats.org/drawingml/2006/diagram" xmlns:o="urn:schemas-microsoft-com:office:office" xmlns:v="urn:schemas-microsoft-com:vml" xmlns:pvml="urn:schemas-microsoft-com:office:powerpoint" xmlns:com="http://schemas.openxmlformats.org/drawingml/2006/compatibility" xmlns:p14="http://schemas.microsoft.com/office/powerpoint/2010/main" xmlns:p15="http://schemas.microsoft.com/office/powerpoint/2012/main" xmlns:ahyp="http://schemas.microsoft.com/office/drawing/2018/hyperlinkcolor" matchingName="Title and two columns" type="twoColTx">
+<p:sldLayout xmlns:a="http://schemas.openxmlformats.org/drawingml/2006/main" xmlns:r="http://schemas.openxmlformats.org/officeDocument/2006/relationships" xmlns:p="http://schemas.openxmlformats.org/presentationml/2006/main" matchingName="Title and two columns" type="twoColTx">
   <p:cSld name="TITLE_AND_TWO_COLUMNS">
     <p:spTree>
       <p:nvGrpSpPr>
-        <p:cNvPr id="20" name="Shape 20"/>
+        <p:cNvPr id="1" name="Shape 20"/>
         <p:cNvGrpSpPr/>
         <p:nvPr/>
       </p:nvGrpSpPr>
@@ -3637,7 +3938,9 @@
       <p:sp>
         <p:nvSpPr>
           <p:cNvPr id="21" name="Google Shape;21;p5"/>
-          <p:cNvSpPr txBox="1"/>
+          <p:cNvSpPr txBox="1">
+            <a:spLocks noGrp="1"/>
+          </p:cNvSpPr>
           <p:nvPr>
             <p:ph type="title"/>
           </p:nvPr>
@@ -3652,7 +3955,7 @@
           </a:prstGeom>
         </p:spPr>
         <p:txBody>
-          <a:bodyPr anchorCtr="0" anchor="t" bIns="91425" lIns="91425" spcFirstLastPara="1" rIns="91425" wrap="square" tIns="91425">
+          <a:bodyPr spcFirstLastPara="1" wrap="square" lIns="91425" tIns="91425" rIns="91425" bIns="91425" anchor="t" anchorCtr="0">
             <a:normAutofit/>
           </a:bodyPr>
           <a:lstStyle>
@@ -3756,15 +4059,19 @@
               <a:defRPr/>
             </a:lvl9pPr>
           </a:lstStyle>
-          <a:p/>
+          <a:p>
+            <a:endParaRPr/>
+          </a:p>
         </p:txBody>
       </p:sp>
       <p:sp>
         <p:nvSpPr>
           <p:cNvPr id="22" name="Google Shape;22;p5"/>
-          <p:cNvSpPr txBox="1"/>
+          <p:cNvSpPr txBox="1">
+            <a:spLocks noGrp="1"/>
+          </p:cNvSpPr>
           <p:nvPr>
-            <p:ph idx="1" type="body"/>
+            <p:ph type="body" idx="1"/>
           </p:nvPr>
         </p:nvSpPr>
         <p:spPr>
@@ -3777,11 +4084,11 @@
           </a:prstGeom>
         </p:spPr>
         <p:txBody>
-          <a:bodyPr anchorCtr="0" anchor="t" bIns="91425" lIns="91425" spcFirstLastPara="1" rIns="91425" wrap="square" tIns="91425">
+          <a:bodyPr spcFirstLastPara="1" wrap="square" lIns="91425" tIns="91425" rIns="91425" bIns="91425" anchor="t" anchorCtr="0">
             <a:normAutofit/>
           </a:bodyPr>
           <a:lstStyle>
-            <a:lvl1pPr indent="-317500" lvl="0" marL="457200">
+            <a:lvl1pPr marL="457200" lvl="0" indent="-317500">
               <a:spcBef>
                 <a:spcPts val="0"/>
               </a:spcBef>
@@ -3792,7 +4099,7 @@
               <a:buChar char="●"/>
               <a:defRPr sz="1400"/>
             </a:lvl1pPr>
-            <a:lvl2pPr indent="-304800" lvl="1" marL="914400">
+            <a:lvl2pPr marL="914400" lvl="1" indent="-304800">
               <a:spcBef>
                 <a:spcPts val="0"/>
               </a:spcBef>
@@ -3803,7 +4110,7 @@
               <a:buChar char="○"/>
               <a:defRPr sz="1200"/>
             </a:lvl2pPr>
-            <a:lvl3pPr indent="-304800" lvl="2" marL="1371600">
+            <a:lvl3pPr marL="1371600" lvl="2" indent="-304800">
               <a:spcBef>
                 <a:spcPts val="0"/>
               </a:spcBef>
@@ -3814,7 +4121,7 @@
               <a:buChar char="■"/>
               <a:defRPr sz="1200"/>
             </a:lvl3pPr>
-            <a:lvl4pPr indent="-304800" lvl="3" marL="1828800">
+            <a:lvl4pPr marL="1828800" lvl="3" indent="-304800">
               <a:spcBef>
                 <a:spcPts val="0"/>
               </a:spcBef>
@@ -3825,7 +4132,7 @@
               <a:buChar char="●"/>
               <a:defRPr sz="1200"/>
             </a:lvl4pPr>
-            <a:lvl5pPr indent="-304800" lvl="4" marL="2286000">
+            <a:lvl5pPr marL="2286000" lvl="4" indent="-304800">
               <a:spcBef>
                 <a:spcPts val="0"/>
               </a:spcBef>
@@ -3836,7 +4143,7 @@
               <a:buChar char="○"/>
               <a:defRPr sz="1200"/>
             </a:lvl5pPr>
-            <a:lvl6pPr indent="-304800" lvl="5" marL="2743200">
+            <a:lvl6pPr marL="2743200" lvl="5" indent="-304800">
               <a:spcBef>
                 <a:spcPts val="0"/>
               </a:spcBef>
@@ -3847,7 +4154,7 @@
               <a:buChar char="■"/>
               <a:defRPr sz="1200"/>
             </a:lvl6pPr>
-            <a:lvl7pPr indent="-304800" lvl="6" marL="3200400">
+            <a:lvl7pPr marL="3200400" lvl="6" indent="-304800">
               <a:spcBef>
                 <a:spcPts val="0"/>
               </a:spcBef>
@@ -3858,7 +4165,7 @@
               <a:buChar char="●"/>
               <a:defRPr sz="1200"/>
             </a:lvl7pPr>
-            <a:lvl8pPr indent="-304800" lvl="7" marL="3657600">
+            <a:lvl8pPr marL="3657600" lvl="7" indent="-304800">
               <a:spcBef>
                 <a:spcPts val="0"/>
               </a:spcBef>
@@ -3869,7 +4176,7 @@
               <a:buChar char="○"/>
               <a:defRPr sz="1200"/>
             </a:lvl8pPr>
-            <a:lvl9pPr indent="-304800" lvl="8" marL="4114800">
+            <a:lvl9pPr marL="4114800" lvl="8" indent="-304800">
               <a:spcBef>
                 <a:spcPts val="0"/>
               </a:spcBef>
@@ -3881,15 +4188,19 @@
               <a:defRPr sz="1200"/>
             </a:lvl9pPr>
           </a:lstStyle>
-          <a:p/>
+          <a:p>
+            <a:endParaRPr/>
+          </a:p>
         </p:txBody>
       </p:sp>
       <p:sp>
         <p:nvSpPr>
           <p:cNvPr id="23" name="Google Shape;23;p5"/>
-          <p:cNvSpPr txBox="1"/>
+          <p:cNvSpPr txBox="1">
+            <a:spLocks noGrp="1"/>
+          </p:cNvSpPr>
           <p:nvPr>
-            <p:ph idx="2" type="body"/>
+            <p:ph type="body" idx="2"/>
           </p:nvPr>
         </p:nvSpPr>
         <p:spPr>
@@ -3902,11 +4213,11 @@
           </a:prstGeom>
         </p:spPr>
         <p:txBody>
-          <a:bodyPr anchorCtr="0" anchor="t" bIns="91425" lIns="91425" spcFirstLastPara="1" rIns="91425" wrap="square" tIns="91425">
+          <a:bodyPr spcFirstLastPara="1" wrap="square" lIns="91425" tIns="91425" rIns="91425" bIns="91425" anchor="t" anchorCtr="0">
             <a:normAutofit/>
           </a:bodyPr>
           <a:lstStyle>
-            <a:lvl1pPr indent="-317500" lvl="0" marL="457200">
+            <a:lvl1pPr marL="457200" lvl="0" indent="-317500">
               <a:spcBef>
                 <a:spcPts val="0"/>
               </a:spcBef>
@@ -3917,7 +4228,7 @@
               <a:buChar char="●"/>
               <a:defRPr sz="1400"/>
             </a:lvl1pPr>
-            <a:lvl2pPr indent="-304800" lvl="1" marL="914400">
+            <a:lvl2pPr marL="914400" lvl="1" indent="-304800">
               <a:spcBef>
                 <a:spcPts val="0"/>
               </a:spcBef>
@@ -3928,7 +4239,7 @@
               <a:buChar char="○"/>
               <a:defRPr sz="1200"/>
             </a:lvl2pPr>
-            <a:lvl3pPr indent="-304800" lvl="2" marL="1371600">
+            <a:lvl3pPr marL="1371600" lvl="2" indent="-304800">
               <a:spcBef>
                 <a:spcPts val="0"/>
               </a:spcBef>
@@ -3939,7 +4250,7 @@
               <a:buChar char="■"/>
               <a:defRPr sz="1200"/>
             </a:lvl3pPr>
-            <a:lvl4pPr indent="-304800" lvl="3" marL="1828800">
+            <a:lvl4pPr marL="1828800" lvl="3" indent="-304800">
               <a:spcBef>
                 <a:spcPts val="0"/>
               </a:spcBef>
@@ -3950,7 +4261,7 @@
               <a:buChar char="●"/>
               <a:defRPr sz="1200"/>
             </a:lvl4pPr>
-            <a:lvl5pPr indent="-304800" lvl="4" marL="2286000">
+            <a:lvl5pPr marL="2286000" lvl="4" indent="-304800">
               <a:spcBef>
                 <a:spcPts val="0"/>
               </a:spcBef>
@@ -3961,7 +4272,7 @@
               <a:buChar char="○"/>
               <a:defRPr sz="1200"/>
             </a:lvl5pPr>
-            <a:lvl6pPr indent="-304800" lvl="5" marL="2743200">
+            <a:lvl6pPr marL="2743200" lvl="5" indent="-304800">
               <a:spcBef>
                 <a:spcPts val="0"/>
               </a:spcBef>
@@ -3972,7 +4283,7 @@
               <a:buChar char="■"/>
               <a:defRPr sz="1200"/>
             </a:lvl6pPr>
-            <a:lvl7pPr indent="-304800" lvl="6" marL="3200400">
+            <a:lvl7pPr marL="3200400" lvl="6" indent="-304800">
               <a:spcBef>
                 <a:spcPts val="0"/>
               </a:spcBef>
@@ -3983,7 +4294,7 @@
               <a:buChar char="●"/>
               <a:defRPr sz="1200"/>
             </a:lvl7pPr>
-            <a:lvl8pPr indent="-304800" lvl="7" marL="3657600">
+            <a:lvl8pPr marL="3657600" lvl="7" indent="-304800">
               <a:spcBef>
                 <a:spcPts val="0"/>
               </a:spcBef>
@@ -3994,7 +4305,7 @@
               <a:buChar char="○"/>
               <a:defRPr sz="1200"/>
             </a:lvl8pPr>
-            <a:lvl9pPr indent="-304800" lvl="8" marL="4114800">
+            <a:lvl9pPr marL="4114800" lvl="8" indent="-304800">
               <a:spcBef>
                 <a:spcPts val="0"/>
               </a:spcBef>
@@ -4006,15 +4317,19 @@
               <a:defRPr sz="1200"/>
             </a:lvl9pPr>
           </a:lstStyle>
-          <a:p/>
+          <a:p>
+            <a:endParaRPr/>
+          </a:p>
         </p:txBody>
       </p:sp>
       <p:sp>
         <p:nvSpPr>
           <p:cNvPr id="24" name="Google Shape;24;p5"/>
-          <p:cNvSpPr txBox="1"/>
+          <p:cNvSpPr txBox="1">
+            <a:spLocks noGrp="1"/>
+          </p:cNvSpPr>
           <p:nvPr>
-            <p:ph idx="12" type="sldNum"/>
+            <p:ph type="sldNum" idx="12"/>
           </p:nvPr>
         </p:nvSpPr>
         <p:spPr>
@@ -4027,7 +4342,7 @@
           </a:prstGeom>
         </p:spPr>
         <p:txBody>
-          <a:bodyPr anchorCtr="0" anchor="ctr" bIns="91425" lIns="91425" spcFirstLastPara="1" rIns="91425" wrap="square" tIns="91425">
+          <a:bodyPr spcFirstLastPara="1" wrap="square" lIns="91425" tIns="91425" rIns="91425" bIns="91425" anchor="ctr" anchorCtr="0">
             <a:normAutofit/>
           </a:bodyPr>
           <a:lstStyle>
@@ -4069,7 +4384,7 @@
             </a:lvl9pPr>
           </a:lstStyle>
           <a:p>
-            <a:pPr indent="0" lvl="0" marL="0" rtl="0" algn="r">
+            <a:pPr marL="0" lvl="0" indent="0" algn="r" rtl="0">
               <a:spcBef>
                 <a:spcPts val="0"/>
               </a:spcBef>
@@ -4095,11 +4410,11 @@
 </file>
 
 <file path=ppt/slideLayouts/slideLayout5.xml><?xml version="1.0" encoding="utf-8"?>
-<p:sldLayout xmlns:a="http://schemas.openxmlformats.org/drawingml/2006/main" xmlns:r="http://schemas.openxmlformats.org/officeDocument/2006/relationships" xmlns:mc="http://schemas.openxmlformats.org/markup-compatibility/2006" xmlns:mv="urn:schemas-microsoft-com:mac:vml" xmlns:p="http://schemas.openxmlformats.org/presentationml/2006/main" xmlns:c="http://schemas.openxmlformats.org/drawingml/2006/chart" xmlns:dgm="http://schemas.openxmlformats.org/drawingml/2006/diagram" xmlns:o="urn:schemas-microsoft-com:office:office" xmlns:v="urn:schemas-microsoft-com:vml" xmlns:pvml="urn:schemas-microsoft-com:office:powerpoint" xmlns:com="http://schemas.openxmlformats.org/drawingml/2006/compatibility" xmlns:p14="http://schemas.microsoft.com/office/powerpoint/2010/main" xmlns:p15="http://schemas.microsoft.com/office/powerpoint/2012/main" xmlns:ahyp="http://schemas.microsoft.com/office/drawing/2018/hyperlinkcolor" matchingName="Title only" type="titleOnly">
+<p:sldLayout xmlns:a="http://schemas.openxmlformats.org/drawingml/2006/main" xmlns:r="http://schemas.openxmlformats.org/officeDocument/2006/relationships" xmlns:p="http://schemas.openxmlformats.org/presentationml/2006/main" matchingName="Title only" type="titleOnly">
   <p:cSld name="TITLE_ONLY">
     <p:spTree>
       <p:nvGrpSpPr>
-        <p:cNvPr id="25" name="Shape 25"/>
+        <p:cNvPr id="1" name="Shape 25"/>
         <p:cNvGrpSpPr/>
         <p:nvPr/>
       </p:nvGrpSpPr>
@@ -4114,7 +4429,9 @@
       <p:sp>
         <p:nvSpPr>
           <p:cNvPr id="26" name="Google Shape;26;p6"/>
-          <p:cNvSpPr txBox="1"/>
+          <p:cNvSpPr txBox="1">
+            <a:spLocks noGrp="1"/>
+          </p:cNvSpPr>
           <p:nvPr>
             <p:ph type="title"/>
           </p:nvPr>
@@ -4129,7 +4446,7 @@
           </a:prstGeom>
         </p:spPr>
         <p:txBody>
-          <a:bodyPr anchorCtr="0" anchor="t" bIns="91425" lIns="91425" spcFirstLastPara="1" rIns="91425" wrap="square" tIns="91425">
+          <a:bodyPr spcFirstLastPara="1" wrap="square" lIns="91425" tIns="91425" rIns="91425" bIns="91425" anchor="t" anchorCtr="0">
             <a:normAutofit/>
           </a:bodyPr>
           <a:lstStyle>
@@ -4233,15 +4550,19 @@
               <a:defRPr/>
             </a:lvl9pPr>
           </a:lstStyle>
-          <a:p/>
+          <a:p>
+            <a:endParaRPr/>
+          </a:p>
         </p:txBody>
       </p:sp>
       <p:sp>
         <p:nvSpPr>
           <p:cNvPr id="27" name="Google Shape;27;p6"/>
-          <p:cNvSpPr txBox="1"/>
+          <p:cNvSpPr txBox="1">
+            <a:spLocks noGrp="1"/>
+          </p:cNvSpPr>
           <p:nvPr>
-            <p:ph idx="12" type="sldNum"/>
+            <p:ph type="sldNum" idx="12"/>
           </p:nvPr>
         </p:nvSpPr>
         <p:spPr>
@@ -4254,7 +4575,7 @@
           </a:prstGeom>
         </p:spPr>
         <p:txBody>
-          <a:bodyPr anchorCtr="0" anchor="ctr" bIns="91425" lIns="91425" spcFirstLastPara="1" rIns="91425" wrap="square" tIns="91425">
+          <a:bodyPr spcFirstLastPara="1" wrap="square" lIns="91425" tIns="91425" rIns="91425" bIns="91425" anchor="ctr" anchorCtr="0">
             <a:normAutofit/>
           </a:bodyPr>
           <a:lstStyle>
@@ -4296,7 +4617,7 @@
             </a:lvl9pPr>
           </a:lstStyle>
           <a:p>
-            <a:pPr indent="0" lvl="0" marL="0" rtl="0" algn="r">
+            <a:pPr marL="0" lvl="0" indent="0" algn="r" rtl="0">
               <a:spcBef>
                 <a:spcPts val="0"/>
               </a:spcBef>
@@ -4322,11 +4643,11 @@
 </file>
 
 <file path=ppt/slideLayouts/slideLayout6.xml><?xml version="1.0" encoding="utf-8"?>
-<p:sldLayout xmlns:a="http://schemas.openxmlformats.org/drawingml/2006/main" xmlns:r="http://schemas.openxmlformats.org/officeDocument/2006/relationships" xmlns:mc="http://schemas.openxmlformats.org/markup-compatibility/2006" xmlns:mv="urn:schemas-microsoft-com:mac:vml" xmlns:p="http://schemas.openxmlformats.org/presentationml/2006/main" xmlns:c="http://schemas.openxmlformats.org/drawingml/2006/chart" xmlns:dgm="http://schemas.openxmlformats.org/drawingml/2006/diagram" xmlns:o="urn:schemas-microsoft-com:office:office" xmlns:v="urn:schemas-microsoft-com:vml" xmlns:pvml="urn:schemas-microsoft-com:office:powerpoint" xmlns:com="http://schemas.openxmlformats.org/drawingml/2006/compatibility" xmlns:p14="http://schemas.microsoft.com/office/powerpoint/2010/main" xmlns:p15="http://schemas.microsoft.com/office/powerpoint/2012/main" xmlns:ahyp="http://schemas.microsoft.com/office/drawing/2018/hyperlinkcolor" matchingName="One column text">
+<p:sldLayout xmlns:a="http://schemas.openxmlformats.org/drawingml/2006/main" xmlns:r="http://schemas.openxmlformats.org/officeDocument/2006/relationships" xmlns:p="http://schemas.openxmlformats.org/presentationml/2006/main" matchingName="One column text">
   <p:cSld name="ONE_COLUMN_TEXT">
     <p:spTree>
       <p:nvGrpSpPr>
-        <p:cNvPr id="28" name="Shape 28"/>
+        <p:cNvPr id="1" name="Shape 28"/>
         <p:cNvGrpSpPr/>
         <p:nvPr/>
       </p:nvGrpSpPr>
@@ -4341,7 +4662,9 @@
       <p:sp>
         <p:nvSpPr>
           <p:cNvPr id="29" name="Google Shape;29;p7"/>
-          <p:cNvSpPr txBox="1"/>
+          <p:cNvSpPr txBox="1">
+            <a:spLocks noGrp="1"/>
+          </p:cNvSpPr>
           <p:nvPr>
             <p:ph type="title"/>
           </p:nvPr>
@@ -4356,7 +4679,7 @@
           </a:prstGeom>
         </p:spPr>
         <p:txBody>
-          <a:bodyPr anchorCtr="0" anchor="b" bIns="91425" lIns="91425" spcFirstLastPara="1" rIns="91425" wrap="square" tIns="91425">
+          <a:bodyPr spcFirstLastPara="1" wrap="square" lIns="91425" tIns="91425" rIns="91425" bIns="91425" anchor="b" anchorCtr="0">
             <a:normAutofit/>
           </a:bodyPr>
           <a:lstStyle>
@@ -4460,15 +4783,19 @@
               <a:defRPr sz="2400"/>
             </a:lvl9pPr>
           </a:lstStyle>
-          <a:p/>
+          <a:p>
+            <a:endParaRPr/>
+          </a:p>
         </p:txBody>
       </p:sp>
       <p:sp>
         <p:nvSpPr>
           <p:cNvPr id="30" name="Google Shape;30;p7"/>
-          <p:cNvSpPr txBox="1"/>
+          <p:cNvSpPr txBox="1">
+            <a:spLocks noGrp="1"/>
+          </p:cNvSpPr>
           <p:nvPr>
-            <p:ph idx="1" type="body"/>
+            <p:ph type="body" idx="1"/>
           </p:nvPr>
         </p:nvSpPr>
         <p:spPr>
@@ -4481,11 +4808,11 @@
           </a:prstGeom>
         </p:spPr>
         <p:txBody>
-          <a:bodyPr anchorCtr="0" anchor="t" bIns="91425" lIns="91425" spcFirstLastPara="1" rIns="91425" wrap="square" tIns="91425">
+          <a:bodyPr spcFirstLastPara="1" wrap="square" lIns="91425" tIns="91425" rIns="91425" bIns="91425" anchor="t" anchorCtr="0">
             <a:normAutofit/>
           </a:bodyPr>
           <a:lstStyle>
-            <a:lvl1pPr indent="-304800" lvl="0" marL="457200">
+            <a:lvl1pPr marL="457200" lvl="0" indent="-304800">
               <a:spcBef>
                 <a:spcPts val="0"/>
               </a:spcBef>
@@ -4496,7 +4823,7 @@
               <a:buChar char="●"/>
               <a:defRPr sz="1200"/>
             </a:lvl1pPr>
-            <a:lvl2pPr indent="-304800" lvl="1" marL="914400">
+            <a:lvl2pPr marL="914400" lvl="1" indent="-304800">
               <a:spcBef>
                 <a:spcPts val="0"/>
               </a:spcBef>
@@ -4507,7 +4834,7 @@
               <a:buChar char="○"/>
               <a:defRPr sz="1200"/>
             </a:lvl2pPr>
-            <a:lvl3pPr indent="-304800" lvl="2" marL="1371600">
+            <a:lvl3pPr marL="1371600" lvl="2" indent="-304800">
               <a:spcBef>
                 <a:spcPts val="0"/>
               </a:spcBef>
@@ -4518,7 +4845,7 @@
               <a:buChar char="■"/>
               <a:defRPr sz="1200"/>
             </a:lvl3pPr>
-            <a:lvl4pPr indent="-304800" lvl="3" marL="1828800">
+            <a:lvl4pPr marL="1828800" lvl="3" indent="-304800">
               <a:spcBef>
                 <a:spcPts val="0"/>
               </a:spcBef>
@@ -4529,7 +4856,7 @@
               <a:buChar char="●"/>
               <a:defRPr sz="1200"/>
             </a:lvl4pPr>
-            <a:lvl5pPr indent="-304800" lvl="4" marL="2286000">
+            <a:lvl5pPr marL="2286000" lvl="4" indent="-304800">
               <a:spcBef>
                 <a:spcPts val="0"/>
               </a:spcBef>
@@ -4540,7 +4867,7 @@
               <a:buChar char="○"/>
               <a:defRPr sz="1200"/>
             </a:lvl5pPr>
-            <a:lvl6pPr indent="-304800" lvl="5" marL="2743200">
+            <a:lvl6pPr marL="2743200" lvl="5" indent="-304800">
               <a:spcBef>
                 <a:spcPts val="0"/>
               </a:spcBef>
@@ -4551,7 +4878,7 @@
               <a:buChar char="■"/>
               <a:defRPr sz="1200"/>
             </a:lvl6pPr>
-            <a:lvl7pPr indent="-304800" lvl="6" marL="3200400">
+            <a:lvl7pPr marL="3200400" lvl="6" indent="-304800">
               <a:spcBef>
                 <a:spcPts val="0"/>
               </a:spcBef>
@@ -4562,7 +4889,7 @@
               <a:buChar char="●"/>
               <a:defRPr sz="1200"/>
             </a:lvl7pPr>
-            <a:lvl8pPr indent="-304800" lvl="7" marL="3657600">
+            <a:lvl8pPr marL="3657600" lvl="7" indent="-304800">
               <a:spcBef>
                 <a:spcPts val="0"/>
               </a:spcBef>
@@ -4573,7 +4900,7 @@
               <a:buChar char="○"/>
               <a:defRPr sz="1200"/>
             </a:lvl8pPr>
-            <a:lvl9pPr indent="-304800" lvl="8" marL="4114800">
+            <a:lvl9pPr marL="4114800" lvl="8" indent="-304800">
               <a:spcBef>
                 <a:spcPts val="0"/>
               </a:spcBef>
@@ -4585,15 +4912,19 @@
               <a:defRPr sz="1200"/>
             </a:lvl9pPr>
           </a:lstStyle>
-          <a:p/>
+          <a:p>
+            <a:endParaRPr/>
+          </a:p>
         </p:txBody>
       </p:sp>
       <p:sp>
         <p:nvSpPr>
           <p:cNvPr id="31" name="Google Shape;31;p7"/>
-          <p:cNvSpPr txBox="1"/>
+          <p:cNvSpPr txBox="1">
+            <a:spLocks noGrp="1"/>
+          </p:cNvSpPr>
           <p:nvPr>
-            <p:ph idx="12" type="sldNum"/>
+            <p:ph type="sldNum" idx="12"/>
           </p:nvPr>
         </p:nvSpPr>
         <p:spPr>
@@ -4606,7 +4937,7 @@
           </a:prstGeom>
         </p:spPr>
         <p:txBody>
-          <a:bodyPr anchorCtr="0" anchor="ctr" bIns="91425" lIns="91425" spcFirstLastPara="1" rIns="91425" wrap="square" tIns="91425">
+          <a:bodyPr spcFirstLastPara="1" wrap="square" lIns="91425" tIns="91425" rIns="91425" bIns="91425" anchor="ctr" anchorCtr="0">
             <a:normAutofit/>
           </a:bodyPr>
           <a:lstStyle>
@@ -4648,7 +4979,7 @@
             </a:lvl9pPr>
           </a:lstStyle>
           <a:p>
-            <a:pPr indent="0" lvl="0" marL="0" rtl="0" algn="r">
+            <a:pPr marL="0" lvl="0" indent="0" algn="r" rtl="0">
               <a:spcBef>
                 <a:spcPts val="0"/>
               </a:spcBef>
@@ -4674,11 +5005,11 @@
 </file>
 
 <file path=ppt/slideLayouts/slideLayout7.xml><?xml version="1.0" encoding="utf-8"?>
-<p:sldLayout xmlns:a="http://schemas.openxmlformats.org/drawingml/2006/main" xmlns:r="http://schemas.openxmlformats.org/officeDocument/2006/relationships" xmlns:mc="http://schemas.openxmlformats.org/markup-compatibility/2006" xmlns:mv="urn:schemas-microsoft-com:mac:vml" xmlns:p="http://schemas.openxmlformats.org/presentationml/2006/main" xmlns:c="http://schemas.openxmlformats.org/drawingml/2006/chart" xmlns:dgm="http://schemas.openxmlformats.org/drawingml/2006/diagram" xmlns:o="urn:schemas-microsoft-com:office:office" xmlns:v="urn:schemas-microsoft-com:vml" xmlns:pvml="urn:schemas-microsoft-com:office:powerpoint" xmlns:com="http://schemas.openxmlformats.org/drawingml/2006/compatibility" xmlns:p14="http://schemas.microsoft.com/office/powerpoint/2010/main" xmlns:p15="http://schemas.microsoft.com/office/powerpoint/2012/main" xmlns:ahyp="http://schemas.microsoft.com/office/drawing/2018/hyperlinkcolor" matchingName="Main point">
+<p:sldLayout xmlns:a="http://schemas.openxmlformats.org/drawingml/2006/main" xmlns:r="http://schemas.openxmlformats.org/officeDocument/2006/relationships" xmlns:p="http://schemas.openxmlformats.org/presentationml/2006/main" matchingName="Main point">
   <p:cSld name="MAIN_POINT">
     <p:spTree>
       <p:nvGrpSpPr>
-        <p:cNvPr id="32" name="Shape 32"/>
+        <p:cNvPr id="1" name="Shape 32"/>
         <p:cNvGrpSpPr/>
         <p:nvPr/>
       </p:nvGrpSpPr>
@@ -4693,7 +5024,9 @@
       <p:sp>
         <p:nvSpPr>
           <p:cNvPr id="33" name="Google Shape;33;p8"/>
-          <p:cNvSpPr txBox="1"/>
+          <p:cNvSpPr txBox="1">
+            <a:spLocks noGrp="1"/>
+          </p:cNvSpPr>
           <p:nvPr>
             <p:ph type="title"/>
           </p:nvPr>
@@ -4708,7 +5041,7 @@
           </a:prstGeom>
         </p:spPr>
         <p:txBody>
-          <a:bodyPr anchorCtr="0" anchor="ctr" bIns="91425" lIns="91425" spcFirstLastPara="1" rIns="91425" wrap="square" tIns="91425">
+          <a:bodyPr spcFirstLastPara="1" wrap="square" lIns="91425" tIns="91425" rIns="91425" bIns="91425" anchor="ctr" anchorCtr="0">
             <a:normAutofit/>
           </a:bodyPr>
           <a:lstStyle>
@@ -4812,15 +5145,19 @@
               <a:defRPr sz="4800"/>
             </a:lvl9pPr>
           </a:lstStyle>
-          <a:p/>
+          <a:p>
+            <a:endParaRPr/>
+          </a:p>
         </p:txBody>
       </p:sp>
       <p:sp>
         <p:nvSpPr>
           <p:cNvPr id="34" name="Google Shape;34;p8"/>
-          <p:cNvSpPr txBox="1"/>
+          <p:cNvSpPr txBox="1">
+            <a:spLocks noGrp="1"/>
+          </p:cNvSpPr>
           <p:nvPr>
-            <p:ph idx="12" type="sldNum"/>
+            <p:ph type="sldNum" idx="12"/>
           </p:nvPr>
         </p:nvSpPr>
         <p:spPr>
@@ -4833,7 +5170,7 @@
           </a:prstGeom>
         </p:spPr>
         <p:txBody>
-          <a:bodyPr anchorCtr="0" anchor="ctr" bIns="91425" lIns="91425" spcFirstLastPara="1" rIns="91425" wrap="square" tIns="91425">
+          <a:bodyPr spcFirstLastPara="1" wrap="square" lIns="91425" tIns="91425" rIns="91425" bIns="91425" anchor="ctr" anchorCtr="0">
             <a:normAutofit/>
           </a:bodyPr>
           <a:lstStyle>
@@ -4875,7 +5212,7 @@
             </a:lvl9pPr>
           </a:lstStyle>
           <a:p>
-            <a:pPr indent="0" lvl="0" marL="0" rtl="0" algn="r">
+            <a:pPr marL="0" lvl="0" indent="0" algn="r" rtl="0">
               <a:spcBef>
                 <a:spcPts val="0"/>
               </a:spcBef>
@@ -4901,11 +5238,11 @@
 </file>
 
 <file path=ppt/slideLayouts/slideLayout8.xml><?xml version="1.0" encoding="utf-8"?>
-<p:sldLayout xmlns:a="http://schemas.openxmlformats.org/drawingml/2006/main" xmlns:r="http://schemas.openxmlformats.org/officeDocument/2006/relationships" xmlns:mc="http://schemas.openxmlformats.org/markup-compatibility/2006" xmlns:mv="urn:schemas-microsoft-com:mac:vml" xmlns:p="http://schemas.openxmlformats.org/presentationml/2006/main" xmlns:c="http://schemas.openxmlformats.org/drawingml/2006/chart" xmlns:dgm="http://schemas.openxmlformats.org/drawingml/2006/diagram" xmlns:o="urn:schemas-microsoft-com:office:office" xmlns:v="urn:schemas-microsoft-com:vml" xmlns:pvml="urn:schemas-microsoft-com:office:powerpoint" xmlns:com="http://schemas.openxmlformats.org/drawingml/2006/compatibility" xmlns:p14="http://schemas.microsoft.com/office/powerpoint/2010/main" xmlns:p15="http://schemas.microsoft.com/office/powerpoint/2012/main" xmlns:ahyp="http://schemas.microsoft.com/office/drawing/2018/hyperlinkcolor" matchingName="Section title and description">
+<p:sldLayout xmlns:a="http://schemas.openxmlformats.org/drawingml/2006/main" xmlns:r="http://schemas.openxmlformats.org/officeDocument/2006/relationships" xmlns:p="http://schemas.openxmlformats.org/presentationml/2006/main" matchingName="Section title and description">
   <p:cSld name="SECTION_TITLE_AND_DESCRIPTION">
     <p:spTree>
       <p:nvGrpSpPr>
-        <p:cNvPr id="35" name="Shape 35"/>
+        <p:cNvPr id="1" name="Shape 35"/>
         <p:cNvGrpSpPr/>
         <p:nvPr/>
       </p:nvGrpSpPr>
@@ -4939,12 +5276,12 @@
           </a:ln>
         </p:spPr>
         <p:txBody>
-          <a:bodyPr anchorCtr="0" anchor="ctr" bIns="91425" lIns="91425" spcFirstLastPara="1" rIns="91425" wrap="square" tIns="91425">
+          <a:bodyPr spcFirstLastPara="1" wrap="square" lIns="91425" tIns="91425" rIns="91425" bIns="91425" anchor="ctr" anchorCtr="0">
             <a:noAutofit/>
           </a:bodyPr>
           <a:lstStyle/>
           <a:p>
-            <a:pPr indent="0" lvl="0" marL="0" rtl="0" algn="l">
+            <a:pPr marL="0" lvl="0" indent="0" algn="l" rtl="0">
               <a:spcBef>
                 <a:spcPts val="0"/>
               </a:spcBef>
@@ -4953,9 +5290,6 @@
               </a:spcAft>
               <a:buNone/>
             </a:pPr>
-            <a:r>
-              <a:t/>
-            </a:r>
             <a:endParaRPr/>
           </a:p>
         </p:txBody>
@@ -4963,7 +5297,9 @@
       <p:sp>
         <p:nvSpPr>
           <p:cNvPr id="37" name="Google Shape;37;p9"/>
-          <p:cNvSpPr txBox="1"/>
+          <p:cNvSpPr txBox="1">
+            <a:spLocks noGrp="1"/>
+          </p:cNvSpPr>
           <p:nvPr>
             <p:ph type="title"/>
           </p:nvPr>
@@ -4978,7 +5314,7 @@
           </a:prstGeom>
         </p:spPr>
         <p:txBody>
-          <a:bodyPr anchorCtr="0" anchor="b" bIns="91425" lIns="91425" spcFirstLastPara="1" rIns="91425" wrap="square" tIns="91425">
+          <a:bodyPr spcFirstLastPara="1" wrap="square" lIns="91425" tIns="91425" rIns="91425" bIns="91425" anchor="b" anchorCtr="0">
             <a:normAutofit/>
           </a:bodyPr>
           <a:lstStyle>
@@ -5082,15 +5418,19 @@
               <a:defRPr sz="4200"/>
             </a:lvl9pPr>
           </a:lstStyle>
-          <a:p/>
+          <a:p>
+            <a:endParaRPr/>
+          </a:p>
         </p:txBody>
       </p:sp>
       <p:sp>
         <p:nvSpPr>
           <p:cNvPr id="38" name="Google Shape;38;p9"/>
-          <p:cNvSpPr txBox="1"/>
+          <p:cNvSpPr txBox="1">
+            <a:spLocks noGrp="1"/>
+          </p:cNvSpPr>
           <p:nvPr>
-            <p:ph idx="1" type="subTitle"/>
+            <p:ph type="subTitle" idx="1"/>
           </p:nvPr>
         </p:nvSpPr>
         <p:spPr>
@@ -5103,7 +5443,7 @@
           </a:prstGeom>
         </p:spPr>
         <p:txBody>
-          <a:bodyPr anchorCtr="0" anchor="t" bIns="91425" lIns="91425" spcFirstLastPara="1" rIns="91425" wrap="square" tIns="91425">
+          <a:bodyPr spcFirstLastPara="1" wrap="square" lIns="91425" tIns="91425" rIns="91425" bIns="91425" anchor="t" anchorCtr="0">
             <a:normAutofit/>
           </a:bodyPr>
           <a:lstStyle>
@@ -5234,15 +5574,19 @@
               <a:defRPr sz="2100"/>
             </a:lvl9pPr>
           </a:lstStyle>
-          <a:p/>
+          <a:p>
+            <a:endParaRPr/>
+          </a:p>
         </p:txBody>
       </p:sp>
       <p:sp>
         <p:nvSpPr>
           <p:cNvPr id="39" name="Google Shape;39;p9"/>
-          <p:cNvSpPr txBox="1"/>
+          <p:cNvSpPr txBox="1">
+            <a:spLocks noGrp="1"/>
+          </p:cNvSpPr>
           <p:nvPr>
-            <p:ph idx="2" type="body"/>
+            <p:ph type="body" idx="2"/>
           </p:nvPr>
         </p:nvSpPr>
         <p:spPr>
@@ -5255,11 +5599,11 @@
           </a:prstGeom>
         </p:spPr>
         <p:txBody>
-          <a:bodyPr anchorCtr="0" anchor="ctr" bIns="91425" lIns="91425" spcFirstLastPara="1" rIns="91425" wrap="square" tIns="91425">
+          <a:bodyPr spcFirstLastPara="1" wrap="square" lIns="91425" tIns="91425" rIns="91425" bIns="91425" anchor="ctr" anchorCtr="0">
             <a:normAutofit/>
           </a:bodyPr>
           <a:lstStyle>
-            <a:lvl1pPr indent="-342900" lvl="0" marL="457200">
+            <a:lvl1pPr marL="457200" lvl="0" indent="-342900">
               <a:spcBef>
                 <a:spcPts val="0"/>
               </a:spcBef>
@@ -5270,7 +5614,7 @@
               <a:buChar char="●"/>
               <a:defRPr/>
             </a:lvl1pPr>
-            <a:lvl2pPr indent="-317500" lvl="1" marL="914400">
+            <a:lvl2pPr marL="914400" lvl="1" indent="-317500">
               <a:spcBef>
                 <a:spcPts val="0"/>
               </a:spcBef>
@@ -5281,7 +5625,7 @@
               <a:buChar char="○"/>
               <a:defRPr/>
             </a:lvl2pPr>
-            <a:lvl3pPr indent="-317500" lvl="2" marL="1371600">
+            <a:lvl3pPr marL="1371600" lvl="2" indent="-317500">
               <a:spcBef>
                 <a:spcPts val="0"/>
               </a:spcBef>
@@ -5292,7 +5636,7 @@
               <a:buChar char="■"/>
               <a:defRPr/>
             </a:lvl3pPr>
-            <a:lvl4pPr indent="-317500" lvl="3" marL="1828800">
+            <a:lvl4pPr marL="1828800" lvl="3" indent="-317500">
               <a:spcBef>
                 <a:spcPts val="0"/>
               </a:spcBef>
@@ -5303,7 +5647,7 @@
               <a:buChar char="●"/>
               <a:defRPr/>
             </a:lvl4pPr>
-            <a:lvl5pPr indent="-317500" lvl="4" marL="2286000">
+            <a:lvl5pPr marL="2286000" lvl="4" indent="-317500">
               <a:spcBef>
                 <a:spcPts val="0"/>
               </a:spcBef>
@@ -5314,7 +5658,7 @@
               <a:buChar char="○"/>
               <a:defRPr/>
             </a:lvl5pPr>
-            <a:lvl6pPr indent="-317500" lvl="5" marL="2743200">
+            <a:lvl6pPr marL="2743200" lvl="5" indent="-317500">
               <a:spcBef>
                 <a:spcPts val="0"/>
               </a:spcBef>
@@ -5325,7 +5669,7 @@
               <a:buChar char="■"/>
               <a:defRPr/>
             </a:lvl6pPr>
-            <a:lvl7pPr indent="-317500" lvl="6" marL="3200400">
+            <a:lvl7pPr marL="3200400" lvl="6" indent="-317500">
               <a:spcBef>
                 <a:spcPts val="0"/>
               </a:spcBef>
@@ -5336,7 +5680,7 @@
               <a:buChar char="●"/>
               <a:defRPr/>
             </a:lvl7pPr>
-            <a:lvl8pPr indent="-317500" lvl="7" marL="3657600">
+            <a:lvl8pPr marL="3657600" lvl="7" indent="-317500">
               <a:spcBef>
                 <a:spcPts val="0"/>
               </a:spcBef>
@@ -5347,7 +5691,7 @@
               <a:buChar char="○"/>
               <a:defRPr/>
             </a:lvl8pPr>
-            <a:lvl9pPr indent="-317500" lvl="8" marL="4114800">
+            <a:lvl9pPr marL="4114800" lvl="8" indent="-317500">
               <a:spcBef>
                 <a:spcPts val="0"/>
               </a:spcBef>
@@ -5359,15 +5703,19 @@
               <a:defRPr/>
             </a:lvl9pPr>
           </a:lstStyle>
-          <a:p/>
+          <a:p>
+            <a:endParaRPr/>
+          </a:p>
         </p:txBody>
       </p:sp>
       <p:sp>
         <p:nvSpPr>
           <p:cNvPr id="40" name="Google Shape;40;p9"/>
-          <p:cNvSpPr txBox="1"/>
+          <p:cNvSpPr txBox="1">
+            <a:spLocks noGrp="1"/>
+          </p:cNvSpPr>
           <p:nvPr>
-            <p:ph idx="12" type="sldNum"/>
+            <p:ph type="sldNum" idx="12"/>
           </p:nvPr>
         </p:nvSpPr>
         <p:spPr>
@@ -5380,7 +5728,7 @@
           </a:prstGeom>
         </p:spPr>
         <p:txBody>
-          <a:bodyPr anchorCtr="0" anchor="ctr" bIns="91425" lIns="91425" spcFirstLastPara="1" rIns="91425" wrap="square" tIns="91425">
+          <a:bodyPr spcFirstLastPara="1" wrap="square" lIns="91425" tIns="91425" rIns="91425" bIns="91425" anchor="ctr" anchorCtr="0">
             <a:normAutofit/>
           </a:bodyPr>
           <a:lstStyle>
@@ -5422,7 +5770,7 @@
             </a:lvl9pPr>
           </a:lstStyle>
           <a:p>
-            <a:pPr indent="0" lvl="0" marL="0" rtl="0" algn="r">
+            <a:pPr marL="0" lvl="0" indent="0" algn="r" rtl="0">
               <a:spcBef>
                 <a:spcPts val="0"/>
               </a:spcBef>
@@ -5448,11 +5796,11 @@
 </file>
 
 <file path=ppt/slideLayouts/slideLayout9.xml><?xml version="1.0" encoding="utf-8"?>
-<p:sldLayout xmlns:a="http://schemas.openxmlformats.org/drawingml/2006/main" xmlns:r="http://schemas.openxmlformats.org/officeDocument/2006/relationships" xmlns:mc="http://schemas.openxmlformats.org/markup-compatibility/2006" xmlns:mv="urn:schemas-microsoft-com:mac:vml" xmlns:p="http://schemas.openxmlformats.org/presentationml/2006/main" xmlns:c="http://schemas.openxmlformats.org/drawingml/2006/chart" xmlns:dgm="http://schemas.openxmlformats.org/drawingml/2006/diagram" xmlns:o="urn:schemas-microsoft-com:office:office" xmlns:v="urn:schemas-microsoft-com:vml" xmlns:pvml="urn:schemas-microsoft-com:office:powerpoint" xmlns:com="http://schemas.openxmlformats.org/drawingml/2006/compatibility" xmlns:p14="http://schemas.microsoft.com/office/powerpoint/2010/main" xmlns:p15="http://schemas.microsoft.com/office/powerpoint/2012/main" xmlns:ahyp="http://schemas.microsoft.com/office/drawing/2018/hyperlinkcolor" matchingName="Caption">
+<p:sldLayout xmlns:a="http://schemas.openxmlformats.org/drawingml/2006/main" xmlns:r="http://schemas.openxmlformats.org/officeDocument/2006/relationships" xmlns:p="http://schemas.openxmlformats.org/presentationml/2006/main" matchingName="Caption">
   <p:cSld name="CAPTION_ONLY">
     <p:spTree>
       <p:nvGrpSpPr>
-        <p:cNvPr id="41" name="Shape 41"/>
+        <p:cNvPr id="1" name="Shape 41"/>
         <p:cNvGrpSpPr/>
         <p:nvPr/>
       </p:nvGrpSpPr>
@@ -5467,9 +5815,11 @@
       <p:sp>
         <p:nvSpPr>
           <p:cNvPr id="42" name="Google Shape;42;p10"/>
-          <p:cNvSpPr txBox="1"/>
+          <p:cNvSpPr txBox="1">
+            <a:spLocks noGrp="1"/>
+          </p:cNvSpPr>
           <p:nvPr>
-            <p:ph idx="1" type="body"/>
+            <p:ph type="body" idx="1"/>
           </p:nvPr>
         </p:nvSpPr>
         <p:spPr>
@@ -5482,11 +5832,11 @@
           </a:prstGeom>
         </p:spPr>
         <p:txBody>
-          <a:bodyPr anchorCtr="0" anchor="ctr" bIns="91425" lIns="91425" spcFirstLastPara="1" rIns="91425" wrap="square" tIns="91425">
+          <a:bodyPr spcFirstLastPara="1" wrap="square" lIns="91425" tIns="91425" rIns="91425" bIns="91425" anchor="ctr" anchorCtr="0">
             <a:normAutofit/>
           </a:bodyPr>
           <a:lstStyle>
-            <a:lvl1pPr indent="-228600" lvl="0" marL="457200">
+            <a:lvl1pPr marL="457200" lvl="0" indent="-228600">
               <a:lnSpc>
                 <a:spcPct val="100000"/>
               </a:lnSpc>
@@ -5501,15 +5851,19 @@
               <a:defRPr/>
             </a:lvl1pPr>
           </a:lstStyle>
-          <a:p/>
+          <a:p>
+            <a:endParaRPr/>
+          </a:p>
         </p:txBody>
       </p:sp>
       <p:sp>
         <p:nvSpPr>
           <p:cNvPr id="43" name="Google Shape;43;p10"/>
-          <p:cNvSpPr txBox="1"/>
+          <p:cNvSpPr txBox="1">
+            <a:spLocks noGrp="1"/>
+          </p:cNvSpPr>
           <p:nvPr>
-            <p:ph idx="12" type="sldNum"/>
+            <p:ph type="sldNum" idx="12"/>
           </p:nvPr>
         </p:nvSpPr>
         <p:spPr>
@@ -5522,7 +5876,7 @@
           </a:prstGeom>
         </p:spPr>
         <p:txBody>
-          <a:bodyPr anchorCtr="0" anchor="ctr" bIns="91425" lIns="91425" spcFirstLastPara="1" rIns="91425" wrap="square" tIns="91425">
+          <a:bodyPr spcFirstLastPara="1" wrap="square" lIns="91425" tIns="91425" rIns="91425" bIns="91425" anchor="ctr" anchorCtr="0">
             <a:normAutofit/>
           </a:bodyPr>
           <a:lstStyle>
@@ -5564,7 +5918,7 @@
             </a:lvl9pPr>
           </a:lstStyle>
           <a:p>
-            <a:pPr indent="0" lvl="0" marL="0" rtl="0" algn="r">
+            <a:pPr marL="0" lvl="0" indent="0" algn="r" rtl="0">
               <a:spcBef>
                 <a:spcPts val="0"/>
               </a:spcBef>
@@ -5590,18 +5944,19 @@
 </file>
 
 <file path=ppt/slideMasters/slideMaster1.xml><?xml version="1.0" encoding="utf-8"?>
-<p:sldMaster xmlns:a="http://schemas.openxmlformats.org/drawingml/2006/main" xmlns:r="http://schemas.openxmlformats.org/officeDocument/2006/relationships" xmlns:mc="http://schemas.openxmlformats.org/markup-compatibility/2006" xmlns:mv="urn:schemas-microsoft-com:mac:vml" xmlns:p="http://schemas.openxmlformats.org/presentationml/2006/main" xmlns:c="http://schemas.openxmlformats.org/drawingml/2006/chart" xmlns:dgm="http://schemas.openxmlformats.org/drawingml/2006/diagram" xmlns:o="urn:schemas-microsoft-com:office:office" xmlns:v="urn:schemas-microsoft-com:vml" xmlns:pvml="urn:schemas-microsoft-com:office:powerpoint" xmlns:com="http://schemas.openxmlformats.org/drawingml/2006/compatibility" xmlns:p14="http://schemas.microsoft.com/office/powerpoint/2010/main" xmlns:p15="http://schemas.microsoft.com/office/powerpoint/2012/main" xmlns:ahyp="http://schemas.microsoft.com/office/drawing/2018/hyperlinkcolor">
+<p:sldMaster xmlns:a="http://schemas.openxmlformats.org/drawingml/2006/main" xmlns:r="http://schemas.openxmlformats.org/officeDocument/2006/relationships" xmlns:p="http://schemas.openxmlformats.org/presentationml/2006/main">
   <p:cSld name="simple-light-2">
     <p:bg>
       <p:bgPr>
         <a:solidFill>
           <a:schemeClr val="lt1"/>
         </a:solidFill>
+        <a:effectLst/>
       </p:bgPr>
     </p:bg>
     <p:spTree>
       <p:nvGrpSpPr>
-        <p:cNvPr id="5" name="Shape 5"/>
+        <p:cNvPr id="1" name="Shape 5"/>
         <p:cNvGrpSpPr/>
         <p:nvPr/>
       </p:nvGrpSpPr>
@@ -5616,7 +5971,9 @@
       <p:sp>
         <p:nvSpPr>
           <p:cNvPr id="6" name="Google Shape;6;p1"/>
-          <p:cNvSpPr txBox="1"/>
+          <p:cNvSpPr txBox="1">
+            <a:spLocks noGrp="1"/>
+          </p:cNvSpPr>
           <p:nvPr>
             <p:ph type="title"/>
           </p:nvPr>
@@ -5635,7 +5992,7 @@
           </a:ln>
         </p:spPr>
         <p:txBody>
-          <a:bodyPr anchorCtr="0" anchor="t" bIns="91425" lIns="91425" spcFirstLastPara="1" rIns="91425" wrap="square" tIns="91425">
+          <a:bodyPr spcFirstLastPara="1" wrap="square" lIns="91425" tIns="91425" rIns="91425" bIns="91425" anchor="t" anchorCtr="0">
             <a:normAutofit/>
           </a:bodyPr>
           <a:lstStyle>
@@ -5802,15 +6159,19 @@
               </a:defRPr>
             </a:lvl9pPr>
           </a:lstStyle>
-          <a:p/>
+          <a:p>
+            <a:endParaRPr/>
+          </a:p>
         </p:txBody>
       </p:sp>
       <p:sp>
         <p:nvSpPr>
           <p:cNvPr id="7" name="Google Shape;7;p1"/>
-          <p:cNvSpPr txBox="1"/>
+          <p:cNvSpPr txBox="1">
+            <a:spLocks noGrp="1"/>
+          </p:cNvSpPr>
           <p:nvPr>
-            <p:ph idx="1" type="body"/>
+            <p:ph type="body" idx="1"/>
           </p:nvPr>
         </p:nvSpPr>
         <p:spPr>
@@ -5827,11 +6188,11 @@
           </a:ln>
         </p:spPr>
         <p:txBody>
-          <a:bodyPr anchorCtr="0" anchor="t" bIns="91425" lIns="91425" spcFirstLastPara="1" rIns="91425" wrap="square" tIns="91425">
+          <a:bodyPr spcFirstLastPara="1" wrap="square" lIns="91425" tIns="91425" rIns="91425" bIns="91425" anchor="t" anchorCtr="0">
             <a:normAutofit/>
           </a:bodyPr>
           <a:lstStyle>
-            <a:lvl1pPr indent="-342900" lvl="0" marL="457200">
+            <a:lvl1pPr marL="457200" lvl="0" indent="-342900">
               <a:lnSpc>
                 <a:spcPct val="115000"/>
               </a:lnSpc>
@@ -5852,7 +6213,7 @@
                 </a:solidFill>
               </a:defRPr>
             </a:lvl1pPr>
-            <a:lvl2pPr indent="-317500" lvl="1" marL="914400">
+            <a:lvl2pPr marL="914400" lvl="1" indent="-317500">
               <a:lnSpc>
                 <a:spcPct val="115000"/>
               </a:lnSpc>
@@ -5873,7 +6234,7 @@
                 </a:solidFill>
               </a:defRPr>
             </a:lvl2pPr>
-            <a:lvl3pPr indent="-317500" lvl="2" marL="1371600">
+            <a:lvl3pPr marL="1371600" lvl="2" indent="-317500">
               <a:lnSpc>
                 <a:spcPct val="115000"/>
               </a:lnSpc>
@@ -5894,7 +6255,7 @@
                 </a:solidFill>
               </a:defRPr>
             </a:lvl3pPr>
-            <a:lvl4pPr indent="-317500" lvl="3" marL="1828800">
+            <a:lvl4pPr marL="1828800" lvl="3" indent="-317500">
               <a:lnSpc>
                 <a:spcPct val="115000"/>
               </a:lnSpc>
@@ -5915,7 +6276,7 @@
                 </a:solidFill>
               </a:defRPr>
             </a:lvl4pPr>
-            <a:lvl5pPr indent="-317500" lvl="4" marL="2286000">
+            <a:lvl5pPr marL="2286000" lvl="4" indent="-317500">
               <a:lnSpc>
                 <a:spcPct val="115000"/>
               </a:lnSpc>
@@ -5936,7 +6297,7 @@
                 </a:solidFill>
               </a:defRPr>
             </a:lvl5pPr>
-            <a:lvl6pPr indent="-317500" lvl="5" marL="2743200">
+            <a:lvl6pPr marL="2743200" lvl="5" indent="-317500">
               <a:lnSpc>
                 <a:spcPct val="115000"/>
               </a:lnSpc>
@@ -5957,7 +6318,7 @@
                 </a:solidFill>
               </a:defRPr>
             </a:lvl6pPr>
-            <a:lvl7pPr indent="-317500" lvl="6" marL="3200400">
+            <a:lvl7pPr marL="3200400" lvl="6" indent="-317500">
               <a:lnSpc>
                 <a:spcPct val="115000"/>
               </a:lnSpc>
@@ -5978,7 +6339,7 @@
                 </a:solidFill>
               </a:defRPr>
             </a:lvl7pPr>
-            <a:lvl8pPr indent="-317500" lvl="7" marL="3657600">
+            <a:lvl8pPr marL="3657600" lvl="7" indent="-317500">
               <a:lnSpc>
                 <a:spcPct val="115000"/>
               </a:lnSpc>
@@ -5999,7 +6360,7 @@
                 </a:solidFill>
               </a:defRPr>
             </a:lvl8pPr>
-            <a:lvl9pPr indent="-317500" lvl="8" marL="4114800">
+            <a:lvl9pPr marL="4114800" lvl="8" indent="-317500">
               <a:lnSpc>
                 <a:spcPct val="115000"/>
               </a:lnSpc>
@@ -6021,15 +6382,19 @@
               </a:defRPr>
             </a:lvl9pPr>
           </a:lstStyle>
-          <a:p/>
+          <a:p>
+            <a:endParaRPr/>
+          </a:p>
         </p:txBody>
       </p:sp>
       <p:sp>
         <p:nvSpPr>
           <p:cNvPr id="8" name="Google Shape;8;p1"/>
-          <p:cNvSpPr txBox="1"/>
+          <p:cNvSpPr txBox="1">
+            <a:spLocks noGrp="1"/>
+          </p:cNvSpPr>
           <p:nvPr>
-            <p:ph idx="12" type="sldNum"/>
+            <p:ph type="sldNum" idx="12"/>
           </p:nvPr>
         </p:nvSpPr>
         <p:spPr>
@@ -6046,7 +6411,7 @@
           </a:ln>
         </p:spPr>
         <p:txBody>
-          <a:bodyPr anchorCtr="0" anchor="ctr" bIns="91425" lIns="91425" spcFirstLastPara="1" rIns="91425" wrap="square" tIns="91425">
+          <a:bodyPr spcFirstLastPara="1" wrap="square" lIns="91425" tIns="91425" rIns="91425" bIns="91425" anchor="ctr" anchorCtr="0">
             <a:normAutofit/>
           </a:bodyPr>
           <a:lstStyle>
@@ -6124,7 +6489,7 @@
             </a:lvl9pPr>
           </a:lstStyle>
           <a:p>
-            <a:pPr indent="0" lvl="0" marL="0" rtl="0" algn="r">
+            <a:pPr marL="0" lvl="0" indent="0" algn="r" rtl="0">
               <a:spcBef>
                 <a:spcPts val="0"/>
               </a:spcBef>
@@ -6143,7 +6508,7 @@
       </p:sp>
     </p:spTree>
   </p:cSld>
-  <p:clrMap accent1="accent1" accent2="accent2" accent3="accent3" accent4="accent4" accent5="accent5" accent6="accent6" bg1="lt1" bg2="dk2" tx1="dk1" tx2="lt2" folHlink="folHlink" hlink="hlink"/>
+  <p:clrMap bg1="lt1" tx1="dk1" bg2="dk2" tx2="lt2" accent1="accent1" accent2="accent2" accent3="accent3" accent4="accent4" accent5="accent5" accent6="accent6" hlink="hlink" folHlink="folHlink"/>
   <p:sldLayoutIdLst>
     <p:sldLayoutId id="2147483648" r:id="rId1"/>
     <p:sldLayoutId id="2147483649" r:id="rId2"/>
@@ -6157,10 +6522,10 @@
     <p:sldLayoutId id="2147483657" r:id="rId10"/>
     <p:sldLayoutId id="2147483658" r:id="rId11"/>
   </p:sldLayoutIdLst>
-  <p:hf dt="0" ftr="0" hdr="0" sldNum="0"/>
+  <p:hf sldNum="0" hdr="0" ftr="0" dt="0"/>
   <p:txStyles>
     <p:titleStyle>
-      <a:defPPr lvl="0" marR="0" rtl="0" algn="l">
+      <a:defPPr marR="0" lvl="0" algn="l" rtl="0">
         <a:lnSpc>
           <a:spcPct val="100000"/>
         </a:lnSpc>
@@ -6171,7 +6536,7 @@
           <a:spcPts val="0"/>
         </a:spcAft>
       </a:defPPr>
-      <a:lvl1pPr lvl="0" marR="0" rtl="0" algn="l">
+      <a:lvl1pPr marR="0" lvl="0" algn="l" rtl="0">
         <a:lnSpc>
           <a:spcPct val="100000"/>
         </a:lnSpc>
@@ -6185,7 +6550,7 @@
           <a:srgbClr val="000000"/>
         </a:buClr>
         <a:buFont typeface="Arial"/>
-        <a:defRPr b="0" i="0" sz="1400" u="none" cap="none" strike="noStrike">
+        <a:defRPr sz="1400" b="0" i="0" u="none" strike="noStrike" cap="none">
           <a:solidFill>
             <a:srgbClr val="000000"/>
           </a:solidFill>
@@ -6195,7 +6560,7 @@
           <a:sym typeface="Arial"/>
         </a:defRPr>
       </a:lvl1pPr>
-      <a:lvl2pPr lvl="1" marR="0" rtl="0" algn="l">
+      <a:lvl2pPr marR="0" lvl="1" algn="l" rtl="0">
         <a:lnSpc>
           <a:spcPct val="100000"/>
         </a:lnSpc>
@@ -6209,7 +6574,7 @@
           <a:srgbClr val="000000"/>
         </a:buClr>
         <a:buFont typeface="Arial"/>
-        <a:defRPr b="0" i="0" sz="1400" u="none" cap="none" strike="noStrike">
+        <a:defRPr sz="1400" b="0" i="0" u="none" strike="noStrike" cap="none">
           <a:solidFill>
             <a:srgbClr val="000000"/>
           </a:solidFill>
@@ -6219,7 +6584,7 @@
           <a:sym typeface="Arial"/>
         </a:defRPr>
       </a:lvl2pPr>
-      <a:lvl3pPr lvl="2" marR="0" rtl="0" algn="l">
+      <a:lvl3pPr marR="0" lvl="2" algn="l" rtl="0">
         <a:lnSpc>
           <a:spcPct val="100000"/>
         </a:lnSpc>
@@ -6233,7 +6598,7 @@
           <a:srgbClr val="000000"/>
         </a:buClr>
         <a:buFont typeface="Arial"/>
-        <a:defRPr b="0" i="0" sz="1400" u="none" cap="none" strike="noStrike">
+        <a:defRPr sz="1400" b="0" i="0" u="none" strike="noStrike" cap="none">
           <a:solidFill>
             <a:srgbClr val="000000"/>
           </a:solidFill>
@@ -6243,7 +6608,7 @@
           <a:sym typeface="Arial"/>
         </a:defRPr>
       </a:lvl3pPr>
-      <a:lvl4pPr lvl="3" marR="0" rtl="0" algn="l">
+      <a:lvl4pPr marR="0" lvl="3" algn="l" rtl="0">
         <a:lnSpc>
           <a:spcPct val="100000"/>
         </a:lnSpc>
@@ -6257,7 +6622,7 @@
           <a:srgbClr val="000000"/>
         </a:buClr>
         <a:buFont typeface="Arial"/>
-        <a:defRPr b="0" i="0" sz="1400" u="none" cap="none" strike="noStrike">
+        <a:defRPr sz="1400" b="0" i="0" u="none" strike="noStrike" cap="none">
           <a:solidFill>
             <a:srgbClr val="000000"/>
           </a:solidFill>
@@ -6267,7 +6632,7 @@
           <a:sym typeface="Arial"/>
         </a:defRPr>
       </a:lvl4pPr>
-      <a:lvl5pPr lvl="4" marR="0" rtl="0" algn="l">
+      <a:lvl5pPr marR="0" lvl="4" algn="l" rtl="0">
         <a:lnSpc>
           <a:spcPct val="100000"/>
         </a:lnSpc>
@@ -6281,7 +6646,7 @@
           <a:srgbClr val="000000"/>
         </a:buClr>
         <a:buFont typeface="Arial"/>
-        <a:defRPr b="0" i="0" sz="1400" u="none" cap="none" strike="noStrike">
+        <a:defRPr sz="1400" b="0" i="0" u="none" strike="noStrike" cap="none">
           <a:solidFill>
             <a:srgbClr val="000000"/>
           </a:solidFill>
@@ -6291,7 +6656,7 @@
           <a:sym typeface="Arial"/>
         </a:defRPr>
       </a:lvl5pPr>
-      <a:lvl6pPr lvl="5" marR="0" rtl="0" algn="l">
+      <a:lvl6pPr marR="0" lvl="5" algn="l" rtl="0">
         <a:lnSpc>
           <a:spcPct val="100000"/>
         </a:lnSpc>
@@ -6305,7 +6670,7 @@
           <a:srgbClr val="000000"/>
         </a:buClr>
         <a:buFont typeface="Arial"/>
-        <a:defRPr b="0" i="0" sz="1400" u="none" cap="none" strike="noStrike">
+        <a:defRPr sz="1400" b="0" i="0" u="none" strike="noStrike" cap="none">
           <a:solidFill>
             <a:srgbClr val="000000"/>
           </a:solidFill>
@@ -6315,7 +6680,7 @@
           <a:sym typeface="Arial"/>
         </a:defRPr>
       </a:lvl6pPr>
-      <a:lvl7pPr lvl="6" marR="0" rtl="0" algn="l">
+      <a:lvl7pPr marR="0" lvl="6" algn="l" rtl="0">
         <a:lnSpc>
           <a:spcPct val="100000"/>
         </a:lnSpc>
@@ -6329,7 +6694,7 @@
           <a:srgbClr val="000000"/>
         </a:buClr>
         <a:buFont typeface="Arial"/>
-        <a:defRPr b="0" i="0" sz="1400" u="none" cap="none" strike="noStrike">
+        <a:defRPr sz="1400" b="0" i="0" u="none" strike="noStrike" cap="none">
           <a:solidFill>
             <a:srgbClr val="000000"/>
           </a:solidFill>
@@ -6339,7 +6704,7 @@
           <a:sym typeface="Arial"/>
         </a:defRPr>
       </a:lvl7pPr>
-      <a:lvl8pPr lvl="7" marR="0" rtl="0" algn="l">
+      <a:lvl8pPr marR="0" lvl="7" algn="l" rtl="0">
         <a:lnSpc>
           <a:spcPct val="100000"/>
         </a:lnSpc>
@@ -6353,7 +6718,7 @@
           <a:srgbClr val="000000"/>
         </a:buClr>
         <a:buFont typeface="Arial"/>
-        <a:defRPr b="0" i="0" sz="1400" u="none" cap="none" strike="noStrike">
+        <a:defRPr sz="1400" b="0" i="0" u="none" strike="noStrike" cap="none">
           <a:solidFill>
             <a:srgbClr val="000000"/>
           </a:solidFill>
@@ -6363,7 +6728,7 @@
           <a:sym typeface="Arial"/>
         </a:defRPr>
       </a:lvl8pPr>
-      <a:lvl9pPr lvl="8" marR="0" rtl="0" algn="l">
+      <a:lvl9pPr marR="0" lvl="8" algn="l" rtl="0">
         <a:lnSpc>
           <a:spcPct val="100000"/>
         </a:lnSpc>
@@ -6377,7 +6742,7 @@
           <a:srgbClr val="000000"/>
         </a:buClr>
         <a:buFont typeface="Arial"/>
-        <a:defRPr b="0" i="0" sz="1400" u="none" cap="none" strike="noStrike">
+        <a:defRPr sz="1400" b="0" i="0" u="none" strike="noStrike" cap="none">
           <a:solidFill>
             <a:srgbClr val="000000"/>
           </a:solidFill>
@@ -6389,7 +6754,7 @@
       </a:lvl9pPr>
     </p:titleStyle>
     <p:bodyStyle>
-      <a:defPPr lvl="0" marR="0" rtl="0" algn="l">
+      <a:defPPr marR="0" lvl="0" algn="l" rtl="0">
         <a:lnSpc>
           <a:spcPct val="100000"/>
         </a:lnSpc>
@@ -6400,7 +6765,7 @@
           <a:spcPts val="0"/>
         </a:spcAft>
       </a:defPPr>
-      <a:lvl1pPr lvl="0" marR="0" rtl="0" algn="l">
+      <a:lvl1pPr marR="0" lvl="0" algn="l" rtl="0">
         <a:lnSpc>
           <a:spcPct val="100000"/>
         </a:lnSpc>
@@ -6414,7 +6779,7 @@
           <a:srgbClr val="000000"/>
         </a:buClr>
         <a:buFont typeface="Arial"/>
-        <a:defRPr b="0" i="0" sz="1400" u="none" cap="none" strike="noStrike">
+        <a:defRPr sz="1400" b="0" i="0" u="none" strike="noStrike" cap="none">
           <a:solidFill>
             <a:srgbClr val="000000"/>
           </a:solidFill>
@@ -6424,7 +6789,7 @@
           <a:sym typeface="Arial"/>
         </a:defRPr>
       </a:lvl1pPr>
-      <a:lvl2pPr lvl="1" marR="0" rtl="0" algn="l">
+      <a:lvl2pPr marR="0" lvl="1" algn="l" rtl="0">
         <a:lnSpc>
           <a:spcPct val="100000"/>
         </a:lnSpc>
@@ -6438,7 +6803,7 @@
           <a:srgbClr val="000000"/>
         </a:buClr>
         <a:buFont typeface="Arial"/>
-        <a:defRPr b="0" i="0" sz="1400" u="none" cap="none" strike="noStrike">
+        <a:defRPr sz="1400" b="0" i="0" u="none" strike="noStrike" cap="none">
           <a:solidFill>
             <a:srgbClr val="000000"/>
           </a:solidFill>
@@ -6448,7 +6813,7 @@
           <a:sym typeface="Arial"/>
         </a:defRPr>
       </a:lvl2pPr>
-      <a:lvl3pPr lvl="2" marR="0" rtl="0" algn="l">
+      <a:lvl3pPr marR="0" lvl="2" algn="l" rtl="0">
         <a:lnSpc>
           <a:spcPct val="100000"/>
         </a:lnSpc>
@@ -6462,7 +6827,7 @@
           <a:srgbClr val="000000"/>
         </a:buClr>
         <a:buFont typeface="Arial"/>
-        <a:defRPr b="0" i="0" sz="1400" u="none" cap="none" strike="noStrike">
+        <a:defRPr sz="1400" b="0" i="0" u="none" strike="noStrike" cap="none">
           <a:solidFill>
             <a:srgbClr val="000000"/>
           </a:solidFill>
@@ -6472,7 +6837,7 @@
           <a:sym typeface="Arial"/>
         </a:defRPr>
       </a:lvl3pPr>
-      <a:lvl4pPr lvl="3" marR="0" rtl="0" algn="l">
+      <a:lvl4pPr marR="0" lvl="3" algn="l" rtl="0">
         <a:lnSpc>
           <a:spcPct val="100000"/>
         </a:lnSpc>
@@ -6486,7 +6851,7 @@
           <a:srgbClr val="000000"/>
         </a:buClr>
         <a:buFont typeface="Arial"/>
-        <a:defRPr b="0" i="0" sz="1400" u="none" cap="none" strike="noStrike">
+        <a:defRPr sz="1400" b="0" i="0" u="none" strike="noStrike" cap="none">
           <a:solidFill>
             <a:srgbClr val="000000"/>
           </a:solidFill>
@@ -6496,7 +6861,7 @@
           <a:sym typeface="Arial"/>
         </a:defRPr>
       </a:lvl4pPr>
-      <a:lvl5pPr lvl="4" marR="0" rtl="0" algn="l">
+      <a:lvl5pPr marR="0" lvl="4" algn="l" rtl="0">
         <a:lnSpc>
           <a:spcPct val="100000"/>
         </a:lnSpc>
@@ -6510,7 +6875,7 @@
           <a:srgbClr val="000000"/>
         </a:buClr>
         <a:buFont typeface="Arial"/>
-        <a:defRPr b="0" i="0" sz="1400" u="none" cap="none" strike="noStrike">
+        <a:defRPr sz="1400" b="0" i="0" u="none" strike="noStrike" cap="none">
           <a:solidFill>
             <a:srgbClr val="000000"/>
           </a:solidFill>
@@ -6520,7 +6885,7 @@
           <a:sym typeface="Arial"/>
         </a:defRPr>
       </a:lvl5pPr>
-      <a:lvl6pPr lvl="5" marR="0" rtl="0" algn="l">
+      <a:lvl6pPr marR="0" lvl="5" algn="l" rtl="0">
         <a:lnSpc>
           <a:spcPct val="100000"/>
         </a:lnSpc>
@@ -6534,7 +6899,7 @@
           <a:srgbClr val="000000"/>
         </a:buClr>
         <a:buFont typeface="Arial"/>
-        <a:defRPr b="0" i="0" sz="1400" u="none" cap="none" strike="noStrike">
+        <a:defRPr sz="1400" b="0" i="0" u="none" strike="noStrike" cap="none">
           <a:solidFill>
             <a:srgbClr val="000000"/>
           </a:solidFill>
@@ -6544,7 +6909,7 @@
           <a:sym typeface="Arial"/>
         </a:defRPr>
       </a:lvl6pPr>
-      <a:lvl7pPr lvl="6" marR="0" rtl="0" algn="l">
+      <a:lvl7pPr marR="0" lvl="6" algn="l" rtl="0">
         <a:lnSpc>
           <a:spcPct val="100000"/>
         </a:lnSpc>
@@ -6558,7 +6923,7 @@
           <a:srgbClr val="000000"/>
         </a:buClr>
         <a:buFont typeface="Arial"/>
-        <a:defRPr b="0" i="0" sz="1400" u="none" cap="none" strike="noStrike">
+        <a:defRPr sz="1400" b="0" i="0" u="none" strike="noStrike" cap="none">
           <a:solidFill>
             <a:srgbClr val="000000"/>
           </a:solidFill>
@@ -6568,7 +6933,7 @@
           <a:sym typeface="Arial"/>
         </a:defRPr>
       </a:lvl7pPr>
-      <a:lvl8pPr lvl="7" marR="0" rtl="0" algn="l">
+      <a:lvl8pPr marR="0" lvl="7" algn="l" rtl="0">
         <a:lnSpc>
           <a:spcPct val="100000"/>
         </a:lnSpc>
@@ -6582,7 +6947,7 @@
           <a:srgbClr val="000000"/>
         </a:buClr>
         <a:buFont typeface="Arial"/>
-        <a:defRPr b="0" i="0" sz="1400" u="none" cap="none" strike="noStrike">
+        <a:defRPr sz="1400" b="0" i="0" u="none" strike="noStrike" cap="none">
           <a:solidFill>
             <a:srgbClr val="000000"/>
           </a:solidFill>
@@ -6592,7 +6957,7 @@
           <a:sym typeface="Arial"/>
         </a:defRPr>
       </a:lvl8pPr>
-      <a:lvl9pPr lvl="8" marR="0" rtl="0" algn="l">
+      <a:lvl9pPr marR="0" lvl="8" algn="l" rtl="0">
         <a:lnSpc>
           <a:spcPct val="100000"/>
         </a:lnSpc>
@@ -6606,7 +6971,7 @@
           <a:srgbClr val="000000"/>
         </a:buClr>
         <a:buFont typeface="Arial"/>
-        <a:defRPr b="0" i="0" sz="1400" u="none" cap="none" strike="noStrike">
+        <a:defRPr sz="1400" b="0" i="0" u="none" strike="noStrike" cap="none">
           <a:solidFill>
             <a:srgbClr val="000000"/>
           </a:solidFill>
@@ -6618,7 +6983,7 @@
       </a:lvl9pPr>
     </p:bodyStyle>
     <p:otherStyle>
-      <a:defPPr lvl="0" marR="0" rtl="0" algn="l">
+      <a:defPPr marR="0" lvl="0" algn="l" rtl="0">
         <a:lnSpc>
           <a:spcPct val="100000"/>
         </a:lnSpc>
@@ -6629,7 +6994,7 @@
           <a:spcPts val="0"/>
         </a:spcAft>
       </a:defPPr>
-      <a:lvl1pPr lvl="0" marR="0" rtl="0" algn="l">
+      <a:lvl1pPr marR="0" lvl="0" algn="l" rtl="0">
         <a:lnSpc>
           <a:spcPct val="100000"/>
         </a:lnSpc>
@@ -6643,7 +7008,7 @@
           <a:srgbClr val="000000"/>
         </a:buClr>
         <a:buFont typeface="Arial"/>
-        <a:defRPr b="0" i="0" sz="1400" u="none" cap="none" strike="noStrike">
+        <a:defRPr sz="1400" b="0" i="0" u="none" strike="noStrike" cap="none">
           <a:solidFill>
             <a:srgbClr val="000000"/>
           </a:solidFill>
@@ -6653,7 +7018,7 @@
           <a:sym typeface="Arial"/>
         </a:defRPr>
       </a:lvl1pPr>
-      <a:lvl2pPr lvl="1" marR="0" rtl="0" algn="l">
+      <a:lvl2pPr marR="0" lvl="1" algn="l" rtl="0">
         <a:lnSpc>
           <a:spcPct val="100000"/>
         </a:lnSpc>
@@ -6667,7 +7032,7 @@
           <a:srgbClr val="000000"/>
         </a:buClr>
         <a:buFont typeface="Arial"/>
-        <a:defRPr b="0" i="0" sz="1400" u="none" cap="none" strike="noStrike">
+        <a:defRPr sz="1400" b="0" i="0" u="none" strike="noStrike" cap="none">
           <a:solidFill>
             <a:srgbClr val="000000"/>
           </a:solidFill>
@@ -6677,7 +7042,7 @@
           <a:sym typeface="Arial"/>
         </a:defRPr>
       </a:lvl2pPr>
-      <a:lvl3pPr lvl="2" marR="0" rtl="0" algn="l">
+      <a:lvl3pPr marR="0" lvl="2" algn="l" rtl="0">
         <a:lnSpc>
           <a:spcPct val="100000"/>
         </a:lnSpc>
@@ -6691,7 +7056,7 @@
           <a:srgbClr val="000000"/>
         </a:buClr>
         <a:buFont typeface="Arial"/>
-        <a:defRPr b="0" i="0" sz="1400" u="none" cap="none" strike="noStrike">
+        <a:defRPr sz="1400" b="0" i="0" u="none" strike="noStrike" cap="none">
           <a:solidFill>
             <a:srgbClr val="000000"/>
           </a:solidFill>
@@ -6701,7 +7066,7 @@
           <a:sym typeface="Arial"/>
         </a:defRPr>
       </a:lvl3pPr>
-      <a:lvl4pPr lvl="3" marR="0" rtl="0" algn="l">
+      <a:lvl4pPr marR="0" lvl="3" algn="l" rtl="0">
         <a:lnSpc>
           <a:spcPct val="100000"/>
         </a:lnSpc>
@@ -6715,7 +7080,7 @@
           <a:srgbClr val="000000"/>
         </a:buClr>
         <a:buFont typeface="Arial"/>
-        <a:defRPr b="0" i="0" sz="1400" u="none" cap="none" strike="noStrike">
+        <a:defRPr sz="1400" b="0" i="0" u="none" strike="noStrike" cap="none">
           <a:solidFill>
             <a:srgbClr val="000000"/>
           </a:solidFill>
@@ -6725,7 +7090,7 @@
           <a:sym typeface="Arial"/>
         </a:defRPr>
       </a:lvl4pPr>
-      <a:lvl5pPr lvl="4" marR="0" rtl="0" algn="l">
+      <a:lvl5pPr marR="0" lvl="4" algn="l" rtl="0">
         <a:lnSpc>
           <a:spcPct val="100000"/>
         </a:lnSpc>
@@ -6739,7 +7104,7 @@
           <a:srgbClr val="000000"/>
         </a:buClr>
         <a:buFont typeface="Arial"/>
-        <a:defRPr b="0" i="0" sz="1400" u="none" cap="none" strike="noStrike">
+        <a:defRPr sz="1400" b="0" i="0" u="none" strike="noStrike" cap="none">
           <a:solidFill>
             <a:srgbClr val="000000"/>
           </a:solidFill>
@@ -6749,7 +7114,7 @@
           <a:sym typeface="Arial"/>
         </a:defRPr>
       </a:lvl5pPr>
-      <a:lvl6pPr lvl="5" marR="0" rtl="0" algn="l">
+      <a:lvl6pPr marR="0" lvl="5" algn="l" rtl="0">
         <a:lnSpc>
           <a:spcPct val="100000"/>
         </a:lnSpc>
@@ -6763,7 +7128,7 @@
           <a:srgbClr val="000000"/>
         </a:buClr>
         <a:buFont typeface="Arial"/>
-        <a:defRPr b="0" i="0" sz="1400" u="none" cap="none" strike="noStrike">
+        <a:defRPr sz="1400" b="0" i="0" u="none" strike="noStrike" cap="none">
           <a:solidFill>
             <a:srgbClr val="000000"/>
           </a:solidFill>
@@ -6773,7 +7138,7 @@
           <a:sym typeface="Arial"/>
         </a:defRPr>
       </a:lvl6pPr>
-      <a:lvl7pPr lvl="6" marR="0" rtl="0" algn="l">
+      <a:lvl7pPr marR="0" lvl="6" algn="l" rtl="0">
         <a:lnSpc>
           <a:spcPct val="100000"/>
         </a:lnSpc>
@@ -6787,7 +7152,7 @@
           <a:srgbClr val="000000"/>
         </a:buClr>
         <a:buFont typeface="Arial"/>
-        <a:defRPr b="0" i="0" sz="1400" u="none" cap="none" strike="noStrike">
+        <a:defRPr sz="1400" b="0" i="0" u="none" strike="noStrike" cap="none">
           <a:solidFill>
             <a:srgbClr val="000000"/>
           </a:solidFill>
@@ -6797,7 +7162,7 @@
           <a:sym typeface="Arial"/>
         </a:defRPr>
       </a:lvl7pPr>
-      <a:lvl8pPr lvl="7" marR="0" rtl="0" algn="l">
+      <a:lvl8pPr marR="0" lvl="7" algn="l" rtl="0">
         <a:lnSpc>
           <a:spcPct val="100000"/>
         </a:lnSpc>
@@ -6811,7 +7176,7 @@
           <a:srgbClr val="000000"/>
         </a:buClr>
         <a:buFont typeface="Arial"/>
-        <a:defRPr b="0" i="0" sz="1400" u="none" cap="none" strike="noStrike">
+        <a:defRPr sz="1400" b="0" i="0" u="none" strike="noStrike" cap="none">
           <a:solidFill>
             <a:srgbClr val="000000"/>
           </a:solidFill>
@@ -6821,7 +7186,7 @@
           <a:sym typeface="Arial"/>
         </a:defRPr>
       </a:lvl8pPr>
-      <a:lvl9pPr lvl="8" marR="0" rtl="0" algn="l">
+      <a:lvl9pPr marR="0" lvl="8" algn="l" rtl="0">
         <a:lnSpc>
           <a:spcPct val="100000"/>
         </a:lnSpc>
@@ -6835,7 +7200,7 @@
           <a:srgbClr val="000000"/>
         </a:buClr>
         <a:buFont typeface="Arial"/>
-        <a:defRPr b="0" i="0" sz="1400" u="none" cap="none" strike="noStrike">
+        <a:defRPr sz="1400" b="0" i="0" u="none" strike="noStrike" cap="none">
           <a:solidFill>
             <a:srgbClr val="000000"/>
           </a:solidFill>
@@ -6851,11 +7216,11 @@
 </file>
 
 <file path=ppt/slides/slide1.xml><?xml version="1.0" encoding="utf-8"?>
-<p:sld xmlns:a="http://schemas.openxmlformats.org/drawingml/2006/main" xmlns:r="http://schemas.openxmlformats.org/officeDocument/2006/relationships" xmlns:mc="http://schemas.openxmlformats.org/markup-compatibility/2006" xmlns:mv="urn:schemas-microsoft-com:mac:vml" xmlns:p="http://schemas.openxmlformats.org/presentationml/2006/main" xmlns:c="http://schemas.openxmlformats.org/drawingml/2006/chart" xmlns:dgm="http://schemas.openxmlformats.org/drawingml/2006/diagram" xmlns:o="urn:schemas-microsoft-com:office:office" xmlns:v="urn:schemas-microsoft-com:vml" xmlns:pvml="urn:schemas-microsoft-com:office:powerpoint" xmlns:com="http://schemas.openxmlformats.org/drawingml/2006/compatibility" xmlns:p14="http://schemas.microsoft.com/office/powerpoint/2010/main" xmlns:p15="http://schemas.microsoft.com/office/powerpoint/2012/main" xmlns:ahyp="http://schemas.microsoft.com/office/drawing/2018/hyperlinkcolor">
+<p:sld xmlns:a="http://schemas.openxmlformats.org/drawingml/2006/main" xmlns:r="http://schemas.openxmlformats.org/officeDocument/2006/relationships" xmlns:p="http://schemas.openxmlformats.org/presentationml/2006/main">
   <p:cSld>
     <p:spTree>
       <p:nvGrpSpPr>
-        <p:cNvPr id="53" name="Shape 53"/>
+        <p:cNvPr id="1" name="Shape 53"/>
         <p:cNvGrpSpPr/>
         <p:nvPr/>
       </p:nvGrpSpPr>
@@ -6887,12 +7252,12 @@
           </a:ln>
         </p:spPr>
         <p:txBody>
-          <a:bodyPr anchorCtr="0" anchor="t" bIns="91425" lIns="91425" spcFirstLastPara="1" rIns="91425" wrap="square" tIns="91425">
+          <a:bodyPr spcFirstLastPara="1" wrap="square" lIns="91425" tIns="91425" rIns="91425" bIns="91425" anchor="t" anchorCtr="0">
             <a:spAutoFit/>
           </a:bodyPr>
           <a:lstStyle/>
           <a:p>
-            <a:pPr indent="0" lvl="0" marL="0" rtl="0" algn="l">
+            <a:pPr marL="0" lvl="0" indent="0" algn="l" rtl="0">
               <a:spcBef>
                 <a:spcPts val="0"/>
               </a:spcBef>
@@ -6939,12 +7304,12 @@
           </a:ln>
         </p:spPr>
         <p:txBody>
-          <a:bodyPr anchorCtr="0" anchor="t" bIns="91425" lIns="91425" spcFirstLastPara="1" rIns="91425" wrap="square" tIns="91425">
+          <a:bodyPr spcFirstLastPara="1" wrap="square" lIns="91425" tIns="91425" rIns="91425" bIns="91425" anchor="t" anchorCtr="0">
             <a:spAutoFit/>
           </a:bodyPr>
           <a:lstStyle/>
           <a:p>
-            <a:pPr indent="0" lvl="0" marL="0" rtl="0" algn="l">
+            <a:pPr marL="0" lvl="0" indent="0" algn="l" rtl="0">
               <a:spcBef>
                 <a:spcPts val="0"/>
               </a:spcBef>
@@ -6954,7 +7319,7 @@
               <a:buNone/>
             </a:pPr>
             <a:r>
-              <a:rPr b="1" lang="en" sz="3200">
+              <a:rPr lang="en" sz="3200" b="1">
                 <a:solidFill>
                   <a:schemeClr val="accent1"/>
                 </a:solidFill>
@@ -6965,7 +7330,7 @@
               </a:rPr>
               <a:t>Cyclistic bike-share analysis</a:t>
             </a:r>
-            <a:endParaRPr b="1" sz="3200">
+            <a:endParaRPr sz="3200" b="1">
               <a:solidFill>
                 <a:schemeClr val="accent1"/>
               </a:solidFill>
@@ -6994,23 +7359,23 @@
           <a:solidFill>
             <a:schemeClr val="accent1"/>
           </a:solidFill>
-          <a:ln cap="flat" cmpd="sng" w="9525">
+          <a:ln w="9525" cap="flat" cmpd="sng">
             <a:solidFill>
               <a:schemeClr val="dk2"/>
             </a:solidFill>
             <a:prstDash val="solid"/>
             <a:round/>
-            <a:headEnd len="sm" w="sm" type="none"/>
-            <a:tailEnd len="sm" w="sm" type="none"/>
+            <a:headEnd type="none" w="sm" len="sm"/>
+            <a:tailEnd type="none" w="sm" len="sm"/>
           </a:ln>
         </p:spPr>
         <p:txBody>
-          <a:bodyPr anchorCtr="0" anchor="ctr" bIns="91425" lIns="91425" spcFirstLastPara="1" rIns="91425" wrap="square" tIns="91425">
+          <a:bodyPr spcFirstLastPara="1" wrap="square" lIns="91425" tIns="91425" rIns="91425" bIns="91425" anchor="ctr" anchorCtr="0">
             <a:noAutofit/>
           </a:bodyPr>
           <a:lstStyle/>
           <a:p>
-            <a:pPr indent="0" lvl="0" marL="0" rtl="0" algn="l">
+            <a:pPr marL="0" lvl="0" indent="0" algn="l" rtl="0">
               <a:spcBef>
                 <a:spcPts val="0"/>
               </a:spcBef>
@@ -7019,9 +7384,6 @@
               </a:spcAft>
               <a:buNone/>
             </a:pPr>
-            <a:r>
-              <a:t/>
-            </a:r>
             <a:endParaRPr/>
           </a:p>
         </p:txBody>
@@ -7046,12 +7408,12 @@
           </a:ln>
         </p:spPr>
         <p:txBody>
-          <a:bodyPr anchorCtr="0" anchor="t" bIns="91425" lIns="91425" spcFirstLastPara="1" rIns="91425" wrap="square" tIns="91425">
+          <a:bodyPr spcFirstLastPara="1" wrap="square" lIns="91425" tIns="91425" rIns="91425" bIns="91425" anchor="t" anchorCtr="0">
             <a:spAutoFit/>
           </a:bodyPr>
           <a:lstStyle/>
           <a:p>
-            <a:pPr indent="0" lvl="0" marL="0" rtl="0" algn="l">
+            <a:pPr marL="0" lvl="0" indent="0" algn="l" rtl="0">
               <a:spcBef>
                 <a:spcPts val="0"/>
               </a:spcBef>
@@ -7061,7 +7423,7 @@
               <a:buNone/>
             </a:pPr>
             <a:r>
-              <a:rPr b="1" i="1" lang="en" sz="1200">
+              <a:rPr lang="en" sz="1200" b="1" i="1">
                 <a:latin typeface="Open Sans"/>
                 <a:ea typeface="Open Sans"/>
                 <a:cs typeface="Open Sans"/>
@@ -7070,7 +7432,7 @@
               <a:t>Presented by: </a:t>
             </a:r>
             <a:r>
-              <a:rPr i="1" lang="en" sz="1200">
+              <a:rPr lang="en" sz="1200" i="1">
                 <a:latin typeface="Open Sans"/>
                 <a:ea typeface="Open Sans"/>
                 <a:cs typeface="Open Sans"/>
@@ -7078,7 +7440,7 @@
               </a:rPr>
               <a:t>Quang Huy Vu</a:t>
             </a:r>
-            <a:endParaRPr i="1" sz="1200">
+            <a:endParaRPr sz="1200" i="1">
               <a:latin typeface="Open Sans"/>
               <a:ea typeface="Open Sans"/>
               <a:cs typeface="Open Sans"/>
@@ -7086,7 +7448,7 @@
             </a:endParaRPr>
           </a:p>
           <a:p>
-            <a:pPr indent="0" lvl="0" marL="0" rtl="0" algn="l">
+            <a:pPr marL="0" lvl="0" indent="0" algn="l" rtl="0">
               <a:spcBef>
                 <a:spcPts val="0"/>
               </a:spcBef>
@@ -7096,7 +7458,7 @@
               <a:buNone/>
             </a:pPr>
             <a:r>
-              <a:rPr b="1" i="1" lang="en" sz="1200">
+              <a:rPr lang="en" sz="1200" b="1" i="1">
                 <a:latin typeface="Open Sans"/>
                 <a:ea typeface="Open Sans"/>
                 <a:cs typeface="Open Sans"/>
@@ -7105,7 +7467,7 @@
               <a:t>Data:</a:t>
             </a:r>
             <a:r>
-              <a:rPr i="1" lang="en" sz="1200">
+              <a:rPr lang="en" sz="1200" i="1">
                 <a:latin typeface="Open Sans"/>
                 <a:ea typeface="Open Sans"/>
                 <a:cs typeface="Open Sans"/>
@@ -7113,7 +7475,7 @@
               </a:rPr>
               <a:t> from September 2021 to August 2022</a:t>
             </a:r>
-            <a:endParaRPr i="1" sz="1200">
+            <a:endParaRPr sz="1200" i="1">
               <a:latin typeface="Open Sans"/>
               <a:ea typeface="Open Sans"/>
               <a:cs typeface="Open Sans"/>
@@ -7139,23 +7501,23 @@
           <a:solidFill>
             <a:schemeClr val="accent1"/>
           </a:solidFill>
-          <a:ln cap="flat" cmpd="sng" w="9525">
+          <a:ln w="9525" cap="flat" cmpd="sng">
             <a:solidFill>
               <a:schemeClr val="dk2"/>
             </a:solidFill>
             <a:prstDash val="solid"/>
             <a:round/>
-            <a:headEnd len="sm" w="sm" type="none"/>
-            <a:tailEnd len="sm" w="sm" type="none"/>
+            <a:headEnd type="none" w="sm" len="sm"/>
+            <a:tailEnd type="none" w="sm" len="sm"/>
           </a:ln>
         </p:spPr>
         <p:txBody>
-          <a:bodyPr anchorCtr="0" anchor="ctr" bIns="91425" lIns="91425" spcFirstLastPara="1" rIns="91425" wrap="square" tIns="91425">
+          <a:bodyPr spcFirstLastPara="1" wrap="square" lIns="91425" tIns="91425" rIns="91425" bIns="91425" anchor="ctr" anchorCtr="0">
             <a:noAutofit/>
           </a:bodyPr>
           <a:lstStyle/>
           <a:p>
-            <a:pPr indent="0" lvl="0" marL="0" rtl="0" algn="l">
+            <a:pPr marL="0" lvl="0" indent="0" algn="l" rtl="0">
               <a:spcBef>
                 <a:spcPts val="0"/>
               </a:spcBef>
@@ -7164,9 +7526,6 @@
               </a:spcAft>
               <a:buNone/>
             </a:pPr>
-            <a:r>
-              <a:t/>
-            </a:r>
             <a:endParaRPr/>
           </a:p>
         </p:txBody>
@@ -7180,11 +7539,438 @@
 </file>
 
 <file path=ppt/slides/slide10.xml><?xml version="1.0" encoding="utf-8"?>
-<p:sld xmlns:a="http://schemas.openxmlformats.org/drawingml/2006/main" xmlns:r="http://schemas.openxmlformats.org/officeDocument/2006/relationships" xmlns:mc="http://schemas.openxmlformats.org/markup-compatibility/2006" xmlns:mv="urn:schemas-microsoft-com:mac:vml" xmlns:p="http://schemas.openxmlformats.org/presentationml/2006/main" xmlns:c="http://schemas.openxmlformats.org/drawingml/2006/chart" xmlns:dgm="http://schemas.openxmlformats.org/drawingml/2006/diagram" xmlns:o="urn:schemas-microsoft-com:office:office" xmlns:v="urn:schemas-microsoft-com:vml" xmlns:pvml="urn:schemas-microsoft-com:office:powerpoint" xmlns:com="http://schemas.openxmlformats.org/drawingml/2006/compatibility" xmlns:p14="http://schemas.microsoft.com/office/powerpoint/2010/main" xmlns:p15="http://schemas.microsoft.com/office/powerpoint/2012/main" xmlns:ahyp="http://schemas.microsoft.com/office/drawing/2018/hyperlinkcolor">
+<p:sld xmlns:a="http://schemas.openxmlformats.org/drawingml/2006/main" xmlns:r="http://schemas.openxmlformats.org/officeDocument/2006/relationships" xmlns:p="http://schemas.openxmlformats.org/presentationml/2006/main">
   <p:cSld>
     <p:spTree>
       <p:nvGrpSpPr>
-        <p:cNvPr id="138" name="Shape 138"/>
+        <p:cNvPr id="1" name="Shape 129"/>
+        <p:cNvGrpSpPr/>
+        <p:nvPr/>
+      </p:nvGrpSpPr>
+      <p:grpSpPr>
+        <a:xfrm>
+          <a:off x="0" y="0"/>
+          <a:ext cx="0" cy="0"/>
+          <a:chOff x="0" y="0"/>
+          <a:chExt cx="0" cy="0"/>
+        </a:xfrm>
+      </p:grpSpPr>
+      <p:sp>
+        <p:nvSpPr>
+          <p:cNvPr id="130" name="Google Shape;130;p21"/>
+          <p:cNvSpPr/>
+          <p:nvPr/>
+        </p:nvSpPr>
+        <p:spPr>
+          <a:xfrm rot="-5400000">
+            <a:off x="-2567125" y="2549900"/>
+            <a:ext cx="5152800" cy="52800"/>
+          </a:xfrm>
+          <a:prstGeom prst="rect">
+            <a:avLst/>
+          </a:prstGeom>
+          <a:solidFill>
+            <a:schemeClr val="accent1"/>
+          </a:solidFill>
+          <a:ln>
+            <a:noFill/>
+          </a:ln>
+        </p:spPr>
+        <p:txBody>
+          <a:bodyPr spcFirstLastPara="1" wrap="square" lIns="91425" tIns="91425" rIns="91425" bIns="91425" anchor="ctr" anchorCtr="0">
+            <a:noAutofit/>
+          </a:bodyPr>
+          <a:lstStyle/>
+          <a:p>
+            <a:pPr marL="0" lvl="0" indent="0" algn="l" rtl="0">
+              <a:spcBef>
+                <a:spcPts val="0"/>
+              </a:spcBef>
+              <a:spcAft>
+                <a:spcPts val="0"/>
+              </a:spcAft>
+              <a:buNone/>
+            </a:pPr>
+            <a:endParaRPr/>
+          </a:p>
+        </p:txBody>
+      </p:sp>
+      <p:sp>
+        <p:nvSpPr>
+          <p:cNvPr id="131" name="Google Shape;131;p21"/>
+          <p:cNvSpPr txBox="1"/>
+          <p:nvPr/>
+        </p:nvSpPr>
+        <p:spPr>
+          <a:xfrm>
+            <a:off x="572725" y="2061025"/>
+            <a:ext cx="3438600" cy="1559700"/>
+          </a:xfrm>
+          <a:prstGeom prst="rect">
+            <a:avLst/>
+          </a:prstGeom>
+          <a:noFill/>
+          <a:ln>
+            <a:noFill/>
+          </a:ln>
+        </p:spPr>
+        <p:txBody>
+          <a:bodyPr spcFirstLastPara="1" wrap="square" lIns="91425" tIns="91425" rIns="91425" bIns="91425" anchor="t" anchorCtr="0">
+            <a:spAutoFit/>
+          </a:bodyPr>
+          <a:lstStyle/>
+          <a:p>
+            <a:pPr marL="457200" lvl="0" indent="-304800" algn="just" rtl="0">
+              <a:lnSpc>
+                <a:spcPct val="115000"/>
+              </a:lnSpc>
+              <a:spcBef>
+                <a:spcPts val="0"/>
+              </a:spcBef>
+              <a:spcAft>
+                <a:spcPts val="0"/>
+              </a:spcAft>
+              <a:buSzPts val="1200"/>
+              <a:buFont typeface="Open Sans"/>
+              <a:buChar char="●"/>
+            </a:pPr>
+            <a:r>
+              <a:rPr lang="en" sz="1200" b="1">
+                <a:solidFill>
+                  <a:srgbClr val="6AA84F"/>
+                </a:solidFill>
+                <a:latin typeface="Open Sans"/>
+                <a:ea typeface="Open Sans"/>
+                <a:cs typeface="Open Sans"/>
+                <a:sym typeface="Open Sans"/>
+              </a:rPr>
+              <a:t>Casual users</a:t>
+            </a:r>
+            <a:r>
+              <a:rPr lang="en" sz="1200">
+                <a:latin typeface="Open Sans"/>
+                <a:ea typeface="Open Sans"/>
+                <a:cs typeface="Open Sans"/>
+                <a:sym typeface="Open Sans"/>
+              </a:rPr>
+              <a:t> make rides from </a:t>
+            </a:r>
+            <a:r>
+              <a:rPr lang="en" sz="1200" b="1">
+                <a:latin typeface="Open Sans"/>
+                <a:ea typeface="Open Sans"/>
+                <a:cs typeface="Open Sans"/>
+                <a:sym typeface="Open Sans"/>
+              </a:rPr>
+              <a:t>12 PM </a:t>
+            </a:r>
+            <a:r>
+              <a:rPr lang="en" sz="1200">
+                <a:solidFill>
+                  <a:schemeClr val="dk1"/>
+                </a:solidFill>
+                <a:latin typeface="Open Sans"/>
+                <a:ea typeface="Open Sans"/>
+                <a:cs typeface="Open Sans"/>
+                <a:sym typeface="Open Sans"/>
+              </a:rPr>
+              <a:t>(time they leave from home/lunch) </a:t>
+            </a:r>
+            <a:r>
+              <a:rPr lang="en" sz="1200">
+                <a:latin typeface="Open Sans"/>
+                <a:ea typeface="Open Sans"/>
+                <a:cs typeface="Open Sans"/>
+                <a:sym typeface="Open Sans"/>
+              </a:rPr>
+              <a:t>to</a:t>
+            </a:r>
+            <a:r>
+              <a:rPr lang="en" sz="1200" b="1">
+                <a:latin typeface="Open Sans"/>
+                <a:ea typeface="Open Sans"/>
+                <a:cs typeface="Open Sans"/>
+                <a:sym typeface="Open Sans"/>
+              </a:rPr>
+              <a:t> 7 PM </a:t>
+            </a:r>
+            <a:r>
+              <a:rPr lang="en" sz="1200">
+                <a:latin typeface="Open Sans"/>
+                <a:ea typeface="Open Sans"/>
+                <a:cs typeface="Open Sans"/>
+                <a:sym typeface="Open Sans"/>
+              </a:rPr>
+              <a:t>(time they leave for home/dinner) </a:t>
+            </a:r>
+            <a:endParaRPr sz="1200">
+              <a:latin typeface="Open Sans"/>
+              <a:ea typeface="Open Sans"/>
+              <a:cs typeface="Open Sans"/>
+              <a:sym typeface="Open Sans"/>
+            </a:endParaRPr>
+          </a:p>
+          <a:p>
+            <a:pPr marL="457200" lvl="0" indent="-304800" algn="just" rtl="0">
+              <a:lnSpc>
+                <a:spcPct val="115000"/>
+              </a:lnSpc>
+              <a:spcBef>
+                <a:spcPts val="1000"/>
+              </a:spcBef>
+              <a:spcAft>
+                <a:spcPts val="1000"/>
+              </a:spcAft>
+              <a:buSzPts val="1200"/>
+              <a:buFont typeface="Open Sans"/>
+              <a:buChar char="●"/>
+            </a:pPr>
+            <a:r>
+              <a:rPr lang="en" sz="1200" b="1">
+                <a:solidFill>
+                  <a:schemeClr val="accent1"/>
+                </a:solidFill>
+                <a:latin typeface="Open Sans"/>
+                <a:ea typeface="Open Sans"/>
+                <a:cs typeface="Open Sans"/>
+                <a:sym typeface="Open Sans"/>
+              </a:rPr>
+              <a:t>Member users </a:t>
+            </a:r>
+            <a:r>
+              <a:rPr lang="en" sz="1200">
+                <a:solidFill>
+                  <a:schemeClr val="dk1"/>
+                </a:solidFill>
+                <a:latin typeface="Open Sans"/>
+                <a:ea typeface="Open Sans"/>
+                <a:cs typeface="Open Sans"/>
+                <a:sym typeface="Open Sans"/>
+              </a:rPr>
+              <a:t>peak ride time is </a:t>
+            </a:r>
+            <a:r>
+              <a:rPr lang="en" sz="1200" b="1">
+                <a:solidFill>
+                  <a:schemeClr val="dk1"/>
+                </a:solidFill>
+                <a:latin typeface="Open Sans"/>
+                <a:ea typeface="Open Sans"/>
+                <a:cs typeface="Open Sans"/>
+                <a:sym typeface="Open Sans"/>
+              </a:rPr>
+              <a:t>8 AM </a:t>
+            </a:r>
+            <a:r>
+              <a:rPr lang="en" sz="1200">
+                <a:solidFill>
+                  <a:schemeClr val="dk1"/>
+                </a:solidFill>
+                <a:latin typeface="Open Sans"/>
+                <a:ea typeface="Open Sans"/>
+                <a:cs typeface="Open Sans"/>
+                <a:sym typeface="Open Sans"/>
+              </a:rPr>
+              <a:t>(time they leave for work) and </a:t>
+            </a:r>
+            <a:r>
+              <a:rPr lang="en" sz="1200" b="1">
+                <a:solidFill>
+                  <a:schemeClr val="dk1"/>
+                </a:solidFill>
+                <a:latin typeface="Open Sans"/>
+                <a:ea typeface="Open Sans"/>
+                <a:cs typeface="Open Sans"/>
+                <a:sym typeface="Open Sans"/>
+              </a:rPr>
+              <a:t>5 PM</a:t>
+            </a:r>
+            <a:r>
+              <a:rPr lang="en" sz="1200">
+                <a:solidFill>
+                  <a:schemeClr val="dk1"/>
+                </a:solidFill>
+                <a:latin typeface="Open Sans"/>
+                <a:ea typeface="Open Sans"/>
+                <a:cs typeface="Open Sans"/>
+                <a:sym typeface="Open Sans"/>
+              </a:rPr>
+              <a:t> (time they leave from work).</a:t>
+            </a:r>
+            <a:endParaRPr sz="1200" b="1">
+              <a:latin typeface="Open Sans"/>
+              <a:ea typeface="Open Sans"/>
+              <a:cs typeface="Open Sans"/>
+              <a:sym typeface="Open Sans"/>
+            </a:endParaRPr>
+          </a:p>
+        </p:txBody>
+      </p:sp>
+      <p:pic>
+        <p:nvPicPr>
+          <p:cNvPr id="132" name="Google Shape;132;p21"/>
+          <p:cNvPicPr preferRelativeResize="0"/>
+          <p:nvPr/>
+        </p:nvPicPr>
+        <p:blipFill>
+          <a:blip r:embed="rId3">
+            <a:alphaModFix/>
+          </a:blip>
+          <a:stretch>
+            <a:fillRect/>
+          </a:stretch>
+        </p:blipFill>
+        <p:spPr>
+          <a:xfrm>
+            <a:off x="5901775" y="4220938"/>
+            <a:ext cx="1941050" cy="382325"/>
+          </a:xfrm>
+          <a:prstGeom prst="rect">
+            <a:avLst/>
+          </a:prstGeom>
+          <a:noFill/>
+          <a:ln>
+            <a:noFill/>
+          </a:ln>
+        </p:spPr>
+      </p:pic>
+      <p:sp>
+        <p:nvSpPr>
+          <p:cNvPr id="133" name="Google Shape;133;p21"/>
+          <p:cNvSpPr txBox="1"/>
+          <p:nvPr/>
+        </p:nvSpPr>
+        <p:spPr>
+          <a:xfrm>
+            <a:off x="456675" y="1200000"/>
+            <a:ext cx="5033100" cy="738900"/>
+          </a:xfrm>
+          <a:prstGeom prst="rect">
+            <a:avLst/>
+          </a:prstGeom>
+          <a:noFill/>
+          <a:ln>
+            <a:noFill/>
+          </a:ln>
+        </p:spPr>
+        <p:txBody>
+          <a:bodyPr spcFirstLastPara="1" wrap="square" lIns="91425" tIns="91425" rIns="91425" bIns="91425" anchor="t" anchorCtr="0">
+            <a:spAutoFit/>
+          </a:bodyPr>
+          <a:lstStyle/>
+          <a:p>
+            <a:pPr marL="0" lvl="0" indent="0" algn="l" rtl="0">
+              <a:spcBef>
+                <a:spcPts val="0"/>
+              </a:spcBef>
+              <a:spcAft>
+                <a:spcPts val="0"/>
+              </a:spcAft>
+              <a:buNone/>
+            </a:pPr>
+            <a:r>
+              <a:rPr lang="en" sz="1800" b="1">
+                <a:solidFill>
+                  <a:schemeClr val="accent1"/>
+                </a:solidFill>
+                <a:latin typeface="Open Sans"/>
+                <a:ea typeface="Open Sans"/>
+                <a:cs typeface="Open Sans"/>
+                <a:sym typeface="Open Sans"/>
+              </a:rPr>
+              <a:t>Casual vs member users</a:t>
+            </a:r>
+            <a:endParaRPr sz="1800" b="1">
+              <a:solidFill>
+                <a:schemeClr val="accent1"/>
+              </a:solidFill>
+              <a:latin typeface="Open Sans"/>
+              <a:ea typeface="Open Sans"/>
+              <a:cs typeface="Open Sans"/>
+              <a:sym typeface="Open Sans"/>
+            </a:endParaRPr>
+          </a:p>
+          <a:p>
+            <a:pPr marL="0" lvl="0" indent="0" algn="l" rtl="0">
+              <a:spcBef>
+                <a:spcPts val="0"/>
+              </a:spcBef>
+              <a:spcAft>
+                <a:spcPts val="0"/>
+              </a:spcAft>
+              <a:buNone/>
+            </a:pPr>
+            <a:r>
+              <a:rPr lang="en" sz="1800" b="1">
+                <a:solidFill>
+                  <a:schemeClr val="accent1"/>
+                </a:solidFill>
+                <a:latin typeface="Open Sans"/>
+                <a:ea typeface="Open Sans"/>
+                <a:cs typeface="Open Sans"/>
+                <a:sym typeface="Open Sans"/>
+              </a:rPr>
+              <a:t>About hour of the day</a:t>
+            </a:r>
+            <a:endParaRPr sz="1800" b="1">
+              <a:solidFill>
+                <a:schemeClr val="accent1"/>
+              </a:solidFill>
+              <a:latin typeface="Open Sans"/>
+              <a:ea typeface="Open Sans"/>
+              <a:cs typeface="Open Sans"/>
+              <a:sym typeface="Open Sans"/>
+            </a:endParaRPr>
+          </a:p>
+        </p:txBody>
+      </p:sp>
+      <p:pic>
+        <p:nvPicPr>
+          <p:cNvPr id="134" name="Google Shape;134;p21"/>
+          <p:cNvPicPr preferRelativeResize="0"/>
+          <p:nvPr/>
+        </p:nvPicPr>
+        <p:blipFill>
+          <a:blip r:embed="rId4">
+            <a:alphaModFix/>
+          </a:blip>
+          <a:stretch>
+            <a:fillRect/>
+          </a:stretch>
+        </p:blipFill>
+        <p:spPr>
+          <a:xfrm>
+            <a:off x="4011425" y="844125"/>
+            <a:ext cx="5132575" cy="3228851"/>
+          </a:xfrm>
+          <a:prstGeom prst="rect">
+            <a:avLst/>
+          </a:prstGeom>
+          <a:noFill/>
+          <a:ln>
+            <a:noFill/>
+          </a:ln>
+        </p:spPr>
+      </p:pic>
+    </p:spTree>
+    <p:extLst>
+      <p:ext uri="{BB962C8B-B14F-4D97-AF65-F5344CB8AC3E}">
+        <p14:creationId xmlns:p14="http://schemas.microsoft.com/office/powerpoint/2010/main" val="4168385808"/>
+      </p:ext>
+    </p:extLst>
+  </p:cSld>
+  <p:clrMapOvr>
+    <a:masterClrMapping/>
+  </p:clrMapOvr>
+</p:sld>
+</file>
+
+<file path=ppt/slides/slide11.xml><?xml version="1.0" encoding="utf-8"?>
+<p:sld xmlns:a="http://schemas.openxmlformats.org/drawingml/2006/main" xmlns:r="http://schemas.openxmlformats.org/officeDocument/2006/relationships" xmlns:p="http://schemas.openxmlformats.org/presentationml/2006/main">
+  <p:cSld>
+    <p:spTree>
+      <p:nvGrpSpPr>
+        <p:cNvPr id="1" name="Shape 138"/>
         <p:cNvGrpSpPr/>
         <p:nvPr/>
       </p:nvGrpSpPr>
@@ -7218,12 +8004,12 @@
           </a:ln>
         </p:spPr>
         <p:txBody>
-          <a:bodyPr anchorCtr="0" anchor="ctr" bIns="91425" lIns="91425" spcFirstLastPara="1" rIns="91425" wrap="square" tIns="91425">
+          <a:bodyPr spcFirstLastPara="1" wrap="square" lIns="91425" tIns="91425" rIns="91425" bIns="91425" anchor="ctr" anchorCtr="0">
             <a:noAutofit/>
           </a:bodyPr>
           <a:lstStyle/>
           <a:p>
-            <a:pPr indent="0" lvl="0" marL="0" rtl="0" algn="l">
+            <a:pPr marL="0" lvl="0" indent="0" algn="l" rtl="0">
               <a:spcBef>
                 <a:spcPts val="0"/>
               </a:spcBef>
@@ -7232,9 +8018,6 @@
               </a:spcAft>
               <a:buNone/>
             </a:pPr>
-            <a:r>
-              <a:t/>
-            </a:r>
             <a:endParaRPr/>
           </a:p>
         </p:txBody>
@@ -7259,12 +8042,12 @@
           </a:ln>
         </p:spPr>
         <p:txBody>
-          <a:bodyPr anchorCtr="0" anchor="t" bIns="91425" lIns="91425" spcFirstLastPara="1" rIns="91425" wrap="square" tIns="91425">
+          <a:bodyPr spcFirstLastPara="1" wrap="square" lIns="91425" tIns="91425" rIns="91425" bIns="91425" anchor="t" anchorCtr="0">
             <a:spAutoFit/>
           </a:bodyPr>
           <a:lstStyle/>
           <a:p>
-            <a:pPr indent="-304800" lvl="0" marL="457200" rtl="0" algn="just">
+            <a:pPr marL="457200" lvl="0" indent="-304800" algn="just" rtl="0">
               <a:lnSpc>
                 <a:spcPct val="115000"/>
               </a:lnSpc>
@@ -7279,7 +8062,7 @@
               <a:buChar char="●"/>
             </a:pPr>
             <a:r>
-              <a:rPr b="1" lang="en" sz="1200">
+              <a:rPr lang="en" sz="1200" b="1">
                 <a:solidFill>
                   <a:srgbClr val="6AA84F"/>
                 </a:solidFill>
@@ -7307,7 +8090,7 @@
             </a:endParaRPr>
           </a:p>
           <a:p>
-            <a:pPr indent="-304800" lvl="0" marL="457200" rtl="0" algn="just">
+            <a:pPr marL="457200" lvl="0" indent="-304800" algn="just" rtl="0">
               <a:lnSpc>
                 <a:spcPct val="115000"/>
               </a:lnSpc>
@@ -7322,7 +8105,7 @@
               <a:buChar char="●"/>
             </a:pPr>
             <a:r>
-              <a:rPr b="1" lang="en" sz="1200">
+              <a:rPr lang="en" sz="1200" b="1">
                 <a:solidFill>
                   <a:schemeClr val="accent1"/>
                 </a:solidFill>
@@ -7345,7 +8128,7 @@
               </a:rPr>
               <a:t>start their rides mostly from residential areas.</a:t>
             </a:r>
-            <a:endParaRPr b="1" sz="1200">
+            <a:endParaRPr sz="1200" b="1">
               <a:latin typeface="Open Sans"/>
               <a:ea typeface="Open Sans"/>
               <a:cs typeface="Open Sans"/>
@@ -7374,12 +8157,12 @@
           </a:ln>
         </p:spPr>
         <p:txBody>
-          <a:bodyPr anchorCtr="0" anchor="t" bIns="91425" lIns="91425" spcFirstLastPara="1" rIns="91425" wrap="square" tIns="91425">
+          <a:bodyPr spcFirstLastPara="1" wrap="square" lIns="91425" tIns="91425" rIns="91425" bIns="91425" anchor="t" anchorCtr="0">
             <a:spAutoFit/>
           </a:bodyPr>
           <a:lstStyle/>
           <a:p>
-            <a:pPr indent="0" lvl="0" marL="0" rtl="0" algn="l">
+            <a:pPr marL="0" lvl="0" indent="0" algn="l" rtl="0">
               <a:spcBef>
                 <a:spcPts val="0"/>
               </a:spcBef>
@@ -7389,7 +8172,7 @@
               <a:buNone/>
             </a:pPr>
             <a:r>
-              <a:rPr b="1" lang="en" sz="1800">
+              <a:rPr lang="en" sz="1800" b="1">
                 <a:solidFill>
                   <a:schemeClr val="accent1"/>
                 </a:solidFill>
@@ -7400,7 +8183,7 @@
               </a:rPr>
               <a:t>Casual vs member users</a:t>
             </a:r>
-            <a:endParaRPr b="1" sz="1800">
+            <a:endParaRPr sz="1800" b="1">
               <a:solidFill>
                 <a:schemeClr val="accent1"/>
               </a:solidFill>
@@ -7411,7 +8194,7 @@
             </a:endParaRPr>
           </a:p>
           <a:p>
-            <a:pPr indent="0" lvl="0" marL="0" rtl="0" algn="l">
+            <a:pPr marL="0" lvl="0" indent="0" algn="l" rtl="0">
               <a:spcBef>
                 <a:spcPts val="0"/>
               </a:spcBef>
@@ -7421,7 +8204,7 @@
               <a:buNone/>
             </a:pPr>
             <a:r>
-              <a:rPr b="1" lang="en" sz="1800">
+              <a:rPr lang="en" sz="1800" b="1">
                 <a:solidFill>
                   <a:schemeClr val="accent1"/>
                 </a:solidFill>
@@ -7432,7 +8215,7 @@
               </a:rPr>
               <a:t>About start station locations</a:t>
             </a:r>
-            <a:endParaRPr b="1" sz="1800">
+            <a:endParaRPr sz="1800" b="1">
               <a:solidFill>
                 <a:schemeClr val="accent1"/>
               </a:solidFill>
@@ -7473,6 +8256,11 @@
         </p:spPr>
       </p:pic>
     </p:spTree>
+    <p:extLst>
+      <p:ext uri="{BB962C8B-B14F-4D97-AF65-F5344CB8AC3E}">
+        <p14:creationId xmlns:p14="http://schemas.microsoft.com/office/powerpoint/2010/main" val="1600935805"/>
+      </p:ext>
+    </p:extLst>
   </p:cSld>
   <p:clrMapOvr>
     <a:masterClrMapping/>
@@ -7480,12 +8268,12 @@
 </p:sld>
 </file>
 
-<file path=ppt/slides/slide11.xml><?xml version="1.0" encoding="utf-8"?>
-<p:sld xmlns:a="http://schemas.openxmlformats.org/drawingml/2006/main" xmlns:r="http://schemas.openxmlformats.org/officeDocument/2006/relationships" xmlns:mc="http://schemas.openxmlformats.org/markup-compatibility/2006" xmlns:mv="urn:schemas-microsoft-com:mac:vml" xmlns:p="http://schemas.openxmlformats.org/presentationml/2006/main" xmlns:c="http://schemas.openxmlformats.org/drawingml/2006/chart" xmlns:dgm="http://schemas.openxmlformats.org/drawingml/2006/diagram" xmlns:o="urn:schemas-microsoft-com:office:office" xmlns:v="urn:schemas-microsoft-com:vml" xmlns:pvml="urn:schemas-microsoft-com:office:powerpoint" xmlns:com="http://schemas.openxmlformats.org/drawingml/2006/compatibility" xmlns:p14="http://schemas.microsoft.com/office/powerpoint/2010/main" xmlns:p15="http://schemas.microsoft.com/office/powerpoint/2012/main" xmlns:ahyp="http://schemas.microsoft.com/office/drawing/2018/hyperlinkcolor">
+<file path=ppt/slides/slide12.xml><?xml version="1.0" encoding="utf-8"?>
+<p:sld xmlns:a="http://schemas.openxmlformats.org/drawingml/2006/main" xmlns:r="http://schemas.openxmlformats.org/officeDocument/2006/relationships" xmlns:p="http://schemas.openxmlformats.org/presentationml/2006/main">
   <p:cSld>
     <p:spTree>
       <p:nvGrpSpPr>
-        <p:cNvPr id="146" name="Shape 146"/>
+        <p:cNvPr id="1" name="Shape 146"/>
         <p:cNvGrpSpPr/>
         <p:nvPr/>
       </p:nvGrpSpPr>
@@ -7519,12 +8307,12 @@
           </a:ln>
         </p:spPr>
         <p:txBody>
-          <a:bodyPr anchorCtr="0" anchor="ctr" bIns="91425" lIns="91425" spcFirstLastPara="1" rIns="91425" wrap="square" tIns="91425">
+          <a:bodyPr spcFirstLastPara="1" wrap="square" lIns="91425" tIns="91425" rIns="91425" bIns="91425" anchor="ctr" anchorCtr="0">
             <a:noAutofit/>
           </a:bodyPr>
           <a:lstStyle/>
           <a:p>
-            <a:pPr indent="0" lvl="0" marL="0" rtl="0" algn="l">
+            <a:pPr marL="0" lvl="0" indent="0" algn="l" rtl="0">
               <a:spcBef>
                 <a:spcPts val="0"/>
               </a:spcBef>
@@ -7533,9 +8321,6 @@
               </a:spcAft>
               <a:buNone/>
             </a:pPr>
-            <a:r>
-              <a:t/>
-            </a:r>
             <a:endParaRPr/>
           </a:p>
         </p:txBody>
@@ -7549,7 +8334,7 @@
         <p:spPr>
           <a:xfrm>
             <a:off x="572725" y="1343100"/>
-            <a:ext cx="8028900" cy="3090900"/>
+            <a:ext cx="8028900" cy="3245987"/>
           </a:xfrm>
           <a:prstGeom prst="rect">
             <a:avLst/>
@@ -7560,17 +8345,17 @@
           </a:ln>
         </p:spPr>
         <p:txBody>
-          <a:bodyPr anchorCtr="0" anchor="t" bIns="91425" lIns="91425" spcFirstLastPara="1" rIns="91425" wrap="square" tIns="91425">
+          <a:bodyPr spcFirstLastPara="1" wrap="square" lIns="91425" tIns="91425" rIns="91425" bIns="91425" anchor="t" anchorCtr="0">
             <a:spAutoFit/>
           </a:bodyPr>
           <a:lstStyle/>
           <a:p>
-            <a:pPr indent="-304800" lvl="0" marL="457200" rtl="0" algn="just">
+            <a:pPr marL="457200" lvl="0" indent="-304800" algn="just" rtl="0">
               <a:lnSpc>
                 <a:spcPct val="115000"/>
               </a:lnSpc>
               <a:spcBef>
-                <a:spcPts val="0"/>
+                <a:spcPts val="600"/>
               </a:spcBef>
               <a:spcAft>
                 <a:spcPts val="0"/>
@@ -7583,7 +8368,7 @@
               <a:buChar char="●"/>
             </a:pPr>
             <a:r>
-              <a:rPr b="1" lang="en" sz="1200">
+              <a:rPr lang="en" sz="1200" b="1" dirty="0">
                 <a:solidFill>
                   <a:schemeClr val="dk1"/>
                 </a:solidFill>
@@ -7595,7 +8380,7 @@
               <a:t>Docked and electric bikes</a:t>
             </a:r>
             <a:r>
-              <a:rPr lang="en" sz="1200">
+              <a:rPr lang="en" sz="1200" dirty="0">
                 <a:solidFill>
                   <a:schemeClr val="dk1"/>
                 </a:solidFill>
@@ -7607,7 +8392,7 @@
               <a:t> are favorite for </a:t>
             </a:r>
             <a:r>
-              <a:rPr b="1" lang="en" sz="1200">
+              <a:rPr lang="en" sz="1200" b="1" dirty="0">
                 <a:solidFill>
                   <a:srgbClr val="6AA84F"/>
                 </a:solidFill>
@@ -7619,7 +8404,7 @@
               <a:t>casual users</a:t>
             </a:r>
             <a:r>
-              <a:rPr lang="en" sz="1200">
+              <a:rPr lang="en" sz="1200" dirty="0">
                 <a:solidFill>
                   <a:schemeClr val="dk1"/>
                 </a:solidFill>
@@ -7631,7 +8416,7 @@
               <a:t>. They tend to use bike-share services to commute between popular city attractions or home to city attractions and vice versa. And since destinations are city attractions, </a:t>
             </a:r>
             <a:r>
-              <a:rPr b="1" lang="en" sz="1200">
+              <a:rPr lang="en" sz="1200" b="1" dirty="0">
                 <a:solidFill>
                   <a:schemeClr val="dk1"/>
                 </a:solidFill>
@@ -7643,7 +8428,7 @@
               <a:t>shopping partnerships</a:t>
             </a:r>
             <a:r>
-              <a:rPr lang="en" sz="1200">
+              <a:rPr lang="en" sz="1200" dirty="0">
                 <a:solidFill>
                   <a:schemeClr val="dk1"/>
                 </a:solidFill>
@@ -7655,7 +8440,7 @@
               <a:t> or </a:t>
             </a:r>
             <a:r>
-              <a:rPr b="1" lang="en" sz="1200">
+              <a:rPr lang="en" sz="1200" b="1" dirty="0">
                 <a:solidFill>
                   <a:schemeClr val="dk1"/>
                 </a:solidFill>
@@ -7667,7 +8452,7 @@
               <a:t>ride-rewarding loyalty programs for shopping </a:t>
             </a:r>
             <a:r>
-              <a:rPr lang="en" sz="1200">
+              <a:rPr lang="en" sz="1200" dirty="0">
                 <a:solidFill>
                   <a:schemeClr val="dk1"/>
                 </a:solidFill>
@@ -7678,7 +8463,62 @@
               </a:rPr>
               <a:t>can be considered.</a:t>
             </a:r>
-            <a:endParaRPr sz="1200">
+          </a:p>
+          <a:p>
+            <a:pPr marL="457200" lvl="0" indent="-304800" algn="just" rtl="0">
+              <a:lnSpc>
+                <a:spcPct val="115000"/>
+              </a:lnSpc>
+              <a:spcBef>
+                <a:spcPts val="600"/>
+              </a:spcBef>
+              <a:spcAft>
+                <a:spcPts val="0"/>
+              </a:spcAft>
+              <a:buClr>
+                <a:schemeClr val="dk1"/>
+              </a:buClr>
+              <a:buSzPts val="1200"/>
+              <a:buFont typeface="Open Sans"/>
+              <a:buChar char="●"/>
+            </a:pPr>
+            <a:r>
+              <a:rPr lang="en" sz="1200" dirty="0">
+                <a:solidFill>
+                  <a:schemeClr val="dk1"/>
+                </a:solidFill>
+                <a:latin typeface="Open Sans"/>
+                <a:ea typeface="Open Sans"/>
+                <a:cs typeface="Open Sans"/>
+                <a:sym typeface="Open Sans"/>
+              </a:rPr>
+              <a:t>Attraction sites receive traffic from </a:t>
+            </a:r>
+            <a:r>
+              <a:rPr lang="en" sz="1200" b="1" dirty="0">
+                <a:solidFill>
+                  <a:schemeClr val="dk1"/>
+                </a:solidFill>
+                <a:latin typeface="Open Sans"/>
+                <a:ea typeface="Open Sans"/>
+                <a:cs typeface="Open Sans"/>
+                <a:sym typeface="Open Sans"/>
+              </a:rPr>
+              <a:t>review sites like Yelp or ticketing portals </a:t>
+            </a:r>
+            <a:r>
+              <a:rPr lang="en" sz="1200" dirty="0">
+                <a:solidFill>
+                  <a:schemeClr val="dk1"/>
+                </a:solidFill>
+                <a:latin typeface="Open Sans"/>
+                <a:ea typeface="Open Sans"/>
+                <a:cs typeface="Open Sans"/>
+                <a:sym typeface="Open Sans"/>
+              </a:rPr>
+              <a:t>to increase sales. </a:t>
+            </a:r>
+            <a:endParaRPr sz="1200" dirty="0">
               <a:solidFill>
                 <a:schemeClr val="dk1"/>
               </a:solidFill>
@@ -7689,12 +8529,12 @@
             </a:endParaRPr>
           </a:p>
           <a:p>
-            <a:pPr indent="-304800" lvl="0" marL="457200" rtl="0" algn="just">
+            <a:pPr marL="457200" lvl="0" indent="-304800" algn="just" rtl="0">
               <a:lnSpc>
                 <a:spcPct val="115000"/>
               </a:lnSpc>
               <a:spcBef>
-                <a:spcPts val="1000"/>
+                <a:spcPts val="600"/>
               </a:spcBef>
               <a:spcAft>
                 <a:spcPts val="0"/>
@@ -7707,7 +8547,7 @@
               <a:buChar char="●"/>
             </a:pPr>
             <a:r>
-              <a:rPr b="1" lang="en" sz="1200">
+              <a:rPr lang="en" sz="1200" b="1" dirty="0">
                 <a:solidFill>
                   <a:srgbClr val="6AA84F"/>
                 </a:solidFill>
@@ -7719,7 +8559,7 @@
               <a:t>Casual users </a:t>
             </a:r>
             <a:r>
-              <a:rPr lang="en" sz="1200">
+              <a:rPr lang="en" sz="1200" dirty="0">
                 <a:solidFill>
                   <a:schemeClr val="dk1"/>
                 </a:solidFill>
@@ -7731,7 +8571,7 @@
               <a:t>spend more time riding. As service fees for electric bikes are charged by the time used and unlock fees for docked bikes, </a:t>
             </a:r>
             <a:r>
-              <a:rPr b="1" lang="en" sz="1200">
+              <a:rPr lang="en" sz="1200" b="1" dirty="0">
                 <a:solidFill>
                   <a:schemeClr val="dk1"/>
                 </a:solidFill>
@@ -7743,7 +8583,7 @@
               <a:t>fee structure adjustments</a:t>
             </a:r>
             <a:r>
-              <a:rPr lang="en" sz="1200">
+              <a:rPr lang="en" sz="1200" dirty="0">
                 <a:solidFill>
                   <a:schemeClr val="dk1"/>
                 </a:solidFill>
@@ -7752,21 +8592,9 @@
                 <a:cs typeface="Open Sans"/>
                 <a:sym typeface="Open Sans"/>
               </a:rPr>
-              <a:t> </a:t>
-            </a:r>
-            <a:r>
-              <a:rPr lang="en" sz="1200">
-                <a:solidFill>
-                  <a:schemeClr val="dk1"/>
-                </a:solidFill>
-                <a:latin typeface="Open Sans"/>
-                <a:ea typeface="Open Sans"/>
-                <a:cs typeface="Open Sans"/>
-                <a:sym typeface="Open Sans"/>
-              </a:rPr>
-              <a:t>should be considered. </a:t>
-            </a:r>
-            <a:endParaRPr sz="1200">
+              <a:t> should be considered. </a:t>
+            </a:r>
+            <a:endParaRPr sz="1200" dirty="0">
               <a:solidFill>
                 <a:schemeClr val="dk1"/>
               </a:solidFill>
@@ -7777,12 +8605,12 @@
             </a:endParaRPr>
           </a:p>
           <a:p>
-            <a:pPr indent="-304800" lvl="0" marL="457200" rtl="0" algn="just">
+            <a:pPr marL="457200" lvl="0" indent="-304800" algn="just" rtl="0">
               <a:lnSpc>
                 <a:spcPct val="115000"/>
               </a:lnSpc>
               <a:spcBef>
-                <a:spcPts val="1000"/>
+                <a:spcPts val="600"/>
               </a:spcBef>
               <a:spcAft>
                 <a:spcPts val="0"/>
@@ -7795,7 +8623,7 @@
               <a:buChar char="●"/>
             </a:pPr>
             <a:r>
-              <a:rPr b="1" lang="en" sz="1200">
+              <a:rPr lang="en" sz="1200" b="1" dirty="0">
                 <a:solidFill>
                   <a:schemeClr val="dk1"/>
                 </a:solidFill>
@@ -7804,10 +8632,10 @@
                 <a:cs typeface="Open Sans"/>
                 <a:sym typeface="Open Sans"/>
               </a:rPr>
-              <a:t>The campaign period </a:t>
-            </a:r>
-            <a:r>
-              <a:rPr lang="en" sz="1200">
+              <a:t>Peak season </a:t>
+            </a:r>
+            <a:r>
+              <a:rPr lang="en" sz="1200" dirty="0">
                 <a:solidFill>
                   <a:schemeClr val="dk1"/>
                 </a:solidFill>
@@ -7816,10 +8644,10 @@
                 <a:cs typeface="Open Sans"/>
                 <a:sym typeface="Open Sans"/>
               </a:rPr>
-              <a:t>to be considered is from </a:t>
-            </a:r>
-            <a:r>
-              <a:rPr b="1" lang="en" sz="1200">
+              <a:t>is from </a:t>
+            </a:r>
+            <a:r>
+              <a:rPr lang="en" sz="1200" b="1" dirty="0">
                 <a:solidFill>
                   <a:schemeClr val="dk1"/>
                 </a:solidFill>
@@ -7831,7 +8659,7 @@
               <a:t>May to October</a:t>
             </a:r>
             <a:r>
-              <a:rPr lang="en" sz="1200">
+              <a:rPr lang="en" sz="1200" dirty="0">
                 <a:solidFill>
                   <a:schemeClr val="dk1"/>
                 </a:solidFill>
@@ -7842,7 +8670,7 @@
               </a:rPr>
               <a:t> - a great season to promote and convert casual users to annual members as both the number of rides and total ride time peaked, especially for entertaining activities like visiting harbor, parks, museums, and aquariums. As bike-share service does not require long periods of advanced booking, lagged time planning might not be necessary.</a:t>
             </a:r>
-            <a:endParaRPr sz="1200">
+            <a:endParaRPr sz="1200" dirty="0">
               <a:solidFill>
                 <a:schemeClr val="dk1"/>
               </a:solidFill>
@@ -7853,22 +8681,19 @@
             </a:endParaRPr>
           </a:p>
           <a:p>
-            <a:pPr indent="0" lvl="0" marL="0" rtl="0" algn="l">
+            <a:pPr marL="0" lvl="0" indent="0" algn="l" rtl="0">
               <a:lnSpc>
                 <a:spcPct val="115000"/>
               </a:lnSpc>
               <a:spcBef>
+                <a:spcPts val="600"/>
+              </a:spcBef>
+              <a:spcAft>
                 <a:spcPts val="1000"/>
-              </a:spcBef>
-              <a:spcAft>
-                <a:spcPts val="1000"/>
               </a:spcAft>
               <a:buNone/>
             </a:pPr>
-            <a:r>
-              <a:t/>
-            </a:r>
-            <a:endParaRPr sz="1200">
+            <a:endParaRPr sz="1200" dirty="0">
               <a:solidFill>
                 <a:schemeClr val="dk1"/>
               </a:solidFill>
@@ -7900,12 +8725,12 @@
           </a:ln>
         </p:spPr>
         <p:txBody>
-          <a:bodyPr anchorCtr="0" anchor="t" bIns="91425" lIns="91425" spcFirstLastPara="1" rIns="91425" wrap="square" tIns="91425">
+          <a:bodyPr spcFirstLastPara="1" wrap="square" lIns="91425" tIns="91425" rIns="91425" bIns="91425" anchor="t" anchorCtr="0">
             <a:spAutoFit/>
           </a:bodyPr>
           <a:lstStyle/>
           <a:p>
-            <a:pPr indent="0" lvl="0" marL="0" rtl="0" algn="l">
+            <a:pPr marL="0" lvl="0" indent="0" algn="l" rtl="0">
               <a:spcBef>
                 <a:spcPts val="0"/>
               </a:spcBef>
@@ -7915,7 +8740,7 @@
               <a:buNone/>
             </a:pPr>
             <a:r>
-              <a:rPr b="1" lang="en" sz="1800">
+              <a:rPr lang="en" sz="1800" b="1">
                 <a:solidFill>
                   <a:schemeClr val="accent1"/>
                 </a:solidFill>
@@ -7926,7 +8751,7 @@
               </a:rPr>
               <a:t>From the differences, some insights are:</a:t>
             </a:r>
-            <a:endParaRPr b="1" sz="1800">
+            <a:endParaRPr sz="1800" b="1">
               <a:solidFill>
                 <a:schemeClr val="accent1"/>
               </a:solidFill>
@@ -7939,6 +8764,11 @@
         </p:txBody>
       </p:sp>
     </p:spTree>
+    <p:extLst>
+      <p:ext uri="{BB962C8B-B14F-4D97-AF65-F5344CB8AC3E}">
+        <p14:creationId xmlns:p14="http://schemas.microsoft.com/office/powerpoint/2010/main" val="3477475495"/>
+      </p:ext>
+    </p:extLst>
   </p:cSld>
   <p:clrMapOvr>
     <a:masterClrMapping/>
@@ -7946,12 +8776,12 @@
 </p:sld>
 </file>
 
-<file path=ppt/slides/slide12.xml><?xml version="1.0" encoding="utf-8"?>
-<p:sld xmlns:a="http://schemas.openxmlformats.org/drawingml/2006/main" xmlns:r="http://schemas.openxmlformats.org/officeDocument/2006/relationships" xmlns:mc="http://schemas.openxmlformats.org/markup-compatibility/2006" xmlns:mv="urn:schemas-microsoft-com:mac:vml" xmlns:p="http://schemas.openxmlformats.org/presentationml/2006/main" xmlns:c="http://schemas.openxmlformats.org/drawingml/2006/chart" xmlns:dgm="http://schemas.openxmlformats.org/drawingml/2006/diagram" xmlns:o="urn:schemas-microsoft-com:office:office" xmlns:v="urn:schemas-microsoft-com:vml" xmlns:pvml="urn:schemas-microsoft-com:office:powerpoint" xmlns:com="http://schemas.openxmlformats.org/drawingml/2006/compatibility" xmlns:p14="http://schemas.microsoft.com/office/powerpoint/2010/main" xmlns:p15="http://schemas.microsoft.com/office/powerpoint/2012/main" xmlns:ahyp="http://schemas.microsoft.com/office/drawing/2018/hyperlinkcolor">
+<file path=ppt/slides/slide13.xml><?xml version="1.0" encoding="utf-8"?>
+<p:sld xmlns:a="http://schemas.openxmlformats.org/drawingml/2006/main" xmlns:r="http://schemas.openxmlformats.org/officeDocument/2006/relationships" xmlns:p="http://schemas.openxmlformats.org/presentationml/2006/main">
   <p:cSld>
     <p:spTree>
       <p:nvGrpSpPr>
-        <p:cNvPr id="153" name="Shape 153"/>
+        <p:cNvPr id="1" name="Shape 153"/>
         <p:cNvGrpSpPr/>
         <p:nvPr/>
       </p:nvGrpSpPr>
@@ -7985,12 +8815,12 @@
           </a:ln>
         </p:spPr>
         <p:txBody>
-          <a:bodyPr anchorCtr="0" anchor="ctr" bIns="91425" lIns="91425" spcFirstLastPara="1" rIns="91425" wrap="square" tIns="91425">
+          <a:bodyPr spcFirstLastPara="1" wrap="square" lIns="91425" tIns="91425" rIns="91425" bIns="91425" anchor="ctr" anchorCtr="0">
             <a:noAutofit/>
           </a:bodyPr>
           <a:lstStyle/>
           <a:p>
-            <a:pPr indent="0" lvl="0" marL="0" rtl="0" algn="l">
+            <a:pPr marL="0" lvl="0" indent="0" algn="l" rtl="0">
               <a:spcBef>
                 <a:spcPts val="0"/>
               </a:spcBef>
@@ -7999,9 +8829,6 @@
               </a:spcAft>
               <a:buNone/>
             </a:pPr>
-            <a:r>
-              <a:t/>
-            </a:r>
             <a:endParaRPr/>
           </a:p>
         </p:txBody>
@@ -8028,12 +8855,12 @@
           </a:ln>
         </p:spPr>
         <p:txBody>
-          <a:bodyPr anchorCtr="0" anchor="ctr" bIns="91425" lIns="91425" spcFirstLastPara="1" rIns="91425" wrap="square" tIns="91425">
+          <a:bodyPr spcFirstLastPara="1" wrap="square" lIns="91425" tIns="91425" rIns="91425" bIns="91425" anchor="ctr" anchorCtr="0">
             <a:noAutofit/>
           </a:bodyPr>
           <a:lstStyle/>
           <a:p>
-            <a:pPr indent="0" lvl="0" marL="0" rtl="0" algn="l">
+            <a:pPr marL="0" lvl="0" indent="0" algn="l" rtl="0">
               <a:spcBef>
                 <a:spcPts val="0"/>
               </a:spcBef>
@@ -8042,9 +8869,6 @@
               </a:spcAft>
               <a:buNone/>
             </a:pPr>
-            <a:r>
-              <a:t/>
-            </a:r>
             <a:endParaRPr/>
           </a:p>
         </p:txBody>
@@ -8069,12 +8893,12 @@
           </a:ln>
         </p:spPr>
         <p:txBody>
-          <a:bodyPr anchorCtr="0" anchor="t" bIns="91425" lIns="91425" spcFirstLastPara="1" rIns="91425" wrap="square" tIns="91425">
+          <a:bodyPr spcFirstLastPara="1" wrap="square" lIns="91425" tIns="91425" rIns="91425" bIns="91425" anchor="t" anchorCtr="0">
             <a:spAutoFit/>
           </a:bodyPr>
           <a:lstStyle/>
           <a:p>
-            <a:pPr indent="0" lvl="0" marL="0" rtl="0" algn="l">
+            <a:pPr marL="0" lvl="0" indent="0" algn="l" rtl="0">
               <a:spcBef>
                 <a:spcPts val="0"/>
               </a:spcBef>
@@ -8084,7 +8908,7 @@
               <a:buNone/>
             </a:pPr>
             <a:r>
-              <a:rPr b="1" lang="en" sz="3200">
+              <a:rPr lang="en" sz="3200" b="1">
                 <a:solidFill>
                   <a:schemeClr val="lt1"/>
                 </a:solidFill>
@@ -8095,7 +8919,7 @@
               </a:rPr>
               <a:t>Recommendations</a:t>
             </a:r>
-            <a:endParaRPr b="1" sz="3200">
+            <a:endParaRPr sz="3200" b="1">
               <a:solidFill>
                 <a:schemeClr val="lt1"/>
               </a:solidFill>
@@ -8108,6 +8932,11 @@
         </p:txBody>
       </p:sp>
     </p:spTree>
+    <p:extLst>
+      <p:ext uri="{BB962C8B-B14F-4D97-AF65-F5344CB8AC3E}">
+        <p14:creationId xmlns:p14="http://schemas.microsoft.com/office/powerpoint/2010/main" val="1559386234"/>
+      </p:ext>
+    </p:extLst>
   </p:cSld>
   <p:clrMapOvr>
     <a:masterClrMapping/>
@@ -8115,12 +8944,12 @@
 </p:sld>
 </file>
 
-<file path=ppt/slides/slide13.xml><?xml version="1.0" encoding="utf-8"?>
-<p:sld xmlns:a="http://schemas.openxmlformats.org/drawingml/2006/main" xmlns:r="http://schemas.openxmlformats.org/officeDocument/2006/relationships" xmlns:mc="http://schemas.openxmlformats.org/markup-compatibility/2006" xmlns:mv="urn:schemas-microsoft-com:mac:vml" xmlns:p="http://schemas.openxmlformats.org/presentationml/2006/main" xmlns:c="http://schemas.openxmlformats.org/drawingml/2006/chart" xmlns:dgm="http://schemas.openxmlformats.org/drawingml/2006/diagram" xmlns:o="urn:schemas-microsoft-com:office:office" xmlns:v="urn:schemas-microsoft-com:vml" xmlns:pvml="urn:schemas-microsoft-com:office:powerpoint" xmlns:com="http://schemas.openxmlformats.org/drawingml/2006/compatibility" xmlns:p14="http://schemas.microsoft.com/office/powerpoint/2010/main" xmlns:p15="http://schemas.microsoft.com/office/powerpoint/2012/main" xmlns:ahyp="http://schemas.microsoft.com/office/drawing/2018/hyperlinkcolor">
+<file path=ppt/slides/slide14.xml><?xml version="1.0" encoding="utf-8"?>
+<p:sld xmlns:a="http://schemas.openxmlformats.org/drawingml/2006/main" xmlns:r="http://schemas.openxmlformats.org/officeDocument/2006/relationships" xmlns:p="http://schemas.openxmlformats.org/presentationml/2006/main">
   <p:cSld>
     <p:spTree>
       <p:nvGrpSpPr>
-        <p:cNvPr id="160" name="Shape 160"/>
+        <p:cNvPr id="1" name="Shape 160"/>
         <p:cNvGrpSpPr/>
         <p:nvPr/>
       </p:nvGrpSpPr>
@@ -8154,12 +8983,12 @@
           </a:ln>
         </p:spPr>
         <p:txBody>
-          <a:bodyPr anchorCtr="0" anchor="ctr" bIns="91425" lIns="91425" spcFirstLastPara="1" rIns="91425" wrap="square" tIns="91425">
+          <a:bodyPr spcFirstLastPara="1" wrap="square" lIns="91425" tIns="91425" rIns="91425" bIns="91425" anchor="ctr" anchorCtr="0">
             <a:noAutofit/>
           </a:bodyPr>
           <a:lstStyle/>
           <a:p>
-            <a:pPr indent="0" lvl="0" marL="0" rtl="0" algn="l">
+            <a:pPr marL="0" lvl="0" indent="0" algn="l" rtl="0">
               <a:spcBef>
                 <a:spcPts val="0"/>
               </a:spcBef>
@@ -8168,9 +8997,6 @@
               </a:spcAft>
               <a:buNone/>
             </a:pPr>
-            <a:r>
-              <a:t/>
-            </a:r>
             <a:endParaRPr/>
           </a:p>
         </p:txBody>
@@ -8184,7 +9010,7 @@
         <p:spPr>
           <a:xfrm>
             <a:off x="572725" y="1038300"/>
-            <a:ext cx="8028900" cy="3940500"/>
+            <a:ext cx="8028900" cy="3205976"/>
           </a:xfrm>
           <a:prstGeom prst="rect">
             <a:avLst/>
@@ -8195,17 +9021,14 @@
           </a:ln>
         </p:spPr>
         <p:txBody>
-          <a:bodyPr anchorCtr="0" anchor="t" bIns="91425" lIns="91425" spcFirstLastPara="1" rIns="91425" wrap="square" tIns="91425">
+          <a:bodyPr spcFirstLastPara="1" wrap="square" lIns="91425" tIns="91425" rIns="91425" bIns="91425" anchor="t" anchorCtr="0">
             <a:spAutoFit/>
           </a:bodyPr>
           <a:lstStyle/>
           <a:p>
-            <a:pPr indent="-304800" lvl="0" marL="457200" rtl="0" algn="just">
-              <a:lnSpc>
-                <a:spcPct val="115000"/>
-              </a:lnSpc>
-              <a:spcBef>
-                <a:spcPts val="0"/>
+            <a:pPr marL="457200" lvl="0" indent="-304800" algn="just" rtl="0">
+              <a:spcBef>
+                <a:spcPts val="600"/>
               </a:spcBef>
               <a:spcAft>
                 <a:spcPts val="0"/>
@@ -8218,7 +9041,7 @@
               <a:buAutoNum type="arabicPeriod"/>
             </a:pPr>
             <a:r>
-              <a:rPr lang="en" sz="1200">
+              <a:rPr lang="en" sz="1200" dirty="0">
                 <a:solidFill>
                   <a:schemeClr val="dk1"/>
                 </a:solidFill>
@@ -8230,7 +9053,7 @@
               <a:t>The promotion campaign can be run </a:t>
             </a:r>
             <a:r>
-              <a:rPr b="1" lang="en" sz="1200">
+              <a:rPr lang="en" sz="1200" b="1" dirty="0">
                 <a:solidFill>
                   <a:schemeClr val="dk1"/>
                 </a:solidFill>
@@ -8242,7 +9065,7 @@
               <a:t>from</a:t>
             </a:r>
             <a:r>
-              <a:rPr lang="en" sz="1200">
+              <a:rPr lang="en" sz="1200" dirty="0">
                 <a:solidFill>
                   <a:schemeClr val="dk1"/>
                 </a:solidFill>
@@ -8254,7 +9077,7 @@
               <a:t> </a:t>
             </a:r>
             <a:r>
-              <a:rPr b="1" lang="en" sz="1200">
+              <a:rPr lang="en" sz="1200" b="1" dirty="0">
                 <a:solidFill>
                   <a:schemeClr val="dk1"/>
                 </a:solidFill>
@@ -8266,7 +9089,7 @@
               <a:t>May to October</a:t>
             </a:r>
             <a:r>
-              <a:rPr lang="en" sz="1200">
+              <a:rPr lang="en" sz="1200" dirty="0">
                 <a:solidFill>
                   <a:schemeClr val="dk1"/>
                 </a:solidFill>
@@ -8278,7 +9101,7 @@
               <a:t> with promotional incentives for casual riders during this time of the year. </a:t>
             </a:r>
             <a:r>
-              <a:rPr b="1" lang="en" sz="1200">
+              <a:rPr lang="en" sz="1200" b="1" dirty="0">
                 <a:solidFill>
                   <a:schemeClr val="dk1"/>
                 </a:solidFill>
@@ -8290,7 +9113,7 @@
               <a:t>Seasonal passes</a:t>
             </a:r>
             <a:r>
-              <a:rPr lang="en" sz="1200">
+              <a:rPr lang="en" sz="1200" dirty="0">
                 <a:solidFill>
                   <a:schemeClr val="dk1"/>
                 </a:solidFill>
@@ -8302,7 +9125,7 @@
               <a:t> might be an option, yet this can result in annual members churn to seasonal users. My recommendation is </a:t>
             </a:r>
             <a:r>
-              <a:rPr b="1" lang="en" sz="1200">
+              <a:rPr lang="en" sz="1200" b="1" dirty="0">
                 <a:solidFill>
                   <a:schemeClr val="dk1"/>
                 </a:solidFill>
@@ -8314,7 +9137,7 @@
               <a:t>to revamp the fee structure for annual membership regarding electric and docked bikes</a:t>
             </a:r>
             <a:r>
-              <a:rPr lang="en" sz="1200">
+              <a:rPr lang="en" sz="1200" dirty="0">
                 <a:solidFill>
                   <a:schemeClr val="dk1"/>
                 </a:solidFill>
@@ -8325,7 +9148,7 @@
               </a:rPr>
               <a:t>, intentionally focusing on the benefits for casual users to pursue leisure purposes. </a:t>
             </a:r>
-            <a:endParaRPr sz="1200">
+            <a:endParaRPr sz="1200" dirty="0">
               <a:solidFill>
                 <a:schemeClr val="dk1"/>
               </a:solidFill>
@@ -8336,12 +9159,9 @@
             </a:endParaRPr>
           </a:p>
           <a:p>
-            <a:pPr indent="-304800" lvl="0" marL="457200" rtl="0" algn="just">
-              <a:lnSpc>
-                <a:spcPct val="115000"/>
-              </a:lnSpc>
-              <a:spcBef>
-                <a:spcPts val="1000"/>
+            <a:pPr marL="457200" lvl="0" indent="-304800" algn="just" rtl="0">
+              <a:spcBef>
+                <a:spcPts val="600"/>
               </a:spcBef>
               <a:spcAft>
                 <a:spcPts val="0"/>
@@ -8354,7 +9174,7 @@
               <a:buAutoNum type="arabicPeriod"/>
             </a:pPr>
             <a:r>
-              <a:rPr b="1" lang="en" sz="1200">
+              <a:rPr lang="en" sz="1200" b="1" dirty="0">
                 <a:solidFill>
                   <a:schemeClr val="dk1"/>
                 </a:solidFill>
@@ -8366,7 +9186,7 @@
               <a:t>Loyalty reward programs</a:t>
             </a:r>
             <a:r>
-              <a:rPr lang="en" sz="1200">
+              <a:rPr lang="en" sz="1200" dirty="0">
                 <a:solidFill>
                   <a:schemeClr val="dk1"/>
                 </a:solidFill>
@@ -8377,7 +9197,7 @@
               </a:rPr>
               <a:t> for leisure-focused members give points to users with total ride time and points can be exchanged for rewards. Rewards include shopping discounts, free tickets to city attractions, discounts in local restaurants, etc. This requires partnerships with local shops, city attractions, local restaurants, etc. </a:t>
             </a:r>
-            <a:endParaRPr sz="1200">
+            <a:endParaRPr sz="1200" dirty="0">
               <a:solidFill>
                 <a:schemeClr val="dk1"/>
               </a:solidFill>
@@ -8388,12 +9208,9 @@
             </a:endParaRPr>
           </a:p>
           <a:p>
-            <a:pPr indent="-304800" lvl="0" marL="457200" rtl="0" algn="just">
-              <a:lnSpc>
-                <a:spcPct val="115000"/>
-              </a:lnSpc>
-              <a:spcBef>
-                <a:spcPts val="1000"/>
+            <a:pPr marL="457200" lvl="0" indent="-304800" algn="just" rtl="0">
+              <a:spcBef>
+                <a:spcPts val="600"/>
               </a:spcBef>
               <a:spcAft>
                 <a:spcPts val="0"/>
@@ -8406,7 +9223,7 @@
               <a:buAutoNum type="arabicPeriod"/>
             </a:pPr>
             <a:r>
-              <a:rPr lang="en" sz="1200">
+              <a:rPr lang="en" sz="1200" b="1" dirty="0">
                 <a:solidFill>
                   <a:schemeClr val="dk1"/>
                 </a:solidFill>
@@ -8415,10 +9232,10 @@
                 <a:cs typeface="Open Sans"/>
                 <a:sym typeface="Open Sans"/>
               </a:rPr>
-              <a:t>Marketing channels can be through </a:t>
-            </a:r>
-            <a:r>
-              <a:rPr b="1" lang="en" sz="1200">
+              <a:t>Partnership with digital review sites</a:t>
+            </a:r>
+            <a:r>
+              <a:rPr lang="en" sz="1200" dirty="0">
                 <a:solidFill>
                   <a:schemeClr val="dk1"/>
                 </a:solidFill>
@@ -8427,10 +9244,10 @@
                 <a:cs typeface="Open Sans"/>
                 <a:sym typeface="Open Sans"/>
               </a:rPr>
-              <a:t>digital media</a:t>
-            </a:r>
-            <a:r>
-              <a:rPr lang="en" sz="1200">
+              <a:t> like Yelp or other </a:t>
+            </a:r>
+            <a:r>
+              <a:rPr lang="en" sz="1200" b="1" dirty="0">
                 <a:solidFill>
                   <a:schemeClr val="dk1"/>
                 </a:solidFill>
@@ -8439,9 +9256,21 @@
                 <a:cs typeface="Open Sans"/>
                 <a:sym typeface="Open Sans"/>
               </a:rPr>
-              <a:t>: emails, social media branding, and advertising campaign for promoting the initiatives. Email for customer relationship management, keeping personalized updates for casual users, self and partnered social media to shout out about the campaign, and increase SEO/paid media to increase the campaign’s chance of getting hit by targeted users. Banners on travel sites and OOH billboards at city attractions are also good ways of getting noticed. </a:t>
-            </a:r>
-            <a:endParaRPr sz="1200">
+              <a:t>ticketing portals </a:t>
+            </a:r>
+            <a:r>
+              <a:rPr lang="en" sz="1200" dirty="0">
+                <a:solidFill>
+                  <a:schemeClr val="dk1"/>
+                </a:solidFill>
+                <a:latin typeface="Open Sans"/>
+                <a:ea typeface="Open Sans"/>
+                <a:cs typeface="Open Sans"/>
+                <a:sym typeface="Open Sans"/>
+              </a:rPr>
+              <a:t>is key to leveraging digital media to reach casual users. Plus, based on these partnerships, we can make use of booking information to leverage CRM solutions to follow up with special logistical discounts during the travel in peak season. </a:t>
+            </a:r>
+            <a:endParaRPr sz="1200" dirty="0">
               <a:solidFill>
                 <a:schemeClr val="dk1"/>
               </a:solidFill>
@@ -8452,22 +9281,16 @@
             </a:endParaRPr>
           </a:p>
           <a:p>
-            <a:pPr indent="0" lvl="0" marL="0" rtl="0" algn="l">
-              <a:lnSpc>
-                <a:spcPct val="115000"/>
-              </a:lnSpc>
-              <a:spcBef>
+            <a:pPr marL="0" lvl="0" indent="0" algn="l" rtl="0">
+              <a:spcBef>
+                <a:spcPts val="600"/>
+              </a:spcBef>
+              <a:spcAft>
                 <a:spcPts val="1000"/>
-              </a:spcBef>
-              <a:spcAft>
-                <a:spcPts val="1000"/>
               </a:spcAft>
               <a:buNone/>
             </a:pPr>
-            <a:r>
-              <a:t/>
-            </a:r>
-            <a:endParaRPr sz="1200">
+            <a:endParaRPr sz="1200" dirty="0">
               <a:solidFill>
                 <a:schemeClr val="dk1"/>
               </a:solidFill>
@@ -8499,12 +9322,12 @@
           </a:ln>
         </p:spPr>
         <p:txBody>
-          <a:bodyPr anchorCtr="0" anchor="t" bIns="91425" lIns="91425" spcFirstLastPara="1" rIns="91425" wrap="square" tIns="91425">
+          <a:bodyPr spcFirstLastPara="1" wrap="square" lIns="91425" tIns="91425" rIns="91425" bIns="91425" anchor="t" anchorCtr="0">
             <a:spAutoFit/>
           </a:bodyPr>
           <a:lstStyle/>
           <a:p>
-            <a:pPr indent="0" lvl="0" marL="0" rtl="0" algn="l">
+            <a:pPr marL="0" lvl="0" indent="0" algn="l" rtl="0">
               <a:spcBef>
                 <a:spcPts val="0"/>
               </a:spcBef>
@@ -8514,7 +9337,7 @@
               <a:buNone/>
             </a:pPr>
             <a:r>
-              <a:rPr b="1" lang="en" sz="1800">
+              <a:rPr lang="en" sz="1800" b="1">
                 <a:solidFill>
                   <a:schemeClr val="accent1"/>
                 </a:solidFill>
@@ -8525,7 +9348,7 @@
               </a:rPr>
               <a:t>Based on the above insights, recommendations are:</a:t>
             </a:r>
-            <a:endParaRPr b="1" sz="1800">
+            <a:endParaRPr sz="1800" b="1">
               <a:solidFill>
                 <a:schemeClr val="accent1"/>
               </a:solidFill>
@@ -8538,6 +9361,11 @@
         </p:txBody>
       </p:sp>
     </p:spTree>
+    <p:extLst>
+      <p:ext uri="{BB962C8B-B14F-4D97-AF65-F5344CB8AC3E}">
+        <p14:creationId xmlns:p14="http://schemas.microsoft.com/office/powerpoint/2010/main" val="2089242466"/>
+      </p:ext>
+    </p:extLst>
   </p:cSld>
   <p:clrMapOvr>
     <a:masterClrMapping/>
@@ -8545,12 +9373,12 @@
 </p:sld>
 </file>
 
-<file path=ppt/slides/slide14.xml><?xml version="1.0" encoding="utf-8"?>
-<p:sld xmlns:a="http://schemas.openxmlformats.org/drawingml/2006/main" xmlns:r="http://schemas.openxmlformats.org/officeDocument/2006/relationships" xmlns:mc="http://schemas.openxmlformats.org/markup-compatibility/2006" xmlns:mv="urn:schemas-microsoft-com:mac:vml" xmlns:p="http://schemas.openxmlformats.org/presentationml/2006/main" xmlns:c="http://schemas.openxmlformats.org/drawingml/2006/chart" xmlns:dgm="http://schemas.openxmlformats.org/drawingml/2006/diagram" xmlns:o="urn:schemas-microsoft-com:office:office" xmlns:v="urn:schemas-microsoft-com:vml" xmlns:pvml="urn:schemas-microsoft-com:office:powerpoint" xmlns:com="http://schemas.openxmlformats.org/drawingml/2006/compatibility" xmlns:p14="http://schemas.microsoft.com/office/powerpoint/2010/main" xmlns:p15="http://schemas.microsoft.com/office/powerpoint/2012/main" xmlns:ahyp="http://schemas.microsoft.com/office/drawing/2018/hyperlinkcolor">
+<file path=ppt/slides/slide15.xml><?xml version="1.0" encoding="utf-8"?>
+<p:sld xmlns:a="http://schemas.openxmlformats.org/drawingml/2006/main" xmlns:r="http://schemas.openxmlformats.org/officeDocument/2006/relationships" xmlns:p="http://schemas.openxmlformats.org/presentationml/2006/main">
   <p:cSld>
     <p:spTree>
       <p:nvGrpSpPr>
-        <p:cNvPr id="167" name="Shape 167"/>
+        <p:cNvPr id="1" name="Shape 167"/>
         <p:cNvGrpSpPr/>
         <p:nvPr/>
       </p:nvGrpSpPr>
@@ -8584,12 +9412,12 @@
           </a:ln>
         </p:spPr>
         <p:txBody>
-          <a:bodyPr anchorCtr="0" anchor="ctr" bIns="91425" lIns="91425" spcFirstLastPara="1" rIns="91425" wrap="square" tIns="91425">
+          <a:bodyPr spcFirstLastPara="1" wrap="square" lIns="91425" tIns="91425" rIns="91425" bIns="91425" anchor="ctr" anchorCtr="0">
             <a:noAutofit/>
           </a:bodyPr>
           <a:lstStyle/>
           <a:p>
-            <a:pPr indent="0" lvl="0" marL="0" rtl="0" algn="l">
+            <a:pPr marL="0" lvl="0" indent="0" algn="l" rtl="0">
               <a:spcBef>
                 <a:spcPts val="0"/>
               </a:spcBef>
@@ -8598,9 +9426,6 @@
               </a:spcAft>
               <a:buNone/>
             </a:pPr>
-            <a:r>
-              <a:t/>
-            </a:r>
             <a:endParaRPr/>
           </a:p>
         </p:txBody>
@@ -8627,12 +9452,12 @@
           </a:ln>
         </p:spPr>
         <p:txBody>
-          <a:bodyPr anchorCtr="0" anchor="ctr" bIns="91425" lIns="91425" spcFirstLastPara="1" rIns="91425" wrap="square" tIns="91425">
+          <a:bodyPr spcFirstLastPara="1" wrap="square" lIns="91425" tIns="91425" rIns="91425" bIns="91425" anchor="ctr" anchorCtr="0">
             <a:noAutofit/>
           </a:bodyPr>
           <a:lstStyle/>
           <a:p>
-            <a:pPr indent="0" lvl="0" marL="0" rtl="0" algn="l">
+            <a:pPr marL="0" lvl="0" indent="0" algn="l" rtl="0">
               <a:spcBef>
                 <a:spcPts val="0"/>
               </a:spcBef>
@@ -8641,9 +9466,6 @@
               </a:spcAft>
               <a:buNone/>
             </a:pPr>
-            <a:r>
-              <a:t/>
-            </a:r>
             <a:endParaRPr/>
           </a:p>
         </p:txBody>
@@ -8668,12 +9490,12 @@
           </a:ln>
         </p:spPr>
         <p:txBody>
-          <a:bodyPr anchorCtr="0" anchor="t" bIns="91425" lIns="91425" spcFirstLastPara="1" rIns="91425" wrap="square" tIns="91425">
+          <a:bodyPr spcFirstLastPara="1" wrap="square" lIns="91425" tIns="91425" rIns="91425" bIns="91425" anchor="t" anchorCtr="0">
             <a:spAutoFit/>
           </a:bodyPr>
           <a:lstStyle/>
           <a:p>
-            <a:pPr indent="0" lvl="0" marL="0" rtl="0" algn="l">
+            <a:pPr marL="0" lvl="0" indent="0" algn="l" rtl="0">
               <a:spcBef>
                 <a:spcPts val="0"/>
               </a:spcBef>
@@ -8683,7 +9505,7 @@
               <a:buNone/>
             </a:pPr>
             <a:r>
-              <a:rPr b="1" lang="en" sz="3200">
+              <a:rPr lang="en" sz="3200" b="1">
                 <a:solidFill>
                   <a:schemeClr val="lt1"/>
                 </a:solidFill>
@@ -8694,7 +9516,7 @@
               </a:rPr>
               <a:t>Thank you.</a:t>
             </a:r>
-            <a:endParaRPr b="1" sz="3200">
+            <a:endParaRPr sz="3200" b="1">
               <a:solidFill>
                 <a:schemeClr val="lt1"/>
               </a:solidFill>
@@ -8707,6 +9529,11 @@
         </p:txBody>
       </p:sp>
     </p:spTree>
+    <p:extLst>
+      <p:ext uri="{BB962C8B-B14F-4D97-AF65-F5344CB8AC3E}">
+        <p14:creationId xmlns:p14="http://schemas.microsoft.com/office/powerpoint/2010/main" val="3079825391"/>
+      </p:ext>
+    </p:extLst>
   </p:cSld>
   <p:clrMapOvr>
     <a:masterClrMapping/>
@@ -8714,12 +9541,12 @@
 </p:sld>
 </file>
 
-<file path=ppt/slides/slide15.xml><?xml version="1.0" encoding="utf-8"?>
-<p:sld xmlns:a="http://schemas.openxmlformats.org/drawingml/2006/main" xmlns:r="http://schemas.openxmlformats.org/officeDocument/2006/relationships" xmlns:mc="http://schemas.openxmlformats.org/markup-compatibility/2006" xmlns:mv="urn:schemas-microsoft-com:mac:vml" xmlns:p="http://schemas.openxmlformats.org/presentationml/2006/main" xmlns:c="http://schemas.openxmlformats.org/drawingml/2006/chart" xmlns:dgm="http://schemas.openxmlformats.org/drawingml/2006/diagram" xmlns:o="urn:schemas-microsoft-com:office:office" xmlns:v="urn:schemas-microsoft-com:vml" xmlns:pvml="urn:schemas-microsoft-com:office:powerpoint" xmlns:com="http://schemas.openxmlformats.org/drawingml/2006/compatibility" xmlns:p14="http://schemas.microsoft.com/office/powerpoint/2010/main" xmlns:p15="http://schemas.microsoft.com/office/powerpoint/2012/main" xmlns:ahyp="http://schemas.microsoft.com/office/drawing/2018/hyperlinkcolor" show="0">
+<file path=ppt/slides/slide16.xml><?xml version="1.0" encoding="utf-8"?>
+<p:sld xmlns:a="http://schemas.openxmlformats.org/drawingml/2006/main" xmlns:r="http://schemas.openxmlformats.org/officeDocument/2006/relationships" xmlns:p="http://schemas.openxmlformats.org/presentationml/2006/main" show="0">
   <p:cSld>
     <p:spTree>
       <p:nvGrpSpPr>
-        <p:cNvPr id="174" name="Shape 174"/>
+        <p:cNvPr id="1" name="Shape 174"/>
         <p:cNvGrpSpPr/>
         <p:nvPr/>
       </p:nvGrpSpPr>
@@ -8753,12 +9580,12 @@
           </a:ln>
         </p:spPr>
         <p:txBody>
-          <a:bodyPr anchorCtr="0" anchor="ctr" bIns="91425" lIns="91425" spcFirstLastPara="1" rIns="91425" wrap="square" tIns="91425">
+          <a:bodyPr spcFirstLastPara="1" wrap="square" lIns="91425" tIns="91425" rIns="91425" bIns="91425" anchor="ctr" anchorCtr="0">
             <a:noAutofit/>
           </a:bodyPr>
           <a:lstStyle/>
           <a:p>
-            <a:pPr indent="0" lvl="0" marL="0" rtl="0" algn="l">
+            <a:pPr marL="0" lvl="0" indent="0" algn="l" rtl="0">
               <a:spcBef>
                 <a:spcPts val="0"/>
               </a:spcBef>
@@ -8767,9 +9594,6 @@
               </a:spcAft>
               <a:buNone/>
             </a:pPr>
-            <a:r>
-              <a:t/>
-            </a:r>
             <a:endParaRPr/>
           </a:p>
         </p:txBody>
@@ -8796,12 +9620,12 @@
           </a:ln>
         </p:spPr>
         <p:txBody>
-          <a:bodyPr anchorCtr="0" anchor="ctr" bIns="91425" lIns="91425" spcFirstLastPara="1" rIns="91425" wrap="square" tIns="91425">
+          <a:bodyPr spcFirstLastPara="1" wrap="square" lIns="91425" tIns="91425" rIns="91425" bIns="91425" anchor="ctr" anchorCtr="0">
             <a:noAutofit/>
           </a:bodyPr>
           <a:lstStyle/>
           <a:p>
-            <a:pPr indent="0" lvl="0" marL="0" rtl="0" algn="l">
+            <a:pPr marL="0" lvl="0" indent="0" algn="l" rtl="0">
               <a:spcBef>
                 <a:spcPts val="0"/>
               </a:spcBef>
@@ -8810,9 +9634,6 @@
               </a:spcAft>
               <a:buNone/>
             </a:pPr>
-            <a:r>
-              <a:t/>
-            </a:r>
             <a:endParaRPr/>
           </a:p>
         </p:txBody>
@@ -8837,12 +9658,12 @@
           </a:ln>
         </p:spPr>
         <p:txBody>
-          <a:bodyPr anchorCtr="0" anchor="t" bIns="91425" lIns="91425" spcFirstLastPara="1" rIns="91425" wrap="square" tIns="91425">
+          <a:bodyPr spcFirstLastPara="1" wrap="square" lIns="91425" tIns="91425" rIns="91425" bIns="91425" anchor="t" anchorCtr="0">
             <a:spAutoFit/>
           </a:bodyPr>
           <a:lstStyle/>
           <a:p>
-            <a:pPr indent="0" lvl="0" marL="0" rtl="0" algn="l">
+            <a:pPr marL="0" lvl="0" indent="0" algn="l" rtl="0">
               <a:spcBef>
                 <a:spcPts val="0"/>
               </a:spcBef>
@@ -8852,7 +9673,7 @@
               <a:buNone/>
             </a:pPr>
             <a:r>
-              <a:rPr b="1" lang="en" sz="1800">
+              <a:rPr lang="en" sz="1800" b="1">
                 <a:solidFill>
                   <a:schemeClr val="accent1"/>
                 </a:solidFill>
@@ -8863,7 +9684,7 @@
               </a:rPr>
               <a:t>Cyclistic bike-share</a:t>
             </a:r>
-            <a:endParaRPr b="1" sz="1800">
+            <a:endParaRPr sz="1800" b="1">
               <a:solidFill>
                 <a:schemeClr val="accent1"/>
               </a:solidFill>
@@ -8884,11 +9705,11 @@
 </file>
 
 <file path=ppt/slides/slide2.xml><?xml version="1.0" encoding="utf-8"?>
-<p:sld xmlns:a="http://schemas.openxmlformats.org/drawingml/2006/main" xmlns:r="http://schemas.openxmlformats.org/officeDocument/2006/relationships" xmlns:mc="http://schemas.openxmlformats.org/markup-compatibility/2006" xmlns:mv="urn:schemas-microsoft-com:mac:vml" xmlns:p="http://schemas.openxmlformats.org/presentationml/2006/main" xmlns:c="http://schemas.openxmlformats.org/drawingml/2006/chart" xmlns:dgm="http://schemas.openxmlformats.org/drawingml/2006/diagram" xmlns:o="urn:schemas-microsoft-com:office:office" xmlns:v="urn:schemas-microsoft-com:vml" xmlns:pvml="urn:schemas-microsoft-com:office:powerpoint" xmlns:com="http://schemas.openxmlformats.org/drawingml/2006/compatibility" xmlns:p14="http://schemas.microsoft.com/office/powerpoint/2010/main" xmlns:p15="http://schemas.microsoft.com/office/powerpoint/2012/main" xmlns:ahyp="http://schemas.microsoft.com/office/drawing/2018/hyperlinkcolor">
+<p:sld xmlns:a="http://schemas.openxmlformats.org/drawingml/2006/main" xmlns:r="http://schemas.openxmlformats.org/officeDocument/2006/relationships" xmlns:p="http://schemas.openxmlformats.org/presentationml/2006/main">
   <p:cSld>
     <p:spTree>
       <p:nvGrpSpPr>
-        <p:cNvPr id="62" name="Shape 62"/>
+        <p:cNvPr id="1" name="Shape 62"/>
         <p:cNvGrpSpPr/>
         <p:nvPr/>
       </p:nvGrpSpPr>
@@ -8908,8 +9729,8 @@
         </p:nvSpPr>
         <p:spPr>
           <a:xfrm>
-            <a:off x="1391075" y="2024075"/>
-            <a:ext cx="5913000" cy="369300"/>
+            <a:off x="1391075" y="2012741"/>
+            <a:ext cx="5913000" cy="369302"/>
           </a:xfrm>
           <a:prstGeom prst="rect">
             <a:avLst/>
@@ -8920,12 +9741,12 @@
           </a:ln>
         </p:spPr>
         <p:txBody>
-          <a:bodyPr anchorCtr="0" anchor="t" bIns="91425" lIns="91425" spcFirstLastPara="1" rIns="91425" wrap="square" tIns="91425">
+          <a:bodyPr spcFirstLastPara="1" wrap="square" lIns="91425" tIns="91425" rIns="91425" bIns="91425" anchor="t" anchorCtr="0">
             <a:spAutoFit/>
           </a:bodyPr>
           <a:lstStyle/>
           <a:p>
-            <a:pPr indent="0" lvl="0" marL="0" rtl="0" algn="l">
+            <a:pPr marL="0" lvl="0" indent="0" algn="l" rtl="0">
               <a:spcBef>
                 <a:spcPts val="0"/>
               </a:spcBef>
@@ -8935,20 +9756,14 @@
               <a:buNone/>
             </a:pPr>
             <a:r>
-              <a:rPr lang="en" sz="1200">
-                <a:latin typeface="Open Sans"/>
-                <a:ea typeface="Open Sans"/>
-                <a:cs typeface="Open Sans"/>
-                <a:sym typeface="Open Sans"/>
-              </a:rPr>
-              <a:t>Purpose statement</a:t>
-            </a:r>
-            <a:endParaRPr sz="1200">
-              <a:latin typeface="Open Sans"/>
-              <a:ea typeface="Open Sans"/>
-              <a:cs typeface="Open Sans"/>
-              <a:sym typeface="Open Sans"/>
-            </a:endParaRPr>
+              <a:rPr lang="en" sz="1200" dirty="0">
+                <a:latin typeface="Open Sans"/>
+                <a:ea typeface="Open Sans"/>
+                <a:cs typeface="Open Sans"/>
+                <a:sym typeface="Open Sans"/>
+              </a:rPr>
+              <a:t>Executive summary</a:t>
+            </a:r>
           </a:p>
         </p:txBody>
       </p:sp>
@@ -8972,12 +9787,12 @@
           </a:ln>
         </p:spPr>
         <p:txBody>
-          <a:bodyPr anchorCtr="0" anchor="t" bIns="91425" lIns="91425" spcFirstLastPara="1" rIns="91425" wrap="square" tIns="91425">
+          <a:bodyPr spcFirstLastPara="1" wrap="square" lIns="91425" tIns="91425" rIns="91425" bIns="91425" anchor="t" anchorCtr="0">
             <a:spAutoFit/>
           </a:bodyPr>
           <a:lstStyle/>
           <a:p>
-            <a:pPr indent="0" lvl="0" marL="0" rtl="0" algn="l">
+            <a:pPr marL="0" lvl="0" indent="0" algn="l" rtl="0">
               <a:spcBef>
                 <a:spcPts val="0"/>
               </a:spcBef>
@@ -8987,7 +9802,7 @@
               <a:buNone/>
             </a:pPr>
             <a:r>
-              <a:rPr b="1" lang="en" sz="2200">
+              <a:rPr lang="en" sz="2200" b="1" dirty="0">
                 <a:solidFill>
                   <a:schemeClr val="accent1"/>
                 </a:solidFill>
@@ -8996,9 +9811,9 @@
                 <a:cs typeface="Open Sans"/>
                 <a:sym typeface="Open Sans"/>
               </a:rPr>
-              <a:t>Cyclistic bike-share</a:t>
-            </a:r>
-            <a:endParaRPr b="1" sz="2200">
+              <a:t>Cyclistic bike-share analysis</a:t>
+            </a:r>
+            <a:endParaRPr sz="2200" b="1" dirty="0">
               <a:solidFill>
                 <a:schemeClr val="accent1"/>
               </a:solidFill>
@@ -9032,12 +9847,12 @@
           </a:ln>
         </p:spPr>
         <p:txBody>
-          <a:bodyPr anchorCtr="0" anchor="ctr" bIns="91425" lIns="91425" spcFirstLastPara="1" rIns="91425" wrap="square" tIns="91425">
+          <a:bodyPr spcFirstLastPara="1" wrap="square" lIns="91425" tIns="91425" rIns="91425" bIns="91425" anchor="ctr" anchorCtr="0">
             <a:noAutofit/>
           </a:bodyPr>
           <a:lstStyle/>
           <a:p>
-            <a:pPr indent="0" lvl="0" marL="0" rtl="0" algn="l">
+            <a:pPr marL="0" lvl="0" indent="0" algn="l" rtl="0">
               <a:spcBef>
                 <a:spcPts val="0"/>
               </a:spcBef>
@@ -9046,9 +9861,6 @@
               </a:spcAft>
               <a:buNone/>
             </a:pPr>
-            <a:r>
-              <a:t/>
-            </a:r>
             <a:endParaRPr/>
           </a:p>
         </p:txBody>
@@ -9061,35 +9873,35 @@
         </p:nvSpPr>
         <p:spPr>
           <a:xfrm>
-            <a:off x="1019325" y="2183375"/>
+            <a:off x="1019325" y="2138690"/>
             <a:ext cx="285300" cy="112500"/>
           </a:xfrm>
           <a:prstGeom prst="rightArrow">
             <a:avLst>
-              <a:gd fmla="val 50000" name="adj1"/>
-              <a:gd fmla="val 50000" name="adj2"/>
+              <a:gd name="adj1" fmla="val 50000"/>
+              <a:gd name="adj2" fmla="val 50000"/>
             </a:avLst>
           </a:prstGeom>
           <a:solidFill>
             <a:schemeClr val="dk1"/>
           </a:solidFill>
-          <a:ln cap="flat" cmpd="sng" w="9525">
+          <a:ln w="9525" cap="flat" cmpd="sng">
             <a:solidFill>
               <a:schemeClr val="dk2"/>
             </a:solidFill>
             <a:prstDash val="solid"/>
             <a:round/>
-            <a:headEnd len="sm" w="sm" type="none"/>
-            <a:tailEnd len="sm" w="sm" type="none"/>
+            <a:headEnd type="none" w="sm" len="sm"/>
+            <a:tailEnd type="none" w="sm" len="sm"/>
           </a:ln>
         </p:spPr>
         <p:txBody>
-          <a:bodyPr anchorCtr="0" anchor="ctr" bIns="91425" lIns="91425" spcFirstLastPara="1" rIns="91425" wrap="square" tIns="91425">
+          <a:bodyPr spcFirstLastPara="1" wrap="square" lIns="91425" tIns="91425" rIns="91425" bIns="91425" anchor="ctr" anchorCtr="0">
             <a:noAutofit/>
           </a:bodyPr>
           <a:lstStyle/>
           <a:p>
-            <a:pPr indent="0" lvl="0" marL="0" rtl="0" algn="l">
+            <a:pPr marL="0" lvl="0" indent="0" algn="l" rtl="0">
               <a:spcBef>
                 <a:spcPts val="0"/>
               </a:spcBef>
@@ -9098,9 +9910,6 @@
               </a:spcAft>
               <a:buNone/>
             </a:pPr>
-            <a:r>
-              <a:t/>
-            </a:r>
             <a:endParaRPr sz="1600"/>
           </a:p>
         </p:txBody>
@@ -9113,7 +9922,7 @@
         </p:nvSpPr>
         <p:spPr>
           <a:xfrm>
-            <a:off x="1391075" y="2367383"/>
+            <a:off x="1391075" y="2582053"/>
             <a:ext cx="5913000" cy="369300"/>
           </a:xfrm>
           <a:prstGeom prst="rect">
@@ -9125,12 +9934,12 @@
           </a:ln>
         </p:spPr>
         <p:txBody>
-          <a:bodyPr anchorCtr="0" anchor="t" bIns="91425" lIns="91425" spcFirstLastPara="1" rIns="91425" wrap="square" tIns="91425">
+          <a:bodyPr spcFirstLastPara="1" wrap="square" lIns="91425" tIns="91425" rIns="91425" bIns="91425" anchor="t" anchorCtr="0">
             <a:spAutoFit/>
           </a:bodyPr>
           <a:lstStyle/>
           <a:p>
-            <a:pPr indent="0" lvl="0" marL="0" rtl="0" algn="l">
+            <a:pPr marL="0" lvl="0" indent="0" algn="l" rtl="0">
               <a:spcBef>
                 <a:spcPts val="0"/>
               </a:spcBef>
@@ -9140,15 +9949,15 @@
               <a:buNone/>
             </a:pPr>
             <a:r>
-              <a:rPr lang="en" sz="1200">
-                <a:latin typeface="Open Sans"/>
-                <a:ea typeface="Open Sans"/>
-                <a:cs typeface="Open Sans"/>
-                <a:sym typeface="Open Sans"/>
-              </a:rPr>
-              <a:t>Narrative</a:t>
-            </a:r>
-            <a:endParaRPr sz="1200">
+              <a:rPr lang="en" sz="1200" dirty="0">
+                <a:latin typeface="Open Sans"/>
+                <a:ea typeface="Open Sans"/>
+                <a:cs typeface="Open Sans"/>
+                <a:sym typeface="Open Sans"/>
+              </a:rPr>
+              <a:t>The story about bike-share service usage behavior</a:t>
+            </a:r>
+            <a:endParaRPr sz="1200" dirty="0">
               <a:latin typeface="Open Sans"/>
               <a:ea typeface="Open Sans"/>
               <a:cs typeface="Open Sans"/>
@@ -9165,35 +9974,35 @@
         </p:nvSpPr>
         <p:spPr>
           <a:xfrm>
-            <a:off x="1019325" y="2526683"/>
+            <a:off x="1019325" y="2708000"/>
             <a:ext cx="285300" cy="112500"/>
           </a:xfrm>
           <a:prstGeom prst="rightArrow">
             <a:avLst>
-              <a:gd fmla="val 50000" name="adj1"/>
-              <a:gd fmla="val 50000" name="adj2"/>
+              <a:gd name="adj1" fmla="val 50000"/>
+              <a:gd name="adj2" fmla="val 50000"/>
             </a:avLst>
           </a:prstGeom>
           <a:solidFill>
             <a:schemeClr val="dk1"/>
           </a:solidFill>
-          <a:ln cap="flat" cmpd="sng" w="9525">
+          <a:ln w="9525" cap="flat" cmpd="sng">
             <a:solidFill>
               <a:schemeClr val="dk2"/>
             </a:solidFill>
             <a:prstDash val="solid"/>
             <a:round/>
-            <a:headEnd len="sm" w="sm" type="none"/>
-            <a:tailEnd len="sm" w="sm" type="none"/>
+            <a:headEnd type="none" w="sm" len="sm"/>
+            <a:tailEnd type="none" w="sm" len="sm"/>
           </a:ln>
         </p:spPr>
         <p:txBody>
-          <a:bodyPr anchorCtr="0" anchor="ctr" bIns="91425" lIns="91425" spcFirstLastPara="1" rIns="91425" wrap="square" tIns="91425">
+          <a:bodyPr spcFirstLastPara="1" wrap="square" lIns="91425" tIns="91425" rIns="91425" bIns="91425" anchor="ctr" anchorCtr="0">
             <a:noAutofit/>
           </a:bodyPr>
           <a:lstStyle/>
           <a:p>
-            <a:pPr indent="0" lvl="0" marL="0" rtl="0" algn="l">
+            <a:pPr marL="0" lvl="0" indent="0" algn="l" rtl="0">
               <a:spcBef>
                 <a:spcPts val="0"/>
               </a:spcBef>
@@ -9202,9 +10011,6 @@
               </a:spcAft>
               <a:buNone/>
             </a:pPr>
-            <a:r>
-              <a:t/>
-            </a:r>
             <a:endParaRPr/>
           </a:p>
         </p:txBody>
@@ -9217,7 +10023,7 @@
         </p:nvSpPr>
         <p:spPr>
           <a:xfrm>
-            <a:off x="1391075" y="2710692"/>
+            <a:off x="1391075" y="2866707"/>
             <a:ext cx="5913000" cy="369300"/>
           </a:xfrm>
           <a:prstGeom prst="rect">
@@ -9229,12 +10035,12 @@
           </a:ln>
         </p:spPr>
         <p:txBody>
-          <a:bodyPr anchorCtr="0" anchor="t" bIns="91425" lIns="91425" spcFirstLastPara="1" rIns="91425" wrap="square" tIns="91425">
+          <a:bodyPr spcFirstLastPara="1" wrap="square" lIns="91425" tIns="91425" rIns="91425" bIns="91425" anchor="t" anchorCtr="0">
             <a:spAutoFit/>
           </a:bodyPr>
           <a:lstStyle/>
           <a:p>
-            <a:pPr indent="0" lvl="0" marL="0" rtl="0" algn="l">
+            <a:pPr marL="0" lvl="0" indent="0" algn="l" rtl="0">
               <a:spcBef>
                 <a:spcPts val="0"/>
               </a:spcBef>
@@ -9244,7 +10050,7 @@
               <a:buNone/>
             </a:pPr>
             <a:r>
-              <a:rPr lang="en" sz="1200">
+              <a:rPr lang="en" sz="1200" dirty="0">
                 <a:latin typeface="Open Sans"/>
                 <a:ea typeface="Open Sans"/>
                 <a:cs typeface="Open Sans"/>
@@ -9252,7 +10058,7 @@
               </a:rPr>
               <a:t>Recommendations</a:t>
             </a:r>
-            <a:endParaRPr sz="1200">
+            <a:endParaRPr sz="1200" dirty="0">
               <a:latin typeface="Open Sans"/>
               <a:ea typeface="Open Sans"/>
               <a:cs typeface="Open Sans"/>
@@ -9269,35 +10075,35 @@
         </p:nvSpPr>
         <p:spPr>
           <a:xfrm>
-            <a:off x="1019325" y="2869992"/>
+            <a:off x="1019325" y="2992657"/>
             <a:ext cx="285300" cy="112500"/>
           </a:xfrm>
           <a:prstGeom prst="rightArrow">
             <a:avLst>
-              <a:gd fmla="val 50000" name="adj1"/>
-              <a:gd fmla="val 50000" name="adj2"/>
+              <a:gd name="adj1" fmla="val 50000"/>
+              <a:gd name="adj2" fmla="val 50000"/>
             </a:avLst>
           </a:prstGeom>
           <a:solidFill>
             <a:schemeClr val="dk1"/>
           </a:solidFill>
-          <a:ln cap="flat" cmpd="sng" w="9525">
+          <a:ln w="9525" cap="flat" cmpd="sng">
             <a:solidFill>
               <a:schemeClr val="dk2"/>
             </a:solidFill>
             <a:prstDash val="solid"/>
             <a:round/>
-            <a:headEnd len="sm" w="sm" type="none"/>
-            <a:tailEnd len="sm" w="sm" type="none"/>
+            <a:headEnd type="none" w="sm" len="sm"/>
+            <a:tailEnd type="none" w="sm" len="sm"/>
           </a:ln>
         </p:spPr>
         <p:txBody>
-          <a:bodyPr anchorCtr="0" anchor="ctr" bIns="91425" lIns="91425" spcFirstLastPara="1" rIns="91425" wrap="square" tIns="91425">
+          <a:bodyPr spcFirstLastPara="1" wrap="square" lIns="91425" tIns="91425" rIns="91425" bIns="91425" anchor="ctr" anchorCtr="0">
             <a:noAutofit/>
           </a:bodyPr>
           <a:lstStyle/>
           <a:p>
-            <a:pPr indent="0" lvl="0" marL="0" rtl="0" algn="l">
+            <a:pPr marL="0" lvl="0" indent="0" algn="l" rtl="0">
               <a:spcBef>
                 <a:spcPts val="0"/>
               </a:spcBef>
@@ -9306,9 +10112,6 @@
               </a:spcAft>
               <a:buNone/>
             </a:pPr>
-            <a:r>
-              <a:t/>
-            </a:r>
             <a:endParaRPr/>
           </a:p>
         </p:txBody>
@@ -9333,12 +10136,12 @@
           </a:ln>
         </p:spPr>
         <p:txBody>
-          <a:bodyPr anchorCtr="0" anchor="t" bIns="91425" lIns="91425" spcFirstLastPara="1" rIns="91425" wrap="square" tIns="91425">
+          <a:bodyPr spcFirstLastPara="1" wrap="square" lIns="91425" tIns="91425" rIns="91425" bIns="91425" anchor="t" anchorCtr="0">
             <a:spAutoFit/>
           </a:bodyPr>
           <a:lstStyle/>
           <a:p>
-            <a:pPr indent="0" lvl="0" marL="0" rtl="0" algn="ctr">
+            <a:pPr marL="0" lvl="0" indent="0" algn="ctr" rtl="0">
               <a:spcBef>
                 <a:spcPts val="0"/>
               </a:spcBef>
@@ -9348,7 +10151,7 @@
               <a:buNone/>
             </a:pPr>
             <a:r>
-              <a:rPr b="1" lang="en">
+              <a:rPr lang="en" b="1">
                 <a:solidFill>
                   <a:srgbClr val="666666"/>
                 </a:solidFill>
@@ -9393,12 +10196,12 @@
           </a:ln>
         </p:spPr>
         <p:txBody>
-          <a:bodyPr anchorCtr="0" anchor="ctr" bIns="91425" lIns="91425" spcFirstLastPara="1" rIns="91425" wrap="square" tIns="91425">
+          <a:bodyPr spcFirstLastPara="1" wrap="square" lIns="91425" tIns="91425" rIns="91425" bIns="91425" anchor="ctr" anchorCtr="0">
             <a:noAutofit/>
           </a:bodyPr>
           <a:lstStyle/>
           <a:p>
-            <a:pPr indent="0" lvl="0" marL="0" rtl="0" algn="l">
+            <a:pPr marL="0" lvl="0" indent="0" algn="l" rtl="0">
               <a:spcBef>
                 <a:spcPts val="0"/>
               </a:spcBef>
@@ -9407,14 +10210,123 @@
               </a:spcAft>
               <a:buNone/>
             </a:pPr>
-            <a:r>
-              <a:t/>
-            </a:r>
             <a:endParaRPr/>
+          </a:p>
+        </p:txBody>
+      </p:sp>
+      <p:sp>
+        <p:nvSpPr>
+          <p:cNvPr id="4" name="Google Shape;63;p14">
+            <a:extLst>
+              <a:ext uri="{FF2B5EF4-FFF2-40B4-BE49-F238E27FC236}">
+                <a16:creationId xmlns:a16="http://schemas.microsoft.com/office/drawing/2014/main" id="{E2E9D685-EA4B-413C-D087-03D1E23E7202}"/>
+              </a:ext>
+            </a:extLst>
+          </p:cNvPr>
+          <p:cNvSpPr txBox="1"/>
+          <p:nvPr/>
+        </p:nvSpPr>
+        <p:spPr>
+          <a:xfrm>
+            <a:off x="1391075" y="2297397"/>
+            <a:ext cx="5913000" cy="369302"/>
+          </a:xfrm>
+          <a:prstGeom prst="rect">
+            <a:avLst/>
+          </a:prstGeom>
+          <a:noFill/>
+          <a:ln>
+            <a:noFill/>
+          </a:ln>
+        </p:spPr>
+        <p:txBody>
+          <a:bodyPr spcFirstLastPara="1" wrap="square" lIns="91425" tIns="91425" rIns="91425" bIns="91425" anchor="t" anchorCtr="0">
+            <a:spAutoFit/>
+          </a:bodyPr>
+          <a:lstStyle/>
+          <a:p>
+            <a:pPr marL="0" lvl="0" indent="0" algn="l" rtl="0">
+              <a:spcBef>
+                <a:spcPts val="0"/>
+              </a:spcBef>
+              <a:spcAft>
+                <a:spcPts val="0"/>
+              </a:spcAft>
+              <a:buNone/>
+            </a:pPr>
+            <a:r>
+              <a:rPr lang="en" sz="1200" dirty="0">
+                <a:latin typeface="Open Sans"/>
+                <a:ea typeface="Open Sans"/>
+                <a:cs typeface="Open Sans"/>
+                <a:sym typeface="Open Sans"/>
+              </a:rPr>
+              <a:t>Analytics goals</a:t>
+            </a:r>
+          </a:p>
+        </p:txBody>
+      </p:sp>
+      <p:sp>
+        <p:nvSpPr>
+          <p:cNvPr id="5" name="Google Shape;66;p14">
+            <a:extLst>
+              <a:ext uri="{FF2B5EF4-FFF2-40B4-BE49-F238E27FC236}">
+                <a16:creationId xmlns:a16="http://schemas.microsoft.com/office/drawing/2014/main" id="{91E4427E-4C5D-1DA7-EE4C-E62A86D3E866}"/>
+              </a:ext>
+            </a:extLst>
+          </p:cNvPr>
+          <p:cNvSpPr/>
+          <p:nvPr/>
+        </p:nvSpPr>
+        <p:spPr>
+          <a:xfrm>
+            <a:off x="1019325" y="2423346"/>
+            <a:ext cx="285300" cy="112500"/>
+          </a:xfrm>
+          <a:prstGeom prst="rightArrow">
+            <a:avLst>
+              <a:gd name="adj1" fmla="val 50000"/>
+              <a:gd name="adj2" fmla="val 50000"/>
+            </a:avLst>
+          </a:prstGeom>
+          <a:solidFill>
+            <a:schemeClr val="dk1"/>
+          </a:solidFill>
+          <a:ln w="9525" cap="flat" cmpd="sng">
+            <a:solidFill>
+              <a:schemeClr val="dk2"/>
+            </a:solidFill>
+            <a:prstDash val="solid"/>
+            <a:round/>
+            <a:headEnd type="none" w="sm" len="sm"/>
+            <a:tailEnd type="none" w="sm" len="sm"/>
+          </a:ln>
+        </p:spPr>
+        <p:txBody>
+          <a:bodyPr spcFirstLastPara="1" wrap="square" lIns="91425" tIns="91425" rIns="91425" bIns="91425" anchor="ctr" anchorCtr="0">
+            <a:noAutofit/>
+          </a:bodyPr>
+          <a:lstStyle/>
+          <a:p>
+            <a:pPr marL="0" lvl="0" indent="0" algn="l" rtl="0">
+              <a:spcBef>
+                <a:spcPts val="0"/>
+              </a:spcBef>
+              <a:spcAft>
+                <a:spcPts val="0"/>
+              </a:spcAft>
+              <a:buNone/>
+            </a:pPr>
+            <a:endParaRPr sz="1600"/>
           </a:p>
         </p:txBody>
       </p:sp>
     </p:spTree>
+    <p:extLst>
+      <p:ext uri="{BB962C8B-B14F-4D97-AF65-F5344CB8AC3E}">
+        <p14:creationId xmlns:p14="http://schemas.microsoft.com/office/powerpoint/2010/main" val="332957592"/>
+      </p:ext>
+    </p:extLst>
   </p:cSld>
   <p:clrMapOvr>
     <a:masterClrMapping/>
@@ -9423,11 +10335,609 @@
 </file>
 
 <file path=ppt/slides/slide3.xml><?xml version="1.0" encoding="utf-8"?>
-<p:sld xmlns:a="http://schemas.openxmlformats.org/drawingml/2006/main" xmlns:r="http://schemas.openxmlformats.org/officeDocument/2006/relationships" xmlns:mc="http://schemas.openxmlformats.org/markup-compatibility/2006" xmlns:mv="urn:schemas-microsoft-com:mac:vml" xmlns:p="http://schemas.openxmlformats.org/presentationml/2006/main" xmlns:c="http://schemas.openxmlformats.org/drawingml/2006/chart" xmlns:dgm="http://schemas.openxmlformats.org/drawingml/2006/diagram" xmlns:o="urn:schemas-microsoft-com:office:office" xmlns:v="urn:schemas-microsoft-com:vml" xmlns:pvml="urn:schemas-microsoft-com:office:powerpoint" xmlns:com="http://schemas.openxmlformats.org/drawingml/2006/compatibility" xmlns:p14="http://schemas.microsoft.com/office/powerpoint/2010/main" xmlns:p15="http://schemas.microsoft.com/office/powerpoint/2012/main" xmlns:ahyp="http://schemas.microsoft.com/office/drawing/2018/hyperlinkcolor">
+<p:sld xmlns:a="http://schemas.openxmlformats.org/drawingml/2006/main" xmlns:r="http://schemas.openxmlformats.org/officeDocument/2006/relationships" xmlns:p="http://schemas.openxmlformats.org/presentationml/2006/main">
   <p:cSld>
     <p:spTree>
       <p:nvGrpSpPr>
-        <p:cNvPr id="76" name="Shape 76"/>
+        <p:cNvPr id="1" name="Shape 101"/>
+        <p:cNvGrpSpPr/>
+        <p:nvPr/>
+      </p:nvGrpSpPr>
+      <p:grpSpPr>
+        <a:xfrm>
+          <a:off x="0" y="0"/>
+          <a:ext cx="0" cy="0"/>
+          <a:chOff x="0" y="0"/>
+          <a:chExt cx="0" cy="0"/>
+        </a:xfrm>
+      </p:grpSpPr>
+      <p:sp>
+        <p:nvSpPr>
+          <p:cNvPr id="102" name="Google Shape;102;p18"/>
+          <p:cNvSpPr/>
+          <p:nvPr/>
+        </p:nvSpPr>
+        <p:spPr>
+          <a:xfrm rot="-5400000">
+            <a:off x="-2567125" y="2549900"/>
+            <a:ext cx="5152800" cy="52800"/>
+          </a:xfrm>
+          <a:prstGeom prst="rect">
+            <a:avLst/>
+          </a:prstGeom>
+          <a:solidFill>
+            <a:schemeClr val="accent1"/>
+          </a:solidFill>
+          <a:ln>
+            <a:noFill/>
+          </a:ln>
+        </p:spPr>
+        <p:txBody>
+          <a:bodyPr spcFirstLastPara="1" wrap="square" lIns="91425" tIns="91425" rIns="91425" bIns="91425" anchor="ctr" anchorCtr="0">
+            <a:noAutofit/>
+          </a:bodyPr>
+          <a:lstStyle/>
+          <a:p>
+            <a:pPr marL="0" lvl="0" indent="0" algn="l" rtl="0">
+              <a:spcBef>
+                <a:spcPts val="0"/>
+              </a:spcBef>
+              <a:spcAft>
+                <a:spcPts val="0"/>
+              </a:spcAft>
+              <a:buNone/>
+            </a:pPr>
+            <a:endParaRPr/>
+          </a:p>
+        </p:txBody>
+      </p:sp>
+      <p:sp>
+        <p:nvSpPr>
+          <p:cNvPr id="103" name="Google Shape;103;p18"/>
+          <p:cNvSpPr txBox="1"/>
+          <p:nvPr/>
+        </p:nvSpPr>
+        <p:spPr>
+          <a:xfrm>
+            <a:off x="456675" y="135188"/>
+            <a:ext cx="5033100" cy="461635"/>
+          </a:xfrm>
+          <a:prstGeom prst="rect">
+            <a:avLst/>
+          </a:prstGeom>
+          <a:noFill/>
+          <a:ln>
+            <a:noFill/>
+          </a:ln>
+        </p:spPr>
+        <p:txBody>
+          <a:bodyPr spcFirstLastPara="1" wrap="square" lIns="91425" tIns="91425" rIns="91425" bIns="91425" anchor="t" anchorCtr="0">
+            <a:spAutoFit/>
+          </a:bodyPr>
+          <a:lstStyle/>
+          <a:p>
+            <a:pPr marL="0" lvl="0" indent="0" algn="l" rtl="0">
+              <a:spcBef>
+                <a:spcPts val="0"/>
+              </a:spcBef>
+              <a:spcAft>
+                <a:spcPts val="0"/>
+              </a:spcAft>
+              <a:buNone/>
+            </a:pPr>
+            <a:r>
+              <a:rPr lang="en-US" sz="1800" b="1" dirty="0">
+                <a:solidFill>
+                  <a:schemeClr val="accent1"/>
+                </a:solidFill>
+                <a:latin typeface="Open Sans"/>
+                <a:ea typeface="Open Sans"/>
+                <a:cs typeface="Open Sans"/>
+                <a:sym typeface="Open Sans"/>
+              </a:rPr>
+              <a:t>Executive Summary</a:t>
+            </a:r>
+            <a:endParaRPr sz="1800" b="1" dirty="0">
+              <a:solidFill>
+                <a:schemeClr val="accent1"/>
+              </a:solidFill>
+              <a:latin typeface="Open Sans"/>
+              <a:ea typeface="Open Sans"/>
+              <a:cs typeface="Open Sans"/>
+              <a:sym typeface="Open Sans"/>
+            </a:endParaRPr>
+          </a:p>
+        </p:txBody>
+      </p:sp>
+      <p:sp>
+        <p:nvSpPr>
+          <p:cNvPr id="2" name="Google Shape;103;p18">
+            <a:extLst>
+              <a:ext uri="{FF2B5EF4-FFF2-40B4-BE49-F238E27FC236}">
+                <a16:creationId xmlns:a16="http://schemas.microsoft.com/office/drawing/2014/main" id="{060E110F-A8AD-1B5E-EB6F-7B7EDB03C882}"/>
+              </a:ext>
+            </a:extLst>
+          </p:cNvPr>
+          <p:cNvSpPr txBox="1"/>
+          <p:nvPr/>
+        </p:nvSpPr>
+        <p:spPr>
+          <a:xfrm>
+            <a:off x="456675" y="541019"/>
+            <a:ext cx="8230124" cy="553968"/>
+          </a:xfrm>
+          <a:prstGeom prst="rect">
+            <a:avLst/>
+          </a:prstGeom>
+          <a:noFill/>
+          <a:ln>
+            <a:noFill/>
+          </a:ln>
+        </p:spPr>
+        <p:txBody>
+          <a:bodyPr spcFirstLastPara="1" wrap="square" lIns="91425" tIns="91425" rIns="91425" bIns="91425" anchor="t" anchorCtr="0">
+            <a:spAutoFit/>
+          </a:bodyPr>
+          <a:lstStyle/>
+          <a:p>
+            <a:pPr marL="0" lvl="0" indent="0" algn="l" rtl="0">
+              <a:spcBef>
+                <a:spcPts val="0"/>
+              </a:spcBef>
+              <a:spcAft>
+                <a:spcPts val="0"/>
+              </a:spcAft>
+              <a:buNone/>
+            </a:pPr>
+            <a:r>
+              <a:rPr lang="en-US" sz="1200" b="1" dirty="0">
+                <a:solidFill>
+                  <a:schemeClr val="accent1"/>
+                </a:solidFill>
+                <a:latin typeface="Open Sans"/>
+                <a:ea typeface="Open Sans"/>
+                <a:cs typeface="Open Sans"/>
+                <a:sym typeface="Open Sans"/>
+              </a:rPr>
+              <a:t>The analytics goal </a:t>
+            </a:r>
+            <a:r>
+              <a:rPr lang="en-US" sz="1200" dirty="0">
+                <a:solidFill>
+                  <a:schemeClr val="tx1"/>
+                </a:solidFill>
+                <a:latin typeface="Open Sans"/>
+                <a:ea typeface="Open Sans"/>
+                <a:cs typeface="Open Sans"/>
+                <a:sym typeface="Open Sans"/>
+              </a:rPr>
+              <a:t>is to identify </a:t>
+            </a:r>
+            <a:r>
+              <a:rPr lang="en" sz="1200" dirty="0">
+                <a:solidFill>
+                  <a:schemeClr val="tx1"/>
+                </a:solidFill>
+                <a:latin typeface="Open Sans"/>
+                <a:ea typeface="Open Sans"/>
+                <a:cs typeface="Open Sans"/>
+                <a:sym typeface="Open Sans"/>
+              </a:rPr>
+              <a:t>(1) differences in bike-share usage behavior between casual users and members to (2) convert casual users to member users and (3) utilize digital media to leverage the conversion.</a:t>
+            </a:r>
+            <a:endParaRPr lang="en-US" sz="1200" dirty="0">
+              <a:solidFill>
+                <a:schemeClr val="tx1"/>
+              </a:solidFill>
+              <a:latin typeface="Open Sans"/>
+              <a:ea typeface="Open Sans"/>
+              <a:cs typeface="Open Sans"/>
+              <a:sym typeface="Open Sans"/>
+            </a:endParaRPr>
+          </a:p>
+        </p:txBody>
+      </p:sp>
+      <p:sp>
+        <p:nvSpPr>
+          <p:cNvPr id="3" name="Google Shape;105;p18">
+            <a:extLst>
+              <a:ext uri="{FF2B5EF4-FFF2-40B4-BE49-F238E27FC236}">
+                <a16:creationId xmlns:a16="http://schemas.microsoft.com/office/drawing/2014/main" id="{DF3A6179-EE99-32B2-E85A-41C578FECCCA}"/>
+              </a:ext>
+            </a:extLst>
+          </p:cNvPr>
+          <p:cNvSpPr txBox="1"/>
+          <p:nvPr/>
+        </p:nvSpPr>
+        <p:spPr>
+          <a:xfrm>
+            <a:off x="456676" y="2892491"/>
+            <a:ext cx="8230124" cy="1631185"/>
+          </a:xfrm>
+          <a:prstGeom prst="rect">
+            <a:avLst/>
+          </a:prstGeom>
+          <a:noFill/>
+          <a:ln>
+            <a:noFill/>
+          </a:ln>
+        </p:spPr>
+        <p:txBody>
+          <a:bodyPr spcFirstLastPara="1" wrap="square" lIns="91425" tIns="91425" rIns="91425" bIns="91425" anchor="t" anchorCtr="0">
+            <a:spAutoFit/>
+          </a:bodyPr>
+          <a:lstStyle/>
+          <a:p>
+            <a:pPr lvl="0" indent="-304800" algn="just" rtl="0">
+              <a:spcBef>
+                <a:spcPts val="300"/>
+              </a:spcBef>
+              <a:spcAft>
+                <a:spcPts val="0"/>
+              </a:spcAft>
+              <a:buSzPts val="1200"/>
+              <a:buFont typeface="Open Sans"/>
+              <a:buChar char="●"/>
+            </a:pPr>
+            <a:r>
+              <a:rPr lang="en" sz="1200" dirty="0">
+                <a:latin typeface="Open Sans"/>
+                <a:ea typeface="Open Sans"/>
+                <a:cs typeface="Open Sans"/>
+                <a:sym typeface="Open Sans"/>
+              </a:rPr>
+              <a:t>Casual users use docked/electric bikes to travel to attraction sites and shopping places nearby, while member users use traditional/electric bikes to travel to or from work. Plus, </a:t>
+            </a:r>
+            <a:r>
+              <a:rPr lang="en" sz="1200" dirty="0">
+                <a:solidFill>
+                  <a:schemeClr val="tx1"/>
+                </a:solidFill>
+                <a:latin typeface="Open Sans"/>
+                <a:ea typeface="Open Sans"/>
+                <a:cs typeface="Open Sans"/>
+                <a:sym typeface="Open Sans"/>
+              </a:rPr>
+              <a:t>casual users spend more time using bike-share services than members do.</a:t>
+            </a:r>
+          </a:p>
+          <a:p>
+            <a:pPr lvl="0" indent="-304800" algn="just" rtl="0">
+              <a:spcBef>
+                <a:spcPts val="300"/>
+              </a:spcBef>
+              <a:spcAft>
+                <a:spcPts val="0"/>
+              </a:spcAft>
+              <a:buSzPts val="1200"/>
+              <a:buFont typeface="Open Sans"/>
+              <a:buChar char="●"/>
+            </a:pPr>
+            <a:r>
+              <a:rPr lang="en" sz="1200" dirty="0">
+                <a:solidFill>
+                  <a:schemeClr val="tx1"/>
+                </a:solidFill>
+                <a:latin typeface="Open Sans"/>
+                <a:ea typeface="Open Sans"/>
+                <a:cs typeface="Open Sans"/>
+                <a:sym typeface="Open Sans"/>
+              </a:rPr>
+              <a:t>Attraction sites have multiple sources of information for users to get information and buy tickets in advance online. </a:t>
+            </a:r>
+          </a:p>
+          <a:p>
+            <a:pPr lvl="0" indent="-304800" algn="just" rtl="0">
+              <a:spcBef>
+                <a:spcPts val="300"/>
+              </a:spcBef>
+              <a:spcAft>
+                <a:spcPts val="0"/>
+              </a:spcAft>
+              <a:buSzPts val="1200"/>
+              <a:buFont typeface="Open Sans"/>
+              <a:buChar char="●"/>
+            </a:pPr>
+            <a:r>
+              <a:rPr lang="en" sz="1200" dirty="0">
+                <a:solidFill>
+                  <a:schemeClr val="dk1"/>
+                </a:solidFill>
+                <a:latin typeface="Open Sans"/>
+                <a:ea typeface="Open Sans"/>
+                <a:cs typeface="Open Sans"/>
+                <a:sym typeface="Open Sans"/>
+              </a:rPr>
+              <a:t>Service fees for electric bikes are charged by the time used and unlock fees for docked bikes </a:t>
+            </a:r>
+          </a:p>
+          <a:p>
+            <a:pPr lvl="0" indent="-304800" algn="just" rtl="0">
+              <a:spcBef>
+                <a:spcPts val="300"/>
+              </a:spcBef>
+              <a:spcAft>
+                <a:spcPts val="0"/>
+              </a:spcAft>
+              <a:buSzPts val="1200"/>
+              <a:buFont typeface="Open Sans"/>
+              <a:buChar char="●"/>
+            </a:pPr>
+            <a:r>
+              <a:rPr lang="en" sz="1200" dirty="0">
+                <a:solidFill>
+                  <a:schemeClr val="tx1"/>
+                </a:solidFill>
+                <a:latin typeface="Open Sans"/>
+                <a:ea typeface="Open Sans"/>
+                <a:cs typeface="Open Sans"/>
+                <a:sym typeface="Open Sans"/>
+              </a:rPr>
+              <a:t>Peak season of bike-share service for both user types usage is May – October which is the summer season. </a:t>
+            </a:r>
+          </a:p>
+        </p:txBody>
+      </p:sp>
+      <p:sp>
+        <p:nvSpPr>
+          <p:cNvPr id="4" name="Google Shape;103;p18">
+            <a:extLst>
+              <a:ext uri="{FF2B5EF4-FFF2-40B4-BE49-F238E27FC236}">
+                <a16:creationId xmlns:a16="http://schemas.microsoft.com/office/drawing/2014/main" id="{0AA784F0-7EE3-82F5-4139-89DBD0209E36}"/>
+              </a:ext>
+            </a:extLst>
+          </p:cNvPr>
+          <p:cNvSpPr txBox="1"/>
+          <p:nvPr/>
+        </p:nvSpPr>
+        <p:spPr>
+          <a:xfrm>
+            <a:off x="456675" y="2644174"/>
+            <a:ext cx="8230124" cy="369302"/>
+          </a:xfrm>
+          <a:prstGeom prst="rect">
+            <a:avLst/>
+          </a:prstGeom>
+          <a:noFill/>
+          <a:ln>
+            <a:noFill/>
+          </a:ln>
+        </p:spPr>
+        <p:txBody>
+          <a:bodyPr spcFirstLastPara="1" wrap="square" lIns="91425" tIns="91425" rIns="91425" bIns="91425" anchor="t" anchorCtr="0">
+            <a:spAutoFit/>
+          </a:bodyPr>
+          <a:lstStyle/>
+          <a:p>
+            <a:pPr marL="0" lvl="0" indent="0" algn="l" rtl="0">
+              <a:spcBef>
+                <a:spcPts val="0"/>
+              </a:spcBef>
+              <a:spcAft>
+                <a:spcPts val="0"/>
+              </a:spcAft>
+              <a:buNone/>
+            </a:pPr>
+            <a:r>
+              <a:rPr lang="en-US" sz="1200" b="1" dirty="0">
+                <a:solidFill>
+                  <a:schemeClr val="accent1"/>
+                </a:solidFill>
+                <a:latin typeface="Open Sans"/>
+                <a:ea typeface="Open Sans"/>
+                <a:cs typeface="Open Sans"/>
+                <a:sym typeface="Open Sans"/>
+              </a:rPr>
+              <a:t>Key insights:</a:t>
+            </a:r>
+            <a:endParaRPr sz="1200" dirty="0">
+              <a:solidFill>
+                <a:schemeClr val="tx1"/>
+              </a:solidFill>
+              <a:latin typeface="Open Sans"/>
+              <a:ea typeface="Open Sans"/>
+              <a:cs typeface="Open Sans"/>
+              <a:sym typeface="Open Sans"/>
+            </a:endParaRPr>
+          </a:p>
+        </p:txBody>
+      </p:sp>
+      <p:sp>
+        <p:nvSpPr>
+          <p:cNvPr id="5" name="Google Shape;105;p18">
+            <a:extLst>
+              <a:ext uri="{FF2B5EF4-FFF2-40B4-BE49-F238E27FC236}">
+                <a16:creationId xmlns:a16="http://schemas.microsoft.com/office/drawing/2014/main" id="{F026992B-A001-6053-6DB3-65E14B8D4E9D}"/>
+              </a:ext>
+            </a:extLst>
+          </p:cNvPr>
+          <p:cNvSpPr txBox="1"/>
+          <p:nvPr/>
+        </p:nvSpPr>
+        <p:spPr>
+          <a:xfrm>
+            <a:off x="456676" y="1282425"/>
+            <a:ext cx="8230124" cy="1408047"/>
+          </a:xfrm>
+          <a:prstGeom prst="rect">
+            <a:avLst/>
+          </a:prstGeom>
+          <a:noFill/>
+          <a:ln>
+            <a:noFill/>
+          </a:ln>
+        </p:spPr>
+        <p:txBody>
+          <a:bodyPr spcFirstLastPara="1" wrap="square" lIns="91425" tIns="91425" rIns="91425" bIns="91425" anchor="t" anchorCtr="0">
+            <a:spAutoFit/>
+          </a:bodyPr>
+          <a:lstStyle/>
+          <a:p>
+            <a:pPr lvl="0" indent="-304800" algn="just" rtl="0">
+              <a:spcBef>
+                <a:spcPts val="300"/>
+              </a:spcBef>
+              <a:spcAft>
+                <a:spcPts val="0"/>
+              </a:spcAft>
+              <a:buSzPts val="1200"/>
+              <a:buFont typeface="Open Sans"/>
+              <a:buChar char="●"/>
+            </a:pPr>
+            <a:r>
+              <a:rPr lang="en" sz="1200" dirty="0">
+                <a:latin typeface="Open Sans"/>
+                <a:ea typeface="Open Sans"/>
+                <a:cs typeface="Open Sans"/>
+                <a:sym typeface="Open Sans"/>
+              </a:rPr>
+              <a:t>Loyalty programs leveraging shopping behavior while traveling allow users to turn ride time into shopping rewards. </a:t>
+            </a:r>
+            <a:endParaRPr lang="en" sz="1200" dirty="0">
+              <a:solidFill>
+                <a:schemeClr val="tx1"/>
+              </a:solidFill>
+              <a:latin typeface="Open Sans"/>
+              <a:ea typeface="Open Sans"/>
+              <a:cs typeface="Open Sans"/>
+              <a:sym typeface="Open Sans"/>
+            </a:endParaRPr>
+          </a:p>
+          <a:p>
+            <a:pPr lvl="0" indent="-304800" algn="just" rtl="0">
+              <a:spcBef>
+                <a:spcPts val="300"/>
+              </a:spcBef>
+              <a:spcAft>
+                <a:spcPts val="0"/>
+              </a:spcAft>
+              <a:buSzPts val="1200"/>
+              <a:buFont typeface="Open Sans"/>
+              <a:buChar char="●"/>
+            </a:pPr>
+            <a:r>
+              <a:rPr lang="en" sz="1200" dirty="0">
+                <a:solidFill>
+                  <a:schemeClr val="tx1"/>
+                </a:solidFill>
+                <a:latin typeface="Open Sans"/>
+                <a:ea typeface="Open Sans"/>
+                <a:cs typeface="Open Sans"/>
+                <a:sym typeface="Open Sans"/>
+              </a:rPr>
+              <a:t>Promotional season for casual users is considered to be May – October, promoting special fee discounts focusing on docked/electric bikes. </a:t>
+            </a:r>
+          </a:p>
+          <a:p>
+            <a:pPr lvl="0" indent="-304800" algn="just" rtl="0">
+              <a:spcBef>
+                <a:spcPts val="300"/>
+              </a:spcBef>
+              <a:spcAft>
+                <a:spcPts val="0"/>
+              </a:spcAft>
+              <a:buSzPts val="1200"/>
+              <a:buFont typeface="Open Sans"/>
+              <a:buChar char="●"/>
+            </a:pPr>
+            <a:r>
+              <a:rPr lang="en" sz="1200" dirty="0">
+                <a:solidFill>
+                  <a:schemeClr val="tx1"/>
+                </a:solidFill>
+                <a:latin typeface="Open Sans"/>
+                <a:ea typeface="Open Sans"/>
+                <a:cs typeface="Open Sans"/>
+                <a:sym typeface="Open Sans"/>
+              </a:rPr>
+              <a:t>Utilizing digital review sites like Yelp or ticketing sites to promote our campaign. Plus, partnership with these sites helps to control relationship management and send promotional events during the peak season. </a:t>
+            </a:r>
+          </a:p>
+        </p:txBody>
+      </p:sp>
+      <p:sp>
+        <p:nvSpPr>
+          <p:cNvPr id="6" name="Google Shape;103;p18">
+            <a:extLst>
+              <a:ext uri="{FF2B5EF4-FFF2-40B4-BE49-F238E27FC236}">
+                <a16:creationId xmlns:a16="http://schemas.microsoft.com/office/drawing/2014/main" id="{B9721339-9D22-8AA3-F54B-F889D2752CF1}"/>
+              </a:ext>
+            </a:extLst>
+          </p:cNvPr>
+          <p:cNvSpPr txBox="1"/>
+          <p:nvPr/>
+        </p:nvSpPr>
+        <p:spPr>
+          <a:xfrm>
+            <a:off x="456675" y="1058409"/>
+            <a:ext cx="8230124" cy="369302"/>
+          </a:xfrm>
+          <a:prstGeom prst="rect">
+            <a:avLst/>
+          </a:prstGeom>
+          <a:noFill/>
+          <a:ln>
+            <a:noFill/>
+          </a:ln>
+        </p:spPr>
+        <p:txBody>
+          <a:bodyPr spcFirstLastPara="1" wrap="square" lIns="91425" tIns="91425" rIns="91425" bIns="91425" anchor="t" anchorCtr="0">
+            <a:spAutoFit/>
+          </a:bodyPr>
+          <a:lstStyle/>
+          <a:p>
+            <a:pPr marL="0" lvl="0" indent="0" algn="l" rtl="0">
+              <a:spcBef>
+                <a:spcPts val="0"/>
+              </a:spcBef>
+              <a:spcAft>
+                <a:spcPts val="0"/>
+              </a:spcAft>
+              <a:buNone/>
+            </a:pPr>
+            <a:r>
+              <a:rPr lang="en-US" sz="1200" b="1" dirty="0">
+                <a:solidFill>
+                  <a:schemeClr val="accent1"/>
+                </a:solidFill>
+                <a:latin typeface="Open Sans"/>
+                <a:ea typeface="Open Sans"/>
+                <a:cs typeface="Open Sans"/>
+                <a:sym typeface="Open Sans"/>
+              </a:rPr>
+              <a:t>Key recommendations:</a:t>
+            </a:r>
+            <a:endParaRPr sz="1200" dirty="0">
+              <a:solidFill>
+                <a:schemeClr val="tx1"/>
+              </a:solidFill>
+              <a:latin typeface="Open Sans"/>
+              <a:ea typeface="Open Sans"/>
+              <a:cs typeface="Open Sans"/>
+              <a:sym typeface="Open Sans"/>
+            </a:endParaRPr>
+          </a:p>
+        </p:txBody>
+      </p:sp>
+    </p:spTree>
+    <p:extLst>
+      <p:ext uri="{BB962C8B-B14F-4D97-AF65-F5344CB8AC3E}">
+        <p14:creationId xmlns:p14="http://schemas.microsoft.com/office/powerpoint/2010/main" val="301238709"/>
+      </p:ext>
+    </p:extLst>
+  </p:cSld>
+  <p:clrMapOvr>
+    <a:masterClrMapping/>
+  </p:clrMapOvr>
+</p:sld>
+</file>
+
+<file path=ppt/slides/slide4.xml><?xml version="1.0" encoding="utf-8"?>
+<p:sld xmlns:a="http://schemas.openxmlformats.org/drawingml/2006/main" xmlns:r="http://schemas.openxmlformats.org/officeDocument/2006/relationships" xmlns:p="http://schemas.openxmlformats.org/presentationml/2006/main">
+  <p:cSld>
+    <p:spTree>
+      <p:nvGrpSpPr>
+        <p:cNvPr id="1" name="Shape 76"/>
         <p:cNvGrpSpPr/>
         <p:nvPr/>
       </p:nvGrpSpPr>
@@ -9461,12 +10971,12 @@
           </a:ln>
         </p:spPr>
         <p:txBody>
-          <a:bodyPr anchorCtr="0" anchor="ctr" bIns="91425" lIns="91425" spcFirstLastPara="1" rIns="91425" wrap="square" tIns="91425">
+          <a:bodyPr spcFirstLastPara="1" wrap="square" lIns="91425" tIns="91425" rIns="91425" bIns="91425" anchor="ctr" anchorCtr="0">
             <a:noAutofit/>
           </a:bodyPr>
           <a:lstStyle/>
           <a:p>
-            <a:pPr indent="0" lvl="0" marL="0" rtl="0" algn="l">
+            <a:pPr marL="0" lvl="0" indent="0" algn="l" rtl="0">
               <a:spcBef>
                 <a:spcPts val="0"/>
               </a:spcBef>
@@ -9475,9 +10985,6 @@
               </a:spcAft>
               <a:buNone/>
             </a:pPr>
-            <a:r>
-              <a:t/>
-            </a:r>
             <a:endParaRPr/>
           </a:p>
         </p:txBody>
@@ -9504,12 +11011,12 @@
           </a:ln>
         </p:spPr>
         <p:txBody>
-          <a:bodyPr anchorCtr="0" anchor="ctr" bIns="91425" lIns="91425" spcFirstLastPara="1" rIns="91425" wrap="square" tIns="91425">
+          <a:bodyPr spcFirstLastPara="1" wrap="square" lIns="91425" tIns="91425" rIns="91425" bIns="91425" anchor="ctr" anchorCtr="0">
             <a:noAutofit/>
           </a:bodyPr>
           <a:lstStyle/>
           <a:p>
-            <a:pPr indent="0" lvl="0" marL="0" rtl="0" algn="l">
+            <a:pPr marL="0" lvl="0" indent="0" algn="l" rtl="0">
               <a:spcBef>
                 <a:spcPts val="0"/>
               </a:spcBef>
@@ -9518,9 +11025,6 @@
               </a:spcAft>
               <a:buNone/>
             </a:pPr>
-            <a:r>
-              <a:t/>
-            </a:r>
             <a:endParaRPr/>
           </a:p>
         </p:txBody>
@@ -9545,12 +11049,12 @@
           </a:ln>
         </p:spPr>
         <p:txBody>
-          <a:bodyPr anchorCtr="0" anchor="t" bIns="91425" lIns="91425" spcFirstLastPara="1" rIns="91425" wrap="square" tIns="91425">
+          <a:bodyPr spcFirstLastPara="1" wrap="square" lIns="91425" tIns="91425" rIns="91425" bIns="91425" anchor="t" anchorCtr="0">
             <a:spAutoFit/>
           </a:bodyPr>
           <a:lstStyle/>
           <a:p>
-            <a:pPr indent="0" lvl="0" marL="0" rtl="0" algn="l">
+            <a:pPr marL="0" lvl="0" indent="0" algn="l" rtl="0">
               <a:spcBef>
                 <a:spcPts val="0"/>
               </a:spcBef>
@@ -9560,7 +11064,7 @@
               <a:buNone/>
             </a:pPr>
             <a:r>
-              <a:rPr b="1" lang="en" sz="3200">
+              <a:rPr lang="en" sz="3200" b="1" dirty="0">
                 <a:solidFill>
                   <a:schemeClr val="lt1"/>
                 </a:solidFill>
@@ -9569,9 +11073,9 @@
                 <a:cs typeface="Open Sans"/>
                 <a:sym typeface="Open Sans"/>
               </a:rPr>
-              <a:t>Purpose statement</a:t>
-            </a:r>
-            <a:endParaRPr b="1" sz="3200">
+              <a:t>Analytics goals</a:t>
+            </a:r>
+            <a:endParaRPr sz="3200" b="1" dirty="0">
               <a:solidFill>
                 <a:schemeClr val="lt1"/>
               </a:solidFill>
@@ -9584,6 +11088,11 @@
         </p:txBody>
       </p:sp>
     </p:spTree>
+    <p:extLst>
+      <p:ext uri="{BB962C8B-B14F-4D97-AF65-F5344CB8AC3E}">
+        <p14:creationId xmlns:p14="http://schemas.microsoft.com/office/powerpoint/2010/main" val="506004263"/>
+      </p:ext>
+    </p:extLst>
   </p:cSld>
   <p:clrMapOvr>
     <a:masterClrMapping/>
@@ -9591,12 +11100,12 @@
 </p:sld>
 </file>
 
-<file path=ppt/slides/slide4.xml><?xml version="1.0" encoding="utf-8"?>
-<p:sld xmlns:a="http://schemas.openxmlformats.org/drawingml/2006/main" xmlns:r="http://schemas.openxmlformats.org/officeDocument/2006/relationships" xmlns:mc="http://schemas.openxmlformats.org/markup-compatibility/2006" xmlns:mv="urn:schemas-microsoft-com:mac:vml" xmlns:p="http://schemas.openxmlformats.org/presentationml/2006/main" xmlns:c="http://schemas.openxmlformats.org/drawingml/2006/chart" xmlns:dgm="http://schemas.openxmlformats.org/drawingml/2006/diagram" xmlns:o="urn:schemas-microsoft-com:office:office" xmlns:v="urn:schemas-microsoft-com:vml" xmlns:pvml="urn:schemas-microsoft-com:office:powerpoint" xmlns:com="http://schemas.openxmlformats.org/drawingml/2006/compatibility" xmlns:p14="http://schemas.microsoft.com/office/powerpoint/2010/main" xmlns:p15="http://schemas.microsoft.com/office/powerpoint/2012/main" xmlns:ahyp="http://schemas.microsoft.com/office/drawing/2018/hyperlinkcolor">
+<file path=ppt/slides/slide5.xml><?xml version="1.0" encoding="utf-8"?>
+<p:sld xmlns:a="http://schemas.openxmlformats.org/drawingml/2006/main" xmlns:r="http://schemas.openxmlformats.org/officeDocument/2006/relationships" xmlns:p="http://schemas.openxmlformats.org/presentationml/2006/main">
   <p:cSld>
     <p:spTree>
       <p:nvGrpSpPr>
-        <p:cNvPr id="83" name="Shape 83"/>
+        <p:cNvPr id="1" name="Shape 83"/>
         <p:cNvGrpSpPr/>
         <p:nvPr/>
       </p:nvGrpSpPr>
@@ -9630,12 +11139,12 @@
           </a:ln>
         </p:spPr>
         <p:txBody>
-          <a:bodyPr anchorCtr="0" anchor="ctr" bIns="91425" lIns="91425" spcFirstLastPara="1" rIns="91425" wrap="square" tIns="91425">
+          <a:bodyPr spcFirstLastPara="1" wrap="square" lIns="91425" tIns="91425" rIns="91425" bIns="91425" anchor="ctr" anchorCtr="0">
             <a:noAutofit/>
           </a:bodyPr>
           <a:lstStyle/>
           <a:p>
-            <a:pPr indent="0" lvl="0" marL="0" rtl="0" algn="l">
+            <a:pPr marL="0" lvl="0" indent="0" algn="l" rtl="0">
               <a:spcBef>
                 <a:spcPts val="0"/>
               </a:spcBef>
@@ -9644,9 +11153,6 @@
               </a:spcAft>
               <a:buNone/>
             </a:pPr>
-            <a:r>
-              <a:t/>
-            </a:r>
             <a:endParaRPr/>
           </a:p>
         </p:txBody>
@@ -9666,23 +11172,23 @@
             <a:avLst/>
           </a:prstGeom>
           <a:noFill/>
-          <a:ln cap="flat" cmpd="sng" w="9525">
+          <a:ln w="9525" cap="flat" cmpd="sng">
             <a:solidFill>
               <a:schemeClr val="accent1"/>
             </a:solidFill>
             <a:prstDash val="solid"/>
             <a:round/>
-            <a:headEnd len="sm" w="sm" type="none"/>
-            <a:tailEnd len="sm" w="sm" type="none"/>
+            <a:headEnd type="none" w="sm" len="sm"/>
+            <a:tailEnd type="none" w="sm" len="sm"/>
           </a:ln>
         </p:spPr>
         <p:txBody>
-          <a:bodyPr anchorCtr="0" anchor="ctr" bIns="91425" lIns="91425" spcFirstLastPara="1" rIns="91425" wrap="square" tIns="91425">
+          <a:bodyPr spcFirstLastPara="1" wrap="square" lIns="91425" tIns="91425" rIns="91425" bIns="91425" anchor="ctr" anchorCtr="0">
             <a:noAutofit/>
           </a:bodyPr>
           <a:lstStyle/>
           <a:p>
-            <a:pPr indent="0" lvl="0" marL="0" rtl="0" algn="ctr">
+            <a:pPr marL="0" lvl="0" indent="0" algn="ctr" rtl="0">
               <a:spcBef>
                 <a:spcPts val="0"/>
               </a:spcBef>
@@ -9692,7 +11198,7 @@
               <a:buNone/>
             </a:pPr>
             <a:r>
-              <a:rPr lang="en" sz="1200">
+              <a:rPr lang="en" sz="1200" dirty="0">
                 <a:latin typeface="Open Sans"/>
                 <a:ea typeface="Open Sans"/>
                 <a:cs typeface="Open Sans"/>
@@ -9701,7 +11207,7 @@
               <a:t>Define the differences in bike-share ride behavior between </a:t>
             </a:r>
             <a:r>
-              <a:rPr b="1" lang="en" sz="1200">
+              <a:rPr lang="en" sz="1200" b="1" dirty="0">
                 <a:solidFill>
                   <a:srgbClr val="6AA84F"/>
                 </a:solidFill>
@@ -9713,7 +11219,7 @@
               <a:t>casual users</a:t>
             </a:r>
             <a:r>
-              <a:rPr lang="en" sz="1200">
+              <a:rPr lang="en" sz="1200" dirty="0">
                 <a:latin typeface="Open Sans"/>
                 <a:ea typeface="Open Sans"/>
                 <a:cs typeface="Open Sans"/>
@@ -9722,7 +11228,7 @@
               <a:t> and </a:t>
             </a:r>
             <a:r>
-              <a:rPr b="1" lang="en" sz="1200">
+              <a:rPr lang="en" sz="1200" b="1" dirty="0">
                 <a:solidFill>
                   <a:schemeClr val="accent1"/>
                 </a:solidFill>
@@ -9733,7 +11239,7 @@
               </a:rPr>
               <a:t>member users</a:t>
             </a:r>
-            <a:endParaRPr b="1" sz="1200">
+            <a:endParaRPr sz="1200" b="1" dirty="0">
               <a:solidFill>
                 <a:schemeClr val="accent1"/>
               </a:solidFill>
@@ -9767,12 +11273,12 @@
           </a:ln>
         </p:spPr>
         <p:txBody>
-          <a:bodyPr anchorCtr="0" anchor="ctr" bIns="91425" lIns="91425" spcFirstLastPara="1" rIns="91425" wrap="square" tIns="91425">
+          <a:bodyPr spcFirstLastPara="1" wrap="square" lIns="91425" tIns="91425" rIns="91425" bIns="91425" anchor="ctr" anchorCtr="0">
             <a:noAutofit/>
           </a:bodyPr>
           <a:lstStyle/>
           <a:p>
-            <a:pPr indent="0" lvl="0" marL="171450" marR="0" rtl="0" algn="l">
+            <a:pPr marL="171450" marR="0" lvl="0" indent="0" algn="l" rtl="0">
               <a:spcBef>
                 <a:spcPts val="0"/>
               </a:spcBef>
@@ -9782,7 +11288,7 @@
               <a:buNone/>
             </a:pPr>
             <a:r>
-              <a:rPr b="1" lang="en">
+              <a:rPr lang="en" b="1">
                 <a:latin typeface="Open Sans"/>
                 <a:ea typeface="Open Sans"/>
                 <a:cs typeface="Open Sans"/>
@@ -9814,23 +11320,23 @@
             <a:avLst/>
           </a:prstGeom>
           <a:noFill/>
-          <a:ln cap="flat" cmpd="sng" w="9525">
+          <a:ln w="9525" cap="flat" cmpd="sng">
             <a:solidFill>
               <a:schemeClr val="accent1"/>
             </a:solidFill>
             <a:prstDash val="solid"/>
             <a:round/>
-            <a:headEnd len="sm" w="sm" type="none"/>
-            <a:tailEnd len="sm" w="sm" type="none"/>
+            <a:headEnd type="none" w="sm" len="sm"/>
+            <a:tailEnd type="none" w="sm" len="sm"/>
           </a:ln>
         </p:spPr>
         <p:txBody>
-          <a:bodyPr anchorCtr="0" anchor="ctr" bIns="91425" lIns="91425" spcFirstLastPara="1" rIns="91425" wrap="square" tIns="91425">
+          <a:bodyPr spcFirstLastPara="1" wrap="square" lIns="91425" tIns="91425" rIns="91425" bIns="91425" anchor="ctr" anchorCtr="0">
             <a:noAutofit/>
           </a:bodyPr>
           <a:lstStyle/>
           <a:p>
-            <a:pPr indent="0" lvl="0" marL="0" rtl="0" algn="ctr">
+            <a:pPr marL="0" lvl="0" indent="0" algn="ctr" rtl="0">
               <a:spcBef>
                 <a:spcPts val="0"/>
               </a:spcBef>
@@ -9849,7 +11355,7 @@
               <a:t>Identify leverage to convert </a:t>
             </a:r>
             <a:r>
-              <a:rPr b="1" lang="en" sz="1200">
+              <a:rPr lang="en" sz="1200" b="1">
                 <a:solidFill>
                   <a:srgbClr val="6AA84F"/>
                 </a:solidFill>
@@ -9870,7 +11376,7 @@
               <a:t> to </a:t>
             </a:r>
             <a:r>
-              <a:rPr b="1" lang="en" sz="1200">
+              <a:rPr lang="en" sz="1200" b="1">
                 <a:solidFill>
                   <a:schemeClr val="accent1"/>
                 </a:solidFill>
@@ -9921,12 +11427,12 @@
           </a:ln>
         </p:spPr>
         <p:txBody>
-          <a:bodyPr anchorCtr="0" anchor="ctr" bIns="91425" lIns="91425" spcFirstLastPara="1" rIns="91425" wrap="square" tIns="91425">
+          <a:bodyPr spcFirstLastPara="1" wrap="square" lIns="91425" tIns="91425" rIns="91425" bIns="91425" anchor="ctr" anchorCtr="0">
             <a:noAutofit/>
           </a:bodyPr>
           <a:lstStyle/>
           <a:p>
-            <a:pPr indent="0" lvl="0" marL="171450" marR="0" rtl="0" algn="l">
+            <a:pPr marL="171450" marR="0" lvl="0" indent="0" algn="l" rtl="0">
               <a:spcBef>
                 <a:spcPts val="0"/>
               </a:spcBef>
@@ -9936,7 +11442,7 @@
               <a:buNone/>
             </a:pPr>
             <a:r>
-              <a:rPr b="1" lang="en">
+              <a:rPr lang="en" b="1">
                 <a:latin typeface="Open Sans"/>
                 <a:ea typeface="Open Sans"/>
                 <a:cs typeface="Open Sans"/>
@@ -9968,23 +11474,23 @@
             <a:avLst/>
           </a:prstGeom>
           <a:noFill/>
-          <a:ln cap="flat" cmpd="sng" w="9525">
+          <a:ln w="9525" cap="flat" cmpd="sng">
             <a:solidFill>
               <a:schemeClr val="accent1"/>
             </a:solidFill>
             <a:prstDash val="solid"/>
             <a:round/>
-            <a:headEnd len="sm" w="sm" type="none"/>
-            <a:tailEnd len="sm" w="sm" type="none"/>
+            <a:headEnd type="none" w="sm" len="sm"/>
+            <a:tailEnd type="none" w="sm" len="sm"/>
           </a:ln>
         </p:spPr>
         <p:txBody>
-          <a:bodyPr anchorCtr="0" anchor="ctr" bIns="91425" lIns="91425" spcFirstLastPara="1" rIns="91425" wrap="square" tIns="91425">
+          <a:bodyPr spcFirstLastPara="1" wrap="square" lIns="91425" tIns="91425" rIns="91425" bIns="91425" anchor="ctr" anchorCtr="0">
             <a:noAutofit/>
           </a:bodyPr>
           <a:lstStyle/>
           <a:p>
-            <a:pPr indent="0" lvl="0" marL="0" rtl="0" algn="ctr">
+            <a:pPr marL="0" lvl="0" indent="0" algn="ctr" rtl="0">
               <a:spcBef>
                 <a:spcPts val="0"/>
               </a:spcBef>
@@ -9994,7 +11500,7 @@
               <a:buNone/>
             </a:pPr>
             <a:r>
-              <a:rPr lang="en" sz="1200">
+              <a:rPr lang="en" sz="1200" dirty="0">
                 <a:latin typeface="Open Sans"/>
                 <a:ea typeface="Open Sans"/>
                 <a:cs typeface="Open Sans"/>
@@ -10003,7 +11509,7 @@
               <a:t>Identify digital media opportunities to influence to conversion of </a:t>
             </a:r>
             <a:r>
-              <a:rPr b="1" lang="en" sz="1200">
+              <a:rPr lang="en" sz="1200" b="1" dirty="0">
                 <a:solidFill>
                   <a:srgbClr val="6AA84F"/>
                 </a:solidFill>
@@ -10015,7 +11521,7 @@
               <a:t>casual users</a:t>
             </a:r>
             <a:r>
-              <a:rPr lang="en" sz="1200">
+              <a:rPr lang="en" sz="1200" dirty="0">
                 <a:solidFill>
                   <a:schemeClr val="dk1"/>
                 </a:solidFill>
@@ -10027,7 +11533,7 @@
               <a:t> to </a:t>
             </a:r>
             <a:r>
-              <a:rPr b="1" lang="en" sz="1200">
+              <a:rPr lang="en" sz="1200" b="1" dirty="0">
                 <a:solidFill>
                   <a:schemeClr val="accent1"/>
                 </a:solidFill>
@@ -10039,7 +11545,7 @@
               <a:t>member users</a:t>
             </a:r>
             <a:r>
-              <a:rPr lang="en" sz="1200">
+              <a:rPr lang="en" sz="1200" dirty="0">
                 <a:latin typeface="Open Sans"/>
                 <a:ea typeface="Open Sans"/>
                 <a:cs typeface="Open Sans"/>
@@ -10047,7 +11553,7 @@
               </a:rPr>
               <a:t>    </a:t>
             </a:r>
-            <a:endParaRPr sz="1200">
+            <a:endParaRPr sz="1200" dirty="0">
               <a:latin typeface="Open Sans"/>
               <a:ea typeface="Open Sans"/>
               <a:cs typeface="Open Sans"/>
@@ -10078,12 +11584,12 @@
           </a:ln>
         </p:spPr>
         <p:txBody>
-          <a:bodyPr anchorCtr="0" anchor="ctr" bIns="91425" lIns="91425" spcFirstLastPara="1" rIns="91425" wrap="square" tIns="91425">
+          <a:bodyPr spcFirstLastPara="1" wrap="square" lIns="91425" tIns="91425" rIns="91425" bIns="91425" anchor="ctr" anchorCtr="0">
             <a:noAutofit/>
           </a:bodyPr>
           <a:lstStyle/>
           <a:p>
-            <a:pPr indent="0" lvl="0" marL="171450" marR="0" rtl="0" algn="l">
+            <a:pPr marL="171450" marR="0" lvl="0" indent="0" algn="l" rtl="0">
               <a:spcBef>
                 <a:spcPts val="0"/>
               </a:spcBef>
@@ -10093,7 +11599,7 @@
               <a:buNone/>
             </a:pPr>
             <a:r>
-              <a:rPr b="1" lang="en">
+              <a:rPr lang="en" b="1">
                 <a:latin typeface="Open Sans"/>
                 <a:ea typeface="Open Sans"/>
                 <a:cs typeface="Open Sans"/>
@@ -10111,6 +11617,11 @@
         </p:txBody>
       </p:sp>
     </p:spTree>
+    <p:extLst>
+      <p:ext uri="{BB962C8B-B14F-4D97-AF65-F5344CB8AC3E}">
+        <p14:creationId xmlns:p14="http://schemas.microsoft.com/office/powerpoint/2010/main" val="1789338371"/>
+      </p:ext>
+    </p:extLst>
   </p:cSld>
   <p:clrMapOvr>
     <a:masterClrMapping/>
@@ -10118,12 +11629,12 @@
 </p:sld>
 </file>
 
-<file path=ppt/slides/slide5.xml><?xml version="1.0" encoding="utf-8"?>
-<p:sld xmlns:a="http://schemas.openxmlformats.org/drawingml/2006/main" xmlns:r="http://schemas.openxmlformats.org/officeDocument/2006/relationships" xmlns:mc="http://schemas.openxmlformats.org/markup-compatibility/2006" xmlns:mv="urn:schemas-microsoft-com:mac:vml" xmlns:p="http://schemas.openxmlformats.org/presentationml/2006/main" xmlns:c="http://schemas.openxmlformats.org/drawingml/2006/chart" xmlns:dgm="http://schemas.openxmlformats.org/drawingml/2006/diagram" xmlns:o="urn:schemas-microsoft-com:office:office" xmlns:v="urn:schemas-microsoft-com:vml" xmlns:pvml="urn:schemas-microsoft-com:office:powerpoint" xmlns:com="http://schemas.openxmlformats.org/drawingml/2006/compatibility" xmlns:p14="http://schemas.microsoft.com/office/powerpoint/2010/main" xmlns:p15="http://schemas.microsoft.com/office/powerpoint/2012/main" xmlns:ahyp="http://schemas.microsoft.com/office/drawing/2018/hyperlinkcolor">
+<file path=ppt/slides/slide6.xml><?xml version="1.0" encoding="utf-8"?>
+<p:sld xmlns:a="http://schemas.openxmlformats.org/drawingml/2006/main" xmlns:r="http://schemas.openxmlformats.org/officeDocument/2006/relationships" xmlns:p="http://schemas.openxmlformats.org/presentationml/2006/main">
   <p:cSld>
     <p:spTree>
       <p:nvGrpSpPr>
-        <p:cNvPr id="94" name="Shape 94"/>
+        <p:cNvPr id="1" name="Shape 94"/>
         <p:cNvGrpSpPr/>
         <p:nvPr/>
       </p:nvGrpSpPr>
@@ -10157,12 +11668,12 @@
           </a:ln>
         </p:spPr>
         <p:txBody>
-          <a:bodyPr anchorCtr="0" anchor="ctr" bIns="91425" lIns="91425" spcFirstLastPara="1" rIns="91425" wrap="square" tIns="91425">
+          <a:bodyPr spcFirstLastPara="1" wrap="square" lIns="91425" tIns="91425" rIns="91425" bIns="91425" anchor="ctr" anchorCtr="0">
             <a:noAutofit/>
           </a:bodyPr>
           <a:lstStyle/>
           <a:p>
-            <a:pPr indent="0" lvl="0" marL="0" rtl="0" algn="l">
+            <a:pPr marL="0" lvl="0" indent="0" algn="l" rtl="0">
               <a:spcBef>
                 <a:spcPts val="0"/>
               </a:spcBef>
@@ -10171,9 +11682,6 @@
               </a:spcAft>
               <a:buNone/>
             </a:pPr>
-            <a:r>
-              <a:t/>
-            </a:r>
             <a:endParaRPr/>
           </a:p>
         </p:txBody>
@@ -10200,12 +11708,12 @@
           </a:ln>
         </p:spPr>
         <p:txBody>
-          <a:bodyPr anchorCtr="0" anchor="ctr" bIns="91425" lIns="91425" spcFirstLastPara="1" rIns="91425" wrap="square" tIns="91425">
+          <a:bodyPr spcFirstLastPara="1" wrap="square" lIns="91425" tIns="91425" rIns="91425" bIns="91425" anchor="ctr" anchorCtr="0">
             <a:noAutofit/>
           </a:bodyPr>
           <a:lstStyle/>
           <a:p>
-            <a:pPr indent="0" lvl="0" marL="0" rtl="0" algn="l">
+            <a:pPr marL="0" lvl="0" indent="0" algn="l" rtl="0">
               <a:spcBef>
                 <a:spcPts val="0"/>
               </a:spcBef>
@@ -10214,9 +11722,6 @@
               </a:spcAft>
               <a:buNone/>
             </a:pPr>
-            <a:r>
-              <a:t/>
-            </a:r>
             <a:endParaRPr/>
           </a:p>
         </p:txBody>
@@ -10230,7 +11735,7 @@
         <p:spPr>
           <a:xfrm>
             <a:off x="908575" y="1948775"/>
-            <a:ext cx="7399800" cy="677100"/>
+            <a:ext cx="7399800" cy="1169521"/>
           </a:xfrm>
           <a:prstGeom prst="rect">
             <a:avLst/>
@@ -10241,12 +11746,12 @@
           </a:ln>
         </p:spPr>
         <p:txBody>
-          <a:bodyPr anchorCtr="0" anchor="t" bIns="91425" lIns="91425" spcFirstLastPara="1" rIns="91425" wrap="square" tIns="91425">
+          <a:bodyPr spcFirstLastPara="1" wrap="square" lIns="91425" tIns="91425" rIns="91425" bIns="91425" anchor="t" anchorCtr="0">
             <a:spAutoFit/>
           </a:bodyPr>
           <a:lstStyle/>
           <a:p>
-            <a:pPr indent="0" lvl="0" marL="0" rtl="0" algn="l">
+            <a:pPr marL="0" lvl="0" indent="0" algn="l" rtl="0">
               <a:spcBef>
                 <a:spcPts val="0"/>
               </a:spcBef>
@@ -10256,30 +11761,26 @@
               <a:buNone/>
             </a:pPr>
             <a:r>
-              <a:rPr b="1" lang="en" sz="3200">
+              <a:rPr lang="en-US" sz="3200" b="1" dirty="0">
                 <a:solidFill>
-                  <a:schemeClr val="lt1"/>
+                  <a:schemeClr val="bg1"/>
                 </a:solidFill>
                 <a:latin typeface="Open Sans"/>
                 <a:ea typeface="Open Sans"/>
                 <a:cs typeface="Open Sans"/>
                 <a:sym typeface="Open Sans"/>
               </a:rPr>
-              <a:t>Narrative</a:t>
-            </a:r>
-            <a:endParaRPr b="1" sz="3200">
-              <a:solidFill>
-                <a:schemeClr val="lt1"/>
-              </a:solidFill>
-              <a:latin typeface="Open Sans"/>
-              <a:ea typeface="Open Sans"/>
-              <a:cs typeface="Open Sans"/>
-              <a:sym typeface="Open Sans"/>
-            </a:endParaRPr>
+              <a:t>The story about bike-share service usage behavior</a:t>
+            </a:r>
           </a:p>
         </p:txBody>
       </p:sp>
     </p:spTree>
+    <p:extLst>
+      <p:ext uri="{BB962C8B-B14F-4D97-AF65-F5344CB8AC3E}">
+        <p14:creationId xmlns:p14="http://schemas.microsoft.com/office/powerpoint/2010/main" val="2581829314"/>
+      </p:ext>
+    </p:extLst>
   </p:cSld>
   <p:clrMapOvr>
     <a:masterClrMapping/>
@@ -10287,12 +11788,12 @@
 </p:sld>
 </file>
 
-<file path=ppt/slides/slide6.xml><?xml version="1.0" encoding="utf-8"?>
-<p:sld xmlns:a="http://schemas.openxmlformats.org/drawingml/2006/main" xmlns:r="http://schemas.openxmlformats.org/officeDocument/2006/relationships" xmlns:mc="http://schemas.openxmlformats.org/markup-compatibility/2006" xmlns:mv="urn:schemas-microsoft-com:mac:vml" xmlns:p="http://schemas.openxmlformats.org/presentationml/2006/main" xmlns:c="http://schemas.openxmlformats.org/drawingml/2006/chart" xmlns:dgm="http://schemas.openxmlformats.org/drawingml/2006/diagram" xmlns:o="urn:schemas-microsoft-com:office:office" xmlns:v="urn:schemas-microsoft-com:vml" xmlns:pvml="urn:schemas-microsoft-com:office:powerpoint" xmlns:com="http://schemas.openxmlformats.org/drawingml/2006/compatibility" xmlns:p14="http://schemas.microsoft.com/office/powerpoint/2010/main" xmlns:p15="http://schemas.microsoft.com/office/powerpoint/2012/main" xmlns:ahyp="http://schemas.microsoft.com/office/drawing/2018/hyperlinkcolor">
+<file path=ppt/slides/slide7.xml><?xml version="1.0" encoding="utf-8"?>
+<p:sld xmlns:a="http://schemas.openxmlformats.org/drawingml/2006/main" xmlns:r="http://schemas.openxmlformats.org/officeDocument/2006/relationships" xmlns:p="http://schemas.openxmlformats.org/presentationml/2006/main">
   <p:cSld>
     <p:spTree>
       <p:nvGrpSpPr>
-        <p:cNvPr id="101" name="Shape 101"/>
+        <p:cNvPr id="1" name="Shape 101"/>
         <p:cNvGrpSpPr/>
         <p:nvPr/>
       </p:nvGrpSpPr>
@@ -10326,12 +11827,12 @@
           </a:ln>
         </p:spPr>
         <p:txBody>
-          <a:bodyPr anchorCtr="0" anchor="ctr" bIns="91425" lIns="91425" spcFirstLastPara="1" rIns="91425" wrap="square" tIns="91425">
+          <a:bodyPr spcFirstLastPara="1" wrap="square" lIns="91425" tIns="91425" rIns="91425" bIns="91425" anchor="ctr" anchorCtr="0">
             <a:noAutofit/>
           </a:bodyPr>
           <a:lstStyle/>
           <a:p>
-            <a:pPr indent="0" lvl="0" marL="0" rtl="0" algn="l">
+            <a:pPr marL="0" lvl="0" indent="0" algn="l" rtl="0">
               <a:spcBef>
                 <a:spcPts val="0"/>
               </a:spcBef>
@@ -10340,9 +11841,6 @@
               </a:spcAft>
               <a:buNone/>
             </a:pPr>
-            <a:r>
-              <a:t/>
-            </a:r>
             <a:endParaRPr/>
           </a:p>
         </p:txBody>
@@ -10367,12 +11865,12 @@
           </a:ln>
         </p:spPr>
         <p:txBody>
-          <a:bodyPr anchorCtr="0" anchor="t" bIns="91425" lIns="91425" spcFirstLastPara="1" rIns="91425" wrap="square" tIns="91425">
+          <a:bodyPr spcFirstLastPara="1" wrap="square" lIns="91425" tIns="91425" rIns="91425" bIns="91425" anchor="t" anchorCtr="0">
             <a:spAutoFit/>
           </a:bodyPr>
           <a:lstStyle/>
           <a:p>
-            <a:pPr indent="0" lvl="0" marL="0" rtl="0" algn="l">
+            <a:pPr marL="0" lvl="0" indent="0" algn="l" rtl="0">
               <a:spcBef>
                 <a:spcPts val="0"/>
               </a:spcBef>
@@ -10382,7 +11880,7 @@
               <a:buNone/>
             </a:pPr>
             <a:r>
-              <a:rPr b="1" lang="en" sz="1800">
+              <a:rPr lang="en" sz="1800" b="1">
                 <a:solidFill>
                   <a:schemeClr val="accent1"/>
                 </a:solidFill>
@@ -10393,7 +11891,7 @@
               </a:rPr>
               <a:t>Casual vs member users</a:t>
             </a:r>
-            <a:endParaRPr b="1" sz="1800">
+            <a:endParaRPr sz="1800" b="1">
               <a:solidFill>
                 <a:schemeClr val="accent1"/>
               </a:solidFill>
@@ -10404,7 +11902,7 @@
             </a:endParaRPr>
           </a:p>
           <a:p>
-            <a:pPr indent="0" lvl="0" marL="0" rtl="0" algn="l">
+            <a:pPr marL="0" lvl="0" indent="0" algn="l" rtl="0">
               <a:spcBef>
                 <a:spcPts val="0"/>
               </a:spcBef>
@@ -10414,7 +11912,7 @@
               <a:buNone/>
             </a:pPr>
             <a:r>
-              <a:rPr b="1" lang="en" sz="1800">
+              <a:rPr lang="en" sz="1800" b="1">
                 <a:solidFill>
                   <a:schemeClr val="accent1"/>
                 </a:solidFill>
@@ -10425,7 +11923,7 @@
               </a:rPr>
               <a:t>About types of bike</a:t>
             </a:r>
-            <a:endParaRPr b="1" sz="1800">
+            <a:endParaRPr sz="1800" b="1">
               <a:solidFill>
                 <a:schemeClr val="accent1"/>
               </a:solidFill>
@@ -10485,12 +11983,12 @@
           </a:ln>
         </p:spPr>
         <p:txBody>
-          <a:bodyPr anchorCtr="0" anchor="t" bIns="91425" lIns="91425" spcFirstLastPara="1" rIns="91425" wrap="square" tIns="91425">
+          <a:bodyPr spcFirstLastPara="1" wrap="square" lIns="91425" tIns="91425" rIns="91425" bIns="91425" anchor="t" anchorCtr="0">
             <a:spAutoFit/>
           </a:bodyPr>
           <a:lstStyle/>
           <a:p>
-            <a:pPr indent="-304800" lvl="0" marL="457200" rtl="0" algn="just">
+            <a:pPr marL="457200" lvl="0" indent="-304800" algn="just" rtl="0">
               <a:lnSpc>
                 <a:spcPct val="115000"/>
               </a:lnSpc>
@@ -10505,7 +12003,7 @@
               <a:buChar char="●"/>
             </a:pPr>
             <a:r>
-              <a:rPr b="1" lang="en" sz="1200">
+              <a:rPr lang="en" sz="1200" b="1">
                 <a:solidFill>
                   <a:srgbClr val="6AA84F"/>
                 </a:solidFill>
@@ -10526,7 +12024,7 @@
               <a:t> spend approximately the same amount of time on </a:t>
             </a:r>
             <a:r>
-              <a:rPr b="1" lang="en" sz="1200">
+              <a:rPr lang="en" sz="1200" b="1">
                 <a:latin typeface="Open Sans"/>
                 <a:ea typeface="Open Sans"/>
                 <a:cs typeface="Open Sans"/>
@@ -10551,7 +12049,7 @@
             </a:endParaRPr>
           </a:p>
           <a:p>
-            <a:pPr indent="-304800" lvl="0" marL="457200" rtl="0" algn="just">
+            <a:pPr marL="457200" lvl="0" indent="-304800" algn="just" rtl="0">
               <a:lnSpc>
                 <a:spcPct val="115000"/>
               </a:lnSpc>
@@ -10566,7 +12064,7 @@
               <a:buChar char="●"/>
             </a:pPr>
             <a:r>
-              <a:rPr b="1" lang="en" sz="1200">
+              <a:rPr lang="en" sz="1200" b="1">
                 <a:solidFill>
                   <a:srgbClr val="6AA84F"/>
                 </a:solidFill>
@@ -10587,7 +12085,7 @@
               <a:t> like electric bikes better than classic bikes while </a:t>
             </a:r>
             <a:r>
-              <a:rPr b="1" lang="en" sz="1200">
+              <a:rPr lang="en" sz="1200" b="1">
                 <a:solidFill>
                   <a:schemeClr val="accent1"/>
                 </a:solidFill>
@@ -10615,7 +12113,7 @@
             </a:endParaRPr>
           </a:p>
           <a:p>
-            <a:pPr indent="-304800" lvl="0" marL="457200" rtl="0" algn="just">
+            <a:pPr marL="457200" lvl="0" indent="-304800" algn="just" rtl="0">
               <a:lnSpc>
                 <a:spcPct val="115000"/>
               </a:lnSpc>
@@ -10639,7 +12137,7 @@
               <a:t>Average ride time of </a:t>
             </a:r>
             <a:r>
-              <a:rPr b="1" lang="en" sz="1200">
+              <a:rPr lang="en" sz="1200" b="1">
                 <a:solidFill>
                   <a:srgbClr val="6AA84F"/>
                 </a:solidFill>
@@ -10648,19 +12146,7 @@
                 <a:cs typeface="Open Sans"/>
                 <a:sym typeface="Open Sans"/>
               </a:rPr>
-              <a:t>c</a:t>
-            </a:r>
-            <a:r>
-              <a:rPr b="1" lang="en" sz="1200">
-                <a:solidFill>
-                  <a:srgbClr val="6AA84F"/>
-                </a:solidFill>
-                <a:latin typeface="Open Sans"/>
-                <a:ea typeface="Open Sans"/>
-                <a:cs typeface="Open Sans"/>
-                <a:sym typeface="Open Sans"/>
-              </a:rPr>
-              <a:t>asual users</a:t>
+              <a:t>casual users</a:t>
             </a:r>
             <a:r>
               <a:rPr lang="en" sz="1200">
@@ -10672,7 +12158,7 @@
               <a:t> are higher than </a:t>
             </a:r>
             <a:r>
-              <a:rPr b="1" lang="en" sz="1200">
+              <a:rPr lang="en" sz="1200" b="1">
                 <a:solidFill>
                   <a:schemeClr val="accent1"/>
                 </a:solidFill>
@@ -10730,6 +12216,11 @@
         </p:spPr>
       </p:pic>
     </p:spTree>
+    <p:extLst>
+      <p:ext uri="{BB962C8B-B14F-4D97-AF65-F5344CB8AC3E}">
+        <p14:creationId xmlns:p14="http://schemas.microsoft.com/office/powerpoint/2010/main" val="3657087859"/>
+      </p:ext>
+    </p:extLst>
   </p:cSld>
   <p:clrMapOvr>
     <a:masterClrMapping/>
@@ -10737,12 +12228,12 @@
 </p:sld>
 </file>
 
-<file path=ppt/slides/slide7.xml><?xml version="1.0" encoding="utf-8"?>
-<p:sld xmlns:a="http://schemas.openxmlformats.org/drawingml/2006/main" xmlns:r="http://schemas.openxmlformats.org/officeDocument/2006/relationships" xmlns:mc="http://schemas.openxmlformats.org/markup-compatibility/2006" xmlns:mv="urn:schemas-microsoft-com:mac:vml" xmlns:p="http://schemas.openxmlformats.org/presentationml/2006/main" xmlns:c="http://schemas.openxmlformats.org/drawingml/2006/chart" xmlns:dgm="http://schemas.openxmlformats.org/drawingml/2006/diagram" xmlns:o="urn:schemas-microsoft-com:office:office" xmlns:v="urn:schemas-microsoft-com:vml" xmlns:pvml="urn:schemas-microsoft-com:office:powerpoint" xmlns:com="http://schemas.openxmlformats.org/drawingml/2006/compatibility" xmlns:p14="http://schemas.microsoft.com/office/powerpoint/2010/main" xmlns:p15="http://schemas.microsoft.com/office/powerpoint/2012/main" xmlns:ahyp="http://schemas.microsoft.com/office/drawing/2018/hyperlinkcolor">
+<file path=ppt/slides/slide8.xml><?xml version="1.0" encoding="utf-8"?>
+<p:sld xmlns:a="http://schemas.openxmlformats.org/drawingml/2006/main" xmlns:r="http://schemas.openxmlformats.org/officeDocument/2006/relationships" xmlns:p="http://schemas.openxmlformats.org/presentationml/2006/main">
   <p:cSld>
     <p:spTree>
       <p:nvGrpSpPr>
-        <p:cNvPr id="110" name="Shape 110"/>
+        <p:cNvPr id="1" name="Shape 110"/>
         <p:cNvGrpSpPr/>
         <p:nvPr/>
       </p:nvGrpSpPr>
@@ -10776,12 +12267,12 @@
           </a:ln>
         </p:spPr>
         <p:txBody>
-          <a:bodyPr anchorCtr="0" anchor="ctr" bIns="91425" lIns="91425" spcFirstLastPara="1" rIns="91425" wrap="square" tIns="91425">
+          <a:bodyPr spcFirstLastPara="1" wrap="square" lIns="91425" tIns="91425" rIns="91425" bIns="91425" anchor="ctr" anchorCtr="0">
             <a:noAutofit/>
           </a:bodyPr>
           <a:lstStyle/>
           <a:p>
-            <a:pPr indent="0" lvl="0" marL="0" rtl="0" algn="l">
+            <a:pPr marL="0" lvl="0" indent="0" algn="l" rtl="0">
               <a:spcBef>
                 <a:spcPts val="0"/>
               </a:spcBef>
@@ -10790,9 +12281,6 @@
               </a:spcAft>
               <a:buNone/>
             </a:pPr>
-            <a:r>
-              <a:t/>
-            </a:r>
             <a:endParaRPr/>
           </a:p>
         </p:txBody>
@@ -10817,12 +12305,12 @@
           </a:ln>
         </p:spPr>
         <p:txBody>
-          <a:bodyPr anchorCtr="0" anchor="t" bIns="91425" lIns="91425" spcFirstLastPara="1" rIns="91425" wrap="square" tIns="91425">
+          <a:bodyPr spcFirstLastPara="1" wrap="square" lIns="91425" tIns="91425" rIns="91425" bIns="91425" anchor="t" anchorCtr="0">
             <a:spAutoFit/>
           </a:bodyPr>
           <a:lstStyle/>
           <a:p>
-            <a:pPr indent="-304800" lvl="0" marL="457200" rtl="0" algn="just">
+            <a:pPr marL="457200" lvl="0" indent="-304800" algn="just" rtl="0">
               <a:lnSpc>
                 <a:spcPct val="115000"/>
               </a:lnSpc>
@@ -10837,7 +12325,7 @@
               <a:buChar char="●"/>
             </a:pPr>
             <a:r>
-              <a:rPr b="1" lang="en" sz="1200">
+              <a:rPr lang="en" sz="1200" b="1">
                 <a:solidFill>
                   <a:srgbClr val="6AA84F"/>
                 </a:solidFill>
@@ -10858,7 +12346,7 @@
               <a:t> and </a:t>
             </a:r>
             <a:r>
-              <a:rPr b="1" lang="en" sz="1200">
+              <a:rPr lang="en" sz="1200" b="1">
                 <a:solidFill>
                   <a:schemeClr val="accent1"/>
                 </a:solidFill>
@@ -10879,7 +12367,7 @@
               <a:t> peak seasons are the same. They starts from </a:t>
             </a:r>
             <a:r>
-              <a:rPr b="1" lang="en" sz="1200">
+              <a:rPr lang="en" sz="1200" b="1">
                 <a:latin typeface="Open Sans"/>
                 <a:ea typeface="Open Sans"/>
                 <a:cs typeface="Open Sans"/>
@@ -10897,7 +12385,7 @@
               <a:t>and peaked in </a:t>
             </a:r>
             <a:r>
-              <a:rPr b="1" lang="en" sz="1200">
+              <a:rPr lang="en" sz="1200" b="1">
                 <a:latin typeface="Open Sans"/>
                 <a:ea typeface="Open Sans"/>
                 <a:cs typeface="Open Sans"/>
@@ -10915,7 +12403,7 @@
               <a:t>for </a:t>
             </a:r>
             <a:r>
-              <a:rPr b="1" lang="en" sz="1200">
+              <a:rPr lang="en" sz="1200" b="1">
                 <a:solidFill>
                   <a:srgbClr val="6AA84F"/>
                 </a:solidFill>
@@ -10936,7 +12424,7 @@
               <a:t> and </a:t>
             </a:r>
             <a:r>
-              <a:rPr b="1" lang="en" sz="1200">
+              <a:rPr lang="en" sz="1200" b="1">
                 <a:latin typeface="Open Sans"/>
                 <a:ea typeface="Open Sans"/>
                 <a:cs typeface="Open Sans"/>
@@ -10954,7 +12442,7 @@
               <a:t>for </a:t>
             </a:r>
             <a:r>
-              <a:rPr b="1" lang="en" sz="1200">
+              <a:rPr lang="en" sz="1200" b="1">
                 <a:solidFill>
                   <a:schemeClr val="accent1"/>
                 </a:solidFill>
@@ -10982,7 +12470,7 @@
             </a:endParaRPr>
           </a:p>
           <a:p>
-            <a:pPr indent="-304800" lvl="0" marL="457200" rtl="0" algn="just">
+            <a:pPr marL="457200" lvl="0" indent="-304800" algn="just" rtl="0">
               <a:lnSpc>
                 <a:spcPct val="115000"/>
               </a:lnSpc>
@@ -11062,12 +12550,12 @@
           </a:ln>
         </p:spPr>
         <p:txBody>
-          <a:bodyPr anchorCtr="0" anchor="t" bIns="91425" lIns="91425" spcFirstLastPara="1" rIns="91425" wrap="square" tIns="91425">
+          <a:bodyPr spcFirstLastPara="1" wrap="square" lIns="91425" tIns="91425" rIns="91425" bIns="91425" anchor="t" anchorCtr="0">
             <a:spAutoFit/>
           </a:bodyPr>
           <a:lstStyle/>
           <a:p>
-            <a:pPr indent="0" lvl="0" marL="0" rtl="0" algn="l">
+            <a:pPr marL="0" lvl="0" indent="0" algn="l" rtl="0">
               <a:spcBef>
                 <a:spcPts val="0"/>
               </a:spcBef>
@@ -11077,7 +12565,7 @@
               <a:buNone/>
             </a:pPr>
             <a:r>
-              <a:rPr b="1" lang="en" sz="1800">
+              <a:rPr lang="en" sz="1800" b="1">
                 <a:solidFill>
                   <a:schemeClr val="accent1"/>
                 </a:solidFill>
@@ -11088,7 +12576,7 @@
               </a:rPr>
               <a:t>Casual vs member users</a:t>
             </a:r>
-            <a:endParaRPr b="1" sz="1800">
+            <a:endParaRPr sz="1800" b="1">
               <a:solidFill>
                 <a:schemeClr val="accent1"/>
               </a:solidFill>
@@ -11099,7 +12587,7 @@
             </a:endParaRPr>
           </a:p>
           <a:p>
-            <a:pPr indent="0" lvl="0" marL="0" rtl="0" algn="l">
+            <a:pPr marL="0" lvl="0" indent="0" algn="l" rtl="0">
               <a:spcBef>
                 <a:spcPts val="0"/>
               </a:spcBef>
@@ -11109,7 +12597,7 @@
               <a:buNone/>
             </a:pPr>
             <a:r>
-              <a:rPr b="1" lang="en" sz="1800">
+              <a:rPr lang="en" sz="1800" b="1">
                 <a:solidFill>
                   <a:schemeClr val="accent1"/>
                 </a:solidFill>
@@ -11120,7 +12608,7 @@
               </a:rPr>
               <a:t>About month of the year</a:t>
             </a:r>
-            <a:endParaRPr b="1" sz="1800">
+            <a:endParaRPr sz="1800" b="1">
               <a:solidFill>
                 <a:schemeClr val="accent1"/>
               </a:solidFill>
@@ -11189,6 +12677,11 @@
         </p:spPr>
       </p:pic>
     </p:spTree>
+    <p:extLst>
+      <p:ext uri="{BB962C8B-B14F-4D97-AF65-F5344CB8AC3E}">
+        <p14:creationId xmlns:p14="http://schemas.microsoft.com/office/powerpoint/2010/main" val="3984235537"/>
+      </p:ext>
+    </p:extLst>
   </p:cSld>
   <p:clrMapOvr>
     <a:masterClrMapping/>
@@ -11196,12 +12689,12 @@
 </p:sld>
 </file>
 
-<file path=ppt/slides/slide8.xml><?xml version="1.0" encoding="utf-8"?>
-<p:sld xmlns:a="http://schemas.openxmlformats.org/drawingml/2006/main" xmlns:r="http://schemas.openxmlformats.org/officeDocument/2006/relationships" xmlns:mc="http://schemas.openxmlformats.org/markup-compatibility/2006" xmlns:mv="urn:schemas-microsoft-com:mac:vml" xmlns:p="http://schemas.openxmlformats.org/presentationml/2006/main" xmlns:c="http://schemas.openxmlformats.org/drawingml/2006/chart" xmlns:dgm="http://schemas.openxmlformats.org/drawingml/2006/diagram" xmlns:o="urn:schemas-microsoft-com:office:office" xmlns:v="urn:schemas-microsoft-com:vml" xmlns:pvml="urn:schemas-microsoft-com:office:powerpoint" xmlns:com="http://schemas.openxmlformats.org/drawingml/2006/compatibility" xmlns:p14="http://schemas.microsoft.com/office/powerpoint/2010/main" xmlns:p15="http://schemas.microsoft.com/office/powerpoint/2012/main" xmlns:ahyp="http://schemas.microsoft.com/office/drawing/2018/hyperlinkcolor">
+<file path=ppt/slides/slide9.xml><?xml version="1.0" encoding="utf-8"?>
+<p:sld xmlns:a="http://schemas.openxmlformats.org/drawingml/2006/main" xmlns:r="http://schemas.openxmlformats.org/officeDocument/2006/relationships" xmlns:p="http://schemas.openxmlformats.org/presentationml/2006/main">
   <p:cSld>
     <p:spTree>
       <p:nvGrpSpPr>
-        <p:cNvPr id="120" name="Shape 120"/>
+        <p:cNvPr id="1" name="Shape 120"/>
         <p:cNvGrpSpPr/>
         <p:nvPr/>
       </p:nvGrpSpPr>
@@ -11235,12 +12728,12 @@
           </a:ln>
         </p:spPr>
         <p:txBody>
-          <a:bodyPr anchorCtr="0" anchor="ctr" bIns="91425" lIns="91425" spcFirstLastPara="1" rIns="91425" wrap="square" tIns="91425">
+          <a:bodyPr spcFirstLastPara="1" wrap="square" lIns="91425" tIns="91425" rIns="91425" bIns="91425" anchor="ctr" anchorCtr="0">
             <a:noAutofit/>
           </a:bodyPr>
           <a:lstStyle/>
           <a:p>
-            <a:pPr indent="0" lvl="0" marL="0" rtl="0" algn="l">
+            <a:pPr marL="0" lvl="0" indent="0" algn="l" rtl="0">
               <a:spcBef>
                 <a:spcPts val="0"/>
               </a:spcBef>
@@ -11249,9 +12742,6 @@
               </a:spcAft>
               <a:buNone/>
             </a:pPr>
-            <a:r>
-              <a:t/>
-            </a:r>
             <a:endParaRPr/>
           </a:p>
         </p:txBody>
@@ -11276,12 +12766,12 @@
           </a:ln>
         </p:spPr>
         <p:txBody>
-          <a:bodyPr anchorCtr="0" anchor="t" bIns="91425" lIns="91425" spcFirstLastPara="1" rIns="91425" wrap="square" tIns="91425">
+          <a:bodyPr spcFirstLastPara="1" wrap="square" lIns="91425" tIns="91425" rIns="91425" bIns="91425" anchor="t" anchorCtr="0">
             <a:spAutoFit/>
           </a:bodyPr>
           <a:lstStyle/>
           <a:p>
-            <a:pPr indent="-304800" lvl="0" marL="457200" rtl="0" algn="just">
+            <a:pPr marL="457200" lvl="0" indent="-304800" algn="just" rtl="0">
               <a:lnSpc>
                 <a:spcPct val="115000"/>
               </a:lnSpc>
@@ -11296,7 +12786,7 @@
               <a:buChar char="●"/>
             </a:pPr>
             <a:r>
-              <a:rPr b="1" lang="en" sz="1200">
+              <a:rPr lang="en" sz="1200" b="1">
                 <a:solidFill>
                   <a:srgbClr val="6AA84F"/>
                 </a:solidFill>
@@ -11317,7 +12807,7 @@
               <a:t> have more number of rides and ride time </a:t>
             </a:r>
             <a:r>
-              <a:rPr b="1" lang="en" sz="1200">
+              <a:rPr lang="en" sz="1200" b="1">
                 <a:latin typeface="Open Sans"/>
                 <a:ea typeface="Open Sans"/>
                 <a:cs typeface="Open Sans"/>
@@ -11325,7 +12815,7 @@
               </a:rPr>
               <a:t>during the weekend (Saturday &amp; Sunday).</a:t>
             </a:r>
-            <a:endParaRPr b="1" sz="1200">
+            <a:endParaRPr sz="1200" b="1">
               <a:latin typeface="Open Sans"/>
               <a:ea typeface="Open Sans"/>
               <a:cs typeface="Open Sans"/>
@@ -11333,7 +12823,7 @@
             </a:endParaRPr>
           </a:p>
           <a:p>
-            <a:pPr indent="-304800" lvl="0" marL="457200" rtl="0" algn="just">
+            <a:pPr marL="457200" lvl="0" indent="-304800" algn="just" rtl="0">
               <a:lnSpc>
                 <a:spcPct val="115000"/>
               </a:lnSpc>
@@ -11348,7 +12838,7 @@
               <a:buChar char="●"/>
             </a:pPr>
             <a:r>
-              <a:rPr b="1" lang="en" sz="1200">
+              <a:rPr lang="en" sz="1200" b="1">
                 <a:solidFill>
                   <a:schemeClr val="accent1"/>
                 </a:solidFill>
@@ -11372,7 +12862,7 @@
               <a:t>spend more time and make more number of rides </a:t>
             </a:r>
             <a:r>
-              <a:rPr b="1" lang="en" sz="1200">
+              <a:rPr lang="en" sz="1200" b="1">
                 <a:solidFill>
                   <a:schemeClr val="dk1"/>
                 </a:solidFill>
@@ -11383,7 +12873,7 @@
               </a:rPr>
               <a:t>during weekdays (Monday to Friday).</a:t>
             </a:r>
-            <a:endParaRPr b="1" sz="1200">
+            <a:endParaRPr sz="1200" b="1">
               <a:latin typeface="Open Sans"/>
               <a:ea typeface="Open Sans"/>
               <a:cs typeface="Open Sans"/>
@@ -11440,12 +12930,12 @@
           </a:ln>
         </p:spPr>
         <p:txBody>
-          <a:bodyPr anchorCtr="0" anchor="t" bIns="91425" lIns="91425" spcFirstLastPara="1" rIns="91425" wrap="square" tIns="91425">
+          <a:bodyPr spcFirstLastPara="1" wrap="square" lIns="91425" tIns="91425" rIns="91425" bIns="91425" anchor="t" anchorCtr="0">
             <a:spAutoFit/>
           </a:bodyPr>
           <a:lstStyle/>
           <a:p>
-            <a:pPr indent="0" lvl="0" marL="0" rtl="0" algn="l">
+            <a:pPr marL="0" lvl="0" indent="0" algn="l" rtl="0">
               <a:spcBef>
                 <a:spcPts val="0"/>
               </a:spcBef>
@@ -11455,7 +12945,7 @@
               <a:buNone/>
             </a:pPr>
             <a:r>
-              <a:rPr b="1" lang="en" sz="1800">
+              <a:rPr lang="en" sz="1800" b="1">
                 <a:solidFill>
                   <a:schemeClr val="accent1"/>
                 </a:solidFill>
@@ -11466,7 +12956,7 @@
               </a:rPr>
               <a:t>Casual vs member users</a:t>
             </a:r>
-            <a:endParaRPr b="1" sz="1800">
+            <a:endParaRPr sz="1800" b="1">
               <a:solidFill>
                 <a:schemeClr val="accent1"/>
               </a:solidFill>
@@ -11477,7 +12967,7 @@
             </a:endParaRPr>
           </a:p>
           <a:p>
-            <a:pPr indent="0" lvl="0" marL="0" rtl="0" algn="l">
+            <a:pPr marL="0" lvl="0" indent="0" algn="l" rtl="0">
               <a:spcBef>
                 <a:spcPts val="0"/>
               </a:spcBef>
@@ -11487,7 +12977,7 @@
               <a:buNone/>
             </a:pPr>
             <a:r>
-              <a:rPr b="1" lang="en" sz="1800">
+              <a:rPr lang="en" sz="1800" b="1">
                 <a:solidFill>
                   <a:schemeClr val="accent1"/>
                 </a:solidFill>
@@ -11498,7 +12988,7 @@
               </a:rPr>
               <a:t>About weekday</a:t>
             </a:r>
-            <a:endParaRPr b="1" sz="1800">
+            <a:endParaRPr sz="1800" b="1">
               <a:solidFill>
                 <a:schemeClr val="accent1"/>
               </a:solidFill>
@@ -11539,431 +13029,11 @@
         </p:spPr>
       </p:pic>
     </p:spTree>
-  </p:cSld>
-  <p:clrMapOvr>
-    <a:masterClrMapping/>
-  </p:clrMapOvr>
-</p:sld>
-</file>
-
-<file path=ppt/slides/slide9.xml><?xml version="1.0" encoding="utf-8"?>
-<p:sld xmlns:a="http://schemas.openxmlformats.org/drawingml/2006/main" xmlns:r="http://schemas.openxmlformats.org/officeDocument/2006/relationships" xmlns:mc="http://schemas.openxmlformats.org/markup-compatibility/2006" xmlns:mv="urn:schemas-microsoft-com:mac:vml" xmlns:p="http://schemas.openxmlformats.org/presentationml/2006/main" xmlns:c="http://schemas.openxmlformats.org/drawingml/2006/chart" xmlns:dgm="http://schemas.openxmlformats.org/drawingml/2006/diagram" xmlns:o="urn:schemas-microsoft-com:office:office" xmlns:v="urn:schemas-microsoft-com:vml" xmlns:pvml="urn:schemas-microsoft-com:office:powerpoint" xmlns:com="http://schemas.openxmlformats.org/drawingml/2006/compatibility" xmlns:p14="http://schemas.microsoft.com/office/powerpoint/2010/main" xmlns:p15="http://schemas.microsoft.com/office/powerpoint/2012/main" xmlns:ahyp="http://schemas.microsoft.com/office/drawing/2018/hyperlinkcolor">
-  <p:cSld>
-    <p:spTree>
-      <p:nvGrpSpPr>
-        <p:cNvPr id="129" name="Shape 129"/>
-        <p:cNvGrpSpPr/>
-        <p:nvPr/>
-      </p:nvGrpSpPr>
-      <p:grpSpPr>
-        <a:xfrm>
-          <a:off x="0" y="0"/>
-          <a:ext cx="0" cy="0"/>
-          <a:chOff x="0" y="0"/>
-          <a:chExt cx="0" cy="0"/>
-        </a:xfrm>
-      </p:grpSpPr>
-      <p:sp>
-        <p:nvSpPr>
-          <p:cNvPr id="130" name="Google Shape;130;p21"/>
-          <p:cNvSpPr/>
-          <p:nvPr/>
-        </p:nvSpPr>
-        <p:spPr>
-          <a:xfrm rot="-5400000">
-            <a:off x="-2567125" y="2549900"/>
-            <a:ext cx="5152800" cy="52800"/>
-          </a:xfrm>
-          <a:prstGeom prst="rect">
-            <a:avLst/>
-          </a:prstGeom>
-          <a:solidFill>
-            <a:schemeClr val="accent1"/>
-          </a:solidFill>
-          <a:ln>
-            <a:noFill/>
-          </a:ln>
-        </p:spPr>
-        <p:txBody>
-          <a:bodyPr anchorCtr="0" anchor="ctr" bIns="91425" lIns="91425" spcFirstLastPara="1" rIns="91425" wrap="square" tIns="91425">
-            <a:noAutofit/>
-          </a:bodyPr>
-          <a:lstStyle/>
-          <a:p>
-            <a:pPr indent="0" lvl="0" marL="0" rtl="0" algn="l">
-              <a:spcBef>
-                <a:spcPts val="0"/>
-              </a:spcBef>
-              <a:spcAft>
-                <a:spcPts val="0"/>
-              </a:spcAft>
-              <a:buNone/>
-            </a:pPr>
-            <a:r>
-              <a:t/>
-            </a:r>
-            <a:endParaRPr/>
-          </a:p>
-        </p:txBody>
-      </p:sp>
-      <p:sp>
-        <p:nvSpPr>
-          <p:cNvPr id="131" name="Google Shape;131;p21"/>
-          <p:cNvSpPr txBox="1"/>
-          <p:nvPr/>
-        </p:nvSpPr>
-        <p:spPr>
-          <a:xfrm>
-            <a:off x="572725" y="2061025"/>
-            <a:ext cx="3438600" cy="1559700"/>
-          </a:xfrm>
-          <a:prstGeom prst="rect">
-            <a:avLst/>
-          </a:prstGeom>
-          <a:noFill/>
-          <a:ln>
-            <a:noFill/>
-          </a:ln>
-        </p:spPr>
-        <p:txBody>
-          <a:bodyPr anchorCtr="0" anchor="t" bIns="91425" lIns="91425" spcFirstLastPara="1" rIns="91425" wrap="square" tIns="91425">
-            <a:spAutoFit/>
-          </a:bodyPr>
-          <a:lstStyle/>
-          <a:p>
-            <a:pPr indent="-304800" lvl="0" marL="457200" rtl="0" algn="just">
-              <a:lnSpc>
-                <a:spcPct val="115000"/>
-              </a:lnSpc>
-              <a:spcBef>
-                <a:spcPts val="0"/>
-              </a:spcBef>
-              <a:spcAft>
-                <a:spcPts val="0"/>
-              </a:spcAft>
-              <a:buSzPts val="1200"/>
-              <a:buFont typeface="Open Sans"/>
-              <a:buChar char="●"/>
-            </a:pPr>
-            <a:r>
-              <a:rPr b="1" lang="en" sz="1200">
-                <a:solidFill>
-                  <a:srgbClr val="6AA84F"/>
-                </a:solidFill>
-                <a:latin typeface="Open Sans"/>
-                <a:ea typeface="Open Sans"/>
-                <a:cs typeface="Open Sans"/>
-                <a:sym typeface="Open Sans"/>
-              </a:rPr>
-              <a:t>Casual users</a:t>
-            </a:r>
-            <a:r>
-              <a:rPr lang="en" sz="1200">
-                <a:latin typeface="Open Sans"/>
-                <a:ea typeface="Open Sans"/>
-                <a:cs typeface="Open Sans"/>
-                <a:sym typeface="Open Sans"/>
-              </a:rPr>
-              <a:t> make rides from </a:t>
-            </a:r>
-            <a:r>
-              <a:rPr b="1" lang="en" sz="1200">
-                <a:latin typeface="Open Sans"/>
-                <a:ea typeface="Open Sans"/>
-                <a:cs typeface="Open Sans"/>
-                <a:sym typeface="Open Sans"/>
-              </a:rPr>
-              <a:t>12 PM </a:t>
-            </a:r>
-            <a:r>
-              <a:rPr lang="en" sz="1200">
-                <a:solidFill>
-                  <a:schemeClr val="dk1"/>
-                </a:solidFill>
-                <a:latin typeface="Open Sans"/>
-                <a:ea typeface="Open Sans"/>
-                <a:cs typeface="Open Sans"/>
-                <a:sym typeface="Open Sans"/>
-              </a:rPr>
-              <a:t>(time they leave from home/lunch) </a:t>
-            </a:r>
-            <a:r>
-              <a:rPr lang="en" sz="1200">
-                <a:latin typeface="Open Sans"/>
-                <a:ea typeface="Open Sans"/>
-                <a:cs typeface="Open Sans"/>
-                <a:sym typeface="Open Sans"/>
-              </a:rPr>
-              <a:t>to</a:t>
-            </a:r>
-            <a:r>
-              <a:rPr b="1" lang="en" sz="1200">
-                <a:latin typeface="Open Sans"/>
-                <a:ea typeface="Open Sans"/>
-                <a:cs typeface="Open Sans"/>
-                <a:sym typeface="Open Sans"/>
-              </a:rPr>
-              <a:t> 7 PM </a:t>
-            </a:r>
-            <a:r>
-              <a:rPr lang="en" sz="1200">
-                <a:latin typeface="Open Sans"/>
-                <a:ea typeface="Open Sans"/>
-                <a:cs typeface="Open Sans"/>
-                <a:sym typeface="Open Sans"/>
-              </a:rPr>
-              <a:t>(time they leave for home/dinner) </a:t>
-            </a:r>
-            <a:endParaRPr sz="1200">
-              <a:latin typeface="Open Sans"/>
-              <a:ea typeface="Open Sans"/>
-              <a:cs typeface="Open Sans"/>
-              <a:sym typeface="Open Sans"/>
-            </a:endParaRPr>
-          </a:p>
-          <a:p>
-            <a:pPr indent="-304800" lvl="0" marL="457200" rtl="0" algn="just">
-              <a:lnSpc>
-                <a:spcPct val="115000"/>
-              </a:lnSpc>
-              <a:spcBef>
-                <a:spcPts val="1000"/>
-              </a:spcBef>
-              <a:spcAft>
-                <a:spcPts val="1000"/>
-              </a:spcAft>
-              <a:buSzPts val="1200"/>
-              <a:buFont typeface="Open Sans"/>
-              <a:buChar char="●"/>
-            </a:pPr>
-            <a:r>
-              <a:rPr b="1" lang="en" sz="1200">
-                <a:solidFill>
-                  <a:schemeClr val="accent1"/>
-                </a:solidFill>
-                <a:latin typeface="Open Sans"/>
-                <a:ea typeface="Open Sans"/>
-                <a:cs typeface="Open Sans"/>
-                <a:sym typeface="Open Sans"/>
-              </a:rPr>
-              <a:t>Member users </a:t>
-            </a:r>
-            <a:r>
-              <a:rPr lang="en" sz="1200">
-                <a:solidFill>
-                  <a:schemeClr val="dk1"/>
-                </a:solidFill>
-                <a:latin typeface="Open Sans"/>
-                <a:ea typeface="Open Sans"/>
-                <a:cs typeface="Open Sans"/>
-                <a:sym typeface="Open Sans"/>
-              </a:rPr>
-              <a:t>peak ride time is </a:t>
-            </a:r>
-            <a:r>
-              <a:rPr b="1" lang="en" sz="1200">
-                <a:solidFill>
-                  <a:schemeClr val="dk1"/>
-                </a:solidFill>
-                <a:latin typeface="Open Sans"/>
-                <a:ea typeface="Open Sans"/>
-                <a:cs typeface="Open Sans"/>
-                <a:sym typeface="Open Sans"/>
-              </a:rPr>
-              <a:t>8 AM </a:t>
-            </a:r>
-            <a:r>
-              <a:rPr lang="en" sz="1200">
-                <a:solidFill>
-                  <a:schemeClr val="dk1"/>
-                </a:solidFill>
-                <a:latin typeface="Open Sans"/>
-                <a:ea typeface="Open Sans"/>
-                <a:cs typeface="Open Sans"/>
-                <a:sym typeface="Open Sans"/>
-              </a:rPr>
-              <a:t>(time they leave for work) and </a:t>
-            </a:r>
-            <a:r>
-              <a:rPr b="1" lang="en" sz="1200">
-                <a:solidFill>
-                  <a:schemeClr val="dk1"/>
-                </a:solidFill>
-                <a:latin typeface="Open Sans"/>
-                <a:ea typeface="Open Sans"/>
-                <a:cs typeface="Open Sans"/>
-                <a:sym typeface="Open Sans"/>
-              </a:rPr>
-              <a:t>5 PM</a:t>
-            </a:r>
-            <a:r>
-              <a:rPr lang="en" sz="1200">
-                <a:solidFill>
-                  <a:schemeClr val="dk1"/>
-                </a:solidFill>
-                <a:latin typeface="Open Sans"/>
-                <a:ea typeface="Open Sans"/>
-                <a:cs typeface="Open Sans"/>
-                <a:sym typeface="Open Sans"/>
-              </a:rPr>
-              <a:t> (time they leave from work).</a:t>
-            </a:r>
-            <a:endParaRPr b="1" sz="1200">
-              <a:latin typeface="Open Sans"/>
-              <a:ea typeface="Open Sans"/>
-              <a:cs typeface="Open Sans"/>
-              <a:sym typeface="Open Sans"/>
-            </a:endParaRPr>
-          </a:p>
-        </p:txBody>
-      </p:sp>
-      <p:pic>
-        <p:nvPicPr>
-          <p:cNvPr id="132" name="Google Shape;132;p21"/>
-          <p:cNvPicPr preferRelativeResize="0"/>
-          <p:nvPr/>
-        </p:nvPicPr>
-        <p:blipFill>
-          <a:blip r:embed="rId3">
-            <a:alphaModFix/>
-          </a:blip>
-          <a:stretch>
-            <a:fillRect/>
-          </a:stretch>
-        </p:blipFill>
-        <p:spPr>
-          <a:xfrm>
-            <a:off x="5901775" y="4220938"/>
-            <a:ext cx="1941050" cy="382325"/>
-          </a:xfrm>
-          <a:prstGeom prst="rect">
-            <a:avLst/>
-          </a:prstGeom>
-          <a:noFill/>
-          <a:ln>
-            <a:noFill/>
-          </a:ln>
-        </p:spPr>
-      </p:pic>
-      <p:sp>
-        <p:nvSpPr>
-          <p:cNvPr id="133" name="Google Shape;133;p21"/>
-          <p:cNvSpPr txBox="1"/>
-          <p:nvPr/>
-        </p:nvSpPr>
-        <p:spPr>
-          <a:xfrm>
-            <a:off x="456675" y="1200000"/>
-            <a:ext cx="5033100" cy="738900"/>
-          </a:xfrm>
-          <a:prstGeom prst="rect">
-            <a:avLst/>
-          </a:prstGeom>
-          <a:noFill/>
-          <a:ln>
-            <a:noFill/>
-          </a:ln>
-        </p:spPr>
-        <p:txBody>
-          <a:bodyPr anchorCtr="0" anchor="t" bIns="91425" lIns="91425" spcFirstLastPara="1" rIns="91425" wrap="square" tIns="91425">
-            <a:spAutoFit/>
-          </a:bodyPr>
-          <a:lstStyle/>
-          <a:p>
-            <a:pPr indent="0" lvl="0" marL="0" rtl="0" algn="l">
-              <a:spcBef>
-                <a:spcPts val="0"/>
-              </a:spcBef>
-              <a:spcAft>
-                <a:spcPts val="0"/>
-              </a:spcAft>
-              <a:buNone/>
-            </a:pPr>
-            <a:r>
-              <a:rPr b="1" lang="en" sz="1800">
-                <a:solidFill>
-                  <a:schemeClr val="accent1"/>
-                </a:solidFill>
-                <a:latin typeface="Open Sans"/>
-                <a:ea typeface="Open Sans"/>
-                <a:cs typeface="Open Sans"/>
-                <a:sym typeface="Open Sans"/>
-              </a:rPr>
-              <a:t>Casual vs member users</a:t>
-            </a:r>
-            <a:endParaRPr b="1" sz="1800">
-              <a:solidFill>
-                <a:schemeClr val="accent1"/>
-              </a:solidFill>
-              <a:latin typeface="Open Sans"/>
-              <a:ea typeface="Open Sans"/>
-              <a:cs typeface="Open Sans"/>
-              <a:sym typeface="Open Sans"/>
-            </a:endParaRPr>
-          </a:p>
-          <a:p>
-            <a:pPr indent="0" lvl="0" marL="0" rtl="0" algn="l">
-              <a:spcBef>
-                <a:spcPts val="0"/>
-              </a:spcBef>
-              <a:spcAft>
-                <a:spcPts val="0"/>
-              </a:spcAft>
-              <a:buNone/>
-            </a:pPr>
-            <a:r>
-              <a:rPr b="1" lang="en" sz="1800">
-                <a:solidFill>
-                  <a:schemeClr val="accent1"/>
-                </a:solidFill>
-                <a:latin typeface="Open Sans"/>
-                <a:ea typeface="Open Sans"/>
-                <a:cs typeface="Open Sans"/>
-                <a:sym typeface="Open Sans"/>
-              </a:rPr>
-              <a:t>About hour of the day</a:t>
-            </a:r>
-            <a:endParaRPr b="1" sz="1800">
-              <a:solidFill>
-                <a:schemeClr val="accent1"/>
-              </a:solidFill>
-              <a:latin typeface="Open Sans"/>
-              <a:ea typeface="Open Sans"/>
-              <a:cs typeface="Open Sans"/>
-              <a:sym typeface="Open Sans"/>
-            </a:endParaRPr>
-          </a:p>
-        </p:txBody>
-      </p:sp>
-      <p:pic>
-        <p:nvPicPr>
-          <p:cNvPr id="134" name="Google Shape;134;p21"/>
-          <p:cNvPicPr preferRelativeResize="0"/>
-          <p:nvPr/>
-        </p:nvPicPr>
-        <p:blipFill>
-          <a:blip r:embed="rId4">
-            <a:alphaModFix/>
-          </a:blip>
-          <a:stretch>
-            <a:fillRect/>
-          </a:stretch>
-        </p:blipFill>
-        <p:spPr>
-          <a:xfrm>
-            <a:off x="4011425" y="844125"/>
-            <a:ext cx="5132575" cy="3228851"/>
-          </a:xfrm>
-          <a:prstGeom prst="rect">
-            <a:avLst/>
-          </a:prstGeom>
-          <a:noFill/>
-          <a:ln>
-            <a:noFill/>
-          </a:ln>
-        </p:spPr>
-      </p:pic>
-    </p:spTree>
+    <p:extLst>
+      <p:ext uri="{BB962C8B-B14F-4D97-AF65-F5344CB8AC3E}">
+        <p14:creationId xmlns:p14="http://schemas.microsoft.com/office/powerpoint/2010/main" val="859179152"/>
+      </p:ext>
+    </p:extLst>
   </p:cSld>
   <p:clrMapOvr>
     <a:masterClrMapping/>
@@ -11972,7 +13042,288 @@
 </file>
 
 <file path=ppt/theme/theme1.xml><?xml version="1.0" encoding="utf-8"?>
-<a:theme xmlns:a="http://schemas.openxmlformats.org/drawingml/2006/main" xmlns:r="http://schemas.openxmlformats.org/officeDocument/2006/relationships">
+<a:theme xmlns:a="http://schemas.openxmlformats.org/drawingml/2006/main" name="Simple Light">
+  <a:themeElements>
+    <a:clrScheme name="Simple Light">
+      <a:dk1>
+        <a:srgbClr val="000000"/>
+      </a:dk1>
+      <a:lt1>
+        <a:srgbClr val="FFFFFF"/>
+      </a:lt1>
+      <a:dk2>
+        <a:srgbClr val="595959"/>
+      </a:dk2>
+      <a:lt2>
+        <a:srgbClr val="EEEEEE"/>
+      </a:lt2>
+      <a:accent1>
+        <a:srgbClr val="4285F4"/>
+      </a:accent1>
+      <a:accent2>
+        <a:srgbClr val="212121"/>
+      </a:accent2>
+      <a:accent3>
+        <a:srgbClr val="78909C"/>
+      </a:accent3>
+      <a:accent4>
+        <a:srgbClr val="FFAB40"/>
+      </a:accent4>
+      <a:accent5>
+        <a:srgbClr val="0097A7"/>
+      </a:accent5>
+      <a:accent6>
+        <a:srgbClr val="EEFF41"/>
+      </a:accent6>
+      <a:hlink>
+        <a:srgbClr val="0097A7"/>
+      </a:hlink>
+      <a:folHlink>
+        <a:srgbClr val="0097A7"/>
+      </a:folHlink>
+    </a:clrScheme>
+    <a:fontScheme name="Office">
+      <a:majorFont>
+        <a:latin typeface="Arial"/>
+        <a:ea typeface=""/>
+        <a:cs typeface=""/>
+        <a:font script="Jpan" typeface="ＭＳ Ｐゴシック"/>
+        <a:font script="Hang" typeface="맑은 고딕"/>
+        <a:font script="Hans" typeface="宋体"/>
+        <a:font script="Hant" typeface="新細明體"/>
+        <a:font script="Arab" typeface="Times New Roman"/>
+        <a:font script="Hebr" typeface="Times New Roman"/>
+        <a:font script="Thai" typeface="Angsana New"/>
+        <a:font script="Ethi" typeface="Nyala"/>
+        <a:font script="Beng" typeface="Vrinda"/>
+        <a:font script="Gujr" typeface="Shruti"/>
+        <a:font script="Khmr" typeface="MoolBoran"/>
+        <a:font script="Knda" typeface="Tunga"/>
+        <a:font script="Guru" typeface="Raavi"/>
+        <a:font script="Cans" typeface="Euphemia"/>
+        <a:font script="Cher" typeface="Plantagenet Cherokee"/>
+        <a:font script="Yiii" typeface="Microsoft Yi Baiti"/>
+        <a:font script="Tibt" typeface="Microsoft Himalaya"/>
+        <a:font script="Thaa" typeface="MV Boli"/>
+        <a:font script="Deva" typeface="Mangal"/>
+        <a:font script="Telu" typeface="Gautami"/>
+        <a:font script="Taml" typeface="Latha"/>
+        <a:font script="Syrc" typeface="Estrangelo Edessa"/>
+        <a:font script="Orya" typeface="Kalinga"/>
+        <a:font script="Mlym" typeface="Kartika"/>
+        <a:font script="Laoo" typeface="DokChampa"/>
+        <a:font script="Sinh" typeface="Iskoola Pota"/>
+        <a:font script="Mong" typeface="Mongolian Baiti"/>
+        <a:font script="Viet" typeface="Times New Roman"/>
+        <a:font script="Uigh" typeface="Microsoft Uighur"/>
+        <a:font script="Geor" typeface="Sylfaen"/>
+      </a:majorFont>
+      <a:minorFont>
+        <a:latin typeface="Arial"/>
+        <a:ea typeface=""/>
+        <a:cs typeface=""/>
+        <a:font script="Jpan" typeface="ＭＳ Ｐゴシック"/>
+        <a:font script="Hang" typeface="맑은 고딕"/>
+        <a:font script="Hans" typeface="宋体"/>
+        <a:font script="Hant" typeface="新細明體"/>
+        <a:font script="Arab" typeface="Arial"/>
+        <a:font script="Hebr" typeface="Arial"/>
+        <a:font script="Thai" typeface="Cordia New"/>
+        <a:font script="Ethi" typeface="Nyala"/>
+        <a:font script="Beng" typeface="Vrinda"/>
+        <a:font script="Gujr" typeface="Shruti"/>
+        <a:font script="Khmr" typeface="DaunPenh"/>
+        <a:font script="Knda" typeface="Tunga"/>
+        <a:font script="Guru" typeface="Raavi"/>
+        <a:font script="Cans" typeface="Euphemia"/>
+        <a:font script="Cher" typeface="Plantagenet Cherokee"/>
+        <a:font script="Yiii" typeface="Microsoft Yi Baiti"/>
+        <a:font script="Tibt" typeface="Microsoft Himalaya"/>
+        <a:font script="Thaa" typeface="MV Boli"/>
+        <a:font script="Deva" typeface="Mangal"/>
+        <a:font script="Telu" typeface="Gautami"/>
+        <a:font script="Taml" typeface="Latha"/>
+        <a:font script="Syrc" typeface="Estrangelo Edessa"/>
+        <a:font script="Orya" typeface="Kalinga"/>
+        <a:font script="Mlym" typeface="Kartika"/>
+        <a:font script="Laoo" typeface="DokChampa"/>
+        <a:font script="Sinh" typeface="Iskoola Pota"/>
+        <a:font script="Mong" typeface="Mongolian Baiti"/>
+        <a:font script="Viet" typeface="Arial"/>
+        <a:font script="Uigh" typeface="Microsoft Uighur"/>
+        <a:font script="Geor" typeface="Sylfaen"/>
+      </a:minorFont>
+    </a:fontScheme>
+    <a:fmtScheme name="Office">
+      <a:fillStyleLst>
+        <a:solidFill>
+          <a:schemeClr val="phClr"/>
+        </a:solidFill>
+        <a:gradFill rotWithShape="1">
+          <a:gsLst>
+            <a:gs pos="0">
+              <a:schemeClr val="phClr">
+                <a:tint val="50000"/>
+                <a:satMod val="300000"/>
+              </a:schemeClr>
+            </a:gs>
+            <a:gs pos="35000">
+              <a:schemeClr val="phClr">
+                <a:tint val="37000"/>
+                <a:satMod val="300000"/>
+              </a:schemeClr>
+            </a:gs>
+            <a:gs pos="100000">
+              <a:schemeClr val="phClr">
+                <a:tint val="15000"/>
+                <a:satMod val="350000"/>
+              </a:schemeClr>
+            </a:gs>
+          </a:gsLst>
+          <a:lin ang="16200000" scaled="1"/>
+        </a:gradFill>
+        <a:gradFill rotWithShape="1">
+          <a:gsLst>
+            <a:gs pos="0">
+              <a:schemeClr val="phClr">
+                <a:tint val="100000"/>
+                <a:shade val="100000"/>
+                <a:satMod val="130000"/>
+              </a:schemeClr>
+            </a:gs>
+            <a:gs pos="100000">
+              <a:schemeClr val="phClr">
+                <a:tint val="50000"/>
+                <a:shade val="100000"/>
+                <a:satMod val="350000"/>
+              </a:schemeClr>
+            </a:gs>
+          </a:gsLst>
+          <a:lin ang="16200000" scaled="0"/>
+        </a:gradFill>
+      </a:fillStyleLst>
+      <a:lnStyleLst>
+        <a:ln w="9525" cap="flat" cmpd="sng" algn="ctr">
+          <a:solidFill>
+            <a:schemeClr val="phClr">
+              <a:shade val="95000"/>
+              <a:satMod val="105000"/>
+            </a:schemeClr>
+          </a:solidFill>
+          <a:prstDash val="solid"/>
+        </a:ln>
+        <a:ln w="25400" cap="flat" cmpd="sng" algn="ctr">
+          <a:solidFill>
+            <a:schemeClr val="phClr"/>
+          </a:solidFill>
+          <a:prstDash val="solid"/>
+        </a:ln>
+        <a:ln w="38100" cap="flat" cmpd="sng" algn="ctr">
+          <a:solidFill>
+            <a:schemeClr val="phClr"/>
+          </a:solidFill>
+          <a:prstDash val="solid"/>
+        </a:ln>
+      </a:lnStyleLst>
+      <a:effectStyleLst>
+        <a:effectStyle>
+          <a:effectLst>
+            <a:outerShdw blurRad="40000" dist="20000" dir="5400000" rotWithShape="0">
+              <a:srgbClr val="000000">
+                <a:alpha val="38000"/>
+              </a:srgbClr>
+            </a:outerShdw>
+          </a:effectLst>
+        </a:effectStyle>
+        <a:effectStyle>
+          <a:effectLst>
+            <a:outerShdw blurRad="40000" dist="23000" dir="5400000" rotWithShape="0">
+              <a:srgbClr val="000000">
+                <a:alpha val="35000"/>
+              </a:srgbClr>
+            </a:outerShdw>
+          </a:effectLst>
+        </a:effectStyle>
+        <a:effectStyle>
+          <a:effectLst>
+            <a:outerShdw blurRad="40000" dist="23000" dir="5400000" rotWithShape="0">
+              <a:srgbClr val="000000">
+                <a:alpha val="35000"/>
+              </a:srgbClr>
+            </a:outerShdw>
+          </a:effectLst>
+          <a:scene3d>
+            <a:camera prst="orthographicFront">
+              <a:rot lat="0" lon="0" rev="0"/>
+            </a:camera>
+            <a:lightRig rig="threePt" dir="t">
+              <a:rot lat="0" lon="0" rev="1200000"/>
+            </a:lightRig>
+          </a:scene3d>
+          <a:sp3d>
+            <a:bevelT w="63500" h="25400"/>
+          </a:sp3d>
+        </a:effectStyle>
+      </a:effectStyleLst>
+      <a:bgFillStyleLst>
+        <a:solidFill>
+          <a:schemeClr val="phClr"/>
+        </a:solidFill>
+        <a:gradFill rotWithShape="1">
+          <a:gsLst>
+            <a:gs pos="0">
+              <a:schemeClr val="phClr">
+                <a:tint val="40000"/>
+                <a:satMod val="350000"/>
+              </a:schemeClr>
+            </a:gs>
+            <a:gs pos="40000">
+              <a:schemeClr val="phClr">
+                <a:tint val="45000"/>
+                <a:shade val="99000"/>
+                <a:satMod val="350000"/>
+              </a:schemeClr>
+            </a:gs>
+            <a:gs pos="100000">
+              <a:schemeClr val="phClr">
+                <a:shade val="20000"/>
+                <a:satMod val="255000"/>
+              </a:schemeClr>
+            </a:gs>
+          </a:gsLst>
+          <a:path path="circle">
+            <a:fillToRect l="50000" t="-80000" r="50000" b="180000"/>
+          </a:path>
+        </a:gradFill>
+        <a:gradFill rotWithShape="1">
+          <a:gsLst>
+            <a:gs pos="0">
+              <a:schemeClr val="phClr">
+                <a:tint val="80000"/>
+                <a:satMod val="300000"/>
+              </a:schemeClr>
+            </a:gs>
+            <a:gs pos="100000">
+              <a:schemeClr val="phClr">
+                <a:shade val="30000"/>
+                <a:satMod val="200000"/>
+              </a:schemeClr>
+            </a:gs>
+          </a:gsLst>
+          <a:path path="circle">
+            <a:fillToRect l="50000" t="50000" r="50000" b="50000"/>
+          </a:path>
+        </a:gradFill>
+      </a:bgFillStyleLst>
+    </a:fmtScheme>
+  </a:themeElements>
+  <a:objectDefaults/>
+  <a:extraClrSchemeLst/>
+</a:theme>
+</file>
+
+<file path=ppt/theme/theme2.xml><?xml version="1.0" encoding="utf-8"?>
+<a:theme xmlns:a="http://schemas.openxmlformats.org/drawingml/2006/main">
   <a:themeElements>
     <a:clrScheme name="Default">
       <a:dk1>
@@ -12247,284 +13598,7 @@
       </a:bgFillStyleLst>
     </a:fmtScheme>
   </a:themeElements>
-</a:theme>
-</file>
-
-<file path=ppt/theme/theme2.xml><?xml version="1.0" encoding="utf-8"?>
-<a:theme xmlns:a="http://schemas.openxmlformats.org/drawingml/2006/main" xmlns:r="http://schemas.openxmlformats.org/officeDocument/2006/relationships" name="Simple Light">
-  <a:themeElements>
-    <a:clrScheme name="Simple Light">
-      <a:dk1>
-        <a:srgbClr val="000000"/>
-      </a:dk1>
-      <a:lt1>
-        <a:srgbClr val="FFFFFF"/>
-      </a:lt1>
-      <a:dk2>
-        <a:srgbClr val="595959"/>
-      </a:dk2>
-      <a:lt2>
-        <a:srgbClr val="EEEEEE"/>
-      </a:lt2>
-      <a:accent1>
-        <a:srgbClr val="4285F4"/>
-      </a:accent1>
-      <a:accent2>
-        <a:srgbClr val="212121"/>
-      </a:accent2>
-      <a:accent3>
-        <a:srgbClr val="78909C"/>
-      </a:accent3>
-      <a:accent4>
-        <a:srgbClr val="FFAB40"/>
-      </a:accent4>
-      <a:accent5>
-        <a:srgbClr val="0097A7"/>
-      </a:accent5>
-      <a:accent6>
-        <a:srgbClr val="EEFF41"/>
-      </a:accent6>
-      <a:hlink>
-        <a:srgbClr val="0097A7"/>
-      </a:hlink>
-      <a:folHlink>
-        <a:srgbClr val="0097A7"/>
-      </a:folHlink>
-    </a:clrScheme>
-    <a:fontScheme name="Office">
-      <a:majorFont>
-        <a:latin typeface="Arial"/>
-        <a:ea typeface=""/>
-        <a:cs typeface=""/>
-        <a:font script="Jpan" typeface="ＭＳ Ｐゴシック"/>
-        <a:font script="Hang" typeface="맑은 고딕"/>
-        <a:font script="Hans" typeface="宋体"/>
-        <a:font script="Hant" typeface="新細明體"/>
-        <a:font script="Arab" typeface="Times New Roman"/>
-        <a:font script="Hebr" typeface="Times New Roman"/>
-        <a:font script="Thai" typeface="Angsana New"/>
-        <a:font script="Ethi" typeface="Nyala"/>
-        <a:font script="Beng" typeface="Vrinda"/>
-        <a:font script="Gujr" typeface="Shruti"/>
-        <a:font script="Khmr" typeface="MoolBoran"/>
-        <a:font script="Knda" typeface="Tunga"/>
-        <a:font script="Guru" typeface="Raavi"/>
-        <a:font script="Cans" typeface="Euphemia"/>
-        <a:font script="Cher" typeface="Plantagenet Cherokee"/>
-        <a:font script="Yiii" typeface="Microsoft Yi Baiti"/>
-        <a:font script="Tibt" typeface="Microsoft Himalaya"/>
-        <a:font script="Thaa" typeface="MV Boli"/>
-        <a:font script="Deva" typeface="Mangal"/>
-        <a:font script="Telu" typeface="Gautami"/>
-        <a:font script="Taml" typeface="Latha"/>
-        <a:font script="Syrc" typeface="Estrangelo Edessa"/>
-        <a:font script="Orya" typeface="Kalinga"/>
-        <a:font script="Mlym" typeface="Kartika"/>
-        <a:font script="Laoo" typeface="DokChampa"/>
-        <a:font script="Sinh" typeface="Iskoola Pota"/>
-        <a:font script="Mong" typeface="Mongolian Baiti"/>
-        <a:font script="Viet" typeface="Times New Roman"/>
-        <a:font script="Uigh" typeface="Microsoft Uighur"/>
-        <a:font script="Geor" typeface="Sylfaen"/>
-      </a:majorFont>
-      <a:minorFont>
-        <a:latin typeface="Arial"/>
-        <a:ea typeface=""/>
-        <a:cs typeface=""/>
-        <a:font script="Jpan" typeface="ＭＳ Ｐゴシック"/>
-        <a:font script="Hang" typeface="맑은 고딕"/>
-        <a:font script="Hans" typeface="宋体"/>
-        <a:font script="Hant" typeface="新細明體"/>
-        <a:font script="Arab" typeface="Arial"/>
-        <a:font script="Hebr" typeface="Arial"/>
-        <a:font script="Thai" typeface="Cordia New"/>
-        <a:font script="Ethi" typeface="Nyala"/>
-        <a:font script="Beng" typeface="Vrinda"/>
-        <a:font script="Gujr" typeface="Shruti"/>
-        <a:font script="Khmr" typeface="DaunPenh"/>
-        <a:font script="Knda" typeface="Tunga"/>
-        <a:font script="Guru" typeface="Raavi"/>
-        <a:font script="Cans" typeface="Euphemia"/>
-        <a:font script="Cher" typeface="Plantagenet Cherokee"/>
-        <a:font script="Yiii" typeface="Microsoft Yi Baiti"/>
-        <a:font script="Tibt" typeface="Microsoft Himalaya"/>
-        <a:font script="Thaa" typeface="MV Boli"/>
-        <a:font script="Deva" typeface="Mangal"/>
-        <a:font script="Telu" typeface="Gautami"/>
-        <a:font script="Taml" typeface="Latha"/>
-        <a:font script="Syrc" typeface="Estrangelo Edessa"/>
-        <a:font script="Orya" typeface="Kalinga"/>
-        <a:font script="Mlym" typeface="Kartika"/>
-        <a:font script="Laoo" typeface="DokChampa"/>
-        <a:font script="Sinh" typeface="Iskoola Pota"/>
-        <a:font script="Mong" typeface="Mongolian Baiti"/>
-        <a:font script="Viet" typeface="Arial"/>
-        <a:font script="Uigh" typeface="Microsoft Uighur"/>
-        <a:font script="Geor" typeface="Sylfaen"/>
-      </a:minorFont>
-    </a:fontScheme>
-    <a:fmtScheme name="Office">
-      <a:fillStyleLst>
-        <a:solidFill>
-          <a:schemeClr val="phClr"/>
-        </a:solidFill>
-        <a:gradFill rotWithShape="1">
-          <a:gsLst>
-            <a:gs pos="0">
-              <a:schemeClr val="phClr">
-                <a:tint val="50000"/>
-                <a:satMod val="300000"/>
-              </a:schemeClr>
-            </a:gs>
-            <a:gs pos="35000">
-              <a:schemeClr val="phClr">
-                <a:tint val="37000"/>
-                <a:satMod val="300000"/>
-              </a:schemeClr>
-            </a:gs>
-            <a:gs pos="100000">
-              <a:schemeClr val="phClr">
-                <a:tint val="15000"/>
-                <a:satMod val="350000"/>
-              </a:schemeClr>
-            </a:gs>
-          </a:gsLst>
-          <a:lin ang="16200000" scaled="1"/>
-        </a:gradFill>
-        <a:gradFill rotWithShape="1">
-          <a:gsLst>
-            <a:gs pos="0">
-              <a:schemeClr val="phClr">
-                <a:tint val="100000"/>
-                <a:shade val="100000"/>
-                <a:satMod val="130000"/>
-              </a:schemeClr>
-            </a:gs>
-            <a:gs pos="100000">
-              <a:schemeClr val="phClr">
-                <a:tint val="50000"/>
-                <a:shade val="100000"/>
-                <a:satMod val="350000"/>
-              </a:schemeClr>
-            </a:gs>
-          </a:gsLst>
-          <a:lin ang="16200000" scaled="0"/>
-        </a:gradFill>
-      </a:fillStyleLst>
-      <a:lnStyleLst>
-        <a:ln w="9525" cap="flat" cmpd="sng" algn="ctr">
-          <a:solidFill>
-            <a:schemeClr val="phClr">
-              <a:shade val="95000"/>
-              <a:satMod val="105000"/>
-            </a:schemeClr>
-          </a:solidFill>
-          <a:prstDash val="solid"/>
-        </a:ln>
-        <a:ln w="25400" cap="flat" cmpd="sng" algn="ctr">
-          <a:solidFill>
-            <a:schemeClr val="phClr"/>
-          </a:solidFill>
-          <a:prstDash val="solid"/>
-        </a:ln>
-        <a:ln w="38100" cap="flat" cmpd="sng" algn="ctr">
-          <a:solidFill>
-            <a:schemeClr val="phClr"/>
-          </a:solidFill>
-          <a:prstDash val="solid"/>
-        </a:ln>
-      </a:lnStyleLst>
-      <a:effectStyleLst>
-        <a:effectStyle>
-          <a:effectLst>
-            <a:outerShdw blurRad="40000" dist="20000" dir="5400000" rotWithShape="0">
-              <a:srgbClr val="000000">
-                <a:alpha val="38000"/>
-              </a:srgbClr>
-            </a:outerShdw>
-          </a:effectLst>
-        </a:effectStyle>
-        <a:effectStyle>
-          <a:effectLst>
-            <a:outerShdw blurRad="40000" dist="23000" dir="5400000" rotWithShape="0">
-              <a:srgbClr val="000000">
-                <a:alpha val="35000"/>
-              </a:srgbClr>
-            </a:outerShdw>
-          </a:effectLst>
-        </a:effectStyle>
-        <a:effectStyle>
-          <a:effectLst>
-            <a:outerShdw blurRad="40000" dist="23000" dir="5400000" rotWithShape="0">
-              <a:srgbClr val="000000">
-                <a:alpha val="35000"/>
-              </a:srgbClr>
-            </a:outerShdw>
-          </a:effectLst>
-          <a:scene3d>
-            <a:camera prst="orthographicFront">
-              <a:rot lat="0" lon="0" rev="0"/>
-            </a:camera>
-            <a:lightRig rig="threePt" dir="t">
-              <a:rot lat="0" lon="0" rev="1200000"/>
-            </a:lightRig>
-          </a:scene3d>
-          <a:sp3d>
-            <a:bevelT w="63500" h="25400"/>
-          </a:sp3d>
-        </a:effectStyle>
-      </a:effectStyleLst>
-      <a:bgFillStyleLst>
-        <a:solidFill>
-          <a:schemeClr val="phClr"/>
-        </a:solidFill>
-        <a:gradFill rotWithShape="1">
-          <a:gsLst>
-            <a:gs pos="0">
-              <a:schemeClr val="phClr">
-                <a:tint val="40000"/>
-                <a:satMod val="350000"/>
-              </a:schemeClr>
-            </a:gs>
-            <a:gs pos="40000">
-              <a:schemeClr val="phClr">
-                <a:tint val="45000"/>
-                <a:shade val="99000"/>
-                <a:satMod val="350000"/>
-              </a:schemeClr>
-            </a:gs>
-            <a:gs pos="100000">
-              <a:schemeClr val="phClr">
-                <a:shade val="20000"/>
-                <a:satMod val="255000"/>
-              </a:schemeClr>
-            </a:gs>
-          </a:gsLst>
-          <a:path path="circle">
-            <a:fillToRect l="50000" t="-80000" r="50000" b="180000"/>
-          </a:path>
-        </a:gradFill>
-        <a:gradFill rotWithShape="1">
-          <a:gsLst>
-            <a:gs pos="0">
-              <a:schemeClr val="phClr">
-                <a:tint val="80000"/>
-                <a:satMod val="300000"/>
-              </a:schemeClr>
-            </a:gs>
-            <a:gs pos="100000">
-              <a:schemeClr val="phClr">
-                <a:shade val="30000"/>
-                <a:satMod val="200000"/>
-              </a:schemeClr>
-            </a:gs>
-          </a:gsLst>
-          <a:path path="circle">
-            <a:fillToRect l="50000" t="50000" r="50000" b="50000"/>
-          </a:path>
-        </a:gradFill>
-      </a:bgFillStyleLst>
-    </a:fmtScheme>
-  </a:themeElements>
+  <a:objectDefaults/>
+  <a:extraClrSchemeLst/>
 </a:theme>
 </file>